--- a/diagrams/results.pptx
+++ b/diagrams/results.pptx
@@ -1,21 +1,118 @@
 
 <file path=ppt/presentation.xml><?xml version="1.0" encoding="utf-8"?>
-<p:presentation xmlns:a="http://schemas.openxmlformats.org/drawingml/2006/main" xmlns:p="http://schemas.openxmlformats.org/presentationml/2006/main" xmlns:r="http://schemas.openxmlformats.org/officeDocument/2006/relationships" xmlns:p14="http://schemas.microsoft.com/office/powerpoint/2010/main" xmlns:p15="http://schemas.microsoft.com/office/powerpoint/2012/main" xmlns:mc="http://schemas.openxmlformats.org/markup-compatibility/2006">
+<p:presentation xmlns:a="http://schemas.openxmlformats.org/drawingml/2006/main" xmlns:r="http://schemas.openxmlformats.org/officeDocument/2006/relationships" xmlns:p="http://schemas.openxmlformats.org/presentationml/2006/main" saveSubsetFonts="1">
   <p:sldMasterIdLst>
-    <p:sldMasterId id="2147483648" r:id="rId2"/>
+    <p:sldMasterId id="2147483648" r:id="rId1"/>
   </p:sldMasterIdLst>
   <p:sldIdLst>
-    <p:sldId id="256" r:id="rId3"/>
+    <p:sldId id="256" r:id="rId2"/>
   </p:sldIdLst>
   <p:sldSz cx="30267275" cy="21396325"/>
   <p:notesSz cx="7772400" cy="10058400"/>
+  <p:defaultTextStyle>
+    <a:defPPr>
+      <a:defRPr lang="en-US"/>
+    </a:defPPr>
+    <a:lvl1pPr marL="0" algn="l" defTabSz="914400" rtl="0" eaLnBrk="1" latinLnBrk="0" hangingPunct="1">
+      <a:defRPr sz="1800" kern="1200">
+        <a:solidFill>
+          <a:schemeClr val="tx1"/>
+        </a:solidFill>
+        <a:latin typeface="+mn-lt"/>
+        <a:ea typeface="+mn-ea"/>
+        <a:cs typeface="+mn-cs"/>
+      </a:defRPr>
+    </a:lvl1pPr>
+    <a:lvl2pPr marL="457200" algn="l" defTabSz="914400" rtl="0" eaLnBrk="1" latinLnBrk="0" hangingPunct="1">
+      <a:defRPr sz="1800" kern="1200">
+        <a:solidFill>
+          <a:schemeClr val="tx1"/>
+        </a:solidFill>
+        <a:latin typeface="+mn-lt"/>
+        <a:ea typeface="+mn-ea"/>
+        <a:cs typeface="+mn-cs"/>
+      </a:defRPr>
+    </a:lvl2pPr>
+    <a:lvl3pPr marL="914400" algn="l" defTabSz="914400" rtl="0" eaLnBrk="1" latinLnBrk="0" hangingPunct="1">
+      <a:defRPr sz="1800" kern="1200">
+        <a:solidFill>
+          <a:schemeClr val="tx1"/>
+        </a:solidFill>
+        <a:latin typeface="+mn-lt"/>
+        <a:ea typeface="+mn-ea"/>
+        <a:cs typeface="+mn-cs"/>
+      </a:defRPr>
+    </a:lvl3pPr>
+    <a:lvl4pPr marL="1371600" algn="l" defTabSz="914400" rtl="0" eaLnBrk="1" latinLnBrk="0" hangingPunct="1">
+      <a:defRPr sz="1800" kern="1200">
+        <a:solidFill>
+          <a:schemeClr val="tx1"/>
+        </a:solidFill>
+        <a:latin typeface="+mn-lt"/>
+        <a:ea typeface="+mn-ea"/>
+        <a:cs typeface="+mn-cs"/>
+      </a:defRPr>
+    </a:lvl4pPr>
+    <a:lvl5pPr marL="1828800" algn="l" defTabSz="914400" rtl="0" eaLnBrk="1" latinLnBrk="0" hangingPunct="1">
+      <a:defRPr sz="1800" kern="1200">
+        <a:solidFill>
+          <a:schemeClr val="tx1"/>
+        </a:solidFill>
+        <a:latin typeface="+mn-lt"/>
+        <a:ea typeface="+mn-ea"/>
+        <a:cs typeface="+mn-cs"/>
+      </a:defRPr>
+    </a:lvl5pPr>
+    <a:lvl6pPr marL="2286000" algn="l" defTabSz="914400" rtl="0" eaLnBrk="1" latinLnBrk="0" hangingPunct="1">
+      <a:defRPr sz="1800" kern="1200">
+        <a:solidFill>
+          <a:schemeClr val="tx1"/>
+        </a:solidFill>
+        <a:latin typeface="+mn-lt"/>
+        <a:ea typeface="+mn-ea"/>
+        <a:cs typeface="+mn-cs"/>
+      </a:defRPr>
+    </a:lvl6pPr>
+    <a:lvl7pPr marL="2743200" algn="l" defTabSz="914400" rtl="0" eaLnBrk="1" latinLnBrk="0" hangingPunct="1">
+      <a:defRPr sz="1800" kern="1200">
+        <a:solidFill>
+          <a:schemeClr val="tx1"/>
+        </a:solidFill>
+        <a:latin typeface="+mn-lt"/>
+        <a:ea typeface="+mn-ea"/>
+        <a:cs typeface="+mn-cs"/>
+      </a:defRPr>
+    </a:lvl7pPr>
+    <a:lvl8pPr marL="3200400" algn="l" defTabSz="914400" rtl="0" eaLnBrk="1" latinLnBrk="0" hangingPunct="1">
+      <a:defRPr sz="1800" kern="1200">
+        <a:solidFill>
+          <a:schemeClr val="tx1"/>
+        </a:solidFill>
+        <a:latin typeface="+mn-lt"/>
+        <a:ea typeface="+mn-ea"/>
+        <a:cs typeface="+mn-cs"/>
+      </a:defRPr>
+    </a:lvl8pPr>
+    <a:lvl9pPr marL="3657600" algn="l" defTabSz="914400" rtl="0" eaLnBrk="1" latinLnBrk="0" hangingPunct="1">
+      <a:defRPr sz="1800" kern="1200">
+        <a:solidFill>
+          <a:schemeClr val="tx1"/>
+        </a:solidFill>
+        <a:latin typeface="+mn-lt"/>
+        <a:ea typeface="+mn-ea"/>
+        <a:cs typeface="+mn-cs"/>
+      </a:defRPr>
+    </a:lvl9pPr>
+  </p:defaultTextStyle>
 </p:presentation>
 </file>
 
 <file path=ppt/charts/chart1.xml><?xml version="1.0" encoding="utf-8"?>
 <c:chartSpace xmlns:c="http://schemas.openxmlformats.org/drawingml/2006/chart" xmlns:a="http://schemas.openxmlformats.org/drawingml/2006/main" xmlns:r="http://schemas.openxmlformats.org/officeDocument/2006/relationships">
+  <c:date1904 val="1"/>
   <c:lang val="en-US"/>
   <c:roundedCorners val="0"/>
+  <c:style val="18"/>
   <c:chart>
     <c:title>
       <c:tx>
@@ -24,26 +121,26 @@
           <a:lstStyle/>
           <a:p>
             <a:pPr>
-              <a:defRPr b="0" sz="2800" spc="-1" strike="noStrike">
+              <a:defRPr sz="2800" b="0" strike="noStrike" spc="-1">
                 <a:solidFill>
                   <a:srgbClr val="595959"/>
                 </a:solidFill>
                 <a:uFill>
                   <a:solidFill>
-                    <a:srgbClr val="ffffff"/>
+                    <a:srgbClr val="FFFFFF"/>
                   </a:solidFill>
                 </a:uFill>
                 <a:latin typeface="Calibri"/>
               </a:defRPr>
             </a:pPr>
             <a:r>
-              <a:rPr b="0" sz="2800" spc="-1" strike="noStrike">
+              <a:rPr lang="ru-RU" sz="2800" b="0" strike="noStrike" spc="-1">
                 <a:solidFill>
                   <a:srgbClr val="595959"/>
                 </a:solidFill>
                 <a:uFill>
                   <a:solidFill>
-                    <a:srgbClr val="ffffff"/>
+                    <a:srgbClr val="FFFFFF"/>
                   </a:solidFill>
                 </a:uFill>
                 <a:latin typeface="Calibri"/>
@@ -65,6 +162,7 @@
     </c:title>
     <c:autoTitleDeleted val="0"/>
     <c:plotArea>
+      <c:layout/>
       <c:barChart>
         <c:barDir val="col"/>
         <c:grouping val="clustered"/>
@@ -85,24 +183,37 @@
           </c:tx>
           <c:spPr>
             <a:solidFill>
-              <a:srgbClr val="a5a5a5"/>
+              <a:srgbClr val="A5A5A5"/>
             </a:solidFill>
             <a:ln w="19080">
               <a:solidFill>
-                <a:srgbClr val="ffffff"/>
+                <a:srgbClr val="FFFFFF"/>
               </a:solidFill>
               <a:round/>
             </a:ln>
           </c:spPr>
           <c:invertIfNegative val="0"/>
           <c:dLbls>
+            <c:spPr>
+              <a:noFill/>
+              <a:ln>
+                <a:noFill/>
+              </a:ln>
+              <a:effectLst/>
+            </c:spPr>
             <c:dLblPos val="outEnd"/>
             <c:showLegendKey val="0"/>
             <c:showVal val="0"/>
             <c:showCatName val="0"/>
             <c:showSerName val="0"/>
             <c:showPercent val="0"/>
+            <c:showBubbleSize val="1"/>
             <c:showLeaderLines val="0"/>
+            <c:extLst>
+              <c:ext xmlns:c15="http://schemas.microsoft.com/office/drawing/2012/chart" uri="{CE6537A1-D6FC-4f65-9D91-7224C49458BB}">
+                <c15:showLeaderLines val="0"/>
+              </c:ext>
+            </c:extLst>
           </c:dLbls>
           <c:cat>
             <c:strRef>
@@ -167,64 +278,71 @@
                 <c:formatCode>General</c:formatCode>
                 <c:ptCount val="16"/>
                 <c:pt idx="0">
-                  <c:v>89</c:v>
+                  <c:v>89.0</c:v>
                 </c:pt>
                 <c:pt idx="1">
-                  <c:v>98</c:v>
+                  <c:v>98.0</c:v>
                 </c:pt>
                 <c:pt idx="2">
-                  <c:v>101</c:v>
+                  <c:v>101.0</c:v>
                 </c:pt>
                 <c:pt idx="3">
-                  <c:v>91</c:v>
+                  <c:v>91.0</c:v>
                 </c:pt>
                 <c:pt idx="4">
-                  <c:v>98</c:v>
+                  <c:v>98.0</c:v>
                 </c:pt>
                 <c:pt idx="5">
-                  <c:v>94</c:v>
+                  <c:v>94.0</c:v>
                 </c:pt>
                 <c:pt idx="6">
-                  <c:v>92</c:v>
+                  <c:v>92.0</c:v>
                 </c:pt>
                 <c:pt idx="7">
-                  <c:v>92</c:v>
+                  <c:v>92.0</c:v>
                 </c:pt>
                 <c:pt idx="8">
-                  <c:v>91</c:v>
+                  <c:v>91.0</c:v>
                 </c:pt>
                 <c:pt idx="9">
-                  <c:v>97</c:v>
+                  <c:v>97.0</c:v>
                 </c:pt>
                 <c:pt idx="10">
-                  <c:v>90</c:v>
+                  <c:v>90.0</c:v>
                 </c:pt>
                 <c:pt idx="11">
-                  <c:v>93</c:v>
+                  <c:v>93.0</c:v>
                 </c:pt>
                 <c:pt idx="12">
-                  <c:v>92</c:v>
+                  <c:v>92.0</c:v>
                 </c:pt>
                 <c:pt idx="13">
-                  <c:v>90</c:v>
+                  <c:v>90.0</c:v>
                 </c:pt>
                 <c:pt idx="14">
-                  <c:v>96</c:v>
+                  <c:v>96.0</c:v>
                 </c:pt>
                 <c:pt idx="15">
-                  <c:v>96</c:v>
+                  <c:v>96.0</c:v>
                 </c:pt>
               </c:numCache>
             </c:numRef>
           </c:val>
         </c:ser>
+        <c:dLbls>
+          <c:showLegendKey val="0"/>
+          <c:showVal val="0"/>
+          <c:showCatName val="0"/>
+          <c:showSerName val="0"/>
+          <c:showPercent val="0"/>
+          <c:showBubbleSize val="0"/>
+        </c:dLbls>
         <c:gapWidth val="0"/>
-        <c:overlap val="0"/>
-        <c:axId val="1672260"/>
-        <c:axId val="52698826"/>
+        <c:axId val="2131526640"/>
+        <c:axId val="-2145646128"/>
       </c:barChart>
       <c:catAx>
-        <c:axId val="1672260"/>
+        <c:axId val="2131526640"/>
         <c:scaling>
           <c:orientation val="minMax"/>
         </c:scaling>
@@ -237,26 +355,26 @@
               <a:lstStyle/>
               <a:p>
                 <a:pPr>
-                  <a:defRPr b="0" sz="2400" spc="-1" strike="noStrike">
+                  <a:defRPr sz="2400" b="0" strike="noStrike" spc="-1">
                     <a:solidFill>
                       <a:srgbClr val="595959"/>
                     </a:solidFill>
                     <a:uFill>
                       <a:solidFill>
-                        <a:srgbClr val="ffffff"/>
+                        <a:srgbClr val="FFFFFF"/>
                       </a:solidFill>
                     </a:uFill>
                     <a:latin typeface="Calibri"/>
                   </a:defRPr>
                 </a:pPr>
                 <a:r>
-                  <a:rPr b="0" sz="2400" spc="-1" strike="noStrike">
+                  <a:rPr lang="ru-RU" sz="2400" b="0" strike="noStrike" spc="-1">
                     <a:solidFill>
                       <a:srgbClr val="595959"/>
                     </a:solidFill>
                     <a:uFill>
                       <a:solidFill>
-                        <a:srgbClr val="ffffff"/>
+                        <a:srgbClr val="FFFFFF"/>
                       </a:solidFill>
                     </a:uFill>
                     <a:latin typeface="Calibri"/>
@@ -266,49 +384,53 @@
               </a:p>
             </c:rich>
           </c:tx>
+          <c:layout/>
           <c:overlay val="0"/>
         </c:title>
-        <c:numFmt formatCode="DD/MM/YYYY" sourceLinked="1"/>
+        <c:numFmt formatCode="General" sourceLinked="1"/>
         <c:majorTickMark val="none"/>
         <c:minorTickMark val="none"/>
         <c:tickLblPos val="nextTo"/>
         <c:spPr>
           <a:ln w="9360">
             <a:solidFill>
-              <a:srgbClr val="d9d9d9"/>
+              <a:srgbClr val="D9D9D9"/>
             </a:solidFill>
             <a:round/>
           </a:ln>
         </c:spPr>
         <c:txPr>
           <a:bodyPr/>
+          <a:lstStyle/>
           <a:p>
             <a:pPr>
-              <a:defRPr b="0" sz="2400" spc="-1" strike="noStrike">
+              <a:defRPr sz="2400" b="0" strike="noStrike" spc="-1">
                 <a:solidFill>
                   <a:srgbClr val="595959"/>
                 </a:solidFill>
                 <a:uFill>
                   <a:solidFill>
-                    <a:srgbClr val="ffffff"/>
+                    <a:srgbClr val="FFFFFF"/>
                   </a:solidFill>
                 </a:uFill>
                 <a:latin typeface="Calibri"/>
               </a:defRPr>
             </a:pPr>
+            <a:endParaRPr lang="en-US"/>
           </a:p>
         </c:txPr>
-        <c:crossAx val="52698826"/>
+        <c:crossAx val="-2145646128"/>
         <c:crosses val="autoZero"/>
         <c:auto val="1"/>
         <c:lblAlgn val="ctr"/>
         <c:lblOffset val="100"/>
+        <c:noMultiLvlLbl val="1"/>
       </c:catAx>
       <c:valAx>
-        <c:axId val="52698826"/>
+        <c:axId val="-2145646128"/>
         <c:scaling>
           <c:orientation val="minMax"/>
-          <c:min val="0"/>
+          <c:min val="0.0"/>
         </c:scaling>
         <c:delete val="0"/>
         <c:axPos val="l"/>
@@ -319,26 +441,26 @@
               <a:lstStyle/>
               <a:p>
                 <a:pPr>
-                  <a:defRPr b="0" sz="2400" spc="-1" strike="noStrike">
+                  <a:defRPr sz="2400" b="0" strike="noStrike" spc="-1">
                     <a:solidFill>
                       <a:srgbClr val="595959"/>
                     </a:solidFill>
                     <a:uFill>
                       <a:solidFill>
-                        <a:srgbClr val="ffffff"/>
+                        <a:srgbClr val="FFFFFF"/>
                       </a:solidFill>
                     </a:uFill>
                     <a:latin typeface="Calibri"/>
                   </a:defRPr>
                 </a:pPr>
                 <a:r>
-                  <a:rPr b="0" sz="2400" spc="-1" strike="noStrike">
+                  <a:rPr lang="bg-BG" sz="2400" b="0" strike="noStrike" spc="-1">
                     <a:solidFill>
                       <a:srgbClr val="595959"/>
                     </a:solidFill>
                     <a:uFill>
                       <a:solidFill>
-                        <a:srgbClr val="ffffff"/>
+                        <a:srgbClr val="FFFFFF"/>
                       </a:solidFill>
                     </a:uFill>
                     <a:latin typeface="Calibri"/>
@@ -348,6 +470,7 @@
               </a:p>
             </c:rich>
           </c:tx>
+          <c:layout/>
           <c:overlay val="0"/>
         </c:title>
         <c:numFmt formatCode="General" sourceLinked="0"/>
@@ -361,24 +484,27 @@
         </c:spPr>
         <c:txPr>
           <a:bodyPr/>
+          <a:lstStyle/>
           <a:p>
             <a:pPr>
-              <a:defRPr b="0" sz="2400" spc="-1" strike="noStrike">
+              <a:defRPr sz="2400" b="0" strike="noStrike" spc="-1">
                 <a:solidFill>
                   <a:srgbClr val="595959"/>
                 </a:solidFill>
                 <a:uFill>
                   <a:solidFill>
-                    <a:srgbClr val="ffffff"/>
+                    <a:srgbClr val="FFFFFF"/>
                   </a:solidFill>
                 </a:uFill>
                 <a:latin typeface="Calibri"/>
               </a:defRPr>
             </a:pPr>
+            <a:endParaRPr lang="en-US"/>
           </a:p>
         </c:txPr>
-        <c:crossAx val="1672260"/>
+        <c:crossAx val="2131526640"/>
         <c:crosses val="autoZero"/>
+        <c:crossBetween val="between"/>
       </c:valAx>
       <c:spPr>
         <a:noFill/>
@@ -389,6 +515,7 @@
     </c:plotArea>
     <c:plotVisOnly val="1"/>
     <c:dispBlanksAs val="gap"/>
+    <c:showDLblsOverMax val="1"/>
   </c:chart>
   <c:spPr>
     <a:noFill/>
@@ -400,7 +527,7 @@
 </file>
 
 <file path=ppt/slideLayouts/slideLayout1.xml><?xml version="1.0" encoding="utf-8"?>
-<p:sldLayout xmlns:a="http://schemas.openxmlformats.org/drawingml/2006/main" xmlns:p="http://schemas.openxmlformats.org/presentationml/2006/main" xmlns:r="http://schemas.openxmlformats.org/officeDocument/2006/relationships" xmlns:p14="http://schemas.microsoft.com/office/powerpoint/2010/main" xmlns:p15="http://schemas.microsoft.com/office/powerpoint/2012/main" xmlns:mc="http://schemas.openxmlformats.org/markup-compatibility/2006" type="blank" preserve="1">
+<p:sldLayout xmlns:a="http://schemas.openxmlformats.org/drawingml/2006/main" xmlns:r="http://schemas.openxmlformats.org/officeDocument/2006/relationships" xmlns:p="http://schemas.openxmlformats.org/presentationml/2006/main" type="blank" preserve="1">
   <p:cSld name="Blank Slide">
     <p:spTree>
       <p:nvGrpSpPr>
@@ -418,11 +545,14 @@
       </p:grpSpPr>
     </p:spTree>
   </p:cSld>
+  <p:clrMapOvr>
+    <a:masterClrMapping/>
+  </p:clrMapOvr>
 </p:sldLayout>
 </file>
 
 <file path=ppt/slideLayouts/slideLayout10.xml><?xml version="1.0" encoding="utf-8"?>
-<p:sldLayout xmlns:a="http://schemas.openxmlformats.org/drawingml/2006/main" xmlns:p="http://schemas.openxmlformats.org/presentationml/2006/main" xmlns:r="http://schemas.openxmlformats.org/officeDocument/2006/relationships" xmlns:p14="http://schemas.microsoft.com/office/powerpoint/2010/main" xmlns:p15="http://schemas.microsoft.com/office/powerpoint/2012/main" xmlns:mc="http://schemas.openxmlformats.org/markup-compatibility/2006" type="objOverTx" preserve="1">
+<p:sldLayout xmlns:a="http://schemas.openxmlformats.org/drawingml/2006/main" xmlns:r="http://schemas.openxmlformats.org/officeDocument/2006/relationships" xmlns:p="http://schemas.openxmlformats.org/presentationml/2006/main" type="objOverTx" preserve="1">
   <p:cSld name="Title, Content over Content">
     <p:spTree>
       <p:nvGrpSpPr>
@@ -458,15 +588,16 @@
           </a:prstGeom>
         </p:spPr>
         <p:txBody>
-          <a:bodyPr lIns="0" rIns="0" tIns="0" bIns="0" anchor="ctr"/>
+          <a:bodyPr lIns="0" tIns="0" rIns="0" bIns="0" anchor="ctr"/>
+          <a:lstStyle/>
           <a:p>
-            <a:endParaRPr b="0" lang="en-US" sz="4880" spc="-1" strike="noStrike">
+            <a:endParaRPr lang="en-US" sz="4880" b="0" strike="noStrike" spc="-1">
               <a:solidFill>
                 <a:srgbClr val="000000"/>
               </a:solidFill>
               <a:uFill>
                 <a:solidFill>
-                  <a:srgbClr val="ffffff"/>
+                  <a:srgbClr val="FFFFFF"/>
                 </a:solidFill>
               </a:uFill>
               <a:latin typeface="Calibri"/>
@@ -494,15 +625,16 @@
           </a:prstGeom>
         </p:spPr>
         <p:txBody>
-          <a:bodyPr lIns="0" rIns="0" tIns="0" bIns="0"/>
+          <a:bodyPr lIns="0" tIns="0" rIns="0" bIns="0"/>
+          <a:lstStyle/>
           <a:p>
-            <a:endParaRPr b="0" lang="en-US" sz="8740" spc="-1" strike="noStrike">
+            <a:endParaRPr lang="en-US" sz="8740" b="0" strike="noStrike" spc="-1">
               <a:solidFill>
                 <a:srgbClr val="000000"/>
               </a:solidFill>
               <a:uFill>
                 <a:solidFill>
-                  <a:srgbClr val="ffffff"/>
+                  <a:srgbClr val="FFFFFF"/>
                 </a:solidFill>
               </a:uFill>
               <a:latin typeface="Calibri"/>
@@ -530,15 +662,16 @@
           </a:prstGeom>
         </p:spPr>
         <p:txBody>
-          <a:bodyPr lIns="0" rIns="0" tIns="0" bIns="0"/>
+          <a:bodyPr lIns="0" tIns="0" rIns="0" bIns="0"/>
+          <a:lstStyle/>
           <a:p>
-            <a:endParaRPr b="0" lang="en-US" sz="8740" spc="-1" strike="noStrike">
+            <a:endParaRPr lang="en-US" sz="8740" b="0" strike="noStrike" spc="-1">
               <a:solidFill>
                 <a:srgbClr val="000000"/>
               </a:solidFill>
               <a:uFill>
                 <a:solidFill>
-                  <a:srgbClr val="ffffff"/>
+                  <a:srgbClr val="FFFFFF"/>
                 </a:solidFill>
               </a:uFill>
               <a:latin typeface="Calibri"/>
@@ -548,11 +681,14 @@
       </p:sp>
     </p:spTree>
   </p:cSld>
+  <p:clrMapOvr>
+    <a:masterClrMapping/>
+  </p:clrMapOvr>
 </p:sldLayout>
 </file>
 
 <file path=ppt/slideLayouts/slideLayout11.xml><?xml version="1.0" encoding="utf-8"?>
-<p:sldLayout xmlns:a="http://schemas.openxmlformats.org/drawingml/2006/main" xmlns:p="http://schemas.openxmlformats.org/presentationml/2006/main" xmlns:r="http://schemas.openxmlformats.org/officeDocument/2006/relationships" xmlns:p14="http://schemas.microsoft.com/office/powerpoint/2010/main" xmlns:p15="http://schemas.microsoft.com/office/powerpoint/2012/main" xmlns:mc="http://schemas.openxmlformats.org/markup-compatibility/2006" type="fourObj" preserve="1">
+<p:sldLayout xmlns:a="http://schemas.openxmlformats.org/drawingml/2006/main" xmlns:r="http://schemas.openxmlformats.org/officeDocument/2006/relationships" xmlns:p="http://schemas.openxmlformats.org/presentationml/2006/main" type="fourObj" preserve="1">
   <p:cSld name="Title, 4 Content">
     <p:spTree>
       <p:nvGrpSpPr>
@@ -588,15 +724,16 @@
           </a:prstGeom>
         </p:spPr>
         <p:txBody>
-          <a:bodyPr lIns="0" rIns="0" tIns="0" bIns="0" anchor="ctr"/>
+          <a:bodyPr lIns="0" tIns="0" rIns="0" bIns="0" anchor="ctr"/>
+          <a:lstStyle/>
           <a:p>
-            <a:endParaRPr b="0" lang="en-US" sz="4880" spc="-1" strike="noStrike">
+            <a:endParaRPr lang="en-US" sz="4880" b="0" strike="noStrike" spc="-1">
               <a:solidFill>
                 <a:srgbClr val="000000"/>
               </a:solidFill>
               <a:uFill>
                 <a:solidFill>
-                  <a:srgbClr val="ffffff"/>
+                  <a:srgbClr val="FFFFFF"/>
                 </a:solidFill>
               </a:uFill>
               <a:latin typeface="Calibri"/>
@@ -624,15 +761,16 @@
           </a:prstGeom>
         </p:spPr>
         <p:txBody>
-          <a:bodyPr lIns="0" rIns="0" tIns="0" bIns="0"/>
+          <a:bodyPr lIns="0" tIns="0" rIns="0" bIns="0"/>
+          <a:lstStyle/>
           <a:p>
-            <a:endParaRPr b="0" lang="en-US" sz="8740" spc="-1" strike="noStrike">
+            <a:endParaRPr lang="en-US" sz="8740" b="0" strike="noStrike" spc="-1">
               <a:solidFill>
                 <a:srgbClr val="000000"/>
               </a:solidFill>
               <a:uFill>
                 <a:solidFill>
-                  <a:srgbClr val="ffffff"/>
+                  <a:srgbClr val="FFFFFF"/>
                 </a:solidFill>
               </a:uFill>
               <a:latin typeface="Calibri"/>
@@ -660,15 +798,16 @@
           </a:prstGeom>
         </p:spPr>
         <p:txBody>
-          <a:bodyPr lIns="0" rIns="0" tIns="0" bIns="0"/>
+          <a:bodyPr lIns="0" tIns="0" rIns="0" bIns="0"/>
+          <a:lstStyle/>
           <a:p>
-            <a:endParaRPr b="0" lang="en-US" sz="8740" spc="-1" strike="noStrike">
+            <a:endParaRPr lang="en-US" sz="8740" b="0" strike="noStrike" spc="-1">
               <a:solidFill>
                 <a:srgbClr val="000000"/>
               </a:solidFill>
               <a:uFill>
                 <a:solidFill>
-                  <a:srgbClr val="ffffff"/>
+                  <a:srgbClr val="FFFFFF"/>
                 </a:solidFill>
               </a:uFill>
               <a:latin typeface="Calibri"/>
@@ -696,15 +835,16 @@
           </a:prstGeom>
         </p:spPr>
         <p:txBody>
-          <a:bodyPr lIns="0" rIns="0" tIns="0" bIns="0"/>
+          <a:bodyPr lIns="0" tIns="0" rIns="0" bIns="0"/>
+          <a:lstStyle/>
           <a:p>
-            <a:endParaRPr b="0" lang="en-US" sz="8740" spc="-1" strike="noStrike">
+            <a:endParaRPr lang="en-US" sz="8740" b="0" strike="noStrike" spc="-1">
               <a:solidFill>
                 <a:srgbClr val="000000"/>
               </a:solidFill>
               <a:uFill>
                 <a:solidFill>
-                  <a:srgbClr val="ffffff"/>
+                  <a:srgbClr val="FFFFFF"/>
                 </a:solidFill>
               </a:uFill>
               <a:latin typeface="Calibri"/>
@@ -732,15 +872,16 @@
           </a:prstGeom>
         </p:spPr>
         <p:txBody>
-          <a:bodyPr lIns="0" rIns="0" tIns="0" bIns="0"/>
+          <a:bodyPr lIns="0" tIns="0" rIns="0" bIns="0"/>
+          <a:lstStyle/>
           <a:p>
-            <a:endParaRPr b="0" lang="en-US" sz="8740" spc="-1" strike="noStrike">
+            <a:endParaRPr lang="en-US" sz="8740" b="0" strike="noStrike" spc="-1">
               <a:solidFill>
                 <a:srgbClr val="000000"/>
               </a:solidFill>
               <a:uFill>
                 <a:solidFill>
-                  <a:srgbClr val="ffffff"/>
+                  <a:srgbClr val="FFFFFF"/>
                 </a:solidFill>
               </a:uFill>
               <a:latin typeface="Calibri"/>
@@ -750,11 +891,14 @@
       </p:sp>
     </p:spTree>
   </p:cSld>
+  <p:clrMapOvr>
+    <a:masterClrMapping/>
+  </p:clrMapOvr>
 </p:sldLayout>
 </file>
 
 <file path=ppt/slideLayouts/slideLayout12.xml><?xml version="1.0" encoding="utf-8"?>
-<p:sldLayout xmlns:a="http://schemas.openxmlformats.org/drawingml/2006/main" xmlns:p="http://schemas.openxmlformats.org/presentationml/2006/main" xmlns:r="http://schemas.openxmlformats.org/officeDocument/2006/relationships" xmlns:p14="http://schemas.microsoft.com/office/powerpoint/2010/main" xmlns:p15="http://schemas.microsoft.com/office/powerpoint/2012/main" xmlns:mc="http://schemas.openxmlformats.org/markup-compatibility/2006" type="blank" preserve="1">
+<p:sldLayout xmlns:a="http://schemas.openxmlformats.org/drawingml/2006/main" xmlns:r="http://schemas.openxmlformats.org/officeDocument/2006/relationships" xmlns:p="http://schemas.openxmlformats.org/presentationml/2006/main" type="blank" preserve="1">
   <p:cSld name="Title, 6 Content">
     <p:spTree>
       <p:nvGrpSpPr>
@@ -790,15 +934,16 @@
           </a:prstGeom>
         </p:spPr>
         <p:txBody>
-          <a:bodyPr lIns="0" rIns="0" tIns="0" bIns="0" anchor="ctr"/>
+          <a:bodyPr lIns="0" tIns="0" rIns="0" bIns="0" anchor="ctr"/>
+          <a:lstStyle/>
           <a:p>
-            <a:endParaRPr b="0" lang="en-US" sz="4880" spc="-1" strike="noStrike">
+            <a:endParaRPr lang="en-US" sz="4880" b="0" strike="noStrike" spc="-1">
               <a:solidFill>
                 <a:srgbClr val="000000"/>
               </a:solidFill>
               <a:uFill>
                 <a:solidFill>
-                  <a:srgbClr val="ffffff"/>
+                  <a:srgbClr val="FFFFFF"/>
                 </a:solidFill>
               </a:uFill>
               <a:latin typeface="Calibri"/>
@@ -826,15 +971,16 @@
           </a:prstGeom>
         </p:spPr>
         <p:txBody>
-          <a:bodyPr lIns="0" rIns="0" tIns="0" bIns="0"/>
+          <a:bodyPr lIns="0" tIns="0" rIns="0" bIns="0"/>
+          <a:lstStyle/>
           <a:p>
-            <a:endParaRPr b="0" lang="en-US" sz="8740" spc="-1" strike="noStrike">
+            <a:endParaRPr lang="en-US" sz="8740" b="0" strike="noStrike" spc="-1">
               <a:solidFill>
                 <a:srgbClr val="000000"/>
               </a:solidFill>
               <a:uFill>
                 <a:solidFill>
-                  <a:srgbClr val="ffffff"/>
+                  <a:srgbClr val="FFFFFF"/>
                 </a:solidFill>
               </a:uFill>
               <a:latin typeface="Calibri"/>
@@ -862,15 +1008,16 @@
           </a:prstGeom>
         </p:spPr>
         <p:txBody>
-          <a:bodyPr lIns="0" rIns="0" tIns="0" bIns="0"/>
+          <a:bodyPr lIns="0" tIns="0" rIns="0" bIns="0"/>
+          <a:lstStyle/>
           <a:p>
-            <a:endParaRPr b="0" lang="en-US" sz="8740" spc="-1" strike="noStrike">
+            <a:endParaRPr lang="en-US" sz="8740" b="0" strike="noStrike" spc="-1">
               <a:solidFill>
                 <a:srgbClr val="000000"/>
               </a:solidFill>
               <a:uFill>
                 <a:solidFill>
-                  <a:srgbClr val="ffffff"/>
+                  <a:srgbClr val="FFFFFF"/>
                 </a:solidFill>
               </a:uFill>
               <a:latin typeface="Calibri"/>
@@ -880,7 +1027,7 @@
       </p:sp>
       <p:pic>
         <p:nvPicPr>
-          <p:cNvPr id="36" name="" descr=""/>
+          <p:cNvPr id="36" name="Picture 35"/>
           <p:cNvPicPr/>
           <p:nvPr/>
         </p:nvPicPr>
@@ -903,12 +1050,12 @@
       </p:pic>
       <p:pic>
         <p:nvPicPr>
-          <p:cNvPr id="37" name="" descr=""/>
+          <p:cNvPr id="37" name="Picture 36"/>
           <p:cNvPicPr/>
           <p:nvPr/>
         </p:nvPicPr>
         <p:blipFill>
-          <a:blip r:embed="rId3"/>
+          <a:blip r:embed="rId2"/>
           <a:stretch/>
         </p:blipFill>
         <p:spPr>
@@ -926,11 +1073,14 @@
       </p:pic>
     </p:spTree>
   </p:cSld>
+  <p:clrMapOvr>
+    <a:masterClrMapping/>
+  </p:clrMapOvr>
 </p:sldLayout>
 </file>
 
 <file path=ppt/slideLayouts/slideLayout2.xml><?xml version="1.0" encoding="utf-8"?>
-<p:sldLayout xmlns:a="http://schemas.openxmlformats.org/drawingml/2006/main" xmlns:p="http://schemas.openxmlformats.org/presentationml/2006/main" xmlns:r="http://schemas.openxmlformats.org/officeDocument/2006/relationships" xmlns:p14="http://schemas.microsoft.com/office/powerpoint/2010/main" xmlns:p15="http://schemas.microsoft.com/office/powerpoint/2012/main" xmlns:mc="http://schemas.openxmlformats.org/markup-compatibility/2006" type="tx" preserve="1">
+<p:sldLayout xmlns:a="http://schemas.openxmlformats.org/drawingml/2006/main" xmlns:r="http://schemas.openxmlformats.org/officeDocument/2006/relationships" xmlns:p="http://schemas.openxmlformats.org/presentationml/2006/main" type="tx" preserve="1">
   <p:cSld name="Title Slide">
     <p:spTree>
       <p:nvGrpSpPr>
@@ -966,15 +1116,16 @@
           </a:prstGeom>
         </p:spPr>
         <p:txBody>
-          <a:bodyPr lIns="0" rIns="0" tIns="0" bIns="0" anchor="ctr"/>
+          <a:bodyPr lIns="0" tIns="0" rIns="0" bIns="0" anchor="ctr"/>
+          <a:lstStyle/>
           <a:p>
-            <a:endParaRPr b="0" lang="en-US" sz="4880" spc="-1" strike="noStrike">
+            <a:endParaRPr lang="en-US" sz="4880" b="0" strike="noStrike" spc="-1">
               <a:solidFill>
                 <a:srgbClr val="000000"/>
               </a:solidFill>
               <a:uFill>
                 <a:solidFill>
-                  <a:srgbClr val="ffffff"/>
+                  <a:srgbClr val="FFFFFF"/>
                 </a:solidFill>
               </a:uFill>
               <a:latin typeface="Calibri"/>
@@ -1002,16 +1153,17 @@
           </a:prstGeom>
         </p:spPr>
         <p:txBody>
-          <a:bodyPr lIns="0" rIns="0" tIns="0" bIns="0" anchor="ctr"/>
+          <a:bodyPr lIns="0" tIns="0" rIns="0" bIns="0" anchor="ctr"/>
+          <a:lstStyle/>
           <a:p>
             <a:pPr algn="ctr"/>
-            <a:endParaRPr b="0" lang="ru-RU" sz="3200" spc="-1" strike="noStrike">
+            <a:endParaRPr lang="ru-RU" sz="3200" b="0" strike="noStrike" spc="-1">
               <a:solidFill>
                 <a:srgbClr val="000000"/>
               </a:solidFill>
               <a:uFill>
                 <a:solidFill>
-                  <a:srgbClr val="ffffff"/>
+                  <a:srgbClr val="FFFFFF"/>
                 </a:solidFill>
               </a:uFill>
               <a:latin typeface="Arial"/>
@@ -1021,11 +1173,14 @@
       </p:sp>
     </p:spTree>
   </p:cSld>
+  <p:clrMapOvr>
+    <a:masterClrMapping/>
+  </p:clrMapOvr>
 </p:sldLayout>
 </file>
 
 <file path=ppt/slideLayouts/slideLayout3.xml><?xml version="1.0" encoding="utf-8"?>
-<p:sldLayout xmlns:a="http://schemas.openxmlformats.org/drawingml/2006/main" xmlns:p="http://schemas.openxmlformats.org/presentationml/2006/main" xmlns:r="http://schemas.openxmlformats.org/officeDocument/2006/relationships" xmlns:p14="http://schemas.microsoft.com/office/powerpoint/2010/main" xmlns:p15="http://schemas.microsoft.com/office/powerpoint/2012/main" xmlns:mc="http://schemas.openxmlformats.org/markup-compatibility/2006" type="obj" preserve="1">
+<p:sldLayout xmlns:a="http://schemas.openxmlformats.org/drawingml/2006/main" xmlns:r="http://schemas.openxmlformats.org/officeDocument/2006/relationships" xmlns:p="http://schemas.openxmlformats.org/presentationml/2006/main" type="obj" preserve="1">
   <p:cSld name="Title, Content">
     <p:spTree>
       <p:nvGrpSpPr>
@@ -1061,15 +1216,16 @@
           </a:prstGeom>
         </p:spPr>
         <p:txBody>
-          <a:bodyPr lIns="0" rIns="0" tIns="0" bIns="0" anchor="ctr"/>
+          <a:bodyPr lIns="0" tIns="0" rIns="0" bIns="0" anchor="ctr"/>
+          <a:lstStyle/>
           <a:p>
-            <a:endParaRPr b="0" lang="en-US" sz="4880" spc="-1" strike="noStrike">
+            <a:endParaRPr lang="en-US" sz="4880" b="0" strike="noStrike" spc="-1">
               <a:solidFill>
                 <a:srgbClr val="000000"/>
               </a:solidFill>
               <a:uFill>
                 <a:solidFill>
-                  <a:srgbClr val="ffffff"/>
+                  <a:srgbClr val="FFFFFF"/>
                 </a:solidFill>
               </a:uFill>
               <a:latin typeface="Calibri"/>
@@ -1097,15 +1253,16 @@
           </a:prstGeom>
         </p:spPr>
         <p:txBody>
-          <a:bodyPr lIns="0" rIns="0" tIns="0" bIns="0"/>
+          <a:bodyPr lIns="0" tIns="0" rIns="0" bIns="0"/>
+          <a:lstStyle/>
           <a:p>
-            <a:endParaRPr b="0" lang="en-US" sz="8740" spc="-1" strike="noStrike">
+            <a:endParaRPr lang="en-US" sz="8740" b="0" strike="noStrike" spc="-1">
               <a:solidFill>
                 <a:srgbClr val="000000"/>
               </a:solidFill>
               <a:uFill>
                 <a:solidFill>
-                  <a:srgbClr val="ffffff"/>
+                  <a:srgbClr val="FFFFFF"/>
                 </a:solidFill>
               </a:uFill>
               <a:latin typeface="Calibri"/>
@@ -1115,11 +1272,14 @@
       </p:sp>
     </p:spTree>
   </p:cSld>
+  <p:clrMapOvr>
+    <a:masterClrMapping/>
+  </p:clrMapOvr>
 </p:sldLayout>
 </file>
 
 <file path=ppt/slideLayouts/slideLayout4.xml><?xml version="1.0" encoding="utf-8"?>
-<p:sldLayout xmlns:a="http://schemas.openxmlformats.org/drawingml/2006/main" xmlns:p="http://schemas.openxmlformats.org/presentationml/2006/main" xmlns:r="http://schemas.openxmlformats.org/officeDocument/2006/relationships" xmlns:p14="http://schemas.microsoft.com/office/powerpoint/2010/main" xmlns:p15="http://schemas.microsoft.com/office/powerpoint/2012/main" xmlns:mc="http://schemas.openxmlformats.org/markup-compatibility/2006" type="twoObj" preserve="1">
+<p:sldLayout xmlns:a="http://schemas.openxmlformats.org/drawingml/2006/main" xmlns:r="http://schemas.openxmlformats.org/officeDocument/2006/relationships" xmlns:p="http://schemas.openxmlformats.org/presentationml/2006/main" type="twoObj" preserve="1">
   <p:cSld name="Title, 2 Content">
     <p:spTree>
       <p:nvGrpSpPr>
@@ -1155,15 +1315,16 @@
           </a:prstGeom>
         </p:spPr>
         <p:txBody>
-          <a:bodyPr lIns="0" rIns="0" tIns="0" bIns="0" anchor="ctr"/>
+          <a:bodyPr lIns="0" tIns="0" rIns="0" bIns="0" anchor="ctr"/>
+          <a:lstStyle/>
           <a:p>
-            <a:endParaRPr b="0" lang="en-US" sz="4880" spc="-1" strike="noStrike">
+            <a:endParaRPr lang="en-US" sz="4880" b="0" strike="noStrike" spc="-1">
               <a:solidFill>
                 <a:srgbClr val="000000"/>
               </a:solidFill>
               <a:uFill>
                 <a:solidFill>
-                  <a:srgbClr val="ffffff"/>
+                  <a:srgbClr val="FFFFFF"/>
                 </a:solidFill>
               </a:uFill>
               <a:latin typeface="Calibri"/>
@@ -1191,15 +1352,16 @@
           </a:prstGeom>
         </p:spPr>
         <p:txBody>
-          <a:bodyPr lIns="0" rIns="0" tIns="0" bIns="0"/>
+          <a:bodyPr lIns="0" tIns="0" rIns="0" bIns="0"/>
+          <a:lstStyle/>
           <a:p>
-            <a:endParaRPr b="0" lang="en-US" sz="8740" spc="-1" strike="noStrike">
+            <a:endParaRPr lang="en-US" sz="8740" b="0" strike="noStrike" spc="-1">
               <a:solidFill>
                 <a:srgbClr val="000000"/>
               </a:solidFill>
               <a:uFill>
                 <a:solidFill>
-                  <a:srgbClr val="ffffff"/>
+                  <a:srgbClr val="FFFFFF"/>
                 </a:solidFill>
               </a:uFill>
               <a:latin typeface="Calibri"/>
@@ -1227,15 +1389,16 @@
           </a:prstGeom>
         </p:spPr>
         <p:txBody>
-          <a:bodyPr lIns="0" rIns="0" tIns="0" bIns="0"/>
+          <a:bodyPr lIns="0" tIns="0" rIns="0" bIns="0"/>
+          <a:lstStyle/>
           <a:p>
-            <a:endParaRPr b="0" lang="en-US" sz="8740" spc="-1" strike="noStrike">
+            <a:endParaRPr lang="en-US" sz="8740" b="0" strike="noStrike" spc="-1">
               <a:solidFill>
                 <a:srgbClr val="000000"/>
               </a:solidFill>
               <a:uFill>
                 <a:solidFill>
-                  <a:srgbClr val="ffffff"/>
+                  <a:srgbClr val="FFFFFF"/>
                 </a:solidFill>
               </a:uFill>
               <a:latin typeface="Calibri"/>
@@ -1245,11 +1408,14 @@
       </p:sp>
     </p:spTree>
   </p:cSld>
+  <p:clrMapOvr>
+    <a:masterClrMapping/>
+  </p:clrMapOvr>
 </p:sldLayout>
 </file>
 
 <file path=ppt/slideLayouts/slideLayout5.xml><?xml version="1.0" encoding="utf-8"?>
-<p:sldLayout xmlns:a="http://schemas.openxmlformats.org/drawingml/2006/main" xmlns:p="http://schemas.openxmlformats.org/presentationml/2006/main" xmlns:r="http://schemas.openxmlformats.org/officeDocument/2006/relationships" xmlns:p14="http://schemas.microsoft.com/office/powerpoint/2010/main" xmlns:p15="http://schemas.microsoft.com/office/powerpoint/2012/main" xmlns:mc="http://schemas.openxmlformats.org/markup-compatibility/2006" type="titleOnly" preserve="1">
+<p:sldLayout xmlns:a="http://schemas.openxmlformats.org/drawingml/2006/main" xmlns:r="http://schemas.openxmlformats.org/officeDocument/2006/relationships" xmlns:p="http://schemas.openxmlformats.org/presentationml/2006/main" type="titleOnly" preserve="1">
   <p:cSld name="Title Only">
     <p:spTree>
       <p:nvGrpSpPr>
@@ -1285,15 +1451,16 @@
           </a:prstGeom>
         </p:spPr>
         <p:txBody>
-          <a:bodyPr lIns="0" rIns="0" tIns="0" bIns="0" anchor="ctr"/>
+          <a:bodyPr lIns="0" tIns="0" rIns="0" bIns="0" anchor="ctr"/>
+          <a:lstStyle/>
           <a:p>
-            <a:endParaRPr b="0" lang="en-US" sz="4880" spc="-1" strike="noStrike">
+            <a:endParaRPr lang="en-US" sz="4880" b="0" strike="noStrike" spc="-1">
               <a:solidFill>
                 <a:srgbClr val="000000"/>
               </a:solidFill>
               <a:uFill>
                 <a:solidFill>
-                  <a:srgbClr val="ffffff"/>
+                  <a:srgbClr val="FFFFFF"/>
                 </a:solidFill>
               </a:uFill>
               <a:latin typeface="Calibri"/>
@@ -1303,11 +1470,14 @@
       </p:sp>
     </p:spTree>
   </p:cSld>
+  <p:clrMapOvr>
+    <a:masterClrMapping/>
+  </p:clrMapOvr>
 </p:sldLayout>
 </file>
 
 <file path=ppt/slideLayouts/slideLayout6.xml><?xml version="1.0" encoding="utf-8"?>
-<p:sldLayout xmlns:a="http://schemas.openxmlformats.org/drawingml/2006/main" xmlns:p="http://schemas.openxmlformats.org/presentationml/2006/main" xmlns:r="http://schemas.openxmlformats.org/officeDocument/2006/relationships" xmlns:p14="http://schemas.microsoft.com/office/powerpoint/2010/main" xmlns:p15="http://schemas.microsoft.com/office/powerpoint/2012/main" xmlns:mc="http://schemas.openxmlformats.org/markup-compatibility/2006" type="objOnly" preserve="1">
+<p:sldLayout xmlns:a="http://schemas.openxmlformats.org/drawingml/2006/main" xmlns:r="http://schemas.openxmlformats.org/officeDocument/2006/relationships" xmlns:p="http://schemas.openxmlformats.org/presentationml/2006/main" type="objOnly" preserve="1">
   <p:cSld name="Centered Text">
     <p:spTree>
       <p:nvGrpSpPr>
@@ -1343,16 +1513,17 @@
           </a:prstGeom>
         </p:spPr>
         <p:txBody>
-          <a:bodyPr lIns="0" rIns="0" tIns="0" bIns="0" anchor="ctr"/>
+          <a:bodyPr lIns="0" tIns="0" rIns="0" bIns="0" anchor="ctr"/>
+          <a:lstStyle/>
           <a:p>
             <a:pPr algn="ctr"/>
-            <a:endParaRPr b="0" lang="ru-RU" sz="3200" spc="-1" strike="noStrike">
+            <a:endParaRPr lang="ru-RU" sz="3200" b="0" strike="noStrike" spc="-1">
               <a:solidFill>
                 <a:srgbClr val="000000"/>
               </a:solidFill>
               <a:uFill>
                 <a:solidFill>
-                  <a:srgbClr val="ffffff"/>
+                  <a:srgbClr val="FFFFFF"/>
                 </a:solidFill>
               </a:uFill>
               <a:latin typeface="Arial"/>
@@ -1362,11 +1533,14 @@
       </p:sp>
     </p:spTree>
   </p:cSld>
+  <p:clrMapOvr>
+    <a:masterClrMapping/>
+  </p:clrMapOvr>
 </p:sldLayout>
 </file>
 
 <file path=ppt/slideLayouts/slideLayout7.xml><?xml version="1.0" encoding="utf-8"?>
-<p:sldLayout xmlns:a="http://schemas.openxmlformats.org/drawingml/2006/main" xmlns:p="http://schemas.openxmlformats.org/presentationml/2006/main" xmlns:r="http://schemas.openxmlformats.org/officeDocument/2006/relationships" xmlns:p14="http://schemas.microsoft.com/office/powerpoint/2010/main" xmlns:p15="http://schemas.microsoft.com/office/powerpoint/2012/main" xmlns:mc="http://schemas.openxmlformats.org/markup-compatibility/2006" type="twoObjAndObj" preserve="1">
+<p:sldLayout xmlns:a="http://schemas.openxmlformats.org/drawingml/2006/main" xmlns:r="http://schemas.openxmlformats.org/officeDocument/2006/relationships" xmlns:p="http://schemas.openxmlformats.org/presentationml/2006/main" type="twoObjAndObj" preserve="1">
   <p:cSld name="Title, 2 Content and Content">
     <p:spTree>
       <p:nvGrpSpPr>
@@ -1402,15 +1576,16 @@
           </a:prstGeom>
         </p:spPr>
         <p:txBody>
-          <a:bodyPr lIns="0" rIns="0" tIns="0" bIns="0" anchor="ctr"/>
+          <a:bodyPr lIns="0" tIns="0" rIns="0" bIns="0" anchor="ctr"/>
+          <a:lstStyle/>
           <a:p>
-            <a:endParaRPr b="0" lang="en-US" sz="4880" spc="-1" strike="noStrike">
+            <a:endParaRPr lang="en-US" sz="4880" b="0" strike="noStrike" spc="-1">
               <a:solidFill>
                 <a:srgbClr val="000000"/>
               </a:solidFill>
               <a:uFill>
                 <a:solidFill>
-                  <a:srgbClr val="ffffff"/>
+                  <a:srgbClr val="FFFFFF"/>
                 </a:solidFill>
               </a:uFill>
               <a:latin typeface="Calibri"/>
@@ -1438,15 +1613,16 @@
           </a:prstGeom>
         </p:spPr>
         <p:txBody>
-          <a:bodyPr lIns="0" rIns="0" tIns="0" bIns="0"/>
+          <a:bodyPr lIns="0" tIns="0" rIns="0" bIns="0"/>
+          <a:lstStyle/>
           <a:p>
-            <a:endParaRPr b="0" lang="en-US" sz="8740" spc="-1" strike="noStrike">
+            <a:endParaRPr lang="en-US" sz="8740" b="0" strike="noStrike" spc="-1">
               <a:solidFill>
                 <a:srgbClr val="000000"/>
               </a:solidFill>
               <a:uFill>
                 <a:solidFill>
-                  <a:srgbClr val="ffffff"/>
+                  <a:srgbClr val="FFFFFF"/>
                 </a:solidFill>
               </a:uFill>
               <a:latin typeface="Calibri"/>
@@ -1474,15 +1650,16 @@
           </a:prstGeom>
         </p:spPr>
         <p:txBody>
-          <a:bodyPr lIns="0" rIns="0" tIns="0" bIns="0"/>
+          <a:bodyPr lIns="0" tIns="0" rIns="0" bIns="0"/>
+          <a:lstStyle/>
           <a:p>
-            <a:endParaRPr b="0" lang="en-US" sz="8740" spc="-1" strike="noStrike">
+            <a:endParaRPr lang="en-US" sz="8740" b="0" strike="noStrike" spc="-1">
               <a:solidFill>
                 <a:srgbClr val="000000"/>
               </a:solidFill>
               <a:uFill>
                 <a:solidFill>
-                  <a:srgbClr val="ffffff"/>
+                  <a:srgbClr val="FFFFFF"/>
                 </a:solidFill>
               </a:uFill>
               <a:latin typeface="Calibri"/>
@@ -1510,15 +1687,16 @@
           </a:prstGeom>
         </p:spPr>
         <p:txBody>
-          <a:bodyPr lIns="0" rIns="0" tIns="0" bIns="0"/>
+          <a:bodyPr lIns="0" tIns="0" rIns="0" bIns="0"/>
+          <a:lstStyle/>
           <a:p>
-            <a:endParaRPr b="0" lang="en-US" sz="8740" spc="-1" strike="noStrike">
+            <a:endParaRPr lang="en-US" sz="8740" b="0" strike="noStrike" spc="-1">
               <a:solidFill>
                 <a:srgbClr val="000000"/>
               </a:solidFill>
               <a:uFill>
                 <a:solidFill>
-                  <a:srgbClr val="ffffff"/>
+                  <a:srgbClr val="FFFFFF"/>
                 </a:solidFill>
               </a:uFill>
               <a:latin typeface="Calibri"/>
@@ -1528,11 +1706,14 @@
       </p:sp>
     </p:spTree>
   </p:cSld>
+  <p:clrMapOvr>
+    <a:masterClrMapping/>
+  </p:clrMapOvr>
 </p:sldLayout>
 </file>
 
 <file path=ppt/slideLayouts/slideLayout8.xml><?xml version="1.0" encoding="utf-8"?>
-<p:sldLayout xmlns:a="http://schemas.openxmlformats.org/drawingml/2006/main" xmlns:p="http://schemas.openxmlformats.org/presentationml/2006/main" xmlns:r="http://schemas.openxmlformats.org/officeDocument/2006/relationships" xmlns:p14="http://schemas.microsoft.com/office/powerpoint/2010/main" xmlns:p15="http://schemas.microsoft.com/office/powerpoint/2012/main" xmlns:mc="http://schemas.openxmlformats.org/markup-compatibility/2006" type="objAndTwoObj" preserve="1">
+<p:sldLayout xmlns:a="http://schemas.openxmlformats.org/drawingml/2006/main" xmlns:r="http://schemas.openxmlformats.org/officeDocument/2006/relationships" xmlns:p="http://schemas.openxmlformats.org/presentationml/2006/main" type="objAndTwoObj" preserve="1">
   <p:cSld name="Title Content and 2 Content">
     <p:spTree>
       <p:nvGrpSpPr>
@@ -1568,15 +1749,16 @@
           </a:prstGeom>
         </p:spPr>
         <p:txBody>
-          <a:bodyPr lIns="0" rIns="0" tIns="0" bIns="0" anchor="ctr"/>
+          <a:bodyPr lIns="0" tIns="0" rIns="0" bIns="0" anchor="ctr"/>
+          <a:lstStyle/>
           <a:p>
-            <a:endParaRPr b="0" lang="en-US" sz="4880" spc="-1" strike="noStrike">
+            <a:endParaRPr lang="en-US" sz="4880" b="0" strike="noStrike" spc="-1">
               <a:solidFill>
                 <a:srgbClr val="000000"/>
               </a:solidFill>
               <a:uFill>
                 <a:solidFill>
-                  <a:srgbClr val="ffffff"/>
+                  <a:srgbClr val="FFFFFF"/>
                 </a:solidFill>
               </a:uFill>
               <a:latin typeface="Calibri"/>
@@ -1604,15 +1786,16 @@
           </a:prstGeom>
         </p:spPr>
         <p:txBody>
-          <a:bodyPr lIns="0" rIns="0" tIns="0" bIns="0"/>
+          <a:bodyPr lIns="0" tIns="0" rIns="0" bIns="0"/>
+          <a:lstStyle/>
           <a:p>
-            <a:endParaRPr b="0" lang="en-US" sz="8740" spc="-1" strike="noStrike">
+            <a:endParaRPr lang="en-US" sz="8740" b="0" strike="noStrike" spc="-1">
               <a:solidFill>
                 <a:srgbClr val="000000"/>
               </a:solidFill>
               <a:uFill>
                 <a:solidFill>
-                  <a:srgbClr val="ffffff"/>
+                  <a:srgbClr val="FFFFFF"/>
                 </a:solidFill>
               </a:uFill>
               <a:latin typeface="Calibri"/>
@@ -1640,15 +1823,16 @@
           </a:prstGeom>
         </p:spPr>
         <p:txBody>
-          <a:bodyPr lIns="0" rIns="0" tIns="0" bIns="0"/>
+          <a:bodyPr lIns="0" tIns="0" rIns="0" bIns="0"/>
+          <a:lstStyle/>
           <a:p>
-            <a:endParaRPr b="0" lang="en-US" sz="8740" spc="-1" strike="noStrike">
+            <a:endParaRPr lang="en-US" sz="8740" b="0" strike="noStrike" spc="-1">
               <a:solidFill>
                 <a:srgbClr val="000000"/>
               </a:solidFill>
               <a:uFill>
                 <a:solidFill>
-                  <a:srgbClr val="ffffff"/>
+                  <a:srgbClr val="FFFFFF"/>
                 </a:solidFill>
               </a:uFill>
               <a:latin typeface="Calibri"/>
@@ -1676,15 +1860,16 @@
           </a:prstGeom>
         </p:spPr>
         <p:txBody>
-          <a:bodyPr lIns="0" rIns="0" tIns="0" bIns="0"/>
+          <a:bodyPr lIns="0" tIns="0" rIns="0" bIns="0"/>
+          <a:lstStyle/>
           <a:p>
-            <a:endParaRPr b="0" lang="en-US" sz="8740" spc="-1" strike="noStrike">
+            <a:endParaRPr lang="en-US" sz="8740" b="0" strike="noStrike" spc="-1">
               <a:solidFill>
                 <a:srgbClr val="000000"/>
               </a:solidFill>
               <a:uFill>
                 <a:solidFill>
-                  <a:srgbClr val="ffffff"/>
+                  <a:srgbClr val="FFFFFF"/>
                 </a:solidFill>
               </a:uFill>
               <a:latin typeface="Calibri"/>
@@ -1694,11 +1879,14 @@
       </p:sp>
     </p:spTree>
   </p:cSld>
+  <p:clrMapOvr>
+    <a:masterClrMapping/>
+  </p:clrMapOvr>
 </p:sldLayout>
 </file>
 
 <file path=ppt/slideLayouts/slideLayout9.xml><?xml version="1.0" encoding="utf-8"?>
-<p:sldLayout xmlns:a="http://schemas.openxmlformats.org/drawingml/2006/main" xmlns:p="http://schemas.openxmlformats.org/presentationml/2006/main" xmlns:r="http://schemas.openxmlformats.org/officeDocument/2006/relationships" xmlns:p14="http://schemas.microsoft.com/office/powerpoint/2010/main" xmlns:p15="http://schemas.microsoft.com/office/powerpoint/2012/main" xmlns:mc="http://schemas.openxmlformats.org/markup-compatibility/2006" type="twoObjOverTx" preserve="1">
+<p:sldLayout xmlns:a="http://schemas.openxmlformats.org/drawingml/2006/main" xmlns:r="http://schemas.openxmlformats.org/officeDocument/2006/relationships" xmlns:p="http://schemas.openxmlformats.org/presentationml/2006/main" type="twoObjOverTx" preserve="1">
   <p:cSld name="Title, 2 Content over Content">
     <p:spTree>
       <p:nvGrpSpPr>
@@ -1734,15 +1922,16 @@
           </a:prstGeom>
         </p:spPr>
         <p:txBody>
-          <a:bodyPr lIns="0" rIns="0" tIns="0" bIns="0" anchor="ctr"/>
+          <a:bodyPr lIns="0" tIns="0" rIns="0" bIns="0" anchor="ctr"/>
+          <a:lstStyle/>
           <a:p>
-            <a:endParaRPr b="0" lang="en-US" sz="4880" spc="-1" strike="noStrike">
+            <a:endParaRPr lang="en-US" sz="4880" b="0" strike="noStrike" spc="-1">
               <a:solidFill>
                 <a:srgbClr val="000000"/>
               </a:solidFill>
               <a:uFill>
                 <a:solidFill>
-                  <a:srgbClr val="ffffff"/>
+                  <a:srgbClr val="FFFFFF"/>
                 </a:solidFill>
               </a:uFill>
               <a:latin typeface="Calibri"/>
@@ -1770,15 +1959,16 @@
           </a:prstGeom>
         </p:spPr>
         <p:txBody>
-          <a:bodyPr lIns="0" rIns="0" tIns="0" bIns="0"/>
+          <a:bodyPr lIns="0" tIns="0" rIns="0" bIns="0"/>
+          <a:lstStyle/>
           <a:p>
-            <a:endParaRPr b="0" lang="en-US" sz="8740" spc="-1" strike="noStrike">
+            <a:endParaRPr lang="en-US" sz="8740" b="0" strike="noStrike" spc="-1">
               <a:solidFill>
                 <a:srgbClr val="000000"/>
               </a:solidFill>
               <a:uFill>
                 <a:solidFill>
-                  <a:srgbClr val="ffffff"/>
+                  <a:srgbClr val="FFFFFF"/>
                 </a:solidFill>
               </a:uFill>
               <a:latin typeface="Calibri"/>
@@ -1806,15 +1996,16 @@
           </a:prstGeom>
         </p:spPr>
         <p:txBody>
-          <a:bodyPr lIns="0" rIns="0" tIns="0" bIns="0"/>
+          <a:bodyPr lIns="0" tIns="0" rIns="0" bIns="0"/>
+          <a:lstStyle/>
           <a:p>
-            <a:endParaRPr b="0" lang="en-US" sz="8740" spc="-1" strike="noStrike">
+            <a:endParaRPr lang="en-US" sz="8740" b="0" strike="noStrike" spc="-1">
               <a:solidFill>
                 <a:srgbClr val="000000"/>
               </a:solidFill>
               <a:uFill>
                 <a:solidFill>
-                  <a:srgbClr val="ffffff"/>
+                  <a:srgbClr val="FFFFFF"/>
                 </a:solidFill>
               </a:uFill>
               <a:latin typeface="Calibri"/>
@@ -1842,15 +2033,16 @@
           </a:prstGeom>
         </p:spPr>
         <p:txBody>
-          <a:bodyPr lIns="0" rIns="0" tIns="0" bIns="0"/>
+          <a:bodyPr lIns="0" tIns="0" rIns="0" bIns="0"/>
+          <a:lstStyle/>
           <a:p>
-            <a:endParaRPr b="0" lang="en-US" sz="8740" spc="-1" strike="noStrike">
+            <a:endParaRPr lang="en-US" sz="8740" b="0" strike="noStrike" spc="-1">
               <a:solidFill>
                 <a:srgbClr val="000000"/>
               </a:solidFill>
               <a:uFill>
                 <a:solidFill>
-                  <a:srgbClr val="ffffff"/>
+                  <a:srgbClr val="FFFFFF"/>
                 </a:solidFill>
               </a:uFill>
               <a:latin typeface="Calibri"/>
@@ -1860,17 +2052,21 @@
       </p:sp>
     </p:spTree>
   </p:cSld>
+  <p:clrMapOvr>
+    <a:masterClrMapping/>
+  </p:clrMapOvr>
 </p:sldLayout>
 </file>
 
 <file path=ppt/slideMasters/slideMaster1.xml><?xml version="1.0" encoding="utf-8"?>
-<p:sldMaster xmlns:a="http://schemas.openxmlformats.org/drawingml/2006/main" xmlns:p="http://schemas.openxmlformats.org/presentationml/2006/main" xmlns:r="http://schemas.openxmlformats.org/officeDocument/2006/relationships" xmlns:p14="http://schemas.microsoft.com/office/powerpoint/2010/main" xmlns:p15="http://schemas.microsoft.com/office/powerpoint/2012/main" xmlns:mc="http://schemas.openxmlformats.org/markup-compatibility/2006">
+<p:sldMaster xmlns:a="http://schemas.openxmlformats.org/drawingml/2006/main" xmlns:r="http://schemas.openxmlformats.org/officeDocument/2006/relationships" xmlns:p="http://schemas.openxmlformats.org/presentationml/2006/main">
   <p:cSld>
     <p:bg>
       <p:bgPr>
         <a:solidFill>
-          <a:srgbClr val="ffffff"/>
+          <a:srgbClr val="FFFFFF"/>
         </a:solidFill>
+        <a:effectLst/>
       </p:bgPr>
     </p:bg>
     <p:spTree>
@@ -1889,7 +2085,7 @@
       </p:grpSpPr>
       <p:sp>
         <p:nvSpPr>
-          <p:cNvPr id="0" name="PlaceHolder 1"/>
+          <p:cNvPr id="4" name="PlaceHolder 1"/>
           <p:cNvSpPr>
             <a:spLocks noGrp="1"/>
           </p:cNvSpPr>
@@ -1908,6 +2104,7 @@
         </p:spPr>
         <p:txBody>
           <a:bodyPr anchor="b"/>
+          <a:lstStyle/>
           <a:p>
             <a:pPr algn="ctr">
               <a:lnSpc>
@@ -1915,110 +2112,26 @@
               </a:lnSpc>
             </a:pPr>
             <a:r>
-              <a:rPr b="0" lang="en-US" sz="18720" spc="-1" strike="noStrike">
+              <a:rPr lang="en-US" sz="18720" b="0" strike="noStrike" spc="-1">
                 <a:solidFill>
                   <a:srgbClr val="000000"/>
                 </a:solidFill>
                 <a:uFill>
                   <a:solidFill>
-                    <a:srgbClr val="ffffff"/>
+                    <a:srgbClr val="FFFFFF"/>
                   </a:solidFill>
                 </a:uFill>
                 <a:latin typeface="Calibri Light"/>
               </a:rPr>
-              <a:t>Click </a:t>
+              <a:t>Click to edit Master title style</a:t>
             </a:r>
-            <a:r>
-              <a:rPr b="0" lang="en-US" sz="18720" spc="-1" strike="noStrike">
-                <a:solidFill>
-                  <a:srgbClr val="000000"/>
-                </a:solidFill>
-                <a:uFill>
-                  <a:solidFill>
-                    <a:srgbClr val="ffffff"/>
-                  </a:solidFill>
-                </a:uFill>
-                <a:latin typeface="Calibri Light"/>
-              </a:rPr>
-              <a:t>to </a:t>
-            </a:r>
-            <a:r>
-              <a:rPr b="0" lang="en-US" sz="18720" spc="-1" strike="noStrike">
-                <a:solidFill>
-                  <a:srgbClr val="000000"/>
-                </a:solidFill>
-                <a:uFill>
-                  <a:solidFill>
-                    <a:srgbClr val="ffffff"/>
-                  </a:solidFill>
-                </a:uFill>
-                <a:latin typeface="Calibri Light"/>
-              </a:rPr>
-              <a:t>edit </a:t>
-            </a:r>
-            <a:r>
-              <a:rPr b="0" lang="en-US" sz="18720" spc="-1" strike="noStrike">
-                <a:solidFill>
-                  <a:srgbClr val="000000"/>
-                </a:solidFill>
-                <a:uFill>
-                  <a:solidFill>
-                    <a:srgbClr val="ffffff"/>
-                  </a:solidFill>
-                </a:uFill>
-                <a:latin typeface="Calibri Light"/>
-              </a:rPr>
-              <a:t>Mast</a:t>
-            </a:r>
-            <a:r>
-              <a:rPr b="0" lang="en-US" sz="18720" spc="-1" strike="noStrike">
-                <a:solidFill>
-                  <a:srgbClr val="000000"/>
-                </a:solidFill>
-                <a:uFill>
-                  <a:solidFill>
-                    <a:srgbClr val="ffffff"/>
-                  </a:solidFill>
-                </a:uFill>
-                <a:latin typeface="Calibri Light"/>
-              </a:rPr>
-              <a:t>er </a:t>
-            </a:r>
-            <a:r>
-              <a:rPr b="0" lang="en-US" sz="18720" spc="-1" strike="noStrike">
-                <a:solidFill>
-                  <a:srgbClr val="000000"/>
-                </a:solidFill>
-                <a:uFill>
-                  <a:solidFill>
-                    <a:srgbClr val="ffffff"/>
-                  </a:solidFill>
-                </a:uFill>
-                <a:latin typeface="Calibri Light"/>
-              </a:rPr>
-              <a:t>title </a:t>
-            </a:r>
-            <a:r>
-              <a:rPr b="0" lang="en-US" sz="18720" spc="-1" strike="noStrike">
-                <a:solidFill>
-                  <a:srgbClr val="000000"/>
-                </a:solidFill>
-                <a:uFill>
-                  <a:solidFill>
-                    <a:srgbClr val="ffffff"/>
-                  </a:solidFill>
-                </a:uFill>
-                <a:latin typeface="Calibri Light"/>
-              </a:rPr>
-              <a:t>style</a:t>
-            </a:r>
-            <a:endParaRPr b="0" lang="en-US" sz="18720" spc="-1" strike="noStrike">
+            <a:endParaRPr lang="en-US" sz="18720" b="0" strike="noStrike" spc="-1">
               <a:solidFill>
                 <a:srgbClr val="000000"/>
               </a:solidFill>
               <a:uFill>
                 <a:solidFill>
-                  <a:srgbClr val="ffffff"/>
+                  <a:srgbClr val="FFFFFF"/>
                 </a:solidFill>
               </a:uFill>
               <a:latin typeface="Calibri"/>
@@ -2028,7 +2141,7 @@
       </p:sp>
       <p:sp>
         <p:nvSpPr>
-          <p:cNvPr id="1" name="PlaceHolder 2"/>
+          <p:cNvPr id="5" name="PlaceHolder 2"/>
           <p:cNvSpPr>
             <a:spLocks noGrp="1"/>
           </p:cNvSpPr>
@@ -2047,6 +2160,7 @@
         </p:spPr>
         <p:txBody>
           <a:bodyPr anchor="ctr"/>
+          <a:lstStyle/>
           <a:p>
             <a:pPr>
               <a:lnSpc>
@@ -2054,26 +2168,26 @@
               </a:lnSpc>
             </a:pPr>
             <a:fld id="{F1B47378-A5AD-43CF-8BC2-0E84225B27E5}" type="datetime">
-              <a:rPr b="0" lang="ru-RU" sz="3750" spc="-1" strike="noStrike">
+              <a:rPr lang="ru-RU" sz="3750" b="0" strike="noStrike" spc="-1">
                 <a:solidFill>
-                  <a:srgbClr val="8b8b8b"/>
+                  <a:srgbClr val="8B8B8B"/>
                 </a:solidFill>
                 <a:uFill>
                   <a:solidFill>
-                    <a:srgbClr val="ffffff"/>
+                    <a:srgbClr val="FFFFFF"/>
                   </a:solidFill>
                 </a:uFill>
                 <a:latin typeface="Calibri"/>
               </a:rPr>
-              <a:t>21.5.17</a:t>
+              <a:t>22.05.17</a:t>
             </a:fld>
-            <a:endParaRPr b="0" lang="ru-RU" sz="1400" spc="-1" strike="noStrike">
+            <a:endParaRPr lang="ru-RU" sz="1400" b="0" strike="noStrike" spc="-1">
               <a:solidFill>
                 <a:srgbClr val="000000"/>
               </a:solidFill>
               <a:uFill>
                 <a:solidFill>
-                  <a:srgbClr val="ffffff"/>
+                  <a:srgbClr val="FFFFFF"/>
                 </a:solidFill>
               </a:uFill>
               <a:latin typeface="Times New Roman"/>
@@ -2102,14 +2216,15 @@
         </p:spPr>
         <p:txBody>
           <a:bodyPr anchor="ctr"/>
+          <a:lstStyle/>
           <a:p>
-            <a:endParaRPr b="0" lang="ru-RU" sz="2400" spc="-1" strike="noStrike">
+            <a:endParaRPr lang="ru-RU" sz="2400" b="0" strike="noStrike" spc="-1">
               <a:solidFill>
                 <a:srgbClr val="000000"/>
               </a:solidFill>
               <a:uFill>
                 <a:solidFill>
-                  <a:srgbClr val="ffffff"/>
+                  <a:srgbClr val="FFFFFF"/>
                 </a:solidFill>
               </a:uFill>
               <a:latin typeface="Times New Roman"/>
@@ -2138,6 +2253,7 @@
         </p:spPr>
         <p:txBody>
           <a:bodyPr anchor="ctr"/>
+          <a:lstStyle/>
           <a:p>
             <a:pPr algn="r">
               <a:lnSpc>
@@ -2145,26 +2261,26 @@
               </a:lnSpc>
             </a:pPr>
             <a:fld id="{B2DFE105-5276-494A-9853-3C3C35979C9C}" type="slidenum">
-              <a:rPr b="0" lang="ru-RU" sz="3750" spc="-1" strike="noStrike">
+              <a:rPr lang="ru-RU" sz="3750" b="0" strike="noStrike" spc="-1">
                 <a:solidFill>
-                  <a:srgbClr val="8b8b8b"/>
+                  <a:srgbClr val="8B8B8B"/>
                 </a:solidFill>
                 <a:uFill>
                   <a:solidFill>
-                    <a:srgbClr val="ffffff"/>
+                    <a:srgbClr val="FFFFFF"/>
                   </a:solidFill>
                 </a:uFill>
                 <a:latin typeface="Calibri"/>
               </a:rPr>
-              <a:t>&lt;номер&gt;</a:t>
+              <a:t>‹#›</a:t>
             </a:fld>
-            <a:endParaRPr b="0" lang="ru-RU" sz="1400" spc="-1" strike="noStrike">
+            <a:endParaRPr lang="ru-RU" sz="1400" b="0" strike="noStrike" spc="-1">
               <a:solidFill>
                 <a:srgbClr val="000000"/>
               </a:solidFill>
               <a:uFill>
                 <a:solidFill>
-                  <a:srgbClr val="ffffff"/>
+                  <a:srgbClr val="FFFFFF"/>
                 </a:solidFill>
               </a:uFill>
               <a:latin typeface="Times New Roman"/>
@@ -2174,26 +2290,306 @@
       </p:sp>
     </p:spTree>
   </p:cSld>
-  <p:clrMap bg1="lt1" bg2="lt2" tx1="dk1" tx2="dk2" accent1="accent1" accent2="accent2" accent3="accent3" accent4="accent4" accent5="accent5" accent6="accent6" hlink="hlink" folHlink="folHlink"/>
+  <p:clrMap bg1="lt1" tx1="dk1" bg2="lt2" tx2="dk2" accent1="accent1" accent2="accent2" accent3="accent3" accent4="accent4" accent5="accent5" accent6="accent6" hlink="hlink" folHlink="folHlink"/>
   <p:sldLayoutIdLst>
-    <p:sldLayoutId id="2147483649" r:id="rId2"/>
-    <p:sldLayoutId id="2147483650" r:id="rId3"/>
-    <p:sldLayoutId id="2147483651" r:id="rId4"/>
-    <p:sldLayoutId id="2147483652" r:id="rId5"/>
-    <p:sldLayoutId id="2147483653" r:id="rId6"/>
-    <p:sldLayoutId id="2147483654" r:id="rId7"/>
-    <p:sldLayoutId id="2147483655" r:id="rId8"/>
-    <p:sldLayoutId id="2147483656" r:id="rId9"/>
-    <p:sldLayoutId id="2147483657" r:id="rId10"/>
-    <p:sldLayoutId id="2147483658" r:id="rId11"/>
-    <p:sldLayoutId id="2147483659" r:id="rId12"/>
-    <p:sldLayoutId id="2147483660" r:id="rId13"/>
+    <p:sldLayoutId id="2147483649" r:id="rId1"/>
+    <p:sldLayoutId id="2147483650" r:id="rId2"/>
+    <p:sldLayoutId id="2147483651" r:id="rId3"/>
+    <p:sldLayoutId id="2147483652" r:id="rId4"/>
+    <p:sldLayoutId id="2147483653" r:id="rId5"/>
+    <p:sldLayoutId id="2147483654" r:id="rId6"/>
+    <p:sldLayoutId id="2147483655" r:id="rId7"/>
+    <p:sldLayoutId id="2147483656" r:id="rId8"/>
+    <p:sldLayoutId id="2147483657" r:id="rId9"/>
+    <p:sldLayoutId id="2147483658" r:id="rId10"/>
+    <p:sldLayoutId id="2147483659" r:id="rId11"/>
+    <p:sldLayoutId id="2147483660" r:id="rId12"/>
   </p:sldLayoutIdLst>
+  <p:txStyles>
+    <p:titleStyle>
+      <a:lvl1pPr algn="l" defTabSz="914400" rtl="0" eaLnBrk="1" latinLnBrk="0" hangingPunct="1">
+        <a:lnSpc>
+          <a:spcPct val="90000"/>
+        </a:lnSpc>
+        <a:spcBef>
+          <a:spcPct val="0"/>
+        </a:spcBef>
+        <a:buNone/>
+        <a:defRPr sz="4400" kern="1200">
+          <a:solidFill>
+            <a:schemeClr val="tx1"/>
+          </a:solidFill>
+          <a:latin typeface="+mj-lt"/>
+          <a:ea typeface="+mj-ea"/>
+          <a:cs typeface="+mj-cs"/>
+        </a:defRPr>
+      </a:lvl1pPr>
+    </p:titleStyle>
+    <p:bodyStyle>
+      <a:lvl1pPr marL="228600" indent="-228600" algn="l" defTabSz="914400" rtl="0" eaLnBrk="1" latinLnBrk="0" hangingPunct="1">
+        <a:lnSpc>
+          <a:spcPct val="90000"/>
+        </a:lnSpc>
+        <a:spcBef>
+          <a:spcPts val="1000"/>
+        </a:spcBef>
+        <a:buFont typeface="Arial"/>
+        <a:buChar char="•"/>
+        <a:defRPr sz="2800" kern="1200">
+          <a:solidFill>
+            <a:schemeClr val="tx1"/>
+          </a:solidFill>
+          <a:latin typeface="+mn-lt"/>
+          <a:ea typeface="+mn-ea"/>
+          <a:cs typeface="+mn-cs"/>
+        </a:defRPr>
+      </a:lvl1pPr>
+      <a:lvl2pPr marL="685800" indent="-228600" algn="l" defTabSz="914400" rtl="0" eaLnBrk="1" latinLnBrk="0" hangingPunct="1">
+        <a:lnSpc>
+          <a:spcPct val="90000"/>
+        </a:lnSpc>
+        <a:spcBef>
+          <a:spcPts val="500"/>
+        </a:spcBef>
+        <a:buFont typeface="Arial"/>
+        <a:buChar char="•"/>
+        <a:defRPr sz="2400" kern="1200">
+          <a:solidFill>
+            <a:schemeClr val="tx1"/>
+          </a:solidFill>
+          <a:latin typeface="+mn-lt"/>
+          <a:ea typeface="+mn-ea"/>
+          <a:cs typeface="+mn-cs"/>
+        </a:defRPr>
+      </a:lvl2pPr>
+      <a:lvl3pPr marL="1143000" indent="-228600" algn="l" defTabSz="914400" rtl="0" eaLnBrk="1" latinLnBrk="0" hangingPunct="1">
+        <a:lnSpc>
+          <a:spcPct val="90000"/>
+        </a:lnSpc>
+        <a:spcBef>
+          <a:spcPts val="500"/>
+        </a:spcBef>
+        <a:buFont typeface="Arial"/>
+        <a:buChar char="•"/>
+        <a:defRPr sz="2000" kern="1200">
+          <a:solidFill>
+            <a:schemeClr val="tx1"/>
+          </a:solidFill>
+          <a:latin typeface="+mn-lt"/>
+          <a:ea typeface="+mn-ea"/>
+          <a:cs typeface="+mn-cs"/>
+        </a:defRPr>
+      </a:lvl3pPr>
+      <a:lvl4pPr marL="1600200" indent="-228600" algn="l" defTabSz="914400" rtl="0" eaLnBrk="1" latinLnBrk="0" hangingPunct="1">
+        <a:lnSpc>
+          <a:spcPct val="90000"/>
+        </a:lnSpc>
+        <a:spcBef>
+          <a:spcPts val="500"/>
+        </a:spcBef>
+        <a:buFont typeface="Arial"/>
+        <a:buChar char="•"/>
+        <a:defRPr sz="1800" kern="1200">
+          <a:solidFill>
+            <a:schemeClr val="tx1"/>
+          </a:solidFill>
+          <a:latin typeface="+mn-lt"/>
+          <a:ea typeface="+mn-ea"/>
+          <a:cs typeface="+mn-cs"/>
+        </a:defRPr>
+      </a:lvl4pPr>
+      <a:lvl5pPr marL="2057400" indent="-228600" algn="l" defTabSz="914400" rtl="0" eaLnBrk="1" latinLnBrk="0" hangingPunct="1">
+        <a:lnSpc>
+          <a:spcPct val="90000"/>
+        </a:lnSpc>
+        <a:spcBef>
+          <a:spcPts val="500"/>
+        </a:spcBef>
+        <a:buFont typeface="Arial"/>
+        <a:buChar char="•"/>
+        <a:defRPr sz="1800" kern="1200">
+          <a:solidFill>
+            <a:schemeClr val="tx1"/>
+          </a:solidFill>
+          <a:latin typeface="+mn-lt"/>
+          <a:ea typeface="+mn-ea"/>
+          <a:cs typeface="+mn-cs"/>
+        </a:defRPr>
+      </a:lvl5pPr>
+      <a:lvl6pPr marL="2514600" indent="-228600" algn="l" defTabSz="914400" rtl="0" eaLnBrk="1" latinLnBrk="0" hangingPunct="1">
+        <a:lnSpc>
+          <a:spcPct val="90000"/>
+        </a:lnSpc>
+        <a:spcBef>
+          <a:spcPts val="500"/>
+        </a:spcBef>
+        <a:buFont typeface="Arial"/>
+        <a:buChar char="•"/>
+        <a:defRPr sz="1800" kern="1200">
+          <a:solidFill>
+            <a:schemeClr val="tx1"/>
+          </a:solidFill>
+          <a:latin typeface="+mn-lt"/>
+          <a:ea typeface="+mn-ea"/>
+          <a:cs typeface="+mn-cs"/>
+        </a:defRPr>
+      </a:lvl6pPr>
+      <a:lvl7pPr marL="2971800" indent="-228600" algn="l" defTabSz="914400" rtl="0" eaLnBrk="1" latinLnBrk="0" hangingPunct="1">
+        <a:lnSpc>
+          <a:spcPct val="90000"/>
+        </a:lnSpc>
+        <a:spcBef>
+          <a:spcPts val="500"/>
+        </a:spcBef>
+        <a:buFont typeface="Arial"/>
+        <a:buChar char="•"/>
+        <a:defRPr sz="1800" kern="1200">
+          <a:solidFill>
+            <a:schemeClr val="tx1"/>
+          </a:solidFill>
+          <a:latin typeface="+mn-lt"/>
+          <a:ea typeface="+mn-ea"/>
+          <a:cs typeface="+mn-cs"/>
+        </a:defRPr>
+      </a:lvl7pPr>
+      <a:lvl8pPr marL="3429000" indent="-228600" algn="l" defTabSz="914400" rtl="0" eaLnBrk="1" latinLnBrk="0" hangingPunct="1">
+        <a:lnSpc>
+          <a:spcPct val="90000"/>
+        </a:lnSpc>
+        <a:spcBef>
+          <a:spcPts val="500"/>
+        </a:spcBef>
+        <a:buFont typeface="Arial"/>
+        <a:buChar char="•"/>
+        <a:defRPr sz="1800" kern="1200">
+          <a:solidFill>
+            <a:schemeClr val="tx1"/>
+          </a:solidFill>
+          <a:latin typeface="+mn-lt"/>
+          <a:ea typeface="+mn-ea"/>
+          <a:cs typeface="+mn-cs"/>
+        </a:defRPr>
+      </a:lvl8pPr>
+      <a:lvl9pPr marL="3886200" indent="-228600" algn="l" defTabSz="914400" rtl="0" eaLnBrk="1" latinLnBrk="0" hangingPunct="1">
+        <a:lnSpc>
+          <a:spcPct val="90000"/>
+        </a:lnSpc>
+        <a:spcBef>
+          <a:spcPts val="500"/>
+        </a:spcBef>
+        <a:buFont typeface="Arial"/>
+        <a:buChar char="•"/>
+        <a:defRPr sz="1800" kern="1200">
+          <a:solidFill>
+            <a:schemeClr val="tx1"/>
+          </a:solidFill>
+          <a:latin typeface="+mn-lt"/>
+          <a:ea typeface="+mn-ea"/>
+          <a:cs typeface="+mn-cs"/>
+        </a:defRPr>
+      </a:lvl9pPr>
+    </p:bodyStyle>
+    <p:otherStyle>
+      <a:defPPr>
+        <a:defRPr lang="en-US"/>
+      </a:defPPr>
+      <a:lvl1pPr marL="0" algn="l" defTabSz="914400" rtl="0" eaLnBrk="1" latinLnBrk="0" hangingPunct="1">
+        <a:defRPr sz="1800" kern="1200">
+          <a:solidFill>
+            <a:schemeClr val="tx1"/>
+          </a:solidFill>
+          <a:latin typeface="+mn-lt"/>
+          <a:ea typeface="+mn-ea"/>
+          <a:cs typeface="+mn-cs"/>
+        </a:defRPr>
+      </a:lvl1pPr>
+      <a:lvl2pPr marL="457200" algn="l" defTabSz="914400" rtl="0" eaLnBrk="1" latinLnBrk="0" hangingPunct="1">
+        <a:defRPr sz="1800" kern="1200">
+          <a:solidFill>
+            <a:schemeClr val="tx1"/>
+          </a:solidFill>
+          <a:latin typeface="+mn-lt"/>
+          <a:ea typeface="+mn-ea"/>
+          <a:cs typeface="+mn-cs"/>
+        </a:defRPr>
+      </a:lvl2pPr>
+      <a:lvl3pPr marL="914400" algn="l" defTabSz="914400" rtl="0" eaLnBrk="1" latinLnBrk="0" hangingPunct="1">
+        <a:defRPr sz="1800" kern="1200">
+          <a:solidFill>
+            <a:schemeClr val="tx1"/>
+          </a:solidFill>
+          <a:latin typeface="+mn-lt"/>
+          <a:ea typeface="+mn-ea"/>
+          <a:cs typeface="+mn-cs"/>
+        </a:defRPr>
+      </a:lvl3pPr>
+      <a:lvl4pPr marL="1371600" algn="l" defTabSz="914400" rtl="0" eaLnBrk="1" latinLnBrk="0" hangingPunct="1">
+        <a:defRPr sz="1800" kern="1200">
+          <a:solidFill>
+            <a:schemeClr val="tx1"/>
+          </a:solidFill>
+          <a:latin typeface="+mn-lt"/>
+          <a:ea typeface="+mn-ea"/>
+          <a:cs typeface="+mn-cs"/>
+        </a:defRPr>
+      </a:lvl4pPr>
+      <a:lvl5pPr marL="1828800" algn="l" defTabSz="914400" rtl="0" eaLnBrk="1" latinLnBrk="0" hangingPunct="1">
+        <a:defRPr sz="1800" kern="1200">
+          <a:solidFill>
+            <a:schemeClr val="tx1"/>
+          </a:solidFill>
+          <a:latin typeface="+mn-lt"/>
+          <a:ea typeface="+mn-ea"/>
+          <a:cs typeface="+mn-cs"/>
+        </a:defRPr>
+      </a:lvl5pPr>
+      <a:lvl6pPr marL="2286000" algn="l" defTabSz="914400" rtl="0" eaLnBrk="1" latinLnBrk="0" hangingPunct="1">
+        <a:defRPr sz="1800" kern="1200">
+          <a:solidFill>
+            <a:schemeClr val="tx1"/>
+          </a:solidFill>
+          <a:latin typeface="+mn-lt"/>
+          <a:ea typeface="+mn-ea"/>
+          <a:cs typeface="+mn-cs"/>
+        </a:defRPr>
+      </a:lvl6pPr>
+      <a:lvl7pPr marL="2743200" algn="l" defTabSz="914400" rtl="0" eaLnBrk="1" latinLnBrk="0" hangingPunct="1">
+        <a:defRPr sz="1800" kern="1200">
+          <a:solidFill>
+            <a:schemeClr val="tx1"/>
+          </a:solidFill>
+          <a:latin typeface="+mn-lt"/>
+          <a:ea typeface="+mn-ea"/>
+          <a:cs typeface="+mn-cs"/>
+        </a:defRPr>
+      </a:lvl7pPr>
+      <a:lvl8pPr marL="3200400" algn="l" defTabSz="914400" rtl="0" eaLnBrk="1" latinLnBrk="0" hangingPunct="1">
+        <a:defRPr sz="1800" kern="1200">
+          <a:solidFill>
+            <a:schemeClr val="tx1"/>
+          </a:solidFill>
+          <a:latin typeface="+mn-lt"/>
+          <a:ea typeface="+mn-ea"/>
+          <a:cs typeface="+mn-cs"/>
+        </a:defRPr>
+      </a:lvl8pPr>
+      <a:lvl9pPr marL="3657600" algn="l" defTabSz="914400" rtl="0" eaLnBrk="1" latinLnBrk="0" hangingPunct="1">
+        <a:defRPr sz="1800" kern="1200">
+          <a:solidFill>
+            <a:schemeClr val="tx1"/>
+          </a:solidFill>
+          <a:latin typeface="+mn-lt"/>
+          <a:ea typeface="+mn-ea"/>
+          <a:cs typeface="+mn-cs"/>
+        </a:defRPr>
+      </a:lvl9pPr>
+    </p:otherStyle>
+  </p:txStyles>
 </p:sldMaster>
 </file>
 
 <file path=ppt/slides/slide1.xml><?xml version="1.0" encoding="utf-8"?>
-<p:sld xmlns:a="http://schemas.openxmlformats.org/drawingml/2006/main" xmlns:p="http://schemas.openxmlformats.org/presentationml/2006/main" xmlns:r="http://schemas.openxmlformats.org/officeDocument/2006/relationships" xmlns:p14="http://schemas.microsoft.com/office/powerpoint/2010/main" xmlns:p15="http://schemas.microsoft.com/office/powerpoint/2012/main" xmlns:mc="http://schemas.openxmlformats.org/markup-compatibility/2006">
+<p:sld xmlns:a="http://schemas.openxmlformats.org/drawingml/2006/main" xmlns:r="http://schemas.openxmlformats.org/officeDocument/2006/relationships" xmlns:p="http://schemas.openxmlformats.org/presentationml/2006/main">
   <p:cSld>
     <p:spTree>
       <p:nvGrpSpPr>
@@ -2217,7 +2613,7 @@
         </p:nvGraphicFramePr>
         <p:xfrm>
           <a:off x="1953360" y="1906920"/>
-          <a:ext cx="26105040" cy="5357880"/>
+          <a:ext cx="26105040" cy="6035040"/>
         </p:xfrm>
         <a:graphic>
           <a:graphicData uri="http://schemas.openxmlformats.org/drawingml/2006/table">
@@ -2231,7 +2627,8 @@
               <a:tr h="487080">
                 <a:tc>
                   <a:txBody>
-                    <a:bodyPr lIns="169920" rIns="169920" tIns="0" bIns="0"/>
+                    <a:bodyPr/>
+                    <a:lstStyle/>
                     <a:p>
                       <a:pPr>
                         <a:lnSpc>
@@ -2239,13 +2636,13 @@
                         </a:lnSpc>
                       </a:pPr>
                       <a:r>
-                        <a:rPr b="0" lang="ru-RU" sz="3000" spc="-1" strike="noStrike">
+                        <a:rPr lang="ru-RU" sz="3000" b="0" strike="noStrike" spc="-1">
                           <a:solidFill>
                             <a:srgbClr val="000000"/>
                           </a:solidFill>
                           <a:uFill>
                             <a:solidFill>
-                              <a:srgbClr val="ffffff"/>
+                              <a:srgbClr val="FFFFFF"/>
                             </a:solidFill>
                           </a:uFill>
                           <a:latin typeface="Calibri"/>
@@ -2253,13 +2650,13 @@
                         </a:rPr>
                         <a:t>Тип признака</a:t>
                       </a:r>
-                      <a:endParaRPr b="0" lang="ru-RU" sz="1800" spc="-1" strike="noStrike">
+                      <a:endParaRPr lang="ru-RU" sz="1800" b="0" strike="noStrike" spc="-1">
                         <a:solidFill>
                           <a:srgbClr val="000000"/>
                         </a:solidFill>
                         <a:uFill>
                           <a:solidFill>
-                            <a:srgbClr val="ffffff"/>
+                            <a:srgbClr val="FFFFFF"/>
                           </a:solidFill>
                         </a:uFill>
                         <a:latin typeface="Arial"/>
@@ -2292,7 +2689,8 @@
                 </a:tc>
                 <a:tc>
                   <a:txBody>
-                    <a:bodyPr lIns="169920" rIns="169920" tIns="0" bIns="0"/>
+                    <a:bodyPr/>
+                    <a:lstStyle/>
                     <a:p>
                       <a:pPr>
                         <a:lnSpc>
@@ -2300,13 +2698,13 @@
                         </a:lnSpc>
                       </a:pPr>
                       <a:r>
-                        <a:rPr b="0" lang="ru-RU" sz="3000" spc="-1" strike="noStrike">
+                        <a:rPr lang="ru-RU" sz="3000" b="0" strike="noStrike" spc="-1">
                           <a:solidFill>
                             <a:srgbClr val="000000"/>
                           </a:solidFill>
                           <a:uFill>
                             <a:solidFill>
-                              <a:srgbClr val="ffffff"/>
+                              <a:srgbClr val="FFFFFF"/>
                             </a:solidFill>
                           </a:uFill>
                           <a:latin typeface="Calibri"/>
@@ -2314,13 +2712,13 @@
                         </a:rPr>
                         <a:t>Название признака</a:t>
                       </a:r>
-                      <a:endParaRPr b="0" lang="ru-RU" sz="1800" spc="-1" strike="noStrike">
+                      <a:endParaRPr lang="ru-RU" sz="1800" b="0" strike="noStrike" spc="-1">
                         <a:solidFill>
                           <a:srgbClr val="000000"/>
                         </a:solidFill>
                         <a:uFill>
                           <a:solidFill>
-                            <a:srgbClr val="ffffff"/>
+                            <a:srgbClr val="FFFFFF"/>
                           </a:solidFill>
                         </a:uFill>
                         <a:latin typeface="Arial"/>
@@ -2353,7 +2751,8 @@
                 </a:tc>
                 <a:tc>
                   <a:txBody>
-                    <a:bodyPr lIns="169920" rIns="169920" tIns="0" bIns="0"/>
+                    <a:bodyPr/>
+                    <a:lstStyle/>
                     <a:p>
                       <a:pPr>
                         <a:lnSpc>
@@ -2361,13 +2760,13 @@
                         </a:lnSpc>
                       </a:pPr>
                       <a:r>
-                        <a:rPr b="0" lang="ru-RU" sz="3000" spc="-1" strike="noStrike">
+                        <a:rPr lang="ru-RU" sz="3000" b="0" strike="noStrike" spc="-1">
                           <a:solidFill>
                             <a:srgbClr val="000000"/>
                           </a:solidFill>
                           <a:uFill>
                             <a:solidFill>
-                              <a:srgbClr val="ffffff"/>
+                              <a:srgbClr val="FFFFFF"/>
                             </a:solidFill>
                           </a:uFill>
                           <a:latin typeface="Calibri"/>
@@ -2375,13 +2774,13 @@
                         </a:rPr>
                         <a:t>Отклонение от обучающей выборки</a:t>
                       </a:r>
-                      <a:endParaRPr b="0" lang="ru-RU" sz="1800" spc="-1" strike="noStrike">
+                      <a:endParaRPr lang="ru-RU" sz="1800" b="0" strike="noStrike" spc="-1">
                         <a:solidFill>
                           <a:srgbClr val="000000"/>
                         </a:solidFill>
                         <a:uFill>
                           <a:solidFill>
-                            <a:srgbClr val="ffffff"/>
+                            <a:srgbClr val="FFFFFF"/>
                           </a:solidFill>
                         </a:uFill>
                         <a:latin typeface="Arial"/>
@@ -2416,7 +2815,8 @@
               <a:tr h="487080">
                 <a:tc>
                   <a:txBody>
-                    <a:bodyPr lIns="169920" rIns="169920" tIns="0" bIns="0"/>
+                    <a:bodyPr/>
+                    <a:lstStyle/>
                     <a:p>
                       <a:pPr>
                         <a:lnSpc>
@@ -2424,13 +2824,13 @@
                         </a:lnSpc>
                       </a:pPr>
                       <a:r>
-                        <a:rPr b="0" lang="ru-RU" sz="3000" spc="-1" strike="noStrike">
+                        <a:rPr lang="ru-RU" sz="3000" b="0" strike="noStrike" spc="-1">
                           <a:solidFill>
                             <a:srgbClr val="000000"/>
                           </a:solidFill>
                           <a:uFill>
                             <a:solidFill>
-                              <a:srgbClr val="ffffff"/>
+                              <a:srgbClr val="FFFFFF"/>
                             </a:solidFill>
                           </a:uFill>
                           <a:latin typeface="Calibri"/>
@@ -2438,13 +2838,13 @@
                         </a:rPr>
                         <a:t>Наклон</a:t>
                       </a:r>
-                      <a:endParaRPr b="0" lang="ru-RU" sz="1800" spc="-1" strike="noStrike">
+                      <a:endParaRPr lang="ru-RU" sz="1800" b="0" strike="noStrike" spc="-1">
                         <a:solidFill>
                           <a:srgbClr val="000000"/>
                         </a:solidFill>
                         <a:uFill>
                           <a:solidFill>
-                            <a:srgbClr val="ffffff"/>
+                            <a:srgbClr val="FFFFFF"/>
                           </a:solidFill>
                         </a:uFill>
                         <a:latin typeface="Arial"/>
@@ -2477,7 +2877,8 @@
                 </a:tc>
                 <a:tc>
                   <a:txBody>
-                    <a:bodyPr lIns="169920" rIns="169920" tIns="0" bIns="0"/>
+                    <a:bodyPr/>
+                    <a:lstStyle/>
                     <a:p>
                       <a:pPr>
                         <a:lnSpc>
@@ -2485,13 +2886,13 @@
                         </a:lnSpc>
                       </a:pPr>
                       <a:r>
-                        <a:rPr b="0" lang="ru-RU" sz="3000" spc="-1" strike="noStrike">
+                        <a:rPr lang="ru-RU" sz="3000" b="0" strike="noStrike" spc="-1">
                           <a:solidFill>
                             <a:srgbClr val="000000"/>
                           </a:solidFill>
                           <a:uFill>
                             <a:solidFill>
-                              <a:srgbClr val="ffffff"/>
+                              <a:srgbClr val="FFFFFF"/>
                             </a:solidFill>
                           </a:uFill>
                           <a:latin typeface="Calibri"/>
@@ -2499,13 +2900,13 @@
                         </a:rPr>
                         <a:t> </a:t>
                       </a:r>
-                      <a:endParaRPr b="0" lang="ru-RU" sz="1800" spc="-1" strike="noStrike">
+                      <a:endParaRPr lang="ru-RU" sz="1800" b="0" strike="noStrike" spc="-1">
                         <a:solidFill>
                           <a:srgbClr val="000000"/>
                         </a:solidFill>
                         <a:uFill>
                           <a:solidFill>
-                            <a:srgbClr val="ffffff"/>
+                            <a:srgbClr val="FFFFFF"/>
                           </a:solidFill>
                         </a:uFill>
                         <a:latin typeface="Arial"/>
@@ -2538,7 +2939,8 @@
                 </a:tc>
                 <a:tc>
                   <a:txBody>
-                    <a:bodyPr lIns="169920" rIns="169920" tIns="0" bIns="0"/>
+                    <a:bodyPr/>
+                    <a:lstStyle/>
                     <a:p>
                       <a:pPr>
                         <a:lnSpc>
@@ -2546,13 +2948,13 @@
                         </a:lnSpc>
                       </a:pPr>
                       <a:r>
-                        <a:rPr b="0" lang="ru-RU" sz="3000" spc="-1" strike="noStrike">
+                        <a:rPr lang="ru-RU" sz="3000" b="0" strike="noStrike" spc="-1">
                           <a:solidFill>
                             <a:srgbClr val="000000"/>
                           </a:solidFill>
                           <a:uFill>
                             <a:solidFill>
-                              <a:srgbClr val="ffffff"/>
+                              <a:srgbClr val="FFFFFF"/>
                             </a:solidFill>
                           </a:uFill>
                           <a:latin typeface="Calibri"/>
@@ -2560,13 +2962,13 @@
                         </a:rPr>
                         <a:t>13%</a:t>
                       </a:r>
-                      <a:endParaRPr b="0" lang="ru-RU" sz="1800" spc="-1" strike="noStrike">
+                      <a:endParaRPr lang="ru-RU" sz="1800" b="0" strike="noStrike" spc="-1">
                         <a:solidFill>
                           <a:srgbClr val="000000"/>
                         </a:solidFill>
                         <a:uFill>
                           <a:solidFill>
-                            <a:srgbClr val="ffffff"/>
+                            <a:srgbClr val="FFFFFF"/>
                           </a:solidFill>
                         </a:uFill>
                         <a:latin typeface="Arial"/>
@@ -2601,7 +3003,8 @@
               <a:tr h="487080">
                 <a:tc>
                   <a:txBody>
-                    <a:bodyPr lIns="169920" rIns="169920" tIns="0" bIns="0"/>
+                    <a:bodyPr/>
+                    <a:lstStyle/>
                     <a:p>
                       <a:pPr>
                         <a:lnSpc>
@@ -2609,13 +3012,13 @@
                         </a:lnSpc>
                       </a:pPr>
                       <a:r>
-                        <a:rPr b="0" lang="ru-RU" sz="3000" spc="-1" strike="noStrike">
+                        <a:rPr lang="ru-RU" sz="3000" b="0" strike="noStrike" spc="-1">
                           <a:solidFill>
                             <a:srgbClr val="000000"/>
                           </a:solidFill>
                           <a:uFill>
                             <a:solidFill>
-                              <a:srgbClr val="ffffff"/>
+                              <a:srgbClr val="FFFFFF"/>
                             </a:solidFill>
                           </a:uFill>
                           <a:latin typeface="Calibri"/>
@@ -2623,13 +3026,13 @@
                         </a:rPr>
                         <a:t> </a:t>
                       </a:r>
-                      <a:endParaRPr b="0" lang="ru-RU" sz="1800" spc="-1" strike="noStrike">
+                      <a:endParaRPr lang="ru-RU" sz="1800" b="0" strike="noStrike" spc="-1">
                         <a:solidFill>
                           <a:srgbClr val="000000"/>
                         </a:solidFill>
                         <a:uFill>
                           <a:solidFill>
-                            <a:srgbClr val="ffffff"/>
+                            <a:srgbClr val="FFFFFF"/>
                           </a:solidFill>
                         </a:uFill>
                         <a:latin typeface="Arial"/>
@@ -2662,7 +3065,8 @@
                 </a:tc>
                 <a:tc>
                   <a:txBody>
-                    <a:bodyPr lIns="169920" rIns="169920" tIns="0" bIns="0"/>
+                    <a:bodyPr/>
+                    <a:lstStyle/>
                     <a:p>
                       <a:pPr>
                         <a:lnSpc>
@@ -2670,13 +3074,13 @@
                         </a:lnSpc>
                       </a:pPr>
                       <a:r>
-                        <a:rPr b="0" lang="ru-RU" sz="3000" spc="-1" strike="noStrike">
+                        <a:rPr lang="ru-RU" sz="3000" b="0" strike="noStrike" spc="-1">
                           <a:solidFill>
                             <a:srgbClr val="000000"/>
                           </a:solidFill>
                           <a:uFill>
                             <a:solidFill>
-                              <a:srgbClr val="ffffff"/>
+                              <a:srgbClr val="FFFFFF"/>
                             </a:solidFill>
                           </a:uFill>
                           <a:latin typeface="Calibri"/>
@@ -2684,13 +3088,13 @@
                         </a:rPr>
                         <a:t>наклон символов;</a:t>
                       </a:r>
-                      <a:endParaRPr b="0" lang="ru-RU" sz="1800" spc="-1" strike="noStrike">
+                      <a:endParaRPr lang="ru-RU" sz="1800" b="0" strike="noStrike" spc="-1">
                         <a:solidFill>
                           <a:srgbClr val="000000"/>
                         </a:solidFill>
                         <a:uFill>
                           <a:solidFill>
-                            <a:srgbClr val="ffffff"/>
+                            <a:srgbClr val="FFFFFF"/>
                           </a:solidFill>
                         </a:uFill>
                         <a:latin typeface="Arial"/>
@@ -2723,7 +3127,8 @@
                 </a:tc>
                 <a:tc>
                   <a:txBody>
-                    <a:bodyPr lIns="169920" rIns="169920" tIns="0" bIns="0"/>
+                    <a:bodyPr/>
+                    <a:lstStyle/>
                     <a:p>
                       <a:pPr>
                         <a:lnSpc>
@@ -2731,13 +3136,13 @@
                         </a:lnSpc>
                       </a:pPr>
                       <a:r>
-                        <a:rPr b="0" lang="ru-RU" sz="3000" spc="-1" strike="noStrike">
+                        <a:rPr lang="ru-RU" sz="3000" b="0" strike="noStrike" spc="-1">
                           <a:solidFill>
                             <a:srgbClr val="000000"/>
                           </a:solidFill>
                           <a:uFill>
                             <a:solidFill>
-                              <a:srgbClr val="ffffff"/>
+                              <a:srgbClr val="FFFFFF"/>
                             </a:solidFill>
                           </a:uFill>
                           <a:latin typeface="Calibri"/>
@@ -2745,13 +3150,13 @@
                         </a:rPr>
                         <a:t>14%</a:t>
                       </a:r>
-                      <a:endParaRPr b="0" lang="ru-RU" sz="1800" spc="-1" strike="noStrike">
+                      <a:endParaRPr lang="ru-RU" sz="1800" b="0" strike="noStrike" spc="-1">
                         <a:solidFill>
                           <a:srgbClr val="000000"/>
                         </a:solidFill>
                         <a:uFill>
                           <a:solidFill>
-                            <a:srgbClr val="ffffff"/>
+                            <a:srgbClr val="FFFFFF"/>
                           </a:solidFill>
                         </a:uFill>
                         <a:latin typeface="Arial"/>
@@ -2786,7 +3191,8 @@
               <a:tr h="487080">
                 <a:tc>
                   <a:txBody>
-                    <a:bodyPr lIns="169920" rIns="169920" tIns="0" bIns="0"/>
+                    <a:bodyPr/>
+                    <a:lstStyle/>
                     <a:p>
                       <a:pPr>
                         <a:lnSpc>
@@ -2794,13 +3200,13 @@
                         </a:lnSpc>
                       </a:pPr>
                       <a:r>
-                        <a:rPr b="0" lang="ru-RU" sz="3000" spc="-1" strike="noStrike">
+                        <a:rPr lang="ru-RU" sz="3000" b="0" strike="noStrike" spc="-1">
                           <a:solidFill>
                             <a:srgbClr val="000000"/>
                           </a:solidFill>
                           <a:uFill>
                             <a:solidFill>
-                              <a:srgbClr val="ffffff"/>
+                              <a:srgbClr val="FFFFFF"/>
                             </a:solidFill>
                           </a:uFill>
                           <a:latin typeface="Calibri"/>
@@ -2808,13 +3214,13 @@
                         </a:rPr>
                         <a:t> </a:t>
                       </a:r>
-                      <a:endParaRPr b="0" lang="ru-RU" sz="1800" spc="-1" strike="noStrike">
+                      <a:endParaRPr lang="ru-RU" sz="1800" b="0" strike="noStrike" spc="-1">
                         <a:solidFill>
                           <a:srgbClr val="000000"/>
                         </a:solidFill>
                         <a:uFill>
                           <a:solidFill>
-                            <a:srgbClr val="ffffff"/>
+                            <a:srgbClr val="FFFFFF"/>
                           </a:solidFill>
                         </a:uFill>
                         <a:latin typeface="Arial"/>
@@ -2847,7 +3253,8 @@
                 </a:tc>
                 <a:tc>
                   <a:txBody>
-                    <a:bodyPr lIns="169920" rIns="169920" tIns="0" bIns="0"/>
+                    <a:bodyPr/>
+                    <a:lstStyle/>
                     <a:p>
                       <a:pPr>
                         <a:lnSpc>
@@ -2855,13 +3262,13 @@
                         </a:lnSpc>
                       </a:pPr>
                       <a:r>
-                        <a:rPr b="0" lang="ru-RU" sz="3000" spc="-1" strike="noStrike">
+                        <a:rPr lang="ru-RU" sz="3000" b="0" strike="noStrike" spc="-1">
                           <a:solidFill>
                             <a:srgbClr val="000000"/>
                           </a:solidFill>
                           <a:uFill>
                             <a:solidFill>
-                              <a:srgbClr val="ffffff"/>
+                              <a:srgbClr val="FFFFFF"/>
                             </a:solidFill>
                           </a:uFill>
                           <a:latin typeface="Calibri"/>
@@ -2869,13 +3276,13 @@
                         </a:rPr>
                         <a:t>наклон строк</a:t>
                       </a:r>
-                      <a:endParaRPr b="0" lang="ru-RU" sz="1800" spc="-1" strike="noStrike">
+                      <a:endParaRPr lang="ru-RU" sz="1800" b="0" strike="noStrike" spc="-1">
                         <a:solidFill>
                           <a:srgbClr val="000000"/>
                         </a:solidFill>
                         <a:uFill>
                           <a:solidFill>
-                            <a:srgbClr val="ffffff"/>
+                            <a:srgbClr val="FFFFFF"/>
                           </a:solidFill>
                         </a:uFill>
                         <a:latin typeface="Arial"/>
@@ -2908,7 +3315,8 @@
                 </a:tc>
                 <a:tc>
                   <a:txBody>
-                    <a:bodyPr lIns="169920" rIns="169920" tIns="0" bIns="0"/>
+                    <a:bodyPr/>
+                    <a:lstStyle/>
                     <a:p>
                       <a:pPr>
                         <a:lnSpc>
@@ -2916,13 +3324,13 @@
                         </a:lnSpc>
                       </a:pPr>
                       <a:r>
-                        <a:rPr b="0" lang="ru-RU" sz="3000" spc="-1" strike="noStrike">
+                        <a:rPr lang="ru-RU" sz="3000" b="0" strike="noStrike" spc="-1">
                           <a:solidFill>
                             <a:srgbClr val="000000"/>
                           </a:solidFill>
                           <a:uFill>
                             <a:solidFill>
-                              <a:srgbClr val="ffffff"/>
+                              <a:srgbClr val="FFFFFF"/>
                             </a:solidFill>
                           </a:uFill>
                           <a:latin typeface="Calibri"/>
@@ -2930,13 +3338,13 @@
                         </a:rPr>
                         <a:t>12%</a:t>
                       </a:r>
-                      <a:endParaRPr b="0" lang="ru-RU" sz="1800" spc="-1" strike="noStrike">
+                      <a:endParaRPr lang="ru-RU" sz="1800" b="0" strike="noStrike" spc="-1">
                         <a:solidFill>
                           <a:srgbClr val="000000"/>
                         </a:solidFill>
                         <a:uFill>
                           <a:solidFill>
-                            <a:srgbClr val="ffffff"/>
+                            <a:srgbClr val="FFFFFF"/>
                           </a:solidFill>
                         </a:uFill>
                         <a:latin typeface="Arial"/>
@@ -2971,7 +3379,8 @@
               <a:tr h="487080">
                 <a:tc>
                   <a:txBody>
-                    <a:bodyPr lIns="169920" rIns="169920" tIns="0" bIns="0"/>
+                    <a:bodyPr/>
+                    <a:lstStyle/>
                     <a:p>
                       <a:pPr>
                         <a:lnSpc>
@@ -2979,13 +3388,13 @@
                         </a:lnSpc>
                       </a:pPr>
                       <a:r>
-                        <a:rPr b="0" lang="ru-RU" sz="3000" spc="-1" strike="noStrike">
+                        <a:rPr lang="ru-RU" sz="3000" b="0" strike="noStrike" spc="-1">
                           <a:solidFill>
                             <a:srgbClr val="000000"/>
                           </a:solidFill>
                           <a:uFill>
                             <a:solidFill>
-                              <a:srgbClr val="ffffff"/>
+                              <a:srgbClr val="FFFFFF"/>
                             </a:solidFill>
                           </a:uFill>
                           <a:latin typeface="Calibri"/>
@@ -2993,13 +3402,13 @@
                         </a:rPr>
                         <a:t>Интервал</a:t>
                       </a:r>
-                      <a:endParaRPr b="0" lang="ru-RU" sz="1800" spc="-1" strike="noStrike">
+                      <a:endParaRPr lang="ru-RU" sz="1800" b="0" strike="noStrike" spc="-1">
                         <a:solidFill>
                           <a:srgbClr val="000000"/>
                         </a:solidFill>
                         <a:uFill>
                           <a:solidFill>
-                            <a:srgbClr val="ffffff"/>
+                            <a:srgbClr val="FFFFFF"/>
                           </a:solidFill>
                         </a:uFill>
                         <a:latin typeface="Arial"/>
@@ -3032,7 +3441,8 @@
                 </a:tc>
                 <a:tc>
                   <a:txBody>
-                    <a:bodyPr lIns="169920" rIns="169920" tIns="0" bIns="0"/>
+                    <a:bodyPr/>
+                    <a:lstStyle/>
                     <a:p>
                       <a:pPr>
                         <a:lnSpc>
@@ -3040,13 +3450,13 @@
                         </a:lnSpc>
                       </a:pPr>
                       <a:r>
-                        <a:rPr b="0" lang="ru-RU" sz="3000" spc="-1" strike="noStrike">
+                        <a:rPr lang="ru-RU" sz="3000" b="0" strike="noStrike" spc="-1">
                           <a:solidFill>
                             <a:srgbClr val="000000"/>
                           </a:solidFill>
                           <a:uFill>
                             <a:solidFill>
-                              <a:srgbClr val="ffffff"/>
+                              <a:srgbClr val="FFFFFF"/>
                             </a:solidFill>
                           </a:uFill>
                           <a:latin typeface="Calibri"/>
@@ -3054,13 +3464,13 @@
                         </a:rPr>
                         <a:t> </a:t>
                       </a:r>
-                      <a:endParaRPr b="0" lang="ru-RU" sz="1800" spc="-1" strike="noStrike">
+                      <a:endParaRPr lang="ru-RU" sz="1800" b="0" strike="noStrike" spc="-1">
                         <a:solidFill>
                           <a:srgbClr val="000000"/>
                         </a:solidFill>
                         <a:uFill>
                           <a:solidFill>
-                            <a:srgbClr val="ffffff"/>
+                            <a:srgbClr val="FFFFFF"/>
                           </a:solidFill>
                         </a:uFill>
                         <a:latin typeface="Arial"/>
@@ -3093,7 +3503,8 @@
                 </a:tc>
                 <a:tc>
                   <a:txBody>
-                    <a:bodyPr lIns="169920" rIns="169920" tIns="0" bIns="0"/>
+                    <a:bodyPr/>
+                    <a:lstStyle/>
                     <a:p>
                       <a:pPr>
                         <a:lnSpc>
@@ -3101,13 +3512,13 @@
                         </a:lnSpc>
                       </a:pPr>
                       <a:r>
-                        <a:rPr b="0" lang="ru-RU" sz="3000" spc="-1" strike="noStrike">
+                        <a:rPr lang="ru-RU" sz="3000" b="0" strike="noStrike" spc="-1">
                           <a:solidFill>
                             <a:srgbClr val="000000"/>
                           </a:solidFill>
                           <a:uFill>
                             <a:solidFill>
-                              <a:srgbClr val="ffffff"/>
+                              <a:srgbClr val="FFFFFF"/>
                             </a:solidFill>
                           </a:uFill>
                           <a:latin typeface="Calibri"/>
@@ -3115,13 +3526,13 @@
                         </a:rPr>
                         <a:t>7%</a:t>
                       </a:r>
-                      <a:endParaRPr b="0" lang="ru-RU" sz="1800" spc="-1" strike="noStrike">
+                      <a:endParaRPr lang="ru-RU" sz="1800" b="0" strike="noStrike" spc="-1">
                         <a:solidFill>
                           <a:srgbClr val="000000"/>
                         </a:solidFill>
                         <a:uFill>
                           <a:solidFill>
-                            <a:srgbClr val="ffffff"/>
+                            <a:srgbClr val="FFFFFF"/>
                           </a:solidFill>
                         </a:uFill>
                         <a:latin typeface="Arial"/>
@@ -3156,7 +3567,8 @@
               <a:tr h="487080">
                 <a:tc>
                   <a:txBody>
-                    <a:bodyPr lIns="169920" rIns="169920" tIns="0" bIns="0"/>
+                    <a:bodyPr/>
+                    <a:lstStyle/>
                     <a:p>
                       <a:pPr>
                         <a:lnSpc>
@@ -3164,13 +3576,13 @@
                         </a:lnSpc>
                       </a:pPr>
                       <a:r>
-                        <a:rPr b="0" lang="ru-RU" sz="3000" spc="-1" strike="noStrike">
+                        <a:rPr lang="ru-RU" sz="3000" b="0" strike="noStrike" spc="-1">
                           <a:solidFill>
                             <a:srgbClr val="000000"/>
                           </a:solidFill>
                           <a:uFill>
                             <a:solidFill>
-                              <a:srgbClr val="ffffff"/>
+                              <a:srgbClr val="FFFFFF"/>
                             </a:solidFill>
                           </a:uFill>
                           <a:latin typeface="Calibri"/>
@@ -3178,13 +3590,13 @@
                         </a:rPr>
                         <a:t> </a:t>
                       </a:r>
-                      <a:endParaRPr b="0" lang="ru-RU" sz="1800" spc="-1" strike="noStrike">
+                      <a:endParaRPr lang="ru-RU" sz="1800" b="0" strike="noStrike" spc="-1">
                         <a:solidFill>
                           <a:srgbClr val="000000"/>
                         </a:solidFill>
                         <a:uFill>
                           <a:solidFill>
-                            <a:srgbClr val="ffffff"/>
+                            <a:srgbClr val="FFFFFF"/>
                           </a:solidFill>
                         </a:uFill>
                         <a:latin typeface="Arial"/>
@@ -3217,7 +3629,8 @@
                 </a:tc>
                 <a:tc>
                   <a:txBody>
-                    <a:bodyPr lIns="169920" rIns="169920" tIns="0" bIns="0"/>
+                    <a:bodyPr/>
+                    <a:lstStyle/>
                     <a:p>
                       <a:pPr>
                         <a:lnSpc>
@@ -3225,13 +3638,13 @@
                         </a:lnSpc>
                       </a:pPr>
                       <a:r>
-                        <a:rPr b="0" lang="ru-RU" sz="3000" spc="-1" strike="noStrike">
+                        <a:rPr lang="ru-RU" sz="3000" b="0" strike="noStrike" spc="-1">
                           <a:solidFill>
                             <a:srgbClr val="000000"/>
                           </a:solidFill>
                           <a:uFill>
                             <a:solidFill>
-                              <a:srgbClr val="ffffff"/>
+                              <a:srgbClr val="FFFFFF"/>
                             </a:solidFill>
                           </a:uFill>
                           <a:latin typeface="Calibri"/>
@@ -3239,13 +3652,13 @@
                         </a:rPr>
                         <a:t>интервал между символами</a:t>
                       </a:r>
-                      <a:endParaRPr b="0" lang="ru-RU" sz="1800" spc="-1" strike="noStrike">
+                      <a:endParaRPr lang="ru-RU" sz="1800" b="0" strike="noStrike" spc="-1">
                         <a:solidFill>
                           <a:srgbClr val="000000"/>
                         </a:solidFill>
                         <a:uFill>
                           <a:solidFill>
-                            <a:srgbClr val="ffffff"/>
+                            <a:srgbClr val="FFFFFF"/>
                           </a:solidFill>
                         </a:uFill>
                         <a:latin typeface="Arial"/>
@@ -3278,7 +3691,8 @@
                 </a:tc>
                 <a:tc>
                   <a:txBody>
-                    <a:bodyPr lIns="169920" rIns="169920" tIns="0" bIns="0"/>
+                    <a:bodyPr/>
+                    <a:lstStyle/>
                     <a:p>
                       <a:pPr>
                         <a:lnSpc>
@@ -3286,13 +3700,13 @@
                         </a:lnSpc>
                       </a:pPr>
                       <a:r>
-                        <a:rPr b="0" lang="ru-RU" sz="3000" spc="-1" strike="noStrike">
+                        <a:rPr lang="ru-RU" sz="3000" b="0" strike="noStrike" spc="-1">
                           <a:solidFill>
                             <a:srgbClr val="000000"/>
                           </a:solidFill>
                           <a:uFill>
                             <a:solidFill>
-                              <a:srgbClr val="ffffff"/>
+                              <a:srgbClr val="FFFFFF"/>
                             </a:solidFill>
                           </a:uFill>
                           <a:latin typeface="Calibri"/>
@@ -3300,13 +3714,13 @@
                         </a:rPr>
                         <a:t>10%</a:t>
                       </a:r>
-                      <a:endParaRPr b="0" lang="ru-RU" sz="1800" spc="-1" strike="noStrike">
+                      <a:endParaRPr lang="ru-RU" sz="1800" b="0" strike="noStrike" spc="-1">
                         <a:solidFill>
                           <a:srgbClr val="000000"/>
                         </a:solidFill>
                         <a:uFill>
                           <a:solidFill>
-                            <a:srgbClr val="ffffff"/>
+                            <a:srgbClr val="FFFFFF"/>
                           </a:solidFill>
                         </a:uFill>
                         <a:latin typeface="Arial"/>
@@ -3341,7 +3755,8 @@
               <a:tr h="487080">
                 <a:tc>
                   <a:txBody>
-                    <a:bodyPr lIns="169920" rIns="169920" tIns="0" bIns="0"/>
+                    <a:bodyPr/>
+                    <a:lstStyle/>
                     <a:p>
                       <a:pPr>
                         <a:lnSpc>
@@ -3349,13 +3764,13 @@
                         </a:lnSpc>
                       </a:pPr>
                       <a:r>
-                        <a:rPr b="0" lang="ru-RU" sz="3000" spc="-1" strike="noStrike">
+                        <a:rPr lang="ru-RU" sz="3000" b="0" strike="noStrike" spc="-1">
                           <a:solidFill>
                             <a:srgbClr val="000000"/>
                           </a:solidFill>
                           <a:uFill>
                             <a:solidFill>
-                              <a:srgbClr val="ffffff"/>
+                              <a:srgbClr val="FFFFFF"/>
                             </a:solidFill>
                           </a:uFill>
                           <a:latin typeface="Calibri"/>
@@ -3363,13 +3778,13 @@
                         </a:rPr>
                         <a:t> </a:t>
                       </a:r>
-                      <a:endParaRPr b="0" lang="ru-RU" sz="1800" spc="-1" strike="noStrike">
+                      <a:endParaRPr lang="ru-RU" sz="1800" b="0" strike="noStrike" spc="-1">
                         <a:solidFill>
                           <a:srgbClr val="000000"/>
                         </a:solidFill>
                         <a:uFill>
                           <a:solidFill>
-                            <a:srgbClr val="ffffff"/>
+                            <a:srgbClr val="FFFFFF"/>
                           </a:solidFill>
                         </a:uFill>
                         <a:latin typeface="Arial"/>
@@ -3402,7 +3817,8 @@
                 </a:tc>
                 <a:tc>
                   <a:txBody>
-                    <a:bodyPr lIns="169920" rIns="169920" tIns="0" bIns="0"/>
+                    <a:bodyPr/>
+                    <a:lstStyle/>
                     <a:p>
                       <a:pPr>
                         <a:lnSpc>
@@ -3410,13 +3826,13 @@
                         </a:lnSpc>
                       </a:pPr>
                       <a:r>
-                        <a:rPr b="0" lang="ru-RU" sz="3000" spc="-1" strike="noStrike">
+                        <a:rPr lang="ru-RU" sz="3000" b="0" strike="noStrike" spc="-1">
                           <a:solidFill>
                             <a:srgbClr val="000000"/>
                           </a:solidFill>
                           <a:uFill>
                             <a:solidFill>
-                              <a:srgbClr val="ffffff"/>
+                              <a:srgbClr val="FFFFFF"/>
                             </a:solidFill>
                           </a:uFill>
                           <a:latin typeface="Calibri"/>
@@ -3424,13 +3840,13 @@
                         </a:rPr>
                         <a:t>интервал между словами</a:t>
                       </a:r>
-                      <a:endParaRPr b="0" lang="ru-RU" sz="1800" spc="-1" strike="noStrike">
+                      <a:endParaRPr lang="ru-RU" sz="1800" b="0" strike="noStrike" spc="-1">
                         <a:solidFill>
                           <a:srgbClr val="000000"/>
                         </a:solidFill>
                         <a:uFill>
                           <a:solidFill>
-                            <a:srgbClr val="ffffff"/>
+                            <a:srgbClr val="FFFFFF"/>
                           </a:solidFill>
                         </a:uFill>
                         <a:latin typeface="Arial"/>
@@ -3463,7 +3879,8 @@
                 </a:tc>
                 <a:tc>
                   <a:txBody>
-                    <a:bodyPr lIns="169920" rIns="169920" tIns="0" bIns="0"/>
+                    <a:bodyPr/>
+                    <a:lstStyle/>
                     <a:p>
                       <a:pPr>
                         <a:lnSpc>
@@ -3471,13 +3888,13 @@
                         </a:lnSpc>
                       </a:pPr>
                       <a:r>
-                        <a:rPr b="0" lang="ru-RU" sz="3000" spc="-1" strike="noStrike">
+                        <a:rPr lang="ru-RU" sz="3000" b="0" strike="noStrike" spc="-1">
                           <a:solidFill>
                             <a:srgbClr val="000000"/>
                           </a:solidFill>
                           <a:uFill>
                             <a:solidFill>
-                              <a:srgbClr val="ffffff"/>
+                              <a:srgbClr val="FFFFFF"/>
                             </a:solidFill>
                           </a:uFill>
                           <a:latin typeface="Calibri"/>
@@ -3485,13 +3902,13 @@
                         </a:rPr>
                         <a:t>7%</a:t>
                       </a:r>
-                      <a:endParaRPr b="0" lang="ru-RU" sz="1800" spc="-1" strike="noStrike">
+                      <a:endParaRPr lang="ru-RU" sz="1800" b="0" strike="noStrike" spc="-1">
                         <a:solidFill>
                           <a:srgbClr val="000000"/>
                         </a:solidFill>
                         <a:uFill>
                           <a:solidFill>
-                            <a:srgbClr val="ffffff"/>
+                            <a:srgbClr val="FFFFFF"/>
                           </a:solidFill>
                         </a:uFill>
                         <a:latin typeface="Arial"/>
@@ -3526,7 +3943,8 @@
               <a:tr h="487080">
                 <a:tc>
                   <a:txBody>
-                    <a:bodyPr lIns="169920" rIns="169920" tIns="0" bIns="0"/>
+                    <a:bodyPr/>
+                    <a:lstStyle/>
                     <a:p>
                       <a:pPr>
                         <a:lnSpc>
@@ -3534,13 +3952,13 @@
                         </a:lnSpc>
                       </a:pPr>
                       <a:r>
-                        <a:rPr b="0" lang="ru-RU" sz="3000" spc="-1" strike="noStrike">
+                        <a:rPr lang="ru-RU" sz="3000" b="0" strike="noStrike" spc="-1">
                           <a:solidFill>
                             <a:srgbClr val="000000"/>
                           </a:solidFill>
                           <a:uFill>
                             <a:solidFill>
-                              <a:srgbClr val="ffffff"/>
+                              <a:srgbClr val="FFFFFF"/>
                             </a:solidFill>
                           </a:uFill>
                           <a:latin typeface="Calibri"/>
@@ -3548,13 +3966,13 @@
                         </a:rPr>
                         <a:t> </a:t>
                       </a:r>
-                      <a:endParaRPr b="0" lang="ru-RU" sz="1800" spc="-1" strike="noStrike">
+                      <a:endParaRPr lang="ru-RU" sz="1800" b="0" strike="noStrike" spc="-1">
                         <a:solidFill>
                           <a:srgbClr val="000000"/>
                         </a:solidFill>
                         <a:uFill>
                           <a:solidFill>
-                            <a:srgbClr val="ffffff"/>
+                            <a:srgbClr val="FFFFFF"/>
                           </a:solidFill>
                         </a:uFill>
                         <a:latin typeface="Arial"/>
@@ -3587,7 +4005,8 @@
                 </a:tc>
                 <a:tc>
                   <a:txBody>
-                    <a:bodyPr lIns="169920" rIns="169920" tIns="0" bIns="0"/>
+                    <a:bodyPr/>
+                    <a:lstStyle/>
                     <a:p>
                       <a:pPr>
                         <a:lnSpc>
@@ -3595,13 +4014,13 @@
                         </a:lnSpc>
                       </a:pPr>
                       <a:r>
-                        <a:rPr b="0" lang="ru-RU" sz="3000" spc="-1" strike="noStrike">
+                        <a:rPr lang="ru-RU" sz="3000" b="0" strike="noStrike" spc="-1">
                           <a:solidFill>
                             <a:srgbClr val="000000"/>
                           </a:solidFill>
                           <a:uFill>
                             <a:solidFill>
-                              <a:srgbClr val="ffffff"/>
+                              <a:srgbClr val="FFFFFF"/>
                             </a:solidFill>
                           </a:uFill>
                           <a:latin typeface="Calibri"/>
@@ -3609,13 +4028,13 @@
                         </a:rPr>
                         <a:t>интервал между строками</a:t>
                       </a:r>
-                      <a:endParaRPr b="0" lang="ru-RU" sz="1800" spc="-1" strike="noStrike">
+                      <a:endParaRPr lang="ru-RU" sz="1800" b="0" strike="noStrike" spc="-1">
                         <a:solidFill>
                           <a:srgbClr val="000000"/>
                         </a:solidFill>
                         <a:uFill>
                           <a:solidFill>
-                            <a:srgbClr val="ffffff"/>
+                            <a:srgbClr val="FFFFFF"/>
                           </a:solidFill>
                         </a:uFill>
                         <a:latin typeface="Arial"/>
@@ -3648,7 +4067,8 @@
                 </a:tc>
                 <a:tc>
                   <a:txBody>
-                    <a:bodyPr lIns="169920" rIns="169920" tIns="0" bIns="0"/>
+                    <a:bodyPr/>
+                    <a:lstStyle/>
                     <a:p>
                       <a:pPr>
                         <a:lnSpc>
@@ -3656,13 +4076,13 @@
                         </a:lnSpc>
                       </a:pPr>
                       <a:r>
-                        <a:rPr b="0" lang="ru-RU" sz="3000" spc="-1" strike="noStrike">
+                        <a:rPr lang="ru-RU" sz="3000" b="0" strike="noStrike" spc="-1">
                           <a:solidFill>
                             <a:srgbClr val="000000"/>
                           </a:solidFill>
                           <a:uFill>
                             <a:solidFill>
-                              <a:srgbClr val="ffffff"/>
+                              <a:srgbClr val="FFFFFF"/>
                             </a:solidFill>
                           </a:uFill>
                           <a:latin typeface="Calibri"/>
@@ -3670,13 +4090,13 @@
                         </a:rPr>
                         <a:t>4%</a:t>
                       </a:r>
-                      <a:endParaRPr b="0" lang="ru-RU" sz="1800" spc="-1" strike="noStrike">
+                      <a:endParaRPr lang="ru-RU" sz="1800" b="0" strike="noStrike" spc="-1">
                         <a:solidFill>
                           <a:srgbClr val="000000"/>
                         </a:solidFill>
                         <a:uFill>
                           <a:solidFill>
-                            <a:srgbClr val="ffffff"/>
+                            <a:srgbClr val="FFFFFF"/>
                           </a:solidFill>
                         </a:uFill>
                         <a:latin typeface="Arial"/>
@@ -3711,7 +4131,8 @@
               <a:tr h="487080">
                 <a:tc>
                   <a:txBody>
-                    <a:bodyPr lIns="169920" rIns="169920" tIns="0" bIns="0"/>
+                    <a:bodyPr/>
+                    <a:lstStyle/>
                     <a:p>
                       <a:pPr>
                         <a:lnSpc>
@@ -3719,13 +4140,13 @@
                         </a:lnSpc>
                       </a:pPr>
                       <a:r>
-                        <a:rPr b="0" lang="ru-RU" sz="3000" spc="-1" strike="noStrike">
+                        <a:rPr lang="ru-RU" sz="3000" b="0" strike="noStrike" spc="-1">
                           <a:solidFill>
                             <a:srgbClr val="000000"/>
                           </a:solidFill>
                           <a:uFill>
                             <a:solidFill>
-                              <a:srgbClr val="ffffff"/>
+                              <a:srgbClr val="FFFFFF"/>
                             </a:solidFill>
                           </a:uFill>
                           <a:latin typeface="Calibri"/>
@@ -3733,13 +4154,13 @@
                         </a:rPr>
                         <a:t>Прочие</a:t>
                       </a:r>
-                      <a:endParaRPr b="0" lang="ru-RU" sz="1800" spc="-1" strike="noStrike">
+                      <a:endParaRPr lang="ru-RU" sz="1800" b="0" strike="noStrike" spc="-1">
                         <a:solidFill>
                           <a:srgbClr val="000000"/>
                         </a:solidFill>
                         <a:uFill>
                           <a:solidFill>
-                            <a:srgbClr val="ffffff"/>
+                            <a:srgbClr val="FFFFFF"/>
                           </a:solidFill>
                         </a:uFill>
                         <a:latin typeface="Arial"/>
@@ -3772,7 +4193,8 @@
                 </a:tc>
                 <a:tc>
                   <a:txBody>
-                    <a:bodyPr lIns="169920" rIns="169920" tIns="0" bIns="0"/>
+                    <a:bodyPr/>
+                    <a:lstStyle/>
                     <a:p>
                       <a:pPr>
                         <a:lnSpc>
@@ -3780,13 +4202,13 @@
                         </a:lnSpc>
                       </a:pPr>
                       <a:r>
-                        <a:rPr b="0" lang="ru-RU" sz="3000" spc="-1" strike="noStrike">
+                        <a:rPr lang="ru-RU" sz="3000" b="0" strike="noStrike" spc="-1">
                           <a:solidFill>
                             <a:srgbClr val="000000"/>
                           </a:solidFill>
                           <a:uFill>
                             <a:solidFill>
-                              <a:srgbClr val="ffffff"/>
+                              <a:srgbClr val="FFFFFF"/>
                             </a:solidFill>
                           </a:uFill>
                           <a:latin typeface="Calibri"/>
@@ -3794,13 +4216,13 @@
                         </a:rPr>
                         <a:t> </a:t>
                       </a:r>
-                      <a:endParaRPr b="0" lang="ru-RU" sz="1800" spc="-1" strike="noStrike">
+                      <a:endParaRPr lang="ru-RU" sz="1800" b="0" strike="noStrike" spc="-1">
                         <a:solidFill>
                           <a:srgbClr val="000000"/>
                         </a:solidFill>
                         <a:uFill>
                           <a:solidFill>
-                            <a:srgbClr val="ffffff"/>
+                            <a:srgbClr val="FFFFFF"/>
                           </a:solidFill>
                         </a:uFill>
                         <a:latin typeface="Arial"/>
@@ -3833,7 +4255,8 @@
                 </a:tc>
                 <a:tc>
                   <a:txBody>
-                    <a:bodyPr lIns="169920" rIns="169920" tIns="0" bIns="0"/>
+                    <a:bodyPr/>
+                    <a:lstStyle/>
                     <a:p>
                       <a:pPr>
                         <a:lnSpc>
@@ -3841,13 +4264,13 @@
                         </a:lnSpc>
                       </a:pPr>
                       <a:r>
-                        <a:rPr b="0" lang="ru-RU" sz="3000" spc="-1" strike="noStrike">
+                        <a:rPr lang="ru-RU" sz="3000" b="0" strike="noStrike" spc="-1">
                           <a:solidFill>
                             <a:srgbClr val="000000"/>
                           </a:solidFill>
                           <a:uFill>
                             <a:solidFill>
-                              <a:srgbClr val="ffffff"/>
+                              <a:srgbClr val="FFFFFF"/>
                             </a:solidFill>
                           </a:uFill>
                           <a:latin typeface="Calibri"/>
@@ -3855,13 +4278,13 @@
                         </a:rPr>
                         <a:t>1%</a:t>
                       </a:r>
-                      <a:endParaRPr b="0" lang="ru-RU" sz="1800" spc="-1" strike="noStrike">
+                      <a:endParaRPr lang="ru-RU" sz="1800" b="0" strike="noStrike" spc="-1">
                         <a:solidFill>
                           <a:srgbClr val="000000"/>
                         </a:solidFill>
                         <a:uFill>
                           <a:solidFill>
-                            <a:srgbClr val="ffffff"/>
+                            <a:srgbClr val="FFFFFF"/>
                           </a:solidFill>
                         </a:uFill>
                         <a:latin typeface="Arial"/>
@@ -3896,7 +4319,8 @@
               <a:tr h="487080">
                 <a:tc>
                   <a:txBody>
-                    <a:bodyPr lIns="169920" rIns="169920" tIns="0" bIns="0"/>
+                    <a:bodyPr/>
+                    <a:lstStyle/>
                     <a:p>
                       <a:pPr>
                         <a:lnSpc>
@@ -3904,13 +4328,13 @@
                         </a:lnSpc>
                       </a:pPr>
                       <a:r>
-                        <a:rPr b="0" lang="ru-RU" sz="3000" spc="-1" strike="noStrike">
+                        <a:rPr lang="ru-RU" sz="3000" b="0" strike="noStrike" spc="-1">
                           <a:solidFill>
                             <a:srgbClr val="000000"/>
                           </a:solidFill>
                           <a:uFill>
                             <a:solidFill>
-                              <a:srgbClr val="ffffff"/>
+                              <a:srgbClr val="FFFFFF"/>
                             </a:solidFill>
                           </a:uFill>
                           <a:latin typeface="Calibri"/>
@@ -3918,13 +4342,13 @@
                         </a:rPr>
                         <a:t> </a:t>
                       </a:r>
-                      <a:endParaRPr b="0" lang="ru-RU" sz="1800" spc="-1" strike="noStrike">
+                      <a:endParaRPr lang="ru-RU" sz="1800" b="0" strike="noStrike" spc="-1">
                         <a:solidFill>
                           <a:srgbClr val="000000"/>
                         </a:solidFill>
                         <a:uFill>
                           <a:solidFill>
-                            <a:srgbClr val="ffffff"/>
+                            <a:srgbClr val="FFFFFF"/>
                           </a:solidFill>
                         </a:uFill>
                         <a:latin typeface="Arial"/>
@@ -3957,7 +4381,8 @@
                 </a:tc>
                 <a:tc>
                   <a:txBody>
-                    <a:bodyPr lIns="169920" rIns="169920" tIns="0" bIns="0"/>
+                    <a:bodyPr/>
+                    <a:lstStyle/>
                     <a:p>
                       <a:pPr>
                         <a:lnSpc>
@@ -3965,13 +4390,13 @@
                         </a:lnSpc>
                       </a:pPr>
                       <a:r>
-                        <a:rPr b="0" lang="ru-RU" sz="3000" spc="-1" strike="noStrike">
+                        <a:rPr lang="ru-RU" sz="3000" b="0" strike="noStrike" spc="-1">
                           <a:solidFill>
                             <a:srgbClr val="000000"/>
                           </a:solidFill>
                           <a:uFill>
                             <a:solidFill>
-                              <a:srgbClr val="ffffff"/>
+                              <a:srgbClr val="FFFFFF"/>
                             </a:solidFill>
                           </a:uFill>
                           <a:latin typeface="Calibri"/>
@@ -3979,13 +4404,13 @@
                         </a:rPr>
                         <a:t>частота текста</a:t>
                       </a:r>
-                      <a:endParaRPr b="0" lang="ru-RU" sz="1800" spc="-1" strike="noStrike">
+                      <a:endParaRPr lang="ru-RU" sz="1800" b="0" strike="noStrike" spc="-1">
                         <a:solidFill>
                           <a:srgbClr val="000000"/>
                         </a:solidFill>
                         <a:uFill>
                           <a:solidFill>
-                            <a:srgbClr val="ffffff"/>
+                            <a:srgbClr val="FFFFFF"/>
                           </a:solidFill>
                         </a:uFill>
                         <a:latin typeface="Arial"/>
@@ -4018,7 +4443,8 @@
                 </a:tc>
                 <a:tc>
                   <a:txBody>
-                    <a:bodyPr lIns="169920" rIns="169920" tIns="0" bIns="0"/>
+                    <a:bodyPr/>
+                    <a:lstStyle/>
                     <a:p>
                       <a:pPr>
                         <a:lnSpc>
@@ -4026,13 +4452,13 @@
                         </a:lnSpc>
                       </a:pPr>
                       <a:r>
-                        <a:rPr b="0" lang="ru-RU" sz="3000" spc="-1" strike="noStrike">
+                        <a:rPr lang="ru-RU" sz="3000" b="0" strike="noStrike" spc="-1">
                           <a:solidFill>
                             <a:srgbClr val="000000"/>
                           </a:solidFill>
                           <a:uFill>
                             <a:solidFill>
-                              <a:srgbClr val="ffffff"/>
+                              <a:srgbClr val="FFFFFF"/>
                             </a:solidFill>
                           </a:uFill>
                           <a:latin typeface="Calibri"/>
@@ -4040,13 +4466,13 @@
                         </a:rPr>
                         <a:t>0%</a:t>
                       </a:r>
-                      <a:endParaRPr b="0" lang="ru-RU" sz="1800" spc="-1" strike="noStrike">
+                      <a:endParaRPr lang="ru-RU" sz="1800" b="0" strike="noStrike" spc="-1">
                         <a:solidFill>
                           <a:srgbClr val="000000"/>
                         </a:solidFill>
                         <a:uFill>
                           <a:solidFill>
-                            <a:srgbClr val="ffffff"/>
+                            <a:srgbClr val="FFFFFF"/>
                           </a:solidFill>
                         </a:uFill>
                         <a:latin typeface="Arial"/>
@@ -4081,7 +4507,8 @@
               <a:tr h="487080">
                 <a:tc>
                   <a:txBody>
-                    <a:bodyPr lIns="169920" rIns="169920" tIns="0" bIns="0"/>
+                    <a:bodyPr/>
+                    <a:lstStyle/>
                     <a:p>
                       <a:pPr>
                         <a:lnSpc>
@@ -4089,13 +4516,13 @@
                         </a:lnSpc>
                       </a:pPr>
                       <a:r>
-                        <a:rPr b="0" lang="ru-RU" sz="3000" spc="-1" strike="noStrike">
+                        <a:rPr lang="ru-RU" sz="3000" b="0" strike="noStrike" spc="-1">
                           <a:solidFill>
                             <a:srgbClr val="000000"/>
                           </a:solidFill>
                           <a:uFill>
                             <a:solidFill>
-                              <a:srgbClr val="ffffff"/>
+                              <a:srgbClr val="FFFFFF"/>
                             </a:solidFill>
                           </a:uFill>
                           <a:latin typeface="Calibri"/>
@@ -4103,13 +4530,13 @@
                         </a:rPr>
                         <a:t> </a:t>
                       </a:r>
-                      <a:endParaRPr b="0" lang="ru-RU" sz="1800" spc="-1" strike="noStrike">
+                      <a:endParaRPr lang="ru-RU" sz="1800" b="0" strike="noStrike" spc="-1">
                         <a:solidFill>
                           <a:srgbClr val="000000"/>
                         </a:solidFill>
                         <a:uFill>
                           <a:solidFill>
-                            <a:srgbClr val="ffffff"/>
+                            <a:srgbClr val="FFFFFF"/>
                           </a:solidFill>
                         </a:uFill>
                         <a:latin typeface="Arial"/>
@@ -4142,7 +4569,8 @@
                 </a:tc>
                 <a:tc>
                   <a:txBody>
-                    <a:bodyPr lIns="169920" rIns="169920" tIns="0" bIns="0"/>
+                    <a:bodyPr/>
+                    <a:lstStyle/>
                     <a:p>
                       <a:pPr>
                         <a:lnSpc>
@@ -4150,13 +4578,13 @@
                         </a:lnSpc>
                       </a:pPr>
                       <a:r>
-                        <a:rPr b="0" lang="ru-RU" sz="3000" spc="-1" strike="noStrike">
+                        <a:rPr lang="ru-RU" sz="3000" b="0" strike="noStrike" spc="-1">
                           <a:solidFill>
                             <a:srgbClr val="000000"/>
                           </a:solidFill>
                           <a:uFill>
                             <a:solidFill>
-                              <a:srgbClr val="ffffff"/>
+                              <a:srgbClr val="FFFFFF"/>
                             </a:solidFill>
                           </a:uFill>
                           <a:latin typeface="Calibri"/>
@@ -4164,13 +4592,13 @@
                         </a:rPr>
                         <a:t>сила нажима</a:t>
                       </a:r>
-                      <a:endParaRPr b="0" lang="ru-RU" sz="1800" spc="-1" strike="noStrike">
+                      <a:endParaRPr lang="ru-RU" sz="1800" b="0" strike="noStrike" spc="-1">
                         <a:solidFill>
                           <a:srgbClr val="000000"/>
                         </a:solidFill>
                         <a:uFill>
                           <a:solidFill>
-                            <a:srgbClr val="ffffff"/>
+                            <a:srgbClr val="FFFFFF"/>
                           </a:solidFill>
                         </a:uFill>
                         <a:latin typeface="Arial"/>
@@ -4203,7 +4631,8 @@
                 </a:tc>
                 <a:tc>
                   <a:txBody>
-                    <a:bodyPr lIns="169920" rIns="169920" tIns="0" bIns="0"/>
+                    <a:bodyPr/>
+                    <a:lstStyle/>
                     <a:p>
                       <a:pPr>
                         <a:lnSpc>
@@ -4211,13 +4640,13 @@
                         </a:lnSpc>
                       </a:pPr>
                       <a:r>
-                        <a:rPr b="0" lang="ru-RU" sz="3000" spc="-1" strike="noStrike">
+                        <a:rPr lang="ru-RU" sz="3000" b="0" strike="noStrike" spc="-1">
                           <a:solidFill>
                             <a:srgbClr val="000000"/>
                           </a:solidFill>
                           <a:uFill>
                             <a:solidFill>
-                              <a:srgbClr val="ffffff"/>
+                              <a:srgbClr val="FFFFFF"/>
                             </a:solidFill>
                           </a:uFill>
                           <a:latin typeface="Calibri"/>
@@ -4225,13 +4654,13 @@
                         </a:rPr>
                         <a:t>2%</a:t>
                       </a:r>
-                      <a:endParaRPr b="0" lang="ru-RU" sz="1800" spc="-1" strike="noStrike">
+                      <a:endParaRPr lang="ru-RU" sz="1800" b="0" strike="noStrike" spc="-1">
                         <a:solidFill>
                           <a:srgbClr val="000000"/>
                         </a:solidFill>
                         <a:uFill>
                           <a:solidFill>
-                            <a:srgbClr val="ffffff"/>
+                            <a:srgbClr val="FFFFFF"/>
                           </a:solidFill>
                         </a:uFill>
                         <a:latin typeface="Arial"/>
@@ -4279,7 +4708,7 @@
         </p:xfrm>
         <a:graphic>
           <a:graphicData uri="http://schemas.openxmlformats.org/drawingml/2006/chart">
-            <c:chart xmlns:c="http://schemas.openxmlformats.org/drawingml/2006/chart" xmlns:r="http://schemas.openxmlformats.org/officeDocument/2006/relationships" r:id="rId1"/>
+            <c:chart xmlns:c="http://schemas.openxmlformats.org/drawingml/2006/chart" xmlns:r="http://schemas.openxmlformats.org/officeDocument/2006/relationships" r:id="rId2"/>
           </a:graphicData>
         </a:graphic>
       </p:graphicFrame>
@@ -4339,33 +4768,23 @@
           </a:ln>
         </p:spPr>
         <p:txBody>
-          <a:bodyPr lIns="90000" rIns="90000" tIns="45000" bIns="45000"/>
+          <a:bodyPr lIns="90000" tIns="45000" rIns="90000" bIns="45000"/>
+          <a:lstStyle/>
           <a:p>
             <a:r>
-              <a:rPr b="0" lang="ru-RU" sz="7200" spc="-1" strike="noStrike">
+              <a:rPr lang="ru-RU" sz="7200" b="0" strike="noStrike" spc="-1">
                 <a:solidFill>
                   <a:srgbClr val="000000"/>
                 </a:solidFill>
                 <a:uFill>
                   <a:solidFill>
-                    <a:srgbClr val="ffffff"/>
+                    <a:srgbClr val="FFFFFF"/>
                   </a:solidFill>
                 </a:uFill>
                 <a:latin typeface="Arial"/>
               </a:rPr>
               <a:t>Результаты работы программного средства</a:t>
             </a:r>
-            <a:endParaRPr b="0" lang="ru-RU" sz="7200" spc="-1" strike="noStrike">
-              <a:solidFill>
-                <a:srgbClr val="000000"/>
-              </a:solidFill>
-              <a:uFill>
-                <a:solidFill>
-                  <a:srgbClr val="ffffff"/>
-                </a:solidFill>
-              </a:uFill>
-              <a:latin typeface="Arial"/>
-            </a:endParaRPr>
           </a:p>
         </p:txBody>
       </p:sp>
@@ -4377,7 +4796,7 @@
         </p:nvSpPr>
         <p:spPr>
           <a:xfrm>
-            <a:off x="10008000" y="7776000"/>
+            <a:off x="10259460" y="8075520"/>
             <a:ext cx="9414720" cy="459360"/>
           </a:xfrm>
           <a:prstGeom prst="rect">
@@ -4389,61 +4808,65 @@
           </a:ln>
         </p:spPr>
         <p:txBody>
-          <a:bodyPr lIns="90000" rIns="90000" tIns="45000" bIns="45000"/>
+          <a:bodyPr lIns="90000" tIns="45000" rIns="90000" bIns="45000"/>
+          <a:lstStyle/>
           <a:p>
             <a:r>
-              <a:rPr b="0" lang="ru-RU" sz="2600" spc="-1" strike="noStrike">
+              <a:rPr lang="ru-RU" sz="2600" b="0" strike="noStrike" spc="-1" dirty="0" smtClean="0">
                 <a:solidFill>
                   <a:srgbClr val="000000"/>
                 </a:solidFill>
                 <a:uFill>
                   <a:solidFill>
-                    <a:srgbClr val="ffffff"/>
+                    <a:srgbClr val="FFFFFF"/>
                   </a:solidFill>
                 </a:uFill>
                 <a:latin typeface="Arial"/>
               </a:rPr>
-              <a:t>Рисунок 1 — Отклонения </a:t>
+              <a:t>Рис</a:t>
             </a:r>
             <a:r>
-              <a:rPr b="0" lang="ru-RU" sz="2600" spc="-1" strike="noStrike">
+              <a:rPr lang="en-US" sz="2600" b="0" strike="noStrike" spc="-1" dirty="0" smtClean="0">
                 <a:solidFill>
                   <a:srgbClr val="000000"/>
                 </a:solidFill>
                 <a:uFill>
                   <a:solidFill>
-                    <a:srgbClr val="ffffff"/>
+                    <a:srgbClr val="FFFFFF"/>
                   </a:solidFill>
                 </a:uFill>
                 <a:latin typeface="Arial"/>
               </a:rPr>
-              <a:t>признаков</a:t>
+              <a:t>.</a:t>
             </a:r>
             <a:r>
-              <a:rPr b="0" lang="ru-RU" sz="2600" spc="-1" strike="noStrike">
+              <a:rPr lang="ru-RU" sz="2600" b="0" strike="noStrike" spc="-1" dirty="0" smtClean="0">
                 <a:solidFill>
                   <a:srgbClr val="000000"/>
                 </a:solidFill>
                 <a:uFill>
                   <a:solidFill>
-                    <a:srgbClr val="ffffff"/>
+                    <a:srgbClr val="FFFFFF"/>
                   </a:solidFill>
                 </a:uFill>
                 <a:latin typeface="Arial"/>
               </a:rPr>
-              <a:t> от обучающей выборки</a:t>
+              <a:t> </a:t>
             </a:r>
-            <a:endParaRPr b="0" lang="ru-RU" sz="2600" spc="-1" strike="noStrike">
-              <a:solidFill>
-                <a:srgbClr val="000000"/>
-              </a:solidFill>
-              <a:uFill>
+            <a:r>
+              <a:rPr lang="ru-RU" sz="2600" b="0" strike="noStrike" spc="-1" dirty="0">
                 <a:solidFill>
-                  <a:srgbClr val="ffffff"/>
+                  <a:srgbClr val="000000"/>
                 </a:solidFill>
-              </a:uFill>
-              <a:latin typeface="Arial"/>
-            </a:endParaRPr>
+                <a:uFill>
+                  <a:solidFill>
+                    <a:srgbClr val="FFFFFF"/>
+                  </a:solidFill>
+                </a:uFill>
+                <a:latin typeface="Arial"/>
+              </a:rPr>
+              <a:t>1 — Отклонения признаков от обучающей выборки</a:t>
+            </a:r>
           </a:p>
         </p:txBody>
       </p:sp>
@@ -4467,38 +4890,31 @@
           </a:ln>
         </p:spPr>
         <p:txBody>
-          <a:bodyPr lIns="90000" rIns="90000" tIns="45000" bIns="45000"/>
+          <a:bodyPr lIns="90000" tIns="45000" rIns="90000" bIns="45000"/>
+          <a:lstStyle/>
           <a:p>
             <a:r>
-              <a:rPr b="0" lang="ru-RU" sz="2600" spc="-1" strike="noStrike">
+              <a:rPr lang="ru-RU" sz="2600" b="0" strike="noStrike" spc="-1">
                 <a:solidFill>
                   <a:srgbClr val="000000"/>
                 </a:solidFill>
                 <a:uFill>
                   <a:solidFill>
-                    <a:srgbClr val="ffffff"/>
+                    <a:srgbClr val="FFFFFF"/>
                   </a:solidFill>
                 </a:uFill>
                 <a:latin typeface="Arial"/>
               </a:rPr>
               <a:t>Рис. 2 — Распределие образцов по классам в обучающей выборке</a:t>
             </a:r>
-            <a:endParaRPr b="0" lang="ru-RU" sz="2600" spc="-1" strike="noStrike">
-              <a:solidFill>
-                <a:srgbClr val="000000"/>
-              </a:solidFill>
-              <a:uFill>
-                <a:solidFill>
-                  <a:srgbClr val="ffffff"/>
-                </a:solidFill>
-              </a:uFill>
-              <a:latin typeface="Arial"/>
-            </a:endParaRPr>
           </a:p>
         </p:txBody>
       </p:sp>
     </p:spTree>
   </p:cSld>
+  <p:clrMapOvr>
+    <a:masterClrMapping/>
+  </p:clrMapOvr>
   <p:timing>
     <p:tnLst>
       <p:par>
@@ -4507,14 +4923,14 @@
             <p:seq>
               <p:cTn id="2" nodeType="mainSeq"/>
               <p:prevCondLst>
-                <p:cond delay="0" evt="onPrev">
+                <p:cond evt="onPrev" delay="0">
                   <p:tgtEl>
                     <p:sldTgt/>
                   </p:tgtEl>
                 </p:cond>
               </p:prevCondLst>
               <p:nextCondLst>
-                <p:cond delay="0" evt="onNext">
+                <p:cond evt="onNext" delay="0">
                   <p:tgtEl>
                     <p:sldTgt/>
                   </p:tgtEl>
@@ -4749,5 +5165,7 @@
       </a:bgFillStyleLst>
     </a:fmtScheme>
   </a:themeElements>
+  <a:objectDefaults/>
+  <a:extraClrSchemeLst/>
 </a:theme>
 </file>
--- a/diagrams/results.pptx
+++ b/diagrams/results.pptx
@@ -1,118 +1,21 @@
 
 <file path=ppt/presentation.xml><?xml version="1.0" encoding="utf-8"?>
-<p:presentation xmlns:a="http://schemas.openxmlformats.org/drawingml/2006/main" xmlns:r="http://schemas.openxmlformats.org/officeDocument/2006/relationships" xmlns:p="http://schemas.openxmlformats.org/presentationml/2006/main" saveSubsetFonts="1">
+<p:presentation xmlns:a="http://schemas.openxmlformats.org/drawingml/2006/main" xmlns:p="http://schemas.openxmlformats.org/presentationml/2006/main" xmlns:r="http://schemas.openxmlformats.org/officeDocument/2006/relationships" xmlns:p14="http://schemas.microsoft.com/office/powerpoint/2010/main" xmlns:p15="http://schemas.microsoft.com/office/powerpoint/2012/main" xmlns:mc="http://schemas.openxmlformats.org/markup-compatibility/2006">
   <p:sldMasterIdLst>
-    <p:sldMasterId id="2147483648" r:id="rId1"/>
+    <p:sldMasterId id="2147483648" r:id="rId2"/>
   </p:sldMasterIdLst>
   <p:sldIdLst>
-    <p:sldId id="256" r:id="rId2"/>
+    <p:sldId id="256" r:id="rId3"/>
   </p:sldIdLst>
   <p:sldSz cx="30267275" cy="21396325"/>
   <p:notesSz cx="7772400" cy="10058400"/>
-  <p:defaultTextStyle>
-    <a:defPPr>
-      <a:defRPr lang="en-US"/>
-    </a:defPPr>
-    <a:lvl1pPr marL="0" algn="l" defTabSz="914400" rtl="0" eaLnBrk="1" latinLnBrk="0" hangingPunct="1">
-      <a:defRPr sz="1800" kern="1200">
-        <a:solidFill>
-          <a:schemeClr val="tx1"/>
-        </a:solidFill>
-        <a:latin typeface="+mn-lt"/>
-        <a:ea typeface="+mn-ea"/>
-        <a:cs typeface="+mn-cs"/>
-      </a:defRPr>
-    </a:lvl1pPr>
-    <a:lvl2pPr marL="457200" algn="l" defTabSz="914400" rtl="0" eaLnBrk="1" latinLnBrk="0" hangingPunct="1">
-      <a:defRPr sz="1800" kern="1200">
-        <a:solidFill>
-          <a:schemeClr val="tx1"/>
-        </a:solidFill>
-        <a:latin typeface="+mn-lt"/>
-        <a:ea typeface="+mn-ea"/>
-        <a:cs typeface="+mn-cs"/>
-      </a:defRPr>
-    </a:lvl2pPr>
-    <a:lvl3pPr marL="914400" algn="l" defTabSz="914400" rtl="0" eaLnBrk="1" latinLnBrk="0" hangingPunct="1">
-      <a:defRPr sz="1800" kern="1200">
-        <a:solidFill>
-          <a:schemeClr val="tx1"/>
-        </a:solidFill>
-        <a:latin typeface="+mn-lt"/>
-        <a:ea typeface="+mn-ea"/>
-        <a:cs typeface="+mn-cs"/>
-      </a:defRPr>
-    </a:lvl3pPr>
-    <a:lvl4pPr marL="1371600" algn="l" defTabSz="914400" rtl="0" eaLnBrk="1" latinLnBrk="0" hangingPunct="1">
-      <a:defRPr sz="1800" kern="1200">
-        <a:solidFill>
-          <a:schemeClr val="tx1"/>
-        </a:solidFill>
-        <a:latin typeface="+mn-lt"/>
-        <a:ea typeface="+mn-ea"/>
-        <a:cs typeface="+mn-cs"/>
-      </a:defRPr>
-    </a:lvl4pPr>
-    <a:lvl5pPr marL="1828800" algn="l" defTabSz="914400" rtl="0" eaLnBrk="1" latinLnBrk="0" hangingPunct="1">
-      <a:defRPr sz="1800" kern="1200">
-        <a:solidFill>
-          <a:schemeClr val="tx1"/>
-        </a:solidFill>
-        <a:latin typeface="+mn-lt"/>
-        <a:ea typeface="+mn-ea"/>
-        <a:cs typeface="+mn-cs"/>
-      </a:defRPr>
-    </a:lvl5pPr>
-    <a:lvl6pPr marL="2286000" algn="l" defTabSz="914400" rtl="0" eaLnBrk="1" latinLnBrk="0" hangingPunct="1">
-      <a:defRPr sz="1800" kern="1200">
-        <a:solidFill>
-          <a:schemeClr val="tx1"/>
-        </a:solidFill>
-        <a:latin typeface="+mn-lt"/>
-        <a:ea typeface="+mn-ea"/>
-        <a:cs typeface="+mn-cs"/>
-      </a:defRPr>
-    </a:lvl6pPr>
-    <a:lvl7pPr marL="2743200" algn="l" defTabSz="914400" rtl="0" eaLnBrk="1" latinLnBrk="0" hangingPunct="1">
-      <a:defRPr sz="1800" kern="1200">
-        <a:solidFill>
-          <a:schemeClr val="tx1"/>
-        </a:solidFill>
-        <a:latin typeface="+mn-lt"/>
-        <a:ea typeface="+mn-ea"/>
-        <a:cs typeface="+mn-cs"/>
-      </a:defRPr>
-    </a:lvl7pPr>
-    <a:lvl8pPr marL="3200400" algn="l" defTabSz="914400" rtl="0" eaLnBrk="1" latinLnBrk="0" hangingPunct="1">
-      <a:defRPr sz="1800" kern="1200">
-        <a:solidFill>
-          <a:schemeClr val="tx1"/>
-        </a:solidFill>
-        <a:latin typeface="+mn-lt"/>
-        <a:ea typeface="+mn-ea"/>
-        <a:cs typeface="+mn-cs"/>
-      </a:defRPr>
-    </a:lvl8pPr>
-    <a:lvl9pPr marL="3657600" algn="l" defTabSz="914400" rtl="0" eaLnBrk="1" latinLnBrk="0" hangingPunct="1">
-      <a:defRPr sz="1800" kern="1200">
-        <a:solidFill>
-          <a:schemeClr val="tx1"/>
-        </a:solidFill>
-        <a:latin typeface="+mn-lt"/>
-        <a:ea typeface="+mn-ea"/>
-        <a:cs typeface="+mn-cs"/>
-      </a:defRPr>
-    </a:lvl9pPr>
-  </p:defaultTextStyle>
 </p:presentation>
 </file>
 
 <file path=ppt/charts/chart1.xml><?xml version="1.0" encoding="utf-8"?>
 <c:chartSpace xmlns:c="http://schemas.openxmlformats.org/drawingml/2006/chart" xmlns:a="http://schemas.openxmlformats.org/drawingml/2006/main" xmlns:r="http://schemas.openxmlformats.org/officeDocument/2006/relationships">
-  <c:date1904 val="1"/>
   <c:lang val="en-US"/>
   <c:roundedCorners val="0"/>
-  <c:style val="18"/>
   <c:chart>
     <c:title>
       <c:tx>
@@ -121,29 +24,31 @@
           <a:lstStyle/>
           <a:p>
             <a:pPr>
-              <a:defRPr sz="2800" b="0" strike="noStrike" spc="-1">
+              <a:defRPr b="0" sz="2800" spc="-1" strike="noStrike">
                 <a:solidFill>
                   <a:srgbClr val="595959"/>
                 </a:solidFill>
                 <a:uFill>
                   <a:solidFill>
-                    <a:srgbClr val="FFFFFF"/>
+                    <a:srgbClr val="ffffff"/>
                   </a:solidFill>
                 </a:uFill>
                 <a:latin typeface="Calibri"/>
+                <a:ea typeface="DejaVu Sans"/>
               </a:defRPr>
             </a:pPr>
             <a:r>
-              <a:rPr lang="ru-RU" sz="2800" b="0" strike="noStrike" spc="-1">
+              <a:rPr b="0" sz="2800" spc="-1" strike="noStrike">
                 <a:solidFill>
                   <a:srgbClr val="595959"/>
                 </a:solidFill>
                 <a:uFill>
                   <a:solidFill>
-                    <a:srgbClr val="FFFFFF"/>
+                    <a:srgbClr val="ffffff"/>
                   </a:solidFill>
                 </a:uFill>
                 <a:latin typeface="Calibri"/>
+                <a:ea typeface="DejaVu Sans"/>
               </a:rPr>
               <a:t>Обучающая выборка</a:t>
             </a:r>
@@ -154,15 +59,14 @@
         <c:manualLayout>
           <c:xMode val="edge"/>
           <c:yMode val="edge"/>
-          <c:x val="0.365814171750352"/>
-          <c:y val="0.0617053499101891"/>
+          <c:x val="0.365799291395856"/>
+          <c:y val="0.0617075232459848"/>
         </c:manualLayout>
       </c:layout>
       <c:overlay val="0"/>
     </c:title>
     <c:autoTitleDeleted val="0"/>
     <c:plotArea>
-      <c:layout/>
       <c:barChart>
         <c:barDir val="col"/>
         <c:grouping val="clustered"/>
@@ -183,37 +87,24 @@
           </c:tx>
           <c:spPr>
             <a:solidFill>
-              <a:srgbClr val="A5A5A5"/>
+              <a:srgbClr val="a5a5a5"/>
             </a:solidFill>
             <a:ln w="19080">
               <a:solidFill>
-                <a:srgbClr val="FFFFFF"/>
+                <a:srgbClr val="ffffff"/>
               </a:solidFill>
               <a:round/>
             </a:ln>
           </c:spPr>
           <c:invertIfNegative val="0"/>
           <c:dLbls>
-            <c:spPr>
-              <a:noFill/>
-              <a:ln>
-                <a:noFill/>
-              </a:ln>
-              <a:effectLst/>
-            </c:spPr>
             <c:dLblPos val="outEnd"/>
             <c:showLegendKey val="0"/>
             <c:showVal val="0"/>
             <c:showCatName val="0"/>
             <c:showSerName val="0"/>
             <c:showPercent val="0"/>
-            <c:showBubbleSize val="1"/>
             <c:showLeaderLines val="0"/>
-            <c:extLst>
-              <c:ext xmlns:c15="http://schemas.microsoft.com/office/drawing/2012/chart" uri="{CE6537A1-D6FC-4f65-9D91-7224C49458BB}">
-                <c15:showLeaderLines val="0"/>
-              </c:ext>
-            </c:extLst>
           </c:dLbls>
           <c:cat>
             <c:strRef>
@@ -278,71 +169,64 @@
                 <c:formatCode>General</c:formatCode>
                 <c:ptCount val="16"/>
                 <c:pt idx="0">
-                  <c:v>89.0</c:v>
+                  <c:v>89</c:v>
                 </c:pt>
                 <c:pt idx="1">
-                  <c:v>98.0</c:v>
+                  <c:v>98</c:v>
                 </c:pt>
                 <c:pt idx="2">
-                  <c:v>101.0</c:v>
+                  <c:v>101</c:v>
                 </c:pt>
                 <c:pt idx="3">
-                  <c:v>91.0</c:v>
+                  <c:v>91</c:v>
                 </c:pt>
                 <c:pt idx="4">
-                  <c:v>98.0</c:v>
+                  <c:v>98</c:v>
                 </c:pt>
                 <c:pt idx="5">
-                  <c:v>94.0</c:v>
+                  <c:v>94</c:v>
                 </c:pt>
                 <c:pt idx="6">
-                  <c:v>92.0</c:v>
+                  <c:v>92</c:v>
                 </c:pt>
                 <c:pt idx="7">
-                  <c:v>92.0</c:v>
+                  <c:v>92</c:v>
                 </c:pt>
                 <c:pt idx="8">
-                  <c:v>91.0</c:v>
+                  <c:v>91</c:v>
                 </c:pt>
                 <c:pt idx="9">
-                  <c:v>97.0</c:v>
+                  <c:v>97</c:v>
                 </c:pt>
                 <c:pt idx="10">
-                  <c:v>90.0</c:v>
+                  <c:v>90</c:v>
                 </c:pt>
                 <c:pt idx="11">
-                  <c:v>93.0</c:v>
+                  <c:v>93</c:v>
                 </c:pt>
                 <c:pt idx="12">
-                  <c:v>92.0</c:v>
+                  <c:v>92</c:v>
                 </c:pt>
                 <c:pt idx="13">
-                  <c:v>90.0</c:v>
+                  <c:v>90</c:v>
                 </c:pt>
                 <c:pt idx="14">
-                  <c:v>96.0</c:v>
+                  <c:v>96</c:v>
                 </c:pt>
                 <c:pt idx="15">
-                  <c:v>96.0</c:v>
+                  <c:v>96</c:v>
                 </c:pt>
               </c:numCache>
             </c:numRef>
           </c:val>
         </c:ser>
-        <c:dLbls>
-          <c:showLegendKey val="0"/>
-          <c:showVal val="0"/>
-          <c:showCatName val="0"/>
-          <c:showSerName val="0"/>
-          <c:showPercent val="0"/>
-          <c:showBubbleSize val="0"/>
-        </c:dLbls>
         <c:gapWidth val="0"/>
-        <c:axId val="2131526640"/>
-        <c:axId val="-2145646128"/>
+        <c:overlap val="0"/>
+        <c:axId val="46969601"/>
+        <c:axId val="4894809"/>
       </c:barChart>
       <c:catAx>
-        <c:axId val="2131526640"/>
+        <c:axId val="46969601"/>
         <c:scaling>
           <c:orientation val="minMax"/>
         </c:scaling>
@@ -355,82 +239,81 @@
               <a:lstStyle/>
               <a:p>
                 <a:pPr>
-                  <a:defRPr sz="2400" b="0" strike="noStrike" spc="-1">
+                  <a:defRPr b="0" sz="2400" spc="-1" strike="noStrike">
                     <a:solidFill>
                       <a:srgbClr val="595959"/>
                     </a:solidFill>
                     <a:uFill>
                       <a:solidFill>
-                        <a:srgbClr val="FFFFFF"/>
+                        <a:srgbClr val="ffffff"/>
                       </a:solidFill>
                     </a:uFill>
                     <a:latin typeface="Calibri"/>
+                    <a:ea typeface="DejaVu Sans"/>
                   </a:defRPr>
                 </a:pPr>
                 <a:r>
-                  <a:rPr lang="ru-RU" sz="2400" b="0" strike="noStrike" spc="-1">
+                  <a:rPr b="0" sz="2400" spc="-1" strike="noStrike">
                     <a:solidFill>
                       <a:srgbClr val="595959"/>
                     </a:solidFill>
                     <a:uFill>
                       <a:solidFill>
-                        <a:srgbClr val="FFFFFF"/>
+                        <a:srgbClr val="ffffff"/>
                       </a:solidFill>
                     </a:uFill>
                     <a:latin typeface="Calibri"/>
+                    <a:ea typeface="DejaVu Sans"/>
                   </a:rPr>
                   <a:t>Класс</a:t>
                 </a:r>
               </a:p>
             </c:rich>
           </c:tx>
-          <c:layout/>
           <c:overlay val="0"/>
         </c:title>
-        <c:numFmt formatCode="General" sourceLinked="1"/>
+        <c:numFmt formatCode="DD/MM/YYYY" sourceLinked="1"/>
         <c:majorTickMark val="none"/>
         <c:minorTickMark val="none"/>
         <c:tickLblPos val="nextTo"/>
         <c:spPr>
           <a:ln w="9360">
             <a:solidFill>
-              <a:srgbClr val="D9D9D9"/>
+              <a:srgbClr val="d9d9d9"/>
             </a:solidFill>
             <a:round/>
           </a:ln>
         </c:spPr>
         <c:txPr>
           <a:bodyPr/>
-          <a:lstStyle/>
           <a:p>
             <a:pPr>
-              <a:defRPr sz="2400" b="0" strike="noStrike" spc="-1">
+              <a:defRPr b="0" sz="2400" spc="-1" strike="noStrike">
                 <a:solidFill>
                   <a:srgbClr val="595959"/>
                 </a:solidFill>
                 <a:uFill>
                   <a:solidFill>
-                    <a:srgbClr val="FFFFFF"/>
+                    <a:srgbClr val="ffffff"/>
                   </a:solidFill>
                 </a:uFill>
                 <a:latin typeface="Calibri"/>
+                <a:ea typeface="DejaVu Sans"/>
               </a:defRPr>
             </a:pPr>
-            <a:endParaRPr lang="en-US"/>
           </a:p>
         </c:txPr>
-        <c:crossAx val="-2145646128"/>
+        <c:crossAx val="4894809"/>
         <c:crosses val="autoZero"/>
         <c:auto val="1"/>
         <c:lblAlgn val="ctr"/>
         <c:lblOffset val="100"/>
-        <c:noMultiLvlLbl val="1"/>
       </c:catAx>
       <c:valAx>
-        <c:axId val="-2145646128"/>
+        <c:axId val="4894809"/>
         <c:scaling>
           <c:orientation val="minMax"/>
-          <c:min val="0.0"/>
+          <c:min val="0"/>
         </c:scaling>
         <c:delete val="0"/>
         <c:axPos val="l"/>
@@ -441,36 +324,37 @@
               <a:lstStyle/>
               <a:p>
                 <a:pPr>
-                  <a:defRPr sz="2400" b="0" strike="noStrike" spc="-1">
+                  <a:defRPr b="0" sz="2400" spc="-1" strike="noStrike">
                     <a:solidFill>
                       <a:srgbClr val="595959"/>
                     </a:solidFill>
                     <a:uFill>
                       <a:solidFill>
-                        <a:srgbClr val="FFFFFF"/>
+                        <a:srgbClr val="ffffff"/>
                       </a:solidFill>
                     </a:uFill>
                     <a:latin typeface="Calibri"/>
+                    <a:ea typeface="DejaVu Sans"/>
                   </a:defRPr>
                 </a:pPr>
                 <a:r>
-                  <a:rPr lang="bg-BG" sz="2400" b="0" strike="noStrike" spc="-1">
+                  <a:rPr b="0" sz="2400" spc="-1" strike="noStrike">
                     <a:solidFill>
                       <a:srgbClr val="595959"/>
                     </a:solidFill>
                     <a:uFill>
                       <a:solidFill>
-                        <a:srgbClr val="FFFFFF"/>
+                        <a:srgbClr val="ffffff"/>
                       </a:solidFill>
                     </a:uFill>
                     <a:latin typeface="Calibri"/>
+                    <a:ea typeface="DejaVu Sans"/>
                   </a:rPr>
                   <a:t>Кол-во образцов</a:t>
                 </a:r>
               </a:p>
             </c:rich>
           </c:tx>
-          <c:layout/>
           <c:overlay val="0"/>
         </c:title>
         <c:numFmt formatCode="General" sourceLinked="0"/>
@@ -484,27 +368,25 @@
         </c:spPr>
         <c:txPr>
           <a:bodyPr/>
-          <a:lstStyle/>
           <a:p>
             <a:pPr>
-              <a:defRPr sz="2400" b="0" strike="noStrike" spc="-1">
+              <a:defRPr b="0" sz="2400" spc="-1" strike="noStrike">
                 <a:solidFill>
                   <a:srgbClr val="595959"/>
                 </a:solidFill>
                 <a:uFill>
                   <a:solidFill>
-                    <a:srgbClr val="FFFFFF"/>
+                    <a:srgbClr val="ffffff"/>
                   </a:solidFill>
                 </a:uFill>
                 <a:latin typeface="Calibri"/>
+                <a:ea typeface="DejaVu Sans"/>
               </a:defRPr>
             </a:pPr>
-            <a:endParaRPr lang="en-US"/>
           </a:p>
         </c:txPr>
-        <c:crossAx val="2131526640"/>
+        <c:crossAx val="46969601"/>
         <c:crosses val="autoZero"/>
-        <c:crossBetween val="between"/>
       </c:valAx>
       <c:spPr>
         <a:noFill/>
@@ -515,7 +397,6 @@
     </c:plotArea>
     <c:plotVisOnly val="1"/>
     <c:dispBlanksAs val="gap"/>
-    <c:showDLblsOverMax val="1"/>
   </c:chart>
   <c:spPr>
     <a:noFill/>
@@ -527,7 +408,7 @@
 </file>
 
 <file path=ppt/slideLayouts/slideLayout1.xml><?xml version="1.0" encoding="utf-8"?>
-<p:sldLayout xmlns:a="http://schemas.openxmlformats.org/drawingml/2006/main" xmlns:r="http://schemas.openxmlformats.org/officeDocument/2006/relationships" xmlns:p="http://schemas.openxmlformats.org/presentationml/2006/main" type="blank" preserve="1">
+<p:sldLayout xmlns:a="http://schemas.openxmlformats.org/drawingml/2006/main" xmlns:p="http://schemas.openxmlformats.org/presentationml/2006/main" xmlns:r="http://schemas.openxmlformats.org/officeDocument/2006/relationships" xmlns:p14="http://schemas.microsoft.com/office/powerpoint/2010/main" xmlns:p15="http://schemas.microsoft.com/office/powerpoint/2012/main" xmlns:mc="http://schemas.openxmlformats.org/markup-compatibility/2006" type="blank" preserve="1">
   <p:cSld name="Blank Slide">
     <p:spTree>
       <p:nvGrpSpPr>
@@ -545,15 +426,142 @@
       </p:grpSpPr>
     </p:spTree>
   </p:cSld>
-  <p:clrMapOvr>
-    <a:masterClrMapping/>
-  </p:clrMapOvr>
 </p:sldLayout>
 </file>
 
 <file path=ppt/slideLayouts/slideLayout10.xml><?xml version="1.0" encoding="utf-8"?>
-<p:sldLayout xmlns:a="http://schemas.openxmlformats.org/drawingml/2006/main" xmlns:r="http://schemas.openxmlformats.org/officeDocument/2006/relationships" xmlns:p="http://schemas.openxmlformats.org/presentationml/2006/main" type="objOverTx" preserve="1">
+<p:sldLayout xmlns:a="http://schemas.openxmlformats.org/drawingml/2006/main" xmlns:p="http://schemas.openxmlformats.org/presentationml/2006/main" xmlns:r="http://schemas.openxmlformats.org/officeDocument/2006/relationships" xmlns:p14="http://schemas.microsoft.com/office/powerpoint/2010/main" xmlns:p15="http://schemas.microsoft.com/office/powerpoint/2012/main" xmlns:mc="http://schemas.openxmlformats.org/markup-compatibility/2006" type="objOverTx" preserve="1">
   <p:cSld name="Title, Content over Content">
+    <p:spTree>
+      <p:nvGrpSpPr>
+        <p:cNvPr id="1" name=""/>
+        <p:cNvGrpSpPr/>
+        <p:nvPr/>
+      </p:nvGrpSpPr>
+      <p:grpSpPr>
+        <a:xfrm>
+          <a:off x="0" y="0"/>
+          <a:ext cx="0" cy="0"/>
+          <a:chOff x="0" y="0"/>
+          <a:chExt cx="0" cy="0"/>
+        </a:xfrm>
+      </p:grpSpPr>
+      <p:sp>
+        <p:nvSpPr>
+          <p:cNvPr id="22" name="PlaceHolder 1"/>
+          <p:cNvSpPr>
+            <a:spLocks noGrp="1"/>
+          </p:cNvSpPr>
+          <p:nvPr>
+            <p:ph type="title"/>
+          </p:nvPr>
+        </p:nvSpPr>
+        <p:spPr>
+          <a:xfrm>
+            <a:off x="2270160" y="3501720"/>
+            <a:ext cx="25726320" cy="7448400"/>
+          </a:xfrm>
+          <a:prstGeom prst="rect">
+            <a:avLst/>
+          </a:prstGeom>
+        </p:spPr>
+        <p:txBody>
+          <a:bodyPr lIns="0" rIns="0" tIns="0" bIns="0" anchor="ctr"/>
+          <a:p>
+            <a:endParaRPr b="0" lang="en-US" sz="1800" spc="-1" strike="noStrike">
+              <a:solidFill>
+                <a:srgbClr val="000000"/>
+              </a:solidFill>
+              <a:uFill>
+                <a:solidFill>
+                  <a:srgbClr val="ffffff"/>
+                </a:solidFill>
+              </a:uFill>
+              <a:latin typeface="Arial"/>
+            </a:endParaRPr>
+          </a:p>
+        </p:txBody>
+      </p:sp>
+      <p:sp>
+        <p:nvSpPr>
+          <p:cNvPr id="23" name="PlaceHolder 2"/>
+          <p:cNvSpPr>
+            <a:spLocks noGrp="1"/>
+          </p:cNvSpPr>
+          <p:nvPr>
+            <p:ph type="body"/>
+          </p:nvPr>
+        </p:nvSpPr>
+        <p:spPr>
+          <a:xfrm>
+            <a:off x="1513080" y="5006520"/>
+            <a:ext cx="27240120" cy="5919120"/>
+          </a:xfrm>
+          <a:prstGeom prst="rect">
+            <a:avLst/>
+          </a:prstGeom>
+        </p:spPr>
+        <p:txBody>
+          <a:bodyPr lIns="0" rIns="0" tIns="0" bIns="0"/>
+          <a:p>
+            <a:endParaRPr b="0" lang="en-US" sz="2800" spc="-1" strike="noStrike">
+              <a:solidFill>
+                <a:srgbClr val="000000"/>
+              </a:solidFill>
+              <a:uFill>
+                <a:solidFill>
+                  <a:srgbClr val="ffffff"/>
+                </a:solidFill>
+              </a:uFill>
+              <a:latin typeface="Arial"/>
+            </a:endParaRPr>
+          </a:p>
+        </p:txBody>
+      </p:sp>
+      <p:sp>
+        <p:nvSpPr>
+          <p:cNvPr id="24" name="PlaceHolder 3"/>
+          <p:cNvSpPr>
+            <a:spLocks noGrp="1"/>
+          </p:cNvSpPr>
+          <p:nvPr>
+            <p:ph type="body"/>
+          </p:nvPr>
+        </p:nvSpPr>
+        <p:spPr>
+          <a:xfrm>
+            <a:off x="1513080" y="11488320"/>
+            <a:ext cx="27240120" cy="5919120"/>
+          </a:xfrm>
+          <a:prstGeom prst="rect">
+            <a:avLst/>
+          </a:prstGeom>
+        </p:spPr>
+        <p:txBody>
+          <a:bodyPr lIns="0" rIns="0" tIns="0" bIns="0"/>
+          <a:p>
+            <a:endParaRPr b="0" lang="en-US" sz="2800" spc="-1" strike="noStrike">
+              <a:solidFill>
+                <a:srgbClr val="000000"/>
+              </a:solidFill>
+              <a:uFill>
+                <a:solidFill>
+                  <a:srgbClr val="ffffff"/>
+                </a:solidFill>
+              </a:uFill>
+              <a:latin typeface="Arial"/>
+            </a:endParaRPr>
+          </a:p>
+        </p:txBody>
+      </p:sp>
+    </p:spTree>
+  </p:cSld>
+</p:sldLayout>
+</file>
+
+<file path=ppt/slideLayouts/slideLayout11.xml><?xml version="1.0" encoding="utf-8"?>
+<p:sldLayout xmlns:a="http://schemas.openxmlformats.org/drawingml/2006/main" xmlns:p="http://schemas.openxmlformats.org/presentationml/2006/main" xmlns:r="http://schemas.openxmlformats.org/officeDocument/2006/relationships" xmlns:p14="http://schemas.microsoft.com/office/powerpoint/2010/main" xmlns:p15="http://schemas.microsoft.com/office/powerpoint/2012/main" xmlns:mc="http://schemas.openxmlformats.org/markup-compatibility/2006" type="fourObj" preserve="1">
+  <p:cSld name="Title, 4 Content">
     <p:spTree>
       <p:nvGrpSpPr>
         <p:cNvPr id="1" name=""/>
@@ -581,26 +589,25 @@
         <p:spPr>
           <a:xfrm>
             <a:off x="2270160" y="3501720"/>
-            <a:ext cx="25726680" cy="7448760"/>
+            <a:ext cx="25726320" cy="7448400"/>
           </a:xfrm>
           <a:prstGeom prst="rect">
             <a:avLst/>
           </a:prstGeom>
         </p:spPr>
         <p:txBody>
-          <a:bodyPr lIns="0" tIns="0" rIns="0" bIns="0" anchor="ctr"/>
-          <a:lstStyle/>
+          <a:bodyPr lIns="0" rIns="0" tIns="0" bIns="0" anchor="ctr"/>
           <a:p>
-            <a:endParaRPr lang="en-US" sz="4880" b="0" strike="noStrike" spc="-1">
+            <a:endParaRPr b="0" lang="en-US" sz="1800" spc="-1" strike="noStrike">
               <a:solidFill>
                 <a:srgbClr val="000000"/>
               </a:solidFill>
               <a:uFill>
                 <a:solidFill>
-                  <a:srgbClr val="FFFFFF"/>
+                  <a:srgbClr val="ffffff"/>
                 </a:solidFill>
               </a:uFill>
-              <a:latin typeface="Calibri"/>
+              <a:latin typeface="Arial"/>
             </a:endParaRPr>
           </a:p>
         </p:txBody>
@@ -618,26 +625,25 @@
         <p:spPr>
           <a:xfrm>
             <a:off x="1513080" y="5006520"/>
-            <a:ext cx="27240120" cy="5919120"/>
+            <a:ext cx="13293000" cy="5919120"/>
           </a:xfrm>
           <a:prstGeom prst="rect">
             <a:avLst/>
           </a:prstGeom>
         </p:spPr>
         <p:txBody>
-          <a:bodyPr lIns="0" tIns="0" rIns="0" bIns="0"/>
-          <a:lstStyle/>
+          <a:bodyPr lIns="0" rIns="0" tIns="0" bIns="0"/>
           <a:p>
-            <a:endParaRPr lang="en-US" sz="8740" b="0" strike="noStrike" spc="-1">
+            <a:endParaRPr b="0" lang="en-US" sz="2800" spc="-1" strike="noStrike">
               <a:solidFill>
                 <a:srgbClr val="000000"/>
               </a:solidFill>
               <a:uFill>
                 <a:solidFill>
-                  <a:srgbClr val="FFFFFF"/>
+                  <a:srgbClr val="ffffff"/>
                 </a:solidFill>
               </a:uFill>
-              <a:latin typeface="Calibri"/>
+              <a:latin typeface="Arial"/>
             </a:endParaRPr>
           </a:p>
         </p:txBody>
@@ -645,142 +651,6 @@
       <p:sp>
         <p:nvSpPr>
           <p:cNvPr id="27" name="PlaceHolder 3"/>
-          <p:cNvSpPr>
-            <a:spLocks noGrp="1"/>
-          </p:cNvSpPr>
-          <p:nvPr>
-            <p:ph type="body"/>
-          </p:nvPr>
-        </p:nvSpPr>
-        <p:spPr>
-          <a:xfrm>
-            <a:off x="1513080" y="11488320"/>
-            <a:ext cx="27240120" cy="5919120"/>
-          </a:xfrm>
-          <a:prstGeom prst="rect">
-            <a:avLst/>
-          </a:prstGeom>
-        </p:spPr>
-        <p:txBody>
-          <a:bodyPr lIns="0" tIns="0" rIns="0" bIns="0"/>
-          <a:lstStyle/>
-          <a:p>
-            <a:endParaRPr lang="en-US" sz="8740" b="0" strike="noStrike" spc="-1">
-              <a:solidFill>
-                <a:srgbClr val="000000"/>
-              </a:solidFill>
-              <a:uFill>
-                <a:solidFill>
-                  <a:srgbClr val="FFFFFF"/>
-                </a:solidFill>
-              </a:uFill>
-              <a:latin typeface="Calibri"/>
-            </a:endParaRPr>
-          </a:p>
-        </p:txBody>
-      </p:sp>
-    </p:spTree>
-  </p:cSld>
-  <p:clrMapOvr>
-    <a:masterClrMapping/>
-  </p:clrMapOvr>
-</p:sldLayout>
-</file>
-
-<file path=ppt/slideLayouts/slideLayout11.xml><?xml version="1.0" encoding="utf-8"?>
-<p:sldLayout xmlns:a="http://schemas.openxmlformats.org/drawingml/2006/main" xmlns:r="http://schemas.openxmlformats.org/officeDocument/2006/relationships" xmlns:p="http://schemas.openxmlformats.org/presentationml/2006/main" type="fourObj" preserve="1">
-  <p:cSld name="Title, 4 Content">
-    <p:spTree>
-      <p:nvGrpSpPr>
-        <p:cNvPr id="1" name=""/>
-        <p:cNvGrpSpPr/>
-        <p:nvPr/>
-      </p:nvGrpSpPr>
-      <p:grpSpPr>
-        <a:xfrm>
-          <a:off x="0" y="0"/>
-          <a:ext cx="0" cy="0"/>
-          <a:chOff x="0" y="0"/>
-          <a:chExt cx="0" cy="0"/>
-        </a:xfrm>
-      </p:grpSpPr>
-      <p:sp>
-        <p:nvSpPr>
-          <p:cNvPr id="28" name="PlaceHolder 1"/>
-          <p:cNvSpPr>
-            <a:spLocks noGrp="1"/>
-          </p:cNvSpPr>
-          <p:nvPr>
-            <p:ph type="title"/>
-          </p:nvPr>
-        </p:nvSpPr>
-        <p:spPr>
-          <a:xfrm>
-            <a:off x="2270160" y="3501720"/>
-            <a:ext cx="25726680" cy="7448760"/>
-          </a:xfrm>
-          <a:prstGeom prst="rect">
-            <a:avLst/>
-          </a:prstGeom>
-        </p:spPr>
-        <p:txBody>
-          <a:bodyPr lIns="0" tIns="0" rIns="0" bIns="0" anchor="ctr"/>
-          <a:lstStyle/>
-          <a:p>
-            <a:endParaRPr lang="en-US" sz="4880" b="0" strike="noStrike" spc="-1">
-              <a:solidFill>
-                <a:srgbClr val="000000"/>
-              </a:solidFill>
-              <a:uFill>
-                <a:solidFill>
-                  <a:srgbClr val="FFFFFF"/>
-                </a:solidFill>
-              </a:uFill>
-              <a:latin typeface="Calibri"/>
-            </a:endParaRPr>
-          </a:p>
-        </p:txBody>
-      </p:sp>
-      <p:sp>
-        <p:nvSpPr>
-          <p:cNvPr id="29" name="PlaceHolder 2"/>
-          <p:cNvSpPr>
-            <a:spLocks noGrp="1"/>
-          </p:cNvSpPr>
-          <p:nvPr>
-            <p:ph type="body"/>
-          </p:nvPr>
-        </p:nvSpPr>
-        <p:spPr>
-          <a:xfrm>
-            <a:off x="1513080" y="5006520"/>
-            <a:ext cx="13293000" cy="5919120"/>
-          </a:xfrm>
-          <a:prstGeom prst="rect">
-            <a:avLst/>
-          </a:prstGeom>
-        </p:spPr>
-        <p:txBody>
-          <a:bodyPr lIns="0" tIns="0" rIns="0" bIns="0"/>
-          <a:lstStyle/>
-          <a:p>
-            <a:endParaRPr lang="en-US" sz="8740" b="0" strike="noStrike" spc="-1">
-              <a:solidFill>
-                <a:srgbClr val="000000"/>
-              </a:solidFill>
-              <a:uFill>
-                <a:solidFill>
-                  <a:srgbClr val="FFFFFF"/>
-                </a:solidFill>
-              </a:uFill>
-              <a:latin typeface="Calibri"/>
-            </a:endParaRPr>
-          </a:p>
-        </p:txBody>
-      </p:sp>
-      <p:sp>
-        <p:nvSpPr>
-          <p:cNvPr id="30" name="PlaceHolder 3"/>
           <p:cNvSpPr>
             <a:spLocks noGrp="1"/>
           </p:cNvSpPr>
@@ -798,26 +668,25 @@
           </a:prstGeom>
         </p:spPr>
         <p:txBody>
-          <a:bodyPr lIns="0" tIns="0" rIns="0" bIns="0"/>
-          <a:lstStyle/>
+          <a:bodyPr lIns="0" rIns="0" tIns="0" bIns="0"/>
           <a:p>
-            <a:endParaRPr lang="en-US" sz="8740" b="0" strike="noStrike" spc="-1">
+            <a:endParaRPr b="0" lang="en-US" sz="2800" spc="-1" strike="noStrike">
               <a:solidFill>
                 <a:srgbClr val="000000"/>
               </a:solidFill>
               <a:uFill>
                 <a:solidFill>
-                  <a:srgbClr val="FFFFFF"/>
+                  <a:srgbClr val="ffffff"/>
                 </a:solidFill>
               </a:uFill>
-              <a:latin typeface="Calibri"/>
+              <a:latin typeface="Arial"/>
             </a:endParaRPr>
           </a:p>
         </p:txBody>
       </p:sp>
       <p:sp>
         <p:nvSpPr>
-          <p:cNvPr id="31" name="PlaceHolder 4"/>
+          <p:cNvPr id="28" name="PlaceHolder 4"/>
           <p:cNvSpPr>
             <a:spLocks noGrp="1"/>
           </p:cNvSpPr>
@@ -835,26 +704,25 @@
           </a:prstGeom>
         </p:spPr>
         <p:txBody>
-          <a:bodyPr lIns="0" tIns="0" rIns="0" bIns="0"/>
-          <a:lstStyle/>
+          <a:bodyPr lIns="0" rIns="0" tIns="0" bIns="0"/>
           <a:p>
-            <a:endParaRPr lang="en-US" sz="8740" b="0" strike="noStrike" spc="-1">
+            <a:endParaRPr b="0" lang="en-US" sz="2800" spc="-1" strike="noStrike">
               <a:solidFill>
                 <a:srgbClr val="000000"/>
               </a:solidFill>
               <a:uFill>
                 <a:solidFill>
-                  <a:srgbClr val="FFFFFF"/>
+                  <a:srgbClr val="ffffff"/>
                 </a:solidFill>
               </a:uFill>
-              <a:latin typeface="Calibri"/>
+              <a:latin typeface="Arial"/>
             </a:endParaRPr>
           </a:p>
         </p:txBody>
       </p:sp>
       <p:sp>
         <p:nvSpPr>
-          <p:cNvPr id="32" name="PlaceHolder 5"/>
+          <p:cNvPr id="29" name="PlaceHolder 5"/>
           <p:cNvSpPr>
             <a:spLocks noGrp="1"/>
           </p:cNvSpPr>
@@ -872,33 +740,29 @@
           </a:prstGeom>
         </p:spPr>
         <p:txBody>
-          <a:bodyPr lIns="0" tIns="0" rIns="0" bIns="0"/>
-          <a:lstStyle/>
+          <a:bodyPr lIns="0" rIns="0" tIns="0" bIns="0"/>
           <a:p>
-            <a:endParaRPr lang="en-US" sz="8740" b="0" strike="noStrike" spc="-1">
+            <a:endParaRPr b="0" lang="en-US" sz="2800" spc="-1" strike="noStrike">
               <a:solidFill>
                 <a:srgbClr val="000000"/>
               </a:solidFill>
               <a:uFill>
                 <a:solidFill>
-                  <a:srgbClr val="FFFFFF"/>
+                  <a:srgbClr val="ffffff"/>
                 </a:solidFill>
               </a:uFill>
-              <a:latin typeface="Calibri"/>
+              <a:latin typeface="Arial"/>
             </a:endParaRPr>
           </a:p>
         </p:txBody>
       </p:sp>
     </p:spTree>
   </p:cSld>
-  <p:clrMapOvr>
-    <a:masterClrMapping/>
-  </p:clrMapOvr>
 </p:sldLayout>
 </file>
 
 <file path=ppt/slideLayouts/slideLayout12.xml><?xml version="1.0" encoding="utf-8"?>
-<p:sldLayout xmlns:a="http://schemas.openxmlformats.org/drawingml/2006/main" xmlns:r="http://schemas.openxmlformats.org/officeDocument/2006/relationships" xmlns:p="http://schemas.openxmlformats.org/presentationml/2006/main" type="blank" preserve="1">
+<p:sldLayout xmlns:a="http://schemas.openxmlformats.org/drawingml/2006/main" xmlns:p="http://schemas.openxmlformats.org/presentationml/2006/main" xmlns:r="http://schemas.openxmlformats.org/officeDocument/2006/relationships" xmlns:p14="http://schemas.microsoft.com/office/powerpoint/2010/main" xmlns:p15="http://schemas.microsoft.com/office/powerpoint/2012/main" xmlns:mc="http://schemas.openxmlformats.org/markup-compatibility/2006" type="blank" preserve="1">
   <p:cSld name="Title, 6 Content">
     <p:spTree>
       <p:nvGrpSpPr>
@@ -916,7 +780,7 @@
       </p:grpSpPr>
       <p:sp>
         <p:nvSpPr>
-          <p:cNvPr id="33" name="PlaceHolder 1"/>
+          <p:cNvPr id="30" name="PlaceHolder 1"/>
           <p:cNvSpPr>
             <a:spLocks noGrp="1"/>
           </p:cNvSpPr>
@@ -927,33 +791,32 @@
         <p:spPr>
           <a:xfrm>
             <a:off x="2270160" y="3501720"/>
-            <a:ext cx="25726680" cy="7448760"/>
+            <a:ext cx="25726320" cy="7448400"/>
           </a:xfrm>
           <a:prstGeom prst="rect">
             <a:avLst/>
           </a:prstGeom>
         </p:spPr>
         <p:txBody>
-          <a:bodyPr lIns="0" tIns="0" rIns="0" bIns="0" anchor="ctr"/>
-          <a:lstStyle/>
+          <a:bodyPr lIns="0" rIns="0" tIns="0" bIns="0" anchor="ctr"/>
           <a:p>
-            <a:endParaRPr lang="en-US" sz="4880" b="0" strike="noStrike" spc="-1">
+            <a:endParaRPr b="0" lang="en-US" sz="1800" spc="-1" strike="noStrike">
               <a:solidFill>
                 <a:srgbClr val="000000"/>
               </a:solidFill>
               <a:uFill>
                 <a:solidFill>
-                  <a:srgbClr val="FFFFFF"/>
+                  <a:srgbClr val="ffffff"/>
                 </a:solidFill>
               </a:uFill>
-              <a:latin typeface="Calibri"/>
+              <a:latin typeface="Arial"/>
             </a:endParaRPr>
           </a:p>
         </p:txBody>
       </p:sp>
       <p:sp>
         <p:nvSpPr>
-          <p:cNvPr id="34" name="PlaceHolder 2"/>
+          <p:cNvPr id="31" name="PlaceHolder 2"/>
           <p:cNvSpPr>
             <a:spLocks noGrp="1"/>
           </p:cNvSpPr>
@@ -971,26 +834,25 @@
           </a:prstGeom>
         </p:spPr>
         <p:txBody>
-          <a:bodyPr lIns="0" tIns="0" rIns="0" bIns="0"/>
-          <a:lstStyle/>
+          <a:bodyPr lIns="0" rIns="0" tIns="0" bIns="0"/>
           <a:p>
-            <a:endParaRPr lang="en-US" sz="8740" b="0" strike="noStrike" spc="-1">
+            <a:endParaRPr b="0" lang="en-US" sz="2800" spc="-1" strike="noStrike">
               <a:solidFill>
                 <a:srgbClr val="000000"/>
               </a:solidFill>
               <a:uFill>
                 <a:solidFill>
-                  <a:srgbClr val="FFFFFF"/>
+                  <a:srgbClr val="ffffff"/>
                 </a:solidFill>
               </a:uFill>
-              <a:latin typeface="Calibri"/>
+              <a:latin typeface="Arial"/>
             </a:endParaRPr>
           </a:p>
         </p:txBody>
       </p:sp>
       <p:sp>
         <p:nvSpPr>
-          <p:cNvPr id="35" name="PlaceHolder 3"/>
+          <p:cNvPr id="32" name="PlaceHolder 3"/>
           <p:cNvSpPr>
             <a:spLocks noGrp="1"/>
           </p:cNvSpPr>
@@ -1008,26 +870,25 @@
           </a:prstGeom>
         </p:spPr>
         <p:txBody>
-          <a:bodyPr lIns="0" tIns="0" rIns="0" bIns="0"/>
-          <a:lstStyle/>
+          <a:bodyPr lIns="0" rIns="0" tIns="0" bIns="0"/>
           <a:p>
-            <a:endParaRPr lang="en-US" sz="8740" b="0" strike="noStrike" spc="-1">
+            <a:endParaRPr b="0" lang="en-US" sz="2800" spc="-1" strike="noStrike">
               <a:solidFill>
                 <a:srgbClr val="000000"/>
               </a:solidFill>
               <a:uFill>
                 <a:solidFill>
-                  <a:srgbClr val="FFFFFF"/>
+                  <a:srgbClr val="ffffff"/>
                 </a:solidFill>
               </a:uFill>
-              <a:latin typeface="Calibri"/>
+              <a:latin typeface="Arial"/>
             </a:endParaRPr>
           </a:p>
         </p:txBody>
       </p:sp>
       <p:pic>
         <p:nvPicPr>
-          <p:cNvPr id="36" name="Picture 35"/>
+          <p:cNvPr id="33" name="" descr=""/>
           <p:cNvPicPr/>
           <p:nvPr/>
         </p:nvPicPr>
@@ -1050,12 +911,12 @@
       </p:pic>
       <p:pic>
         <p:nvPicPr>
-          <p:cNvPr id="37" name="Picture 36"/>
+          <p:cNvPr id="34" name="" descr=""/>
           <p:cNvPicPr/>
           <p:nvPr/>
         </p:nvPicPr>
         <p:blipFill>
-          <a:blip r:embed="rId2"/>
+          <a:blip r:embed="rId3"/>
           <a:stretch/>
         </p:blipFill>
         <p:spPr>
@@ -1073,14 +934,11 @@
       </p:pic>
     </p:spTree>
   </p:cSld>
-  <p:clrMapOvr>
-    <a:masterClrMapping/>
-  </p:clrMapOvr>
 </p:sldLayout>
 </file>
 
 <file path=ppt/slideLayouts/slideLayout2.xml><?xml version="1.0" encoding="utf-8"?>
-<p:sldLayout xmlns:a="http://schemas.openxmlformats.org/drawingml/2006/main" xmlns:r="http://schemas.openxmlformats.org/officeDocument/2006/relationships" xmlns:p="http://schemas.openxmlformats.org/presentationml/2006/main" type="tx" preserve="1">
+<p:sldLayout xmlns:a="http://schemas.openxmlformats.org/drawingml/2006/main" xmlns:p="http://schemas.openxmlformats.org/presentationml/2006/main" xmlns:r="http://schemas.openxmlformats.org/officeDocument/2006/relationships" xmlns:p14="http://schemas.microsoft.com/office/powerpoint/2010/main" xmlns:p15="http://schemas.microsoft.com/office/powerpoint/2012/main" xmlns:mc="http://schemas.openxmlformats.org/markup-compatibility/2006" type="tx" preserve="1">
   <p:cSld name="Title Slide">
     <p:spTree>
       <p:nvGrpSpPr>
@@ -1098,7 +956,7 @@
       </p:grpSpPr>
       <p:sp>
         <p:nvSpPr>
-          <p:cNvPr id="4" name="PlaceHolder 1"/>
+          <p:cNvPr id="1" name="PlaceHolder 1"/>
           <p:cNvSpPr>
             <a:spLocks noGrp="1"/>
           </p:cNvSpPr>
@@ -1109,33 +967,32 @@
         <p:spPr>
           <a:xfrm>
             <a:off x="2270160" y="3501720"/>
-            <a:ext cx="25726680" cy="7448760"/>
+            <a:ext cx="25726320" cy="7448400"/>
           </a:xfrm>
           <a:prstGeom prst="rect">
             <a:avLst/>
           </a:prstGeom>
         </p:spPr>
         <p:txBody>
-          <a:bodyPr lIns="0" tIns="0" rIns="0" bIns="0" anchor="ctr"/>
-          <a:lstStyle/>
+          <a:bodyPr lIns="0" rIns="0" tIns="0" bIns="0" anchor="ctr"/>
           <a:p>
-            <a:endParaRPr lang="en-US" sz="4880" b="0" strike="noStrike" spc="-1">
+            <a:endParaRPr b="0" lang="en-US" sz="1800" spc="-1" strike="noStrike">
               <a:solidFill>
                 <a:srgbClr val="000000"/>
               </a:solidFill>
               <a:uFill>
                 <a:solidFill>
-                  <a:srgbClr val="FFFFFF"/>
+                  <a:srgbClr val="ffffff"/>
                 </a:solidFill>
               </a:uFill>
-              <a:latin typeface="Calibri"/>
+              <a:latin typeface="Arial"/>
             </a:endParaRPr>
           </a:p>
         </p:txBody>
       </p:sp>
       <p:sp>
         <p:nvSpPr>
-          <p:cNvPr id="5" name="PlaceHolder 2"/>
+          <p:cNvPr id="2" name="PlaceHolder 2"/>
           <p:cNvSpPr>
             <a:spLocks noGrp="1"/>
           </p:cNvSpPr>
@@ -1153,17 +1010,16 @@
           </a:prstGeom>
         </p:spPr>
         <p:txBody>
-          <a:bodyPr lIns="0" tIns="0" rIns="0" bIns="0" anchor="ctr"/>
-          <a:lstStyle/>
+          <a:bodyPr lIns="0" rIns="0" tIns="0" bIns="0" anchor="ctr"/>
           <a:p>
             <a:pPr algn="ctr"/>
-            <a:endParaRPr lang="ru-RU" sz="3200" b="0" strike="noStrike" spc="-1">
+            <a:endParaRPr b="0" lang="ru-RU" sz="3200" spc="-1" strike="noStrike">
               <a:solidFill>
                 <a:srgbClr val="000000"/>
               </a:solidFill>
               <a:uFill>
                 <a:solidFill>
-                  <a:srgbClr val="FFFFFF"/>
+                  <a:srgbClr val="ffffff"/>
                 </a:solidFill>
               </a:uFill>
               <a:latin typeface="Arial"/>
@@ -1173,14 +1029,11 @@
       </p:sp>
     </p:spTree>
   </p:cSld>
-  <p:clrMapOvr>
-    <a:masterClrMapping/>
-  </p:clrMapOvr>
 </p:sldLayout>
 </file>
 
 <file path=ppt/slideLayouts/slideLayout3.xml><?xml version="1.0" encoding="utf-8"?>
-<p:sldLayout xmlns:a="http://schemas.openxmlformats.org/drawingml/2006/main" xmlns:r="http://schemas.openxmlformats.org/officeDocument/2006/relationships" xmlns:p="http://schemas.openxmlformats.org/presentationml/2006/main" type="obj" preserve="1">
+<p:sldLayout xmlns:a="http://schemas.openxmlformats.org/drawingml/2006/main" xmlns:p="http://schemas.openxmlformats.org/presentationml/2006/main" xmlns:r="http://schemas.openxmlformats.org/officeDocument/2006/relationships" xmlns:p14="http://schemas.microsoft.com/office/powerpoint/2010/main" xmlns:p15="http://schemas.microsoft.com/office/powerpoint/2012/main" xmlns:mc="http://schemas.openxmlformats.org/markup-compatibility/2006" type="obj" preserve="1">
   <p:cSld name="Title, Content">
     <p:spTree>
       <p:nvGrpSpPr>
@@ -1198,7 +1051,7 @@
       </p:grpSpPr>
       <p:sp>
         <p:nvSpPr>
-          <p:cNvPr id="6" name="PlaceHolder 1"/>
+          <p:cNvPr id="3" name="PlaceHolder 1"/>
           <p:cNvSpPr>
             <a:spLocks noGrp="1"/>
           </p:cNvSpPr>
@@ -1209,33 +1062,32 @@
         <p:spPr>
           <a:xfrm>
             <a:off x="2270160" y="3501720"/>
-            <a:ext cx="25726680" cy="7448760"/>
+            <a:ext cx="25726320" cy="7448400"/>
           </a:xfrm>
           <a:prstGeom prst="rect">
             <a:avLst/>
           </a:prstGeom>
         </p:spPr>
         <p:txBody>
-          <a:bodyPr lIns="0" tIns="0" rIns="0" bIns="0" anchor="ctr"/>
-          <a:lstStyle/>
+          <a:bodyPr lIns="0" rIns="0" tIns="0" bIns="0" anchor="ctr"/>
           <a:p>
-            <a:endParaRPr lang="en-US" sz="4880" b="0" strike="noStrike" spc="-1">
+            <a:endParaRPr b="0" lang="en-US" sz="1800" spc="-1" strike="noStrike">
               <a:solidFill>
                 <a:srgbClr val="000000"/>
               </a:solidFill>
               <a:uFill>
                 <a:solidFill>
-                  <a:srgbClr val="FFFFFF"/>
+                  <a:srgbClr val="ffffff"/>
                 </a:solidFill>
               </a:uFill>
-              <a:latin typeface="Calibri"/>
+              <a:latin typeface="Arial"/>
             </a:endParaRPr>
           </a:p>
         </p:txBody>
       </p:sp>
       <p:sp>
         <p:nvSpPr>
-          <p:cNvPr id="7" name="PlaceHolder 2"/>
+          <p:cNvPr id="4" name="PlaceHolder 2"/>
           <p:cNvSpPr>
             <a:spLocks noGrp="1"/>
           </p:cNvSpPr>
@@ -1253,34 +1105,160 @@
           </a:prstGeom>
         </p:spPr>
         <p:txBody>
-          <a:bodyPr lIns="0" tIns="0" rIns="0" bIns="0"/>
-          <a:lstStyle/>
+          <a:bodyPr lIns="0" rIns="0" tIns="0" bIns="0"/>
           <a:p>
-            <a:endParaRPr lang="en-US" sz="8740" b="0" strike="noStrike" spc="-1">
+            <a:endParaRPr b="0" lang="en-US" sz="2800" spc="-1" strike="noStrike">
               <a:solidFill>
                 <a:srgbClr val="000000"/>
               </a:solidFill>
               <a:uFill>
                 <a:solidFill>
-                  <a:srgbClr val="FFFFFF"/>
+                  <a:srgbClr val="ffffff"/>
                 </a:solidFill>
               </a:uFill>
-              <a:latin typeface="Calibri"/>
+              <a:latin typeface="Arial"/>
             </a:endParaRPr>
           </a:p>
         </p:txBody>
       </p:sp>
     </p:spTree>
   </p:cSld>
-  <p:clrMapOvr>
-    <a:masterClrMapping/>
-  </p:clrMapOvr>
 </p:sldLayout>
 </file>
 
 <file path=ppt/slideLayouts/slideLayout4.xml><?xml version="1.0" encoding="utf-8"?>
-<p:sldLayout xmlns:a="http://schemas.openxmlformats.org/drawingml/2006/main" xmlns:r="http://schemas.openxmlformats.org/officeDocument/2006/relationships" xmlns:p="http://schemas.openxmlformats.org/presentationml/2006/main" type="twoObj" preserve="1">
+<p:sldLayout xmlns:a="http://schemas.openxmlformats.org/drawingml/2006/main" xmlns:p="http://schemas.openxmlformats.org/presentationml/2006/main" xmlns:r="http://schemas.openxmlformats.org/officeDocument/2006/relationships" xmlns:p14="http://schemas.microsoft.com/office/powerpoint/2010/main" xmlns:p15="http://schemas.microsoft.com/office/powerpoint/2012/main" xmlns:mc="http://schemas.openxmlformats.org/markup-compatibility/2006" type="twoObj" preserve="1">
   <p:cSld name="Title, 2 Content">
+    <p:spTree>
+      <p:nvGrpSpPr>
+        <p:cNvPr id="1" name=""/>
+        <p:cNvGrpSpPr/>
+        <p:nvPr/>
+      </p:nvGrpSpPr>
+      <p:grpSpPr>
+        <a:xfrm>
+          <a:off x="0" y="0"/>
+          <a:ext cx="0" cy="0"/>
+          <a:chOff x="0" y="0"/>
+          <a:chExt cx="0" cy="0"/>
+        </a:xfrm>
+      </p:grpSpPr>
+      <p:sp>
+        <p:nvSpPr>
+          <p:cNvPr id="5" name="PlaceHolder 1"/>
+          <p:cNvSpPr>
+            <a:spLocks noGrp="1"/>
+          </p:cNvSpPr>
+          <p:nvPr>
+            <p:ph type="title"/>
+          </p:nvPr>
+        </p:nvSpPr>
+        <p:spPr>
+          <a:xfrm>
+            <a:off x="2270160" y="3501720"/>
+            <a:ext cx="25726320" cy="7448400"/>
+          </a:xfrm>
+          <a:prstGeom prst="rect">
+            <a:avLst/>
+          </a:prstGeom>
+        </p:spPr>
+        <p:txBody>
+          <a:bodyPr lIns="0" rIns="0" tIns="0" bIns="0" anchor="ctr"/>
+          <a:p>
+            <a:endParaRPr b="0" lang="en-US" sz="1800" spc="-1" strike="noStrike">
+              <a:solidFill>
+                <a:srgbClr val="000000"/>
+              </a:solidFill>
+              <a:uFill>
+                <a:solidFill>
+                  <a:srgbClr val="ffffff"/>
+                </a:solidFill>
+              </a:uFill>
+              <a:latin typeface="Arial"/>
+            </a:endParaRPr>
+          </a:p>
+        </p:txBody>
+      </p:sp>
+      <p:sp>
+        <p:nvSpPr>
+          <p:cNvPr id="6" name="PlaceHolder 2"/>
+          <p:cNvSpPr>
+            <a:spLocks noGrp="1"/>
+          </p:cNvSpPr>
+          <p:nvPr>
+            <p:ph type="body"/>
+          </p:nvPr>
+        </p:nvSpPr>
+        <p:spPr>
+          <a:xfrm>
+            <a:off x="1513080" y="5006520"/>
+            <a:ext cx="13293000" cy="12409200"/>
+          </a:xfrm>
+          <a:prstGeom prst="rect">
+            <a:avLst/>
+          </a:prstGeom>
+        </p:spPr>
+        <p:txBody>
+          <a:bodyPr lIns="0" rIns="0" tIns="0" bIns="0"/>
+          <a:p>
+            <a:endParaRPr b="0" lang="en-US" sz="2800" spc="-1" strike="noStrike">
+              <a:solidFill>
+                <a:srgbClr val="000000"/>
+              </a:solidFill>
+              <a:uFill>
+                <a:solidFill>
+                  <a:srgbClr val="ffffff"/>
+                </a:solidFill>
+              </a:uFill>
+              <a:latin typeface="Arial"/>
+            </a:endParaRPr>
+          </a:p>
+        </p:txBody>
+      </p:sp>
+      <p:sp>
+        <p:nvSpPr>
+          <p:cNvPr id="7" name="PlaceHolder 3"/>
+          <p:cNvSpPr>
+            <a:spLocks noGrp="1"/>
+          </p:cNvSpPr>
+          <p:nvPr>
+            <p:ph type="body"/>
+          </p:nvPr>
+        </p:nvSpPr>
+        <p:spPr>
+          <a:xfrm>
+            <a:off x="15471000" y="5006520"/>
+            <a:ext cx="13293000" cy="12409200"/>
+          </a:xfrm>
+          <a:prstGeom prst="rect">
+            <a:avLst/>
+          </a:prstGeom>
+        </p:spPr>
+        <p:txBody>
+          <a:bodyPr lIns="0" rIns="0" tIns="0" bIns="0"/>
+          <a:p>
+            <a:endParaRPr b="0" lang="en-US" sz="2800" spc="-1" strike="noStrike">
+              <a:solidFill>
+                <a:srgbClr val="000000"/>
+              </a:solidFill>
+              <a:uFill>
+                <a:solidFill>
+                  <a:srgbClr val="ffffff"/>
+                </a:solidFill>
+              </a:uFill>
+              <a:latin typeface="Arial"/>
+            </a:endParaRPr>
+          </a:p>
+        </p:txBody>
+      </p:sp>
+    </p:spTree>
+  </p:cSld>
+</p:sldLayout>
+</file>
+
+<file path=ppt/slideLayouts/slideLayout5.xml><?xml version="1.0" encoding="utf-8"?>
+<p:sldLayout xmlns:a="http://schemas.openxmlformats.org/drawingml/2006/main" xmlns:p="http://schemas.openxmlformats.org/presentationml/2006/main" xmlns:r="http://schemas.openxmlformats.org/officeDocument/2006/relationships" xmlns:p14="http://schemas.microsoft.com/office/powerpoint/2010/main" xmlns:p15="http://schemas.microsoft.com/office/powerpoint/2012/main" xmlns:mc="http://schemas.openxmlformats.org/markup-compatibility/2006" type="titleOnly" preserve="1">
+  <p:cSld name="Title Only">
     <p:spTree>
       <p:nvGrpSpPr>
         <p:cNvPr id="1" name=""/>
@@ -1308,33 +1286,315 @@
         <p:spPr>
           <a:xfrm>
             <a:off x="2270160" y="3501720"/>
-            <a:ext cx="25726680" cy="7448760"/>
+            <a:ext cx="25726320" cy="7448400"/>
           </a:xfrm>
           <a:prstGeom prst="rect">
             <a:avLst/>
           </a:prstGeom>
         </p:spPr>
         <p:txBody>
-          <a:bodyPr lIns="0" tIns="0" rIns="0" bIns="0" anchor="ctr"/>
-          <a:lstStyle/>
+          <a:bodyPr lIns="0" rIns="0" tIns="0" bIns="0" anchor="ctr"/>
           <a:p>
-            <a:endParaRPr lang="en-US" sz="4880" b="0" strike="noStrike" spc="-1">
+            <a:endParaRPr b="0" lang="en-US" sz="1800" spc="-1" strike="noStrike">
               <a:solidFill>
                 <a:srgbClr val="000000"/>
               </a:solidFill>
               <a:uFill>
                 <a:solidFill>
-                  <a:srgbClr val="FFFFFF"/>
+                  <a:srgbClr val="ffffff"/>
                 </a:solidFill>
               </a:uFill>
-              <a:latin typeface="Calibri"/>
+              <a:latin typeface="Arial"/>
+            </a:endParaRPr>
+          </a:p>
+        </p:txBody>
+      </p:sp>
+    </p:spTree>
+  </p:cSld>
+</p:sldLayout>
+</file>
+
+<file path=ppt/slideLayouts/slideLayout6.xml><?xml version="1.0" encoding="utf-8"?>
+<p:sldLayout xmlns:a="http://schemas.openxmlformats.org/drawingml/2006/main" xmlns:p="http://schemas.openxmlformats.org/presentationml/2006/main" xmlns:r="http://schemas.openxmlformats.org/officeDocument/2006/relationships" xmlns:p14="http://schemas.microsoft.com/office/powerpoint/2010/main" xmlns:p15="http://schemas.microsoft.com/office/powerpoint/2012/main" xmlns:mc="http://schemas.openxmlformats.org/markup-compatibility/2006" type="objOnly" preserve="1">
+  <p:cSld name="Centered Text">
+    <p:spTree>
+      <p:nvGrpSpPr>
+        <p:cNvPr id="1" name=""/>
+        <p:cNvGrpSpPr/>
+        <p:nvPr/>
+      </p:nvGrpSpPr>
+      <p:grpSpPr>
+        <a:xfrm>
+          <a:off x="0" y="0"/>
+          <a:ext cx="0" cy="0"/>
+          <a:chOff x="0" y="0"/>
+          <a:chExt cx="0" cy="0"/>
+        </a:xfrm>
+      </p:grpSpPr>
+      <p:sp>
+        <p:nvSpPr>
+          <p:cNvPr id="9" name="PlaceHolder 1"/>
+          <p:cNvSpPr>
+            <a:spLocks noGrp="1"/>
+          </p:cNvSpPr>
+          <p:nvPr>
+            <p:ph type="subTitle"/>
+          </p:nvPr>
+        </p:nvSpPr>
+        <p:spPr>
+          <a:xfrm>
+            <a:off x="2270160" y="3501720"/>
+            <a:ext cx="25726320" cy="34527600"/>
+          </a:xfrm>
+          <a:prstGeom prst="rect">
+            <a:avLst/>
+          </a:prstGeom>
+        </p:spPr>
+        <p:txBody>
+          <a:bodyPr lIns="0" rIns="0" tIns="0" bIns="0" anchor="ctr"/>
+          <a:p>
+            <a:pPr algn="ctr"/>
+            <a:endParaRPr b="0" lang="ru-RU" sz="3200" spc="-1" strike="noStrike">
+              <a:solidFill>
+                <a:srgbClr val="000000"/>
+              </a:solidFill>
+              <a:uFill>
+                <a:solidFill>
+                  <a:srgbClr val="ffffff"/>
+                </a:solidFill>
+              </a:uFill>
+              <a:latin typeface="Arial"/>
+            </a:endParaRPr>
+          </a:p>
+        </p:txBody>
+      </p:sp>
+    </p:spTree>
+  </p:cSld>
+</p:sldLayout>
+</file>
+
+<file path=ppt/slideLayouts/slideLayout7.xml><?xml version="1.0" encoding="utf-8"?>
+<p:sldLayout xmlns:a="http://schemas.openxmlformats.org/drawingml/2006/main" xmlns:p="http://schemas.openxmlformats.org/presentationml/2006/main" xmlns:r="http://schemas.openxmlformats.org/officeDocument/2006/relationships" xmlns:p14="http://schemas.microsoft.com/office/powerpoint/2010/main" xmlns:p15="http://schemas.microsoft.com/office/powerpoint/2012/main" xmlns:mc="http://schemas.openxmlformats.org/markup-compatibility/2006" type="twoObjAndObj" preserve="1">
+  <p:cSld name="Title, 2 Content and Content">
+    <p:spTree>
+      <p:nvGrpSpPr>
+        <p:cNvPr id="1" name=""/>
+        <p:cNvGrpSpPr/>
+        <p:nvPr/>
+      </p:nvGrpSpPr>
+      <p:grpSpPr>
+        <a:xfrm>
+          <a:off x="0" y="0"/>
+          <a:ext cx="0" cy="0"/>
+          <a:chOff x="0" y="0"/>
+          <a:chExt cx="0" cy="0"/>
+        </a:xfrm>
+      </p:grpSpPr>
+      <p:sp>
+        <p:nvSpPr>
+          <p:cNvPr id="10" name="PlaceHolder 1"/>
+          <p:cNvSpPr>
+            <a:spLocks noGrp="1"/>
+          </p:cNvSpPr>
+          <p:nvPr>
+            <p:ph type="title"/>
+          </p:nvPr>
+        </p:nvSpPr>
+        <p:spPr>
+          <a:xfrm>
+            <a:off x="2270160" y="3501720"/>
+            <a:ext cx="25726320" cy="7448400"/>
+          </a:xfrm>
+          <a:prstGeom prst="rect">
+            <a:avLst/>
+          </a:prstGeom>
+        </p:spPr>
+        <p:txBody>
+          <a:bodyPr lIns="0" rIns="0" tIns="0" bIns="0" anchor="ctr"/>
+          <a:p>
+            <a:endParaRPr b="0" lang="en-US" sz="1800" spc="-1" strike="noStrike">
+              <a:solidFill>
+                <a:srgbClr val="000000"/>
+              </a:solidFill>
+              <a:uFill>
+                <a:solidFill>
+                  <a:srgbClr val="ffffff"/>
+                </a:solidFill>
+              </a:uFill>
+              <a:latin typeface="Arial"/>
             </a:endParaRPr>
           </a:p>
         </p:txBody>
       </p:sp>
       <p:sp>
         <p:nvSpPr>
-          <p:cNvPr id="9" name="PlaceHolder 2"/>
+          <p:cNvPr id="11" name="PlaceHolder 2"/>
+          <p:cNvSpPr>
+            <a:spLocks noGrp="1"/>
+          </p:cNvSpPr>
+          <p:nvPr>
+            <p:ph type="body"/>
+          </p:nvPr>
+        </p:nvSpPr>
+        <p:spPr>
+          <a:xfrm>
+            <a:off x="1513080" y="5006520"/>
+            <a:ext cx="13293000" cy="5919120"/>
+          </a:xfrm>
+          <a:prstGeom prst="rect">
+            <a:avLst/>
+          </a:prstGeom>
+        </p:spPr>
+        <p:txBody>
+          <a:bodyPr lIns="0" rIns="0" tIns="0" bIns="0"/>
+          <a:p>
+            <a:endParaRPr b="0" lang="en-US" sz="2800" spc="-1" strike="noStrike">
+              <a:solidFill>
+                <a:srgbClr val="000000"/>
+              </a:solidFill>
+              <a:uFill>
+                <a:solidFill>
+                  <a:srgbClr val="ffffff"/>
+                </a:solidFill>
+              </a:uFill>
+              <a:latin typeface="Arial"/>
+            </a:endParaRPr>
+          </a:p>
+        </p:txBody>
+      </p:sp>
+      <p:sp>
+        <p:nvSpPr>
+          <p:cNvPr id="12" name="PlaceHolder 3"/>
+          <p:cNvSpPr>
+            <a:spLocks noGrp="1"/>
+          </p:cNvSpPr>
+          <p:nvPr>
+            <p:ph type="body"/>
+          </p:nvPr>
+        </p:nvSpPr>
+        <p:spPr>
+          <a:xfrm>
+            <a:off x="1513080" y="11488320"/>
+            <a:ext cx="13293000" cy="5919120"/>
+          </a:xfrm>
+          <a:prstGeom prst="rect">
+            <a:avLst/>
+          </a:prstGeom>
+        </p:spPr>
+        <p:txBody>
+          <a:bodyPr lIns="0" rIns="0" tIns="0" bIns="0"/>
+          <a:p>
+            <a:endParaRPr b="0" lang="en-US" sz="2800" spc="-1" strike="noStrike">
+              <a:solidFill>
+                <a:srgbClr val="000000"/>
+              </a:solidFill>
+              <a:uFill>
+                <a:solidFill>
+                  <a:srgbClr val="ffffff"/>
+                </a:solidFill>
+              </a:uFill>
+              <a:latin typeface="Arial"/>
+            </a:endParaRPr>
+          </a:p>
+        </p:txBody>
+      </p:sp>
+      <p:sp>
+        <p:nvSpPr>
+          <p:cNvPr id="13" name="PlaceHolder 4"/>
+          <p:cNvSpPr>
+            <a:spLocks noGrp="1"/>
+          </p:cNvSpPr>
+          <p:nvPr>
+            <p:ph type="body"/>
+          </p:nvPr>
+        </p:nvSpPr>
+        <p:spPr>
+          <a:xfrm>
+            <a:off x="15471000" y="5006520"/>
+            <a:ext cx="13293000" cy="12409200"/>
+          </a:xfrm>
+          <a:prstGeom prst="rect">
+            <a:avLst/>
+          </a:prstGeom>
+        </p:spPr>
+        <p:txBody>
+          <a:bodyPr lIns="0" rIns="0" tIns="0" bIns="0"/>
+          <a:p>
+            <a:endParaRPr b="0" lang="en-US" sz="2800" spc="-1" strike="noStrike">
+              <a:solidFill>
+                <a:srgbClr val="000000"/>
+              </a:solidFill>
+              <a:uFill>
+                <a:solidFill>
+                  <a:srgbClr val="ffffff"/>
+                </a:solidFill>
+              </a:uFill>
+              <a:latin typeface="Arial"/>
+            </a:endParaRPr>
+          </a:p>
+        </p:txBody>
+      </p:sp>
+    </p:spTree>
+  </p:cSld>
+</p:sldLayout>
+</file>
+
+<file path=ppt/slideLayouts/slideLayout8.xml><?xml version="1.0" encoding="utf-8"?>
+<p:sldLayout xmlns:a="http://schemas.openxmlformats.org/drawingml/2006/main" xmlns:p="http://schemas.openxmlformats.org/presentationml/2006/main" xmlns:r="http://schemas.openxmlformats.org/officeDocument/2006/relationships" xmlns:p14="http://schemas.microsoft.com/office/powerpoint/2010/main" xmlns:p15="http://schemas.microsoft.com/office/powerpoint/2012/main" xmlns:mc="http://schemas.openxmlformats.org/markup-compatibility/2006" type="objAndTwoObj" preserve="1">
+  <p:cSld name="Title Content and 2 Content">
+    <p:spTree>
+      <p:nvGrpSpPr>
+        <p:cNvPr id="1" name=""/>
+        <p:cNvGrpSpPr/>
+        <p:nvPr/>
+      </p:nvGrpSpPr>
+      <p:grpSpPr>
+        <a:xfrm>
+          <a:off x="0" y="0"/>
+          <a:ext cx="0" cy="0"/>
+          <a:chOff x="0" y="0"/>
+          <a:chExt cx="0" cy="0"/>
+        </a:xfrm>
+      </p:grpSpPr>
+      <p:sp>
+        <p:nvSpPr>
+          <p:cNvPr id="14" name="PlaceHolder 1"/>
+          <p:cNvSpPr>
+            <a:spLocks noGrp="1"/>
+          </p:cNvSpPr>
+          <p:nvPr>
+            <p:ph type="title"/>
+          </p:nvPr>
+        </p:nvSpPr>
+        <p:spPr>
+          <a:xfrm>
+            <a:off x="2270160" y="3501720"/>
+            <a:ext cx="25726320" cy="7448400"/>
+          </a:xfrm>
+          <a:prstGeom prst="rect">
+            <a:avLst/>
+          </a:prstGeom>
+        </p:spPr>
+        <p:txBody>
+          <a:bodyPr lIns="0" rIns="0" tIns="0" bIns="0" anchor="ctr"/>
+          <a:p>
+            <a:endParaRPr b="0" lang="en-US" sz="1800" spc="-1" strike="noStrike">
+              <a:solidFill>
+                <a:srgbClr val="000000"/>
+              </a:solidFill>
+              <a:uFill>
+                <a:solidFill>
+                  <a:srgbClr val="ffffff"/>
+                </a:solidFill>
+              </a:uFill>
+              <a:latin typeface="Arial"/>
+            </a:endParaRPr>
+          </a:p>
+        </p:txBody>
+      </p:sp>
+      <p:sp>
+        <p:nvSpPr>
+          <p:cNvPr id="15" name="PlaceHolder 2"/>
           <p:cNvSpPr>
             <a:spLocks noGrp="1"/>
           </p:cNvSpPr>
@@ -1352,26 +1612,25 @@
           </a:prstGeom>
         </p:spPr>
         <p:txBody>
-          <a:bodyPr lIns="0" tIns="0" rIns="0" bIns="0"/>
-          <a:lstStyle/>
+          <a:bodyPr lIns="0" rIns="0" tIns="0" bIns="0"/>
           <a:p>
-            <a:endParaRPr lang="en-US" sz="8740" b="0" strike="noStrike" spc="-1">
+            <a:endParaRPr b="0" lang="en-US" sz="2800" spc="-1" strike="noStrike">
               <a:solidFill>
                 <a:srgbClr val="000000"/>
               </a:solidFill>
               <a:uFill>
                 <a:solidFill>
-                  <a:srgbClr val="FFFFFF"/>
+                  <a:srgbClr val="ffffff"/>
                 </a:solidFill>
               </a:uFill>
-              <a:latin typeface="Calibri"/>
+              <a:latin typeface="Arial"/>
             </a:endParaRPr>
           </a:p>
         </p:txBody>
       </p:sp>
       <p:sp>
         <p:nvSpPr>
-          <p:cNvPr id="10" name="PlaceHolder 3"/>
+          <p:cNvPr id="16" name="PlaceHolder 3"/>
           <p:cNvSpPr>
             <a:spLocks noGrp="1"/>
           </p:cNvSpPr>
@@ -1382,41 +1641,73 @@
         <p:spPr>
           <a:xfrm>
             <a:off x="15471000" y="5006520"/>
-            <a:ext cx="13293000" cy="12409200"/>
+            <a:ext cx="13293000" cy="5919120"/>
           </a:xfrm>
           <a:prstGeom prst="rect">
             <a:avLst/>
           </a:prstGeom>
         </p:spPr>
         <p:txBody>
-          <a:bodyPr lIns="0" tIns="0" rIns="0" bIns="0"/>
-          <a:lstStyle/>
+          <a:bodyPr lIns="0" rIns="0" tIns="0" bIns="0"/>
           <a:p>
-            <a:endParaRPr lang="en-US" sz="8740" b="0" strike="noStrike" spc="-1">
+            <a:endParaRPr b="0" lang="en-US" sz="2800" spc="-1" strike="noStrike">
               <a:solidFill>
                 <a:srgbClr val="000000"/>
               </a:solidFill>
               <a:uFill>
                 <a:solidFill>
-                  <a:srgbClr val="FFFFFF"/>
+                  <a:srgbClr val="ffffff"/>
                 </a:solidFill>
               </a:uFill>
-              <a:latin typeface="Calibri"/>
+              <a:latin typeface="Arial"/>
+            </a:endParaRPr>
+          </a:p>
+        </p:txBody>
+      </p:sp>
+      <p:sp>
+        <p:nvSpPr>
+          <p:cNvPr id="17" name="PlaceHolder 4"/>
+          <p:cNvSpPr>
+            <a:spLocks noGrp="1"/>
+          </p:cNvSpPr>
+          <p:nvPr>
+            <p:ph type="body"/>
+          </p:nvPr>
+        </p:nvSpPr>
+        <p:spPr>
+          <a:xfrm>
+            <a:off x="15471000" y="11488320"/>
+            <a:ext cx="13293000" cy="5919120"/>
+          </a:xfrm>
+          <a:prstGeom prst="rect">
+            <a:avLst/>
+          </a:prstGeom>
+        </p:spPr>
+        <p:txBody>
+          <a:bodyPr lIns="0" rIns="0" tIns="0" bIns="0"/>
+          <a:p>
+            <a:endParaRPr b="0" lang="en-US" sz="2800" spc="-1" strike="noStrike">
+              <a:solidFill>
+                <a:srgbClr val="000000"/>
+              </a:solidFill>
+              <a:uFill>
+                <a:solidFill>
+                  <a:srgbClr val="ffffff"/>
+                </a:solidFill>
+              </a:uFill>
+              <a:latin typeface="Arial"/>
             </a:endParaRPr>
           </a:p>
         </p:txBody>
       </p:sp>
     </p:spTree>
   </p:cSld>
-  <p:clrMapOvr>
-    <a:masterClrMapping/>
-  </p:clrMapOvr>
 </p:sldLayout>
 </file>
 
-<file path=ppt/slideLayouts/slideLayout5.xml><?xml version="1.0" encoding="utf-8"?>
-<p:sldLayout xmlns:a="http://schemas.openxmlformats.org/drawingml/2006/main" xmlns:r="http://schemas.openxmlformats.org/officeDocument/2006/relationships" xmlns:p="http://schemas.openxmlformats.org/presentationml/2006/main" type="titleOnly" preserve="1">
-  <p:cSld name="Title Only">
+<file path=ppt/slideLayouts/slideLayout9.xml><?xml version="1.0" encoding="utf-8"?>
+<p:sldLayout xmlns:a="http://schemas.openxmlformats.org/drawingml/2006/main" xmlns:p="http://schemas.openxmlformats.org/presentationml/2006/main" xmlns:r="http://schemas.openxmlformats.org/officeDocument/2006/relationships" xmlns:p14="http://schemas.microsoft.com/office/powerpoint/2010/main" xmlns:p15="http://schemas.microsoft.com/office/powerpoint/2012/main" xmlns:mc="http://schemas.openxmlformats.org/markup-compatibility/2006" type="twoObjOverTx" preserve="1">
+  <p:cSld name="Title, 2 Content over Content">
     <p:spTree>
       <p:nvGrpSpPr>
         <p:cNvPr id="1" name=""/>
@@ -1433,7 +1724,7 @@
       </p:grpSpPr>
       <p:sp>
         <p:nvSpPr>
-          <p:cNvPr id="11" name="PlaceHolder 1"/>
+          <p:cNvPr id="18" name="PlaceHolder 1"/>
           <p:cNvSpPr>
             <a:spLocks noGrp="1"/>
           </p:cNvSpPr>
@@ -1444,86 +1735,22 @@
         <p:spPr>
           <a:xfrm>
             <a:off x="2270160" y="3501720"/>
-            <a:ext cx="25726680" cy="7448760"/>
+            <a:ext cx="25726320" cy="7448400"/>
           </a:xfrm>
           <a:prstGeom prst="rect">
             <a:avLst/>
           </a:prstGeom>
         </p:spPr>
         <p:txBody>
-          <a:bodyPr lIns="0" tIns="0" rIns="0" bIns="0" anchor="ctr"/>
-          <a:lstStyle/>
+          <a:bodyPr lIns="0" rIns="0" tIns="0" bIns="0" anchor="ctr"/>
           <a:p>
-            <a:endParaRPr lang="en-US" sz="4880" b="0" strike="noStrike" spc="-1">
+            <a:endParaRPr b="0" lang="en-US" sz="1800" spc="-1" strike="noStrike">
               <a:solidFill>
                 <a:srgbClr val="000000"/>
               </a:solidFill>
               <a:uFill>
                 <a:solidFill>
-                  <a:srgbClr val="FFFFFF"/>
-                </a:solidFill>
-              </a:uFill>
-              <a:latin typeface="Calibri"/>
-            </a:endParaRPr>
-          </a:p>
-        </p:txBody>
-      </p:sp>
-    </p:spTree>
-  </p:cSld>
-  <p:clrMapOvr>
-    <a:masterClrMapping/>
-  </p:clrMapOvr>
-</p:sldLayout>
-</file>
-
-<file path=ppt/slideLayouts/slideLayout6.xml><?xml version="1.0" encoding="utf-8"?>
-<p:sldLayout xmlns:a="http://schemas.openxmlformats.org/drawingml/2006/main" xmlns:r="http://schemas.openxmlformats.org/officeDocument/2006/relationships" xmlns:p="http://schemas.openxmlformats.org/presentationml/2006/main" type="objOnly" preserve="1">
-  <p:cSld name="Centered Text">
-    <p:spTree>
-      <p:nvGrpSpPr>
-        <p:cNvPr id="1" name=""/>
-        <p:cNvGrpSpPr/>
-        <p:nvPr/>
-      </p:nvGrpSpPr>
-      <p:grpSpPr>
-        <a:xfrm>
-          <a:off x="0" y="0"/>
-          <a:ext cx="0" cy="0"/>
-          <a:chOff x="0" y="0"/>
-          <a:chExt cx="0" cy="0"/>
-        </a:xfrm>
-      </p:grpSpPr>
-      <p:sp>
-        <p:nvSpPr>
-          <p:cNvPr id="12" name="PlaceHolder 1"/>
-          <p:cNvSpPr>
-            <a:spLocks noGrp="1"/>
-          </p:cNvSpPr>
-          <p:nvPr>
-            <p:ph type="subTitle"/>
-          </p:nvPr>
-        </p:nvSpPr>
-        <p:spPr>
-          <a:xfrm>
-            <a:off x="2270160" y="3501720"/>
-            <a:ext cx="25726680" cy="34529400"/>
-          </a:xfrm>
-          <a:prstGeom prst="rect">
-            <a:avLst/>
-          </a:prstGeom>
-        </p:spPr>
-        <p:txBody>
-          <a:bodyPr lIns="0" tIns="0" rIns="0" bIns="0" anchor="ctr"/>
-          <a:lstStyle/>
-          <a:p>
-            <a:pPr algn="ctr"/>
-            <a:endParaRPr lang="ru-RU" sz="3200" b="0" strike="noStrike" spc="-1">
-              <a:solidFill>
-                <a:srgbClr val="000000"/>
-              </a:solidFill>
-              <a:uFill>
-                <a:solidFill>
-                  <a:srgbClr val="FFFFFF"/>
+                  <a:srgbClr val="ffffff"/>
                 </a:solidFill>
               </a:uFill>
               <a:latin typeface="Arial"/>
@@ -1531,71 +1758,9 @@
           </a:p>
         </p:txBody>
       </p:sp>
-    </p:spTree>
-  </p:cSld>
-  <p:clrMapOvr>
-    <a:masterClrMapping/>
-  </p:clrMapOvr>
-</p:sldLayout>
-</file>
-
-<file path=ppt/slideLayouts/slideLayout7.xml><?xml version="1.0" encoding="utf-8"?>
-<p:sldLayout xmlns:a="http://schemas.openxmlformats.org/drawingml/2006/main" xmlns:r="http://schemas.openxmlformats.org/officeDocument/2006/relationships" xmlns:p="http://schemas.openxmlformats.org/presentationml/2006/main" type="twoObjAndObj" preserve="1">
-  <p:cSld name="Title, 2 Content and Content">
-    <p:spTree>
-      <p:nvGrpSpPr>
-        <p:cNvPr id="1" name=""/>
-        <p:cNvGrpSpPr/>
-        <p:nvPr/>
-      </p:nvGrpSpPr>
-      <p:grpSpPr>
-        <a:xfrm>
-          <a:off x="0" y="0"/>
-          <a:ext cx="0" cy="0"/>
-          <a:chOff x="0" y="0"/>
-          <a:chExt cx="0" cy="0"/>
-        </a:xfrm>
-      </p:grpSpPr>
       <p:sp>
         <p:nvSpPr>
-          <p:cNvPr id="13" name="PlaceHolder 1"/>
-          <p:cNvSpPr>
-            <a:spLocks noGrp="1"/>
-          </p:cNvSpPr>
-          <p:nvPr>
-            <p:ph type="title"/>
-          </p:nvPr>
-        </p:nvSpPr>
-        <p:spPr>
-          <a:xfrm>
-            <a:off x="2270160" y="3501720"/>
-            <a:ext cx="25726680" cy="7448760"/>
-          </a:xfrm>
-          <a:prstGeom prst="rect">
-            <a:avLst/>
-          </a:prstGeom>
-        </p:spPr>
-        <p:txBody>
-          <a:bodyPr lIns="0" tIns="0" rIns="0" bIns="0" anchor="ctr"/>
-          <a:lstStyle/>
-          <a:p>
-            <a:endParaRPr lang="en-US" sz="4880" b="0" strike="noStrike" spc="-1">
-              <a:solidFill>
-                <a:srgbClr val="000000"/>
-              </a:solidFill>
-              <a:uFill>
-                <a:solidFill>
-                  <a:srgbClr val="FFFFFF"/>
-                </a:solidFill>
-              </a:uFill>
-              <a:latin typeface="Calibri"/>
-            </a:endParaRPr>
-          </a:p>
-        </p:txBody>
-      </p:sp>
-      <p:sp>
-        <p:nvSpPr>
-          <p:cNvPr id="14" name="PlaceHolder 2"/>
+          <p:cNvPr id="19" name="PlaceHolder 2"/>
           <p:cNvSpPr>
             <a:spLocks noGrp="1"/>
           </p:cNvSpPr>
@@ -1613,199 +1778,25 @@
           </a:prstGeom>
         </p:spPr>
         <p:txBody>
-          <a:bodyPr lIns="0" tIns="0" rIns="0" bIns="0"/>
-          <a:lstStyle/>
+          <a:bodyPr lIns="0" rIns="0" tIns="0" bIns="0"/>
           <a:p>
-            <a:endParaRPr lang="en-US" sz="8740" b="0" strike="noStrike" spc="-1">
+            <a:endParaRPr b="0" lang="en-US" sz="2800" spc="-1" strike="noStrike">
               <a:solidFill>
                 <a:srgbClr val="000000"/>
               </a:solidFill>
               <a:uFill>
                 <a:solidFill>
-                  <a:srgbClr val="FFFFFF"/>
+                  <a:srgbClr val="ffffff"/>
                 </a:solidFill>
               </a:uFill>
-              <a:latin typeface="Calibri"/>
+              <a:latin typeface="Arial"/>
             </a:endParaRPr>
           </a:p>
         </p:txBody>
       </p:sp>
       <p:sp>
         <p:nvSpPr>
-          <p:cNvPr id="15" name="PlaceHolder 3"/>
-          <p:cNvSpPr>
-            <a:spLocks noGrp="1"/>
-          </p:cNvSpPr>
-          <p:nvPr>
-            <p:ph type="body"/>
-          </p:nvPr>
-        </p:nvSpPr>
-        <p:spPr>
-          <a:xfrm>
-            <a:off x="1513080" y="11488320"/>
-            <a:ext cx="13293000" cy="5919120"/>
-          </a:xfrm>
-          <a:prstGeom prst="rect">
-            <a:avLst/>
-          </a:prstGeom>
-        </p:spPr>
-        <p:txBody>
-          <a:bodyPr lIns="0" tIns="0" rIns="0" bIns="0"/>
-          <a:lstStyle/>
-          <a:p>
-            <a:endParaRPr lang="en-US" sz="8740" b="0" strike="noStrike" spc="-1">
-              <a:solidFill>
-                <a:srgbClr val="000000"/>
-              </a:solidFill>
-              <a:uFill>
-                <a:solidFill>
-                  <a:srgbClr val="FFFFFF"/>
-                </a:solidFill>
-              </a:uFill>
-              <a:latin typeface="Calibri"/>
-            </a:endParaRPr>
-          </a:p>
-        </p:txBody>
-      </p:sp>
-      <p:sp>
-        <p:nvSpPr>
-          <p:cNvPr id="16" name="PlaceHolder 4"/>
-          <p:cNvSpPr>
-            <a:spLocks noGrp="1"/>
-          </p:cNvSpPr>
-          <p:nvPr>
-            <p:ph type="body"/>
-          </p:nvPr>
-        </p:nvSpPr>
-        <p:spPr>
-          <a:xfrm>
-            <a:off x="15471000" y="5006520"/>
-            <a:ext cx="13293000" cy="12409200"/>
-          </a:xfrm>
-          <a:prstGeom prst="rect">
-            <a:avLst/>
-          </a:prstGeom>
-        </p:spPr>
-        <p:txBody>
-          <a:bodyPr lIns="0" tIns="0" rIns="0" bIns="0"/>
-          <a:lstStyle/>
-          <a:p>
-            <a:endParaRPr lang="en-US" sz="8740" b="0" strike="noStrike" spc="-1">
-              <a:solidFill>
-                <a:srgbClr val="000000"/>
-              </a:solidFill>
-              <a:uFill>
-                <a:solidFill>
-                  <a:srgbClr val="FFFFFF"/>
-                </a:solidFill>
-              </a:uFill>
-              <a:latin typeface="Calibri"/>
-            </a:endParaRPr>
-          </a:p>
-        </p:txBody>
-      </p:sp>
-    </p:spTree>
-  </p:cSld>
-  <p:clrMapOvr>
-    <a:masterClrMapping/>
-  </p:clrMapOvr>
-</p:sldLayout>
-</file>
-
-<file path=ppt/slideLayouts/slideLayout8.xml><?xml version="1.0" encoding="utf-8"?>
-<p:sldLayout xmlns:a="http://schemas.openxmlformats.org/drawingml/2006/main" xmlns:r="http://schemas.openxmlformats.org/officeDocument/2006/relationships" xmlns:p="http://schemas.openxmlformats.org/presentationml/2006/main" type="objAndTwoObj" preserve="1">
-  <p:cSld name="Title Content and 2 Content">
-    <p:spTree>
-      <p:nvGrpSpPr>
-        <p:cNvPr id="1" name=""/>
-        <p:cNvGrpSpPr/>
-        <p:nvPr/>
-      </p:nvGrpSpPr>
-      <p:grpSpPr>
-        <a:xfrm>
-          <a:off x="0" y="0"/>
-          <a:ext cx="0" cy="0"/>
-          <a:chOff x="0" y="0"/>
-          <a:chExt cx="0" cy="0"/>
-        </a:xfrm>
-      </p:grpSpPr>
-      <p:sp>
-        <p:nvSpPr>
-          <p:cNvPr id="17" name="PlaceHolder 1"/>
-          <p:cNvSpPr>
-            <a:spLocks noGrp="1"/>
-          </p:cNvSpPr>
-          <p:nvPr>
-            <p:ph type="title"/>
-          </p:nvPr>
-        </p:nvSpPr>
-        <p:spPr>
-          <a:xfrm>
-            <a:off x="2270160" y="3501720"/>
-            <a:ext cx="25726680" cy="7448760"/>
-          </a:xfrm>
-          <a:prstGeom prst="rect">
-            <a:avLst/>
-          </a:prstGeom>
-        </p:spPr>
-        <p:txBody>
-          <a:bodyPr lIns="0" tIns="0" rIns="0" bIns="0" anchor="ctr"/>
-          <a:lstStyle/>
-          <a:p>
-            <a:endParaRPr lang="en-US" sz="4880" b="0" strike="noStrike" spc="-1">
-              <a:solidFill>
-                <a:srgbClr val="000000"/>
-              </a:solidFill>
-              <a:uFill>
-                <a:solidFill>
-                  <a:srgbClr val="FFFFFF"/>
-                </a:solidFill>
-              </a:uFill>
-              <a:latin typeface="Calibri"/>
-            </a:endParaRPr>
-          </a:p>
-        </p:txBody>
-      </p:sp>
-      <p:sp>
-        <p:nvSpPr>
-          <p:cNvPr id="18" name="PlaceHolder 2"/>
-          <p:cNvSpPr>
-            <a:spLocks noGrp="1"/>
-          </p:cNvSpPr>
-          <p:nvPr>
-            <p:ph type="body"/>
-          </p:nvPr>
-        </p:nvSpPr>
-        <p:spPr>
-          <a:xfrm>
-            <a:off x="1513080" y="5006520"/>
-            <a:ext cx="13293000" cy="12409200"/>
-          </a:xfrm>
-          <a:prstGeom prst="rect">
-            <a:avLst/>
-          </a:prstGeom>
-        </p:spPr>
-        <p:txBody>
-          <a:bodyPr lIns="0" tIns="0" rIns="0" bIns="0"/>
-          <a:lstStyle/>
-          <a:p>
-            <a:endParaRPr lang="en-US" sz="8740" b="0" strike="noStrike" spc="-1">
-              <a:solidFill>
-                <a:srgbClr val="000000"/>
-              </a:solidFill>
-              <a:uFill>
-                <a:solidFill>
-                  <a:srgbClr val="FFFFFF"/>
-                </a:solidFill>
-              </a:uFill>
-              <a:latin typeface="Calibri"/>
-            </a:endParaRPr>
-          </a:p>
-        </p:txBody>
-      </p:sp>
-      <p:sp>
-        <p:nvSpPr>
-          <p:cNvPr id="19" name="PlaceHolder 3"/>
+          <p:cNvPr id="20" name="PlaceHolder 3"/>
           <p:cNvSpPr>
             <a:spLocks noGrp="1"/>
           </p:cNvSpPr>
@@ -1823,199 +1814,25 @@
           </a:prstGeom>
         </p:spPr>
         <p:txBody>
-          <a:bodyPr lIns="0" tIns="0" rIns="0" bIns="0"/>
-          <a:lstStyle/>
+          <a:bodyPr lIns="0" rIns="0" tIns="0" bIns="0"/>
           <a:p>
-            <a:endParaRPr lang="en-US" sz="8740" b="0" strike="noStrike" spc="-1">
+            <a:endParaRPr b="0" lang="en-US" sz="2800" spc="-1" strike="noStrike">
               <a:solidFill>
                 <a:srgbClr val="000000"/>
               </a:solidFill>
               <a:uFill>
                 <a:solidFill>
-                  <a:srgbClr val="FFFFFF"/>
+                  <a:srgbClr val="ffffff"/>
                 </a:solidFill>
               </a:uFill>
-              <a:latin typeface="Calibri"/>
+              <a:latin typeface="Arial"/>
             </a:endParaRPr>
           </a:p>
         </p:txBody>
       </p:sp>
       <p:sp>
         <p:nvSpPr>
-          <p:cNvPr id="20" name="PlaceHolder 4"/>
-          <p:cNvSpPr>
-            <a:spLocks noGrp="1"/>
-          </p:cNvSpPr>
-          <p:nvPr>
-            <p:ph type="body"/>
-          </p:nvPr>
-        </p:nvSpPr>
-        <p:spPr>
-          <a:xfrm>
-            <a:off x="15471000" y="11488320"/>
-            <a:ext cx="13293000" cy="5919120"/>
-          </a:xfrm>
-          <a:prstGeom prst="rect">
-            <a:avLst/>
-          </a:prstGeom>
-        </p:spPr>
-        <p:txBody>
-          <a:bodyPr lIns="0" tIns="0" rIns="0" bIns="0"/>
-          <a:lstStyle/>
-          <a:p>
-            <a:endParaRPr lang="en-US" sz="8740" b="0" strike="noStrike" spc="-1">
-              <a:solidFill>
-                <a:srgbClr val="000000"/>
-              </a:solidFill>
-              <a:uFill>
-                <a:solidFill>
-                  <a:srgbClr val="FFFFFF"/>
-                </a:solidFill>
-              </a:uFill>
-              <a:latin typeface="Calibri"/>
-            </a:endParaRPr>
-          </a:p>
-        </p:txBody>
-      </p:sp>
-    </p:spTree>
-  </p:cSld>
-  <p:clrMapOvr>
-    <a:masterClrMapping/>
-  </p:clrMapOvr>
-</p:sldLayout>
-</file>
-
-<file path=ppt/slideLayouts/slideLayout9.xml><?xml version="1.0" encoding="utf-8"?>
-<p:sldLayout xmlns:a="http://schemas.openxmlformats.org/drawingml/2006/main" xmlns:r="http://schemas.openxmlformats.org/officeDocument/2006/relationships" xmlns:p="http://schemas.openxmlformats.org/presentationml/2006/main" type="twoObjOverTx" preserve="1">
-  <p:cSld name="Title, 2 Content over Content">
-    <p:spTree>
-      <p:nvGrpSpPr>
-        <p:cNvPr id="1" name=""/>
-        <p:cNvGrpSpPr/>
-        <p:nvPr/>
-      </p:nvGrpSpPr>
-      <p:grpSpPr>
-        <a:xfrm>
-          <a:off x="0" y="0"/>
-          <a:ext cx="0" cy="0"/>
-          <a:chOff x="0" y="0"/>
-          <a:chExt cx="0" cy="0"/>
-        </a:xfrm>
-      </p:grpSpPr>
-      <p:sp>
-        <p:nvSpPr>
-          <p:cNvPr id="21" name="PlaceHolder 1"/>
-          <p:cNvSpPr>
-            <a:spLocks noGrp="1"/>
-          </p:cNvSpPr>
-          <p:nvPr>
-            <p:ph type="title"/>
-          </p:nvPr>
-        </p:nvSpPr>
-        <p:spPr>
-          <a:xfrm>
-            <a:off x="2270160" y="3501720"/>
-            <a:ext cx="25726680" cy="7448760"/>
-          </a:xfrm>
-          <a:prstGeom prst="rect">
-            <a:avLst/>
-          </a:prstGeom>
-        </p:spPr>
-        <p:txBody>
-          <a:bodyPr lIns="0" tIns="0" rIns="0" bIns="0" anchor="ctr"/>
-          <a:lstStyle/>
-          <a:p>
-            <a:endParaRPr lang="en-US" sz="4880" b="0" strike="noStrike" spc="-1">
-              <a:solidFill>
-                <a:srgbClr val="000000"/>
-              </a:solidFill>
-              <a:uFill>
-                <a:solidFill>
-                  <a:srgbClr val="FFFFFF"/>
-                </a:solidFill>
-              </a:uFill>
-              <a:latin typeface="Calibri"/>
-            </a:endParaRPr>
-          </a:p>
-        </p:txBody>
-      </p:sp>
-      <p:sp>
-        <p:nvSpPr>
-          <p:cNvPr id="22" name="PlaceHolder 2"/>
-          <p:cNvSpPr>
-            <a:spLocks noGrp="1"/>
-          </p:cNvSpPr>
-          <p:nvPr>
-            <p:ph type="body"/>
-          </p:nvPr>
-        </p:nvSpPr>
-        <p:spPr>
-          <a:xfrm>
-            <a:off x="1513080" y="5006520"/>
-            <a:ext cx="13293000" cy="5919120"/>
-          </a:xfrm>
-          <a:prstGeom prst="rect">
-            <a:avLst/>
-          </a:prstGeom>
-        </p:spPr>
-        <p:txBody>
-          <a:bodyPr lIns="0" tIns="0" rIns="0" bIns="0"/>
-          <a:lstStyle/>
-          <a:p>
-            <a:endParaRPr lang="en-US" sz="8740" b="0" strike="noStrike" spc="-1">
-              <a:solidFill>
-                <a:srgbClr val="000000"/>
-              </a:solidFill>
-              <a:uFill>
-                <a:solidFill>
-                  <a:srgbClr val="FFFFFF"/>
-                </a:solidFill>
-              </a:uFill>
-              <a:latin typeface="Calibri"/>
-            </a:endParaRPr>
-          </a:p>
-        </p:txBody>
-      </p:sp>
-      <p:sp>
-        <p:nvSpPr>
-          <p:cNvPr id="23" name="PlaceHolder 3"/>
-          <p:cNvSpPr>
-            <a:spLocks noGrp="1"/>
-          </p:cNvSpPr>
-          <p:nvPr>
-            <p:ph type="body"/>
-          </p:nvPr>
-        </p:nvSpPr>
-        <p:spPr>
-          <a:xfrm>
-            <a:off x="15471000" y="5006520"/>
-            <a:ext cx="13293000" cy="5919120"/>
-          </a:xfrm>
-          <a:prstGeom prst="rect">
-            <a:avLst/>
-          </a:prstGeom>
-        </p:spPr>
-        <p:txBody>
-          <a:bodyPr lIns="0" tIns="0" rIns="0" bIns="0"/>
-          <a:lstStyle/>
-          <a:p>
-            <a:endParaRPr lang="en-US" sz="8740" b="0" strike="noStrike" spc="-1">
-              <a:solidFill>
-                <a:srgbClr val="000000"/>
-              </a:solidFill>
-              <a:uFill>
-                <a:solidFill>
-                  <a:srgbClr val="FFFFFF"/>
-                </a:solidFill>
-              </a:uFill>
-              <a:latin typeface="Calibri"/>
-            </a:endParaRPr>
-          </a:p>
-        </p:txBody>
-      </p:sp>
-      <p:sp>
-        <p:nvSpPr>
-          <p:cNvPr id="24" name="PlaceHolder 4"/>
+          <p:cNvPr id="21" name="PlaceHolder 4"/>
           <p:cNvSpPr>
             <a:spLocks noGrp="1"/>
           </p:cNvSpPr>
@@ -2033,40 +1850,35 @@
           </a:prstGeom>
         </p:spPr>
         <p:txBody>
-          <a:bodyPr lIns="0" tIns="0" rIns="0" bIns="0"/>
-          <a:lstStyle/>
+          <a:bodyPr lIns="0" rIns="0" tIns="0" bIns="0"/>
           <a:p>
-            <a:endParaRPr lang="en-US" sz="8740" b="0" strike="noStrike" spc="-1">
+            <a:endParaRPr b="0" lang="en-US" sz="2800" spc="-1" strike="noStrike">
               <a:solidFill>
                 <a:srgbClr val="000000"/>
               </a:solidFill>
               <a:uFill>
                 <a:solidFill>
-                  <a:srgbClr val="FFFFFF"/>
+                  <a:srgbClr val="ffffff"/>
                 </a:solidFill>
               </a:uFill>
-              <a:latin typeface="Calibri"/>
+              <a:latin typeface="Arial"/>
             </a:endParaRPr>
           </a:p>
         </p:txBody>
       </p:sp>
     </p:spTree>
   </p:cSld>
-  <p:clrMapOvr>
-    <a:masterClrMapping/>
-  </p:clrMapOvr>
 </p:sldLayout>
 </file>
 
 <file path=ppt/slideMasters/slideMaster1.xml><?xml version="1.0" encoding="utf-8"?>
-<p:sldMaster xmlns:a="http://schemas.openxmlformats.org/drawingml/2006/main" xmlns:r="http://schemas.openxmlformats.org/officeDocument/2006/relationships" xmlns:p="http://schemas.openxmlformats.org/presentationml/2006/main">
+<p:sldMaster xmlns:a="http://schemas.openxmlformats.org/drawingml/2006/main" xmlns:p="http://schemas.openxmlformats.org/presentationml/2006/main" xmlns:r="http://schemas.openxmlformats.org/officeDocument/2006/relationships" xmlns:p14="http://schemas.microsoft.com/office/powerpoint/2010/main" xmlns:p15="http://schemas.microsoft.com/office/powerpoint/2012/main" xmlns:mc="http://schemas.openxmlformats.org/markup-compatibility/2006">
   <p:cSld>
     <p:bg>
       <p:bgPr>
         <a:solidFill>
-          <a:srgbClr val="FFFFFF"/>
+          <a:srgbClr val="ffffff"/>
         </a:solidFill>
-        <a:effectLst/>
       </p:bgPr>
     </p:bg>
     <p:spTree>
@@ -2085,7 +1897,7 @@
       </p:grpSpPr>
       <p:sp>
         <p:nvSpPr>
-          <p:cNvPr id="4" name="PlaceHolder 1"/>
+          <p:cNvPr id="0" name="PlaceHolder 1"/>
           <p:cNvSpPr>
             <a:spLocks noGrp="1"/>
           </p:cNvSpPr>
@@ -2096,500 +1908,65 @@
         <p:spPr>
           <a:xfrm>
             <a:off x="2270160" y="3501720"/>
-            <a:ext cx="25726680" cy="7448760"/>
+            <a:ext cx="25726320" cy="7448400"/>
           </a:xfrm>
           <a:prstGeom prst="rect">
             <a:avLst/>
           </a:prstGeom>
         </p:spPr>
         <p:txBody>
-          <a:bodyPr anchor="b"/>
-          <a:lstStyle/>
+          <a:bodyPr lIns="0" rIns="0" tIns="0" bIns="0" anchor="ctr"/>
           <a:p>
-            <a:pPr algn="ctr">
-              <a:lnSpc>
-                <a:spcPct val="100000"/>
-              </a:lnSpc>
-            </a:pPr>
             <a:r>
-              <a:rPr lang="en-US" sz="18720" b="0" strike="noStrike" spc="-1">
+              <a:rPr b="0" lang="en-US" sz="4400" spc="-1" strike="noStrike">
                 <a:solidFill>
                   <a:srgbClr val="000000"/>
                 </a:solidFill>
                 <a:uFill>
                   <a:solidFill>
-                    <a:srgbClr val="FFFFFF"/>
+                    <a:srgbClr val="ffffff"/>
                   </a:solidFill>
                 </a:uFill>
-                <a:latin typeface="Calibri Light"/>
+                <a:latin typeface="Arial"/>
               </a:rPr>
-              <a:t>Click to edit Master title style</a:t>
+              <a:t>Для правки текста заголовка щёлкните мышью</a:t>
             </a:r>
-            <a:endParaRPr lang="en-US" sz="18720" b="0" strike="noStrike" spc="-1">
+            <a:endParaRPr b="0" lang="en-US" sz="4400" spc="-1" strike="noStrike">
               <a:solidFill>
                 <a:srgbClr val="000000"/>
               </a:solidFill>
               <a:uFill>
                 <a:solidFill>
-                  <a:srgbClr val="FFFFFF"/>
+                  <a:srgbClr val="ffffff"/>
                 </a:solidFill>
               </a:uFill>
-              <a:latin typeface="Calibri"/>
-            </a:endParaRPr>
-          </a:p>
-        </p:txBody>
-      </p:sp>
-      <p:sp>
-        <p:nvSpPr>
-          <p:cNvPr id="5" name="PlaceHolder 2"/>
-          <p:cNvSpPr>
-            <a:spLocks noGrp="1"/>
-          </p:cNvSpPr>
-          <p:nvPr>
-            <p:ph type="dt"/>
-          </p:nvPr>
-        </p:nvSpPr>
-        <p:spPr>
-          <a:xfrm>
-            <a:off x="2080800" y="19831320"/>
-            <a:ext cx="6809760" cy="1138680"/>
-          </a:xfrm>
-          <a:prstGeom prst="rect">
-            <a:avLst/>
-          </a:prstGeom>
-        </p:spPr>
-        <p:txBody>
-          <a:bodyPr anchor="ctr"/>
-          <a:lstStyle/>
-          <a:p>
-            <a:pPr>
-              <a:lnSpc>
-                <a:spcPct val="100000"/>
-              </a:lnSpc>
-            </a:pPr>
-            <a:fld id="{F1B47378-A5AD-43CF-8BC2-0E84225B27E5}" type="datetime">
-              <a:rPr lang="ru-RU" sz="3750" b="0" strike="noStrike" spc="-1">
-                <a:solidFill>
-                  <a:srgbClr val="8B8B8B"/>
-                </a:solidFill>
-                <a:uFill>
-                  <a:solidFill>
-                    <a:srgbClr val="FFFFFF"/>
-                  </a:solidFill>
-                </a:uFill>
-                <a:latin typeface="Calibri"/>
-              </a:rPr>
-              <a:t>22.05.17</a:t>
-            </a:fld>
-            <a:endParaRPr lang="ru-RU" sz="1400" b="0" strike="noStrike" spc="-1">
-              <a:solidFill>
-                <a:srgbClr val="000000"/>
-              </a:solidFill>
-              <a:uFill>
-                <a:solidFill>
-                  <a:srgbClr val="FFFFFF"/>
-                </a:solidFill>
-              </a:uFill>
-              <a:latin typeface="Times New Roman"/>
-            </a:endParaRPr>
-          </a:p>
-        </p:txBody>
-      </p:sp>
-      <p:sp>
-        <p:nvSpPr>
-          <p:cNvPr id="2" name="PlaceHolder 3"/>
-          <p:cNvSpPr>
-            <a:spLocks noGrp="1"/>
-          </p:cNvSpPr>
-          <p:nvPr>
-            <p:ph type="ftr"/>
-          </p:nvPr>
-        </p:nvSpPr>
-        <p:spPr>
-          <a:xfrm>
-            <a:off x="10026000" y="19831320"/>
-            <a:ext cx="10215000" cy="1138680"/>
-          </a:xfrm>
-          <a:prstGeom prst="rect">
-            <a:avLst/>
-          </a:prstGeom>
-        </p:spPr>
-        <p:txBody>
-          <a:bodyPr anchor="ctr"/>
-          <a:lstStyle/>
-          <a:p>
-            <a:endParaRPr lang="ru-RU" sz="2400" b="0" strike="noStrike" spc="-1">
-              <a:solidFill>
-                <a:srgbClr val="000000"/>
-              </a:solidFill>
-              <a:uFill>
-                <a:solidFill>
-                  <a:srgbClr val="FFFFFF"/>
-                </a:solidFill>
-              </a:uFill>
-              <a:latin typeface="Times New Roman"/>
-            </a:endParaRPr>
-          </a:p>
-        </p:txBody>
-      </p:sp>
-      <p:sp>
-        <p:nvSpPr>
-          <p:cNvPr id="3" name="PlaceHolder 4"/>
-          <p:cNvSpPr>
-            <a:spLocks noGrp="1"/>
-          </p:cNvSpPr>
-          <p:nvPr>
-            <p:ph type="sldNum"/>
-          </p:nvPr>
-        </p:nvSpPr>
-        <p:spPr>
-          <a:xfrm>
-            <a:off x="21376440" y="19831320"/>
-            <a:ext cx="6809760" cy="1138680"/>
-          </a:xfrm>
-          <a:prstGeom prst="rect">
-            <a:avLst/>
-          </a:prstGeom>
-        </p:spPr>
-        <p:txBody>
-          <a:bodyPr anchor="ctr"/>
-          <a:lstStyle/>
-          <a:p>
-            <a:pPr algn="r">
-              <a:lnSpc>
-                <a:spcPct val="100000"/>
-              </a:lnSpc>
-            </a:pPr>
-            <a:fld id="{B2DFE105-5276-494A-9853-3C3C35979C9C}" type="slidenum">
-              <a:rPr lang="ru-RU" sz="3750" b="0" strike="noStrike" spc="-1">
-                <a:solidFill>
-                  <a:srgbClr val="8B8B8B"/>
-                </a:solidFill>
-                <a:uFill>
-                  <a:solidFill>
-                    <a:srgbClr val="FFFFFF"/>
-                  </a:solidFill>
-                </a:uFill>
-                <a:latin typeface="Calibri"/>
-              </a:rPr>
-              <a:t>‹#›</a:t>
-            </a:fld>
-            <a:endParaRPr lang="ru-RU" sz="1400" b="0" strike="noStrike" spc="-1">
-              <a:solidFill>
-                <a:srgbClr val="000000"/>
-              </a:solidFill>
-              <a:uFill>
-                <a:solidFill>
-                  <a:srgbClr val="FFFFFF"/>
-                </a:solidFill>
-              </a:uFill>
-              <a:latin typeface="Times New Roman"/>
+              <a:latin typeface="Arial"/>
             </a:endParaRPr>
           </a:p>
         </p:txBody>
       </p:sp>
     </p:spTree>
   </p:cSld>
-  <p:clrMap bg1="lt1" tx1="dk1" bg2="lt2" tx2="dk2" accent1="accent1" accent2="accent2" accent3="accent3" accent4="accent4" accent5="accent5" accent6="accent6" hlink="hlink" folHlink="folHlink"/>
+  <p:clrMap bg1="lt1" bg2="lt2" tx1="dk1" tx2="dk2" accent1="accent1" accent2="accent2" accent3="accent3" accent4="accent4" accent5="accent5" accent6="accent6" hlink="hlink" folHlink="folHlink"/>
   <p:sldLayoutIdLst>
-    <p:sldLayoutId id="2147483649" r:id="rId1"/>
-    <p:sldLayoutId id="2147483650" r:id="rId2"/>
-    <p:sldLayoutId id="2147483651" r:id="rId3"/>
-    <p:sldLayoutId id="2147483652" r:id="rId4"/>
-    <p:sldLayoutId id="2147483653" r:id="rId5"/>
-    <p:sldLayoutId id="2147483654" r:id="rId6"/>
-    <p:sldLayoutId id="2147483655" r:id="rId7"/>
-    <p:sldLayoutId id="2147483656" r:id="rId8"/>
-    <p:sldLayoutId id="2147483657" r:id="rId9"/>
-    <p:sldLayoutId id="2147483658" r:id="rId10"/>
-    <p:sldLayoutId id="2147483659" r:id="rId11"/>
-    <p:sldLayoutId id="2147483660" r:id="rId12"/>
+    <p:sldLayoutId id="2147483649" r:id="rId2"/>
+    <p:sldLayoutId id="2147483650" r:id="rId3"/>
+    <p:sldLayoutId id="2147483651" r:id="rId4"/>
+    <p:sldLayoutId id="2147483652" r:id="rId5"/>
+    <p:sldLayoutId id="2147483653" r:id="rId6"/>
+    <p:sldLayoutId id="2147483654" r:id="rId7"/>
+    <p:sldLayoutId id="2147483655" r:id="rId8"/>
+    <p:sldLayoutId id="2147483656" r:id="rId9"/>
+    <p:sldLayoutId id="2147483657" r:id="rId10"/>
+    <p:sldLayoutId id="2147483658" r:id="rId11"/>
+    <p:sldLayoutId id="2147483659" r:id="rId12"/>
+    <p:sldLayoutId id="2147483660" r:id="rId13"/>
   </p:sldLayoutIdLst>
-  <p:txStyles>
-    <p:titleStyle>
-      <a:lvl1pPr algn="l" defTabSz="914400" rtl="0" eaLnBrk="1" latinLnBrk="0" hangingPunct="1">
-        <a:lnSpc>
-          <a:spcPct val="90000"/>
-        </a:lnSpc>
-        <a:spcBef>
-          <a:spcPct val="0"/>
-        </a:spcBef>
-        <a:buNone/>
-        <a:defRPr sz="4400" kern="1200">
-          <a:solidFill>
-            <a:schemeClr val="tx1"/>
-          </a:solidFill>
-          <a:latin typeface="+mj-lt"/>
-          <a:ea typeface="+mj-ea"/>
-          <a:cs typeface="+mj-cs"/>
-        </a:defRPr>
-      </a:lvl1pPr>
-    </p:titleStyle>
-    <p:bodyStyle>
-      <a:lvl1pPr marL="228600" indent="-228600" algn="l" defTabSz="914400" rtl="0" eaLnBrk="1" latinLnBrk="0" hangingPunct="1">
-        <a:lnSpc>
-          <a:spcPct val="90000"/>
-        </a:lnSpc>
-        <a:spcBef>
-          <a:spcPts val="1000"/>
-        </a:spcBef>
-        <a:buFont typeface="Arial"/>
-        <a:buChar char="•"/>
-        <a:defRPr sz="2800" kern="1200">
-          <a:solidFill>
-            <a:schemeClr val="tx1"/>
-          </a:solidFill>
-          <a:latin typeface="+mn-lt"/>
-          <a:ea typeface="+mn-ea"/>
-          <a:cs typeface="+mn-cs"/>
-        </a:defRPr>
-      </a:lvl1pPr>
-      <a:lvl2pPr marL="685800" indent="-228600" algn="l" defTabSz="914400" rtl="0" eaLnBrk="1" latinLnBrk="0" hangingPunct="1">
-        <a:lnSpc>
-          <a:spcPct val="90000"/>
-        </a:lnSpc>
-        <a:spcBef>
-          <a:spcPts val="500"/>
-        </a:spcBef>
-        <a:buFont typeface="Arial"/>
-        <a:buChar char="•"/>
-        <a:defRPr sz="2400" kern="1200">
-          <a:solidFill>
-            <a:schemeClr val="tx1"/>
-          </a:solidFill>
-          <a:latin typeface="+mn-lt"/>
-          <a:ea typeface="+mn-ea"/>
-          <a:cs typeface="+mn-cs"/>
-        </a:defRPr>
-      </a:lvl2pPr>
-      <a:lvl3pPr marL="1143000" indent="-228600" algn="l" defTabSz="914400" rtl="0" eaLnBrk="1" latinLnBrk="0" hangingPunct="1">
-        <a:lnSpc>
-          <a:spcPct val="90000"/>
-        </a:lnSpc>
-        <a:spcBef>
-          <a:spcPts val="500"/>
-        </a:spcBef>
-        <a:buFont typeface="Arial"/>
-        <a:buChar char="•"/>
-        <a:defRPr sz="2000" kern="1200">
-          <a:solidFill>
-            <a:schemeClr val="tx1"/>
-          </a:solidFill>
-          <a:latin typeface="+mn-lt"/>
-          <a:ea typeface="+mn-ea"/>
-          <a:cs typeface="+mn-cs"/>
-        </a:defRPr>
-      </a:lvl3pPr>
-      <a:lvl4pPr marL="1600200" indent="-228600" algn="l" defTabSz="914400" rtl="0" eaLnBrk="1" latinLnBrk="0" hangingPunct="1">
-        <a:lnSpc>
-          <a:spcPct val="90000"/>
-        </a:lnSpc>
-        <a:spcBef>
-          <a:spcPts val="500"/>
-        </a:spcBef>
-        <a:buFont typeface="Arial"/>
-        <a:buChar char="•"/>
-        <a:defRPr sz="1800" kern="1200">
-          <a:solidFill>
-            <a:schemeClr val="tx1"/>
-          </a:solidFill>
-          <a:latin typeface="+mn-lt"/>
-          <a:ea typeface="+mn-ea"/>
-          <a:cs typeface="+mn-cs"/>
-        </a:defRPr>
-      </a:lvl4pPr>
-      <a:lvl5pPr marL="2057400" indent="-228600" algn="l" defTabSz="914400" rtl="0" eaLnBrk="1" latinLnBrk="0" hangingPunct="1">
-        <a:lnSpc>
-          <a:spcPct val="90000"/>
-        </a:lnSpc>
-        <a:spcBef>
-          <a:spcPts val="500"/>
-        </a:spcBef>
-        <a:buFont typeface="Arial"/>
-        <a:buChar char="•"/>
-        <a:defRPr sz="1800" kern="1200">
-          <a:solidFill>
-            <a:schemeClr val="tx1"/>
-          </a:solidFill>
-          <a:latin typeface="+mn-lt"/>
-          <a:ea typeface="+mn-ea"/>
-          <a:cs typeface="+mn-cs"/>
-        </a:defRPr>
-      </a:lvl5pPr>
-      <a:lvl6pPr marL="2514600" indent="-228600" algn="l" defTabSz="914400" rtl="0" eaLnBrk="1" latinLnBrk="0" hangingPunct="1">
-        <a:lnSpc>
-          <a:spcPct val="90000"/>
-        </a:lnSpc>
-        <a:spcBef>
-          <a:spcPts val="500"/>
-        </a:spcBef>
-        <a:buFont typeface="Arial"/>
-        <a:buChar char="•"/>
-        <a:defRPr sz="1800" kern="1200">
-          <a:solidFill>
-            <a:schemeClr val="tx1"/>
-          </a:solidFill>
-          <a:latin typeface="+mn-lt"/>
-          <a:ea typeface="+mn-ea"/>
-          <a:cs typeface="+mn-cs"/>
-        </a:defRPr>
-      </a:lvl6pPr>
-      <a:lvl7pPr marL="2971800" indent="-228600" algn="l" defTabSz="914400" rtl="0" eaLnBrk="1" latinLnBrk="0" hangingPunct="1">
-        <a:lnSpc>
-          <a:spcPct val="90000"/>
-        </a:lnSpc>
-        <a:spcBef>
-          <a:spcPts val="500"/>
-        </a:spcBef>
-        <a:buFont typeface="Arial"/>
-        <a:buChar char="•"/>
-        <a:defRPr sz="1800" kern="1200">
-          <a:solidFill>
-            <a:schemeClr val="tx1"/>
-          </a:solidFill>
-          <a:latin typeface="+mn-lt"/>
-          <a:ea typeface="+mn-ea"/>
-          <a:cs typeface="+mn-cs"/>
-        </a:defRPr>
-      </a:lvl7pPr>
-      <a:lvl8pPr marL="3429000" indent="-228600" algn="l" defTabSz="914400" rtl="0" eaLnBrk="1" latinLnBrk="0" hangingPunct="1">
-        <a:lnSpc>
-          <a:spcPct val="90000"/>
-        </a:lnSpc>
-        <a:spcBef>
-          <a:spcPts val="500"/>
-        </a:spcBef>
-        <a:buFont typeface="Arial"/>
-        <a:buChar char="•"/>
-        <a:defRPr sz="1800" kern="1200">
-          <a:solidFill>
-            <a:schemeClr val="tx1"/>
-          </a:solidFill>
-          <a:latin typeface="+mn-lt"/>
-          <a:ea typeface="+mn-ea"/>
-          <a:cs typeface="+mn-cs"/>
-        </a:defRPr>
-      </a:lvl8pPr>
-      <a:lvl9pPr marL="3886200" indent="-228600" algn="l" defTabSz="914400" rtl="0" eaLnBrk="1" latinLnBrk="0" hangingPunct="1">
-        <a:lnSpc>
-          <a:spcPct val="90000"/>
-        </a:lnSpc>
-        <a:spcBef>
-          <a:spcPts val="500"/>
-        </a:spcBef>
-        <a:buFont typeface="Arial"/>
-        <a:buChar char="•"/>
-        <a:defRPr sz="1800" kern="1200">
-          <a:solidFill>
-            <a:schemeClr val="tx1"/>
-          </a:solidFill>
-          <a:latin typeface="+mn-lt"/>
-          <a:ea typeface="+mn-ea"/>
-          <a:cs typeface="+mn-cs"/>
-        </a:defRPr>
-      </a:lvl9pPr>
-    </p:bodyStyle>
-    <p:otherStyle>
-      <a:defPPr>
-        <a:defRPr lang="en-US"/>
-      </a:defPPr>
-      <a:lvl1pPr marL="0" algn="l" defTabSz="914400" rtl="0" eaLnBrk="1" latinLnBrk="0" hangingPunct="1">
-        <a:defRPr sz="1800" kern="1200">
-          <a:solidFill>
-            <a:schemeClr val="tx1"/>
-          </a:solidFill>
-          <a:latin typeface="+mn-lt"/>
-          <a:ea typeface="+mn-ea"/>
-          <a:cs typeface="+mn-cs"/>
-        </a:defRPr>
-      </a:lvl1pPr>
-      <a:lvl2pPr marL="457200" algn="l" defTabSz="914400" rtl="0" eaLnBrk="1" latinLnBrk="0" hangingPunct="1">
-        <a:defRPr sz="1800" kern="1200">
-          <a:solidFill>
-            <a:schemeClr val="tx1"/>
-          </a:solidFill>
-          <a:latin typeface="+mn-lt"/>
-          <a:ea typeface="+mn-ea"/>
-          <a:cs typeface="+mn-cs"/>
-        </a:defRPr>
-      </a:lvl2pPr>
-      <a:lvl3pPr marL="914400" algn="l" defTabSz="914400" rtl="0" eaLnBrk="1" latinLnBrk="0" hangingPunct="1">
-        <a:defRPr sz="1800" kern="1200">
-          <a:solidFill>
-            <a:schemeClr val="tx1"/>
-          </a:solidFill>
-          <a:latin typeface="+mn-lt"/>
-          <a:ea typeface="+mn-ea"/>
-          <a:cs typeface="+mn-cs"/>
-        </a:defRPr>
-      </a:lvl3pPr>
-      <a:lvl4pPr marL="1371600" algn="l" defTabSz="914400" rtl="0" eaLnBrk="1" latinLnBrk="0" hangingPunct="1">
-        <a:defRPr sz="1800" kern="1200">
-          <a:solidFill>
-            <a:schemeClr val="tx1"/>
-          </a:solidFill>
-          <a:latin typeface="+mn-lt"/>
-          <a:ea typeface="+mn-ea"/>
-          <a:cs typeface="+mn-cs"/>
-        </a:defRPr>
-      </a:lvl4pPr>
-      <a:lvl5pPr marL="1828800" algn="l" defTabSz="914400" rtl="0" eaLnBrk="1" latinLnBrk="0" hangingPunct="1">
-        <a:defRPr sz="1800" kern="1200">
-          <a:solidFill>
-            <a:schemeClr val="tx1"/>
-          </a:solidFill>
-          <a:latin typeface="+mn-lt"/>
-          <a:ea typeface="+mn-ea"/>
-          <a:cs typeface="+mn-cs"/>
-        </a:defRPr>
-      </a:lvl5pPr>
-      <a:lvl6pPr marL="2286000" algn="l" defTabSz="914400" rtl="0" eaLnBrk="1" latinLnBrk="0" hangingPunct="1">
-        <a:defRPr sz="1800" kern="1200">
-          <a:solidFill>
-            <a:schemeClr val="tx1"/>
-          </a:solidFill>
-          <a:latin typeface="+mn-lt"/>
-          <a:ea typeface="+mn-ea"/>
-          <a:cs typeface="+mn-cs"/>
-        </a:defRPr>
-      </a:lvl6pPr>
-      <a:lvl7pPr marL="2743200" algn="l" defTabSz="914400" rtl="0" eaLnBrk="1" latinLnBrk="0" hangingPunct="1">
-        <a:defRPr sz="1800" kern="1200">
-          <a:solidFill>
-            <a:schemeClr val="tx1"/>
-          </a:solidFill>
-          <a:latin typeface="+mn-lt"/>
-          <a:ea typeface="+mn-ea"/>
-          <a:cs typeface="+mn-cs"/>
-        </a:defRPr>
-      </a:lvl7pPr>
-      <a:lvl8pPr marL="3200400" algn="l" defTabSz="914400" rtl="0" eaLnBrk="1" latinLnBrk="0" hangingPunct="1">
-        <a:defRPr sz="1800" kern="1200">
-          <a:solidFill>
-            <a:schemeClr val="tx1"/>
-          </a:solidFill>
-          <a:latin typeface="+mn-lt"/>
-          <a:ea typeface="+mn-ea"/>
-          <a:cs typeface="+mn-cs"/>
-        </a:defRPr>
-      </a:lvl8pPr>
-      <a:lvl9pPr marL="3657600" algn="l" defTabSz="914400" rtl="0" eaLnBrk="1" latinLnBrk="0" hangingPunct="1">
-        <a:defRPr sz="1800" kern="1200">
-          <a:solidFill>
-            <a:schemeClr val="tx1"/>
-          </a:solidFill>
-          <a:latin typeface="+mn-lt"/>
-          <a:ea typeface="+mn-ea"/>
-          <a:cs typeface="+mn-cs"/>
-        </a:defRPr>
-      </a:lvl9pPr>
-    </p:otherStyle>
-  </p:txStyles>
 </p:sldMaster>
 </file>
 
 <file path=ppt/slides/slide1.xml><?xml version="1.0" encoding="utf-8"?>
-<p:sld xmlns:a="http://schemas.openxmlformats.org/drawingml/2006/main" xmlns:r="http://schemas.openxmlformats.org/officeDocument/2006/relationships" xmlns:p="http://schemas.openxmlformats.org/presentationml/2006/main">
+<p:sld xmlns:a="http://schemas.openxmlformats.org/drawingml/2006/main" xmlns:p="http://schemas.openxmlformats.org/presentationml/2006/main" xmlns:r="http://schemas.openxmlformats.org/officeDocument/2006/relationships" xmlns:p14="http://schemas.microsoft.com/office/powerpoint/2010/main" xmlns:p15="http://schemas.microsoft.com/office/powerpoint/2012/main" xmlns:mc="http://schemas.openxmlformats.org/markup-compatibility/2006">
   <p:cSld>
     <p:spTree>
       <p:nvGrpSpPr>
@@ -2607,13 +1984,13 @@
       </p:grpSpPr>
       <p:graphicFrame>
         <p:nvGraphicFramePr>
-          <p:cNvPr id="38" name="Table 1"/>
+          <p:cNvPr id="35" name="Table 1"/>
           <p:cNvGraphicFramePr/>
           <p:nvPr/>
         </p:nvGraphicFramePr>
         <p:xfrm>
           <a:off x="1953360" y="1906920"/>
-          <a:ext cx="26105040" cy="6035040"/>
+          <a:ext cx="26104680" cy="5357520"/>
         </p:xfrm>
         <a:graphic>
           <a:graphicData uri="http://schemas.openxmlformats.org/drawingml/2006/table">
@@ -2627,8 +2004,7 @@
               <a:tr h="487080">
                 <a:tc>
                   <a:txBody>
-                    <a:bodyPr/>
-                    <a:lstStyle/>
+                    <a:bodyPr lIns="169920" rIns="169920"/>
                     <a:p>
                       <a:pPr>
                         <a:lnSpc>
@@ -2636,13 +2012,13 @@
                         </a:lnSpc>
                       </a:pPr>
                       <a:r>
-                        <a:rPr lang="ru-RU" sz="3000" b="0" strike="noStrike" spc="-1">
+                        <a:rPr b="0" lang="ru-RU" sz="3000" spc="-1" strike="noStrike">
                           <a:solidFill>
                             <a:srgbClr val="000000"/>
                           </a:solidFill>
                           <a:uFill>
                             <a:solidFill>
-                              <a:srgbClr val="FFFFFF"/>
+                              <a:srgbClr val="ffffff"/>
                             </a:solidFill>
                           </a:uFill>
                           <a:latin typeface="Calibri"/>
@@ -2650,13 +2026,13 @@
                         </a:rPr>
                         <a:t>Тип признака</a:t>
                       </a:r>
-                      <a:endParaRPr lang="ru-RU" sz="1800" b="0" strike="noStrike" spc="-1">
+                      <a:endParaRPr b="0" lang="ru-RU" sz="1800" spc="-1" strike="noStrike">
                         <a:solidFill>
                           <a:srgbClr val="000000"/>
                         </a:solidFill>
                         <a:uFill>
                           <a:solidFill>
-                            <a:srgbClr val="FFFFFF"/>
+                            <a:srgbClr val="ffffff"/>
                           </a:solidFill>
                         </a:uFill>
                         <a:latin typeface="Arial"/>
@@ -2689,8 +2065,7 @@
                 </a:tc>
                 <a:tc>
                   <a:txBody>
-                    <a:bodyPr/>
-                    <a:lstStyle/>
+                    <a:bodyPr lIns="169920" rIns="169920"/>
                     <a:p>
                       <a:pPr>
                         <a:lnSpc>
@@ -2698,13 +2073,13 @@
                         </a:lnSpc>
                       </a:pPr>
                       <a:r>
-                        <a:rPr lang="ru-RU" sz="3000" b="0" strike="noStrike" spc="-1">
+                        <a:rPr b="0" lang="ru-RU" sz="3000" spc="-1" strike="noStrike">
                           <a:solidFill>
                             <a:srgbClr val="000000"/>
                           </a:solidFill>
                           <a:uFill>
                             <a:solidFill>
-                              <a:srgbClr val="FFFFFF"/>
+                              <a:srgbClr val="ffffff"/>
                             </a:solidFill>
                           </a:uFill>
                           <a:latin typeface="Calibri"/>
@@ -2712,13 +2087,13 @@
                         </a:rPr>
                         <a:t>Название признака</a:t>
                       </a:r>
-                      <a:endParaRPr lang="ru-RU" sz="1800" b="0" strike="noStrike" spc="-1">
+                      <a:endParaRPr b="0" lang="ru-RU" sz="1800" spc="-1" strike="noStrike">
                         <a:solidFill>
                           <a:srgbClr val="000000"/>
                         </a:solidFill>
                         <a:uFill>
                           <a:solidFill>
-                            <a:srgbClr val="FFFFFF"/>
+                            <a:srgbClr val="ffffff"/>
                           </a:solidFill>
                         </a:uFill>
                         <a:latin typeface="Arial"/>
@@ -2751,8 +2126,7 @@
                 </a:tc>
                 <a:tc>
                   <a:txBody>
-                    <a:bodyPr/>
-                    <a:lstStyle/>
+                    <a:bodyPr lIns="169920" rIns="169920"/>
                     <a:p>
                       <a:pPr>
                         <a:lnSpc>
@@ -2760,13 +2134,13 @@
                         </a:lnSpc>
                       </a:pPr>
                       <a:r>
-                        <a:rPr lang="ru-RU" sz="3000" b="0" strike="noStrike" spc="-1">
+                        <a:rPr b="0" lang="ru-RU" sz="3000" spc="-1" strike="noStrike">
                           <a:solidFill>
                             <a:srgbClr val="000000"/>
                           </a:solidFill>
                           <a:uFill>
                             <a:solidFill>
-                              <a:srgbClr val="FFFFFF"/>
+                              <a:srgbClr val="ffffff"/>
                             </a:solidFill>
                           </a:uFill>
                           <a:latin typeface="Calibri"/>
@@ -2774,13 +2148,13 @@
                         </a:rPr>
                         <a:t>Отклонение от обучающей выборки</a:t>
                       </a:r>
-                      <a:endParaRPr lang="ru-RU" sz="1800" b="0" strike="noStrike" spc="-1">
+                      <a:endParaRPr b="0" lang="ru-RU" sz="1800" spc="-1" strike="noStrike">
                         <a:solidFill>
                           <a:srgbClr val="000000"/>
                         </a:solidFill>
                         <a:uFill>
                           <a:solidFill>
-                            <a:srgbClr val="FFFFFF"/>
+                            <a:srgbClr val="ffffff"/>
                           </a:solidFill>
                         </a:uFill>
                         <a:latin typeface="Arial"/>
@@ -2815,8 +2189,7 @@
               <a:tr h="487080">
                 <a:tc>
                   <a:txBody>
-                    <a:bodyPr/>
-                    <a:lstStyle/>
+                    <a:bodyPr lIns="169920" rIns="169920"/>
                     <a:p>
                       <a:pPr>
                         <a:lnSpc>
@@ -2824,13 +2197,13 @@
                         </a:lnSpc>
                       </a:pPr>
                       <a:r>
-                        <a:rPr lang="ru-RU" sz="3000" b="0" strike="noStrike" spc="-1">
+                        <a:rPr b="0" lang="ru-RU" sz="3000" spc="-1" strike="noStrike">
                           <a:solidFill>
                             <a:srgbClr val="000000"/>
                           </a:solidFill>
                           <a:uFill>
                             <a:solidFill>
-                              <a:srgbClr val="FFFFFF"/>
+                              <a:srgbClr val="ffffff"/>
                             </a:solidFill>
                           </a:uFill>
                           <a:latin typeface="Calibri"/>
@@ -2838,13 +2211,13 @@
                         </a:rPr>
                         <a:t>Наклон</a:t>
                       </a:r>
-                      <a:endParaRPr lang="ru-RU" sz="1800" b="0" strike="noStrike" spc="-1">
+                      <a:endParaRPr b="0" lang="ru-RU" sz="1800" spc="-1" strike="noStrike">
                         <a:solidFill>
                           <a:srgbClr val="000000"/>
                         </a:solidFill>
                         <a:uFill>
                           <a:solidFill>
-                            <a:srgbClr val="FFFFFF"/>
+                            <a:srgbClr val="ffffff"/>
                           </a:solidFill>
                         </a:uFill>
                         <a:latin typeface="Arial"/>
@@ -2877,8 +2250,7 @@
                 </a:tc>
                 <a:tc>
                   <a:txBody>
-                    <a:bodyPr/>
-                    <a:lstStyle/>
+                    <a:bodyPr lIns="169920" rIns="169920"/>
                     <a:p>
                       <a:pPr>
                         <a:lnSpc>
@@ -2886,13 +2258,13 @@
                         </a:lnSpc>
                       </a:pPr>
                       <a:r>
-                        <a:rPr lang="ru-RU" sz="3000" b="0" strike="noStrike" spc="-1">
+                        <a:rPr b="0" lang="ru-RU" sz="3000" spc="-1" strike="noStrike">
                           <a:solidFill>
                             <a:srgbClr val="000000"/>
                           </a:solidFill>
                           <a:uFill>
                             <a:solidFill>
-                              <a:srgbClr val="FFFFFF"/>
+                              <a:srgbClr val="ffffff"/>
                             </a:solidFill>
                           </a:uFill>
                           <a:latin typeface="Calibri"/>
@@ -2900,13 +2272,13 @@
                         </a:rPr>
                         <a:t> </a:t>
                       </a:r>
-                      <a:endParaRPr lang="ru-RU" sz="1800" b="0" strike="noStrike" spc="-1">
+                      <a:endParaRPr b="0" lang="ru-RU" sz="1800" spc="-1" strike="noStrike">
                         <a:solidFill>
                           <a:srgbClr val="000000"/>
                         </a:solidFill>
                         <a:uFill>
                           <a:solidFill>
-                            <a:srgbClr val="FFFFFF"/>
+                            <a:srgbClr val="ffffff"/>
                           </a:solidFill>
                         </a:uFill>
                         <a:latin typeface="Arial"/>
@@ -2939,8 +2311,7 @@
                 </a:tc>
                 <a:tc>
                   <a:txBody>
-                    <a:bodyPr/>
-                    <a:lstStyle/>
+                    <a:bodyPr lIns="169920" rIns="169920"/>
                     <a:p>
                       <a:pPr>
                         <a:lnSpc>
@@ -2948,13 +2319,13 @@
                         </a:lnSpc>
                       </a:pPr>
                       <a:r>
-                        <a:rPr lang="ru-RU" sz="3000" b="0" strike="noStrike" spc="-1">
+                        <a:rPr b="0" lang="ru-RU" sz="3000" spc="-1" strike="noStrike">
                           <a:solidFill>
                             <a:srgbClr val="000000"/>
                           </a:solidFill>
                           <a:uFill>
                             <a:solidFill>
-                              <a:srgbClr val="FFFFFF"/>
+                              <a:srgbClr val="ffffff"/>
                             </a:solidFill>
                           </a:uFill>
                           <a:latin typeface="Calibri"/>
@@ -2962,13 +2333,13 @@
                         </a:rPr>
                         <a:t>13%</a:t>
                       </a:r>
-                      <a:endParaRPr lang="ru-RU" sz="1800" b="0" strike="noStrike" spc="-1">
+                      <a:endParaRPr b="0" lang="ru-RU" sz="1800" spc="-1" strike="noStrike">
                         <a:solidFill>
                           <a:srgbClr val="000000"/>
                         </a:solidFill>
                         <a:uFill>
                           <a:solidFill>
-                            <a:srgbClr val="FFFFFF"/>
+                            <a:srgbClr val="ffffff"/>
                           </a:solidFill>
                         </a:uFill>
                         <a:latin typeface="Arial"/>
@@ -3003,8 +2374,7 @@
               <a:tr h="487080">
                 <a:tc>
                   <a:txBody>
-                    <a:bodyPr/>
-                    <a:lstStyle/>
+                    <a:bodyPr lIns="169920" rIns="169920"/>
                     <a:p>
                       <a:pPr>
                         <a:lnSpc>
@@ -3012,13 +2382,13 @@
                         </a:lnSpc>
                       </a:pPr>
                       <a:r>
-                        <a:rPr lang="ru-RU" sz="3000" b="0" strike="noStrike" spc="-1">
+                        <a:rPr b="0" lang="ru-RU" sz="3000" spc="-1" strike="noStrike">
                           <a:solidFill>
                             <a:srgbClr val="000000"/>
                           </a:solidFill>
                           <a:uFill>
                             <a:solidFill>
-                              <a:srgbClr val="FFFFFF"/>
+                              <a:srgbClr val="ffffff"/>
                             </a:solidFill>
                           </a:uFill>
                           <a:latin typeface="Calibri"/>
@@ -3026,13 +2396,13 @@
                         </a:rPr>
                         <a:t> </a:t>
                       </a:r>
-                      <a:endParaRPr lang="ru-RU" sz="1800" b="0" strike="noStrike" spc="-1">
+                      <a:endParaRPr b="0" lang="ru-RU" sz="1800" spc="-1" strike="noStrike">
                         <a:solidFill>
                           <a:srgbClr val="000000"/>
                         </a:solidFill>
                         <a:uFill>
                           <a:solidFill>
-                            <a:srgbClr val="FFFFFF"/>
+                            <a:srgbClr val="ffffff"/>
                           </a:solidFill>
                         </a:uFill>
                         <a:latin typeface="Arial"/>
@@ -3065,8 +2435,7 @@
                 </a:tc>
                 <a:tc>
                   <a:txBody>
-                    <a:bodyPr/>
-                    <a:lstStyle/>
+                    <a:bodyPr lIns="169920" rIns="169920"/>
                     <a:p>
                       <a:pPr>
                         <a:lnSpc>
@@ -3074,13 +2443,13 @@
                         </a:lnSpc>
                       </a:pPr>
                       <a:r>
-                        <a:rPr lang="ru-RU" sz="3000" b="0" strike="noStrike" spc="-1">
+                        <a:rPr b="0" lang="ru-RU" sz="3000" spc="-1" strike="noStrike">
                           <a:solidFill>
                             <a:srgbClr val="000000"/>
                           </a:solidFill>
                           <a:uFill>
                             <a:solidFill>
-                              <a:srgbClr val="FFFFFF"/>
+                              <a:srgbClr val="ffffff"/>
                             </a:solidFill>
                           </a:uFill>
                           <a:latin typeface="Calibri"/>
@@ -3088,13 +2457,13 @@
                         </a:rPr>
                         <a:t>наклон символов;</a:t>
                       </a:r>
-                      <a:endParaRPr lang="ru-RU" sz="1800" b="0" strike="noStrike" spc="-1">
+                      <a:endParaRPr b="0" lang="ru-RU" sz="1800" spc="-1" strike="noStrike">
                         <a:solidFill>
                           <a:srgbClr val="000000"/>
                         </a:solidFill>
                         <a:uFill>
                           <a:solidFill>
-                            <a:srgbClr val="FFFFFF"/>
+                            <a:srgbClr val="ffffff"/>
                           </a:solidFill>
                         </a:uFill>
                         <a:latin typeface="Arial"/>
@@ -3127,8 +2496,7 @@
                 </a:tc>
                 <a:tc>
                   <a:txBody>
-                    <a:bodyPr/>
-                    <a:lstStyle/>
+                    <a:bodyPr lIns="169920" rIns="169920"/>
                     <a:p>
                       <a:pPr>
                         <a:lnSpc>
@@ -3136,13 +2504,13 @@
                         </a:lnSpc>
                       </a:pPr>
                       <a:r>
-                        <a:rPr lang="ru-RU" sz="3000" b="0" strike="noStrike" spc="-1">
+                        <a:rPr b="0" lang="ru-RU" sz="3000" spc="-1" strike="noStrike">
                           <a:solidFill>
                             <a:srgbClr val="000000"/>
                           </a:solidFill>
                           <a:uFill>
                             <a:solidFill>
-                              <a:srgbClr val="FFFFFF"/>
+                              <a:srgbClr val="ffffff"/>
                             </a:solidFill>
                           </a:uFill>
                           <a:latin typeface="Calibri"/>
@@ -3150,13 +2518,13 @@
                         </a:rPr>
                         <a:t>14%</a:t>
                       </a:r>
-                      <a:endParaRPr lang="ru-RU" sz="1800" b="0" strike="noStrike" spc="-1">
+                      <a:endParaRPr b="0" lang="ru-RU" sz="1800" spc="-1" strike="noStrike">
                         <a:solidFill>
                           <a:srgbClr val="000000"/>
                         </a:solidFill>
                         <a:uFill>
                           <a:solidFill>
-                            <a:srgbClr val="FFFFFF"/>
+                            <a:srgbClr val="ffffff"/>
                           </a:solidFill>
                         </a:uFill>
                         <a:latin typeface="Arial"/>
@@ -3191,8 +2559,7 @@
               <a:tr h="487080">
                 <a:tc>
                   <a:txBody>
-                    <a:bodyPr/>
-                    <a:lstStyle/>
+                    <a:bodyPr lIns="169920" rIns="169920"/>
                     <a:p>
                       <a:pPr>
                         <a:lnSpc>
@@ -3200,13 +2567,13 @@
                         </a:lnSpc>
                       </a:pPr>
                       <a:r>
-                        <a:rPr lang="ru-RU" sz="3000" b="0" strike="noStrike" spc="-1">
+                        <a:rPr b="0" lang="ru-RU" sz="3000" spc="-1" strike="noStrike">
                           <a:solidFill>
                             <a:srgbClr val="000000"/>
                           </a:solidFill>
                           <a:uFill>
                             <a:solidFill>
-                              <a:srgbClr val="FFFFFF"/>
+                              <a:srgbClr val="ffffff"/>
                             </a:solidFill>
                           </a:uFill>
                           <a:latin typeface="Calibri"/>
@@ -3214,13 +2581,13 @@
                         </a:rPr>
                         <a:t> </a:t>
                       </a:r>
-                      <a:endParaRPr lang="ru-RU" sz="1800" b="0" strike="noStrike" spc="-1">
+                      <a:endParaRPr b="0" lang="ru-RU" sz="1800" spc="-1" strike="noStrike">
                         <a:solidFill>
                           <a:srgbClr val="000000"/>
                         </a:solidFill>
                         <a:uFill>
                           <a:solidFill>
-                            <a:srgbClr val="FFFFFF"/>
+                            <a:srgbClr val="ffffff"/>
                           </a:solidFill>
                         </a:uFill>
                         <a:latin typeface="Arial"/>
@@ -3253,8 +2620,7 @@
                 </a:tc>
                 <a:tc>
                   <a:txBody>
-                    <a:bodyPr/>
-                    <a:lstStyle/>
+                    <a:bodyPr lIns="169920" rIns="169920"/>
                     <a:p>
                       <a:pPr>
                         <a:lnSpc>
@@ -3262,13 +2628,13 @@
                         </a:lnSpc>
                       </a:pPr>
                       <a:r>
-                        <a:rPr lang="ru-RU" sz="3000" b="0" strike="noStrike" spc="-1">
+                        <a:rPr b="0" lang="ru-RU" sz="3000" spc="-1" strike="noStrike">
                           <a:solidFill>
                             <a:srgbClr val="000000"/>
                           </a:solidFill>
                           <a:uFill>
                             <a:solidFill>
-                              <a:srgbClr val="FFFFFF"/>
+                              <a:srgbClr val="ffffff"/>
                             </a:solidFill>
                           </a:uFill>
                           <a:latin typeface="Calibri"/>
@@ -3276,13 +2642,13 @@
                         </a:rPr>
                         <a:t>наклон строк</a:t>
                       </a:r>
-                      <a:endParaRPr lang="ru-RU" sz="1800" b="0" strike="noStrike" spc="-1">
+                      <a:endParaRPr b="0" lang="ru-RU" sz="1800" spc="-1" strike="noStrike">
                         <a:solidFill>
                           <a:srgbClr val="000000"/>
                         </a:solidFill>
                         <a:uFill>
                           <a:solidFill>
-                            <a:srgbClr val="FFFFFF"/>
+                            <a:srgbClr val="ffffff"/>
                           </a:solidFill>
                         </a:uFill>
                         <a:latin typeface="Arial"/>
@@ -3315,8 +2681,7 @@
                 </a:tc>
                 <a:tc>
                   <a:txBody>
-                    <a:bodyPr/>
-                    <a:lstStyle/>
+                    <a:bodyPr lIns="169920" rIns="169920"/>
                     <a:p>
                       <a:pPr>
                         <a:lnSpc>
@@ -3324,13 +2689,13 @@
                         </a:lnSpc>
                       </a:pPr>
                       <a:r>
-                        <a:rPr lang="ru-RU" sz="3000" b="0" strike="noStrike" spc="-1">
+                        <a:rPr b="0" lang="ru-RU" sz="3000" spc="-1" strike="noStrike">
                           <a:solidFill>
                             <a:srgbClr val="000000"/>
                           </a:solidFill>
                           <a:uFill>
                             <a:solidFill>
-                              <a:srgbClr val="FFFFFF"/>
+                              <a:srgbClr val="ffffff"/>
                             </a:solidFill>
                           </a:uFill>
                           <a:latin typeface="Calibri"/>
@@ -3338,13 +2703,13 @@
                         </a:rPr>
                         <a:t>12%</a:t>
                       </a:r>
-                      <a:endParaRPr lang="ru-RU" sz="1800" b="0" strike="noStrike" spc="-1">
+                      <a:endParaRPr b="0" lang="ru-RU" sz="1800" spc="-1" strike="noStrike">
                         <a:solidFill>
                           <a:srgbClr val="000000"/>
                         </a:solidFill>
                         <a:uFill>
                           <a:solidFill>
-                            <a:srgbClr val="FFFFFF"/>
+                            <a:srgbClr val="ffffff"/>
                           </a:solidFill>
                         </a:uFill>
                         <a:latin typeface="Arial"/>
@@ -3379,8 +2744,7 @@
               <a:tr h="487080">
                 <a:tc>
                   <a:txBody>
-                    <a:bodyPr/>
-                    <a:lstStyle/>
+                    <a:bodyPr lIns="169920" rIns="169920"/>
                     <a:p>
                       <a:pPr>
                         <a:lnSpc>
@@ -3388,13 +2752,13 @@
                         </a:lnSpc>
                       </a:pPr>
                       <a:r>
-                        <a:rPr lang="ru-RU" sz="3000" b="0" strike="noStrike" spc="-1">
+                        <a:rPr b="0" lang="ru-RU" sz="3000" spc="-1" strike="noStrike">
                           <a:solidFill>
                             <a:srgbClr val="000000"/>
                           </a:solidFill>
                           <a:uFill>
                             <a:solidFill>
-                              <a:srgbClr val="FFFFFF"/>
+                              <a:srgbClr val="ffffff"/>
                             </a:solidFill>
                           </a:uFill>
                           <a:latin typeface="Calibri"/>
@@ -3402,13 +2766,13 @@
                         </a:rPr>
                         <a:t>Интервал</a:t>
                       </a:r>
-                      <a:endParaRPr lang="ru-RU" sz="1800" b="0" strike="noStrike" spc="-1">
+                      <a:endParaRPr b="0" lang="ru-RU" sz="1800" spc="-1" strike="noStrike">
                         <a:solidFill>
                           <a:srgbClr val="000000"/>
                         </a:solidFill>
                         <a:uFill>
                           <a:solidFill>
-                            <a:srgbClr val="FFFFFF"/>
+                            <a:srgbClr val="ffffff"/>
                           </a:solidFill>
                         </a:uFill>
                         <a:latin typeface="Arial"/>
@@ -3441,8 +2805,7 @@
                 </a:tc>
                 <a:tc>
                   <a:txBody>
-                    <a:bodyPr/>
-                    <a:lstStyle/>
+                    <a:bodyPr lIns="169920" rIns="169920"/>
                     <a:p>
                       <a:pPr>
                         <a:lnSpc>
@@ -3450,13 +2813,13 @@
                         </a:lnSpc>
                       </a:pPr>
                       <a:r>
-                        <a:rPr lang="ru-RU" sz="3000" b="0" strike="noStrike" spc="-1">
+                        <a:rPr b="0" lang="ru-RU" sz="3000" spc="-1" strike="noStrike">
                           <a:solidFill>
                             <a:srgbClr val="000000"/>
                           </a:solidFill>
                           <a:uFill>
                             <a:solidFill>
-                              <a:srgbClr val="FFFFFF"/>
+                              <a:srgbClr val="ffffff"/>
                             </a:solidFill>
                           </a:uFill>
                           <a:latin typeface="Calibri"/>
@@ -3464,13 +2827,13 @@
                         </a:rPr>
                         <a:t> </a:t>
                       </a:r>
-                      <a:endParaRPr lang="ru-RU" sz="1800" b="0" strike="noStrike" spc="-1">
+                      <a:endParaRPr b="0" lang="ru-RU" sz="1800" spc="-1" strike="noStrike">
                         <a:solidFill>
                           <a:srgbClr val="000000"/>
                         </a:solidFill>
                         <a:uFill>
                           <a:solidFill>
-                            <a:srgbClr val="FFFFFF"/>
+                            <a:srgbClr val="ffffff"/>
                           </a:solidFill>
                         </a:uFill>
                         <a:latin typeface="Arial"/>
@@ -3503,8 +2866,7 @@
                 </a:tc>
                 <a:tc>
                   <a:txBody>
-                    <a:bodyPr/>
-                    <a:lstStyle/>
+                    <a:bodyPr lIns="169920" rIns="169920"/>
                     <a:p>
                       <a:pPr>
                         <a:lnSpc>
@@ -3512,13 +2874,13 @@
                         </a:lnSpc>
                       </a:pPr>
                       <a:r>
-                        <a:rPr lang="ru-RU" sz="3000" b="0" strike="noStrike" spc="-1">
+                        <a:rPr b="0" lang="ru-RU" sz="3000" spc="-1" strike="noStrike">
                           <a:solidFill>
                             <a:srgbClr val="000000"/>
                           </a:solidFill>
                           <a:uFill>
                             <a:solidFill>
-                              <a:srgbClr val="FFFFFF"/>
+                              <a:srgbClr val="ffffff"/>
                             </a:solidFill>
                           </a:uFill>
                           <a:latin typeface="Calibri"/>
@@ -3526,13 +2888,13 @@
                         </a:rPr>
                         <a:t>7%</a:t>
                       </a:r>
-                      <a:endParaRPr lang="ru-RU" sz="1800" b="0" strike="noStrike" spc="-1">
+                      <a:endParaRPr b="0" lang="ru-RU" sz="1800" spc="-1" strike="noStrike">
                         <a:solidFill>
                           <a:srgbClr val="000000"/>
                         </a:solidFill>
                         <a:uFill>
                           <a:solidFill>
-                            <a:srgbClr val="FFFFFF"/>
+                            <a:srgbClr val="ffffff"/>
                           </a:solidFill>
                         </a:uFill>
                         <a:latin typeface="Arial"/>
@@ -3567,8 +2929,7 @@
               <a:tr h="487080">
                 <a:tc>
                   <a:txBody>
-                    <a:bodyPr/>
-                    <a:lstStyle/>
+                    <a:bodyPr lIns="169920" rIns="169920"/>
                     <a:p>
                       <a:pPr>
                         <a:lnSpc>
@@ -3576,13 +2937,13 @@
                         </a:lnSpc>
                       </a:pPr>
                       <a:r>
-                        <a:rPr lang="ru-RU" sz="3000" b="0" strike="noStrike" spc="-1">
+                        <a:rPr b="0" lang="ru-RU" sz="3000" spc="-1" strike="noStrike">
                           <a:solidFill>
                             <a:srgbClr val="000000"/>
                           </a:solidFill>
                           <a:uFill>
                             <a:solidFill>
-                              <a:srgbClr val="FFFFFF"/>
+                              <a:srgbClr val="ffffff"/>
                             </a:solidFill>
                           </a:uFill>
                           <a:latin typeface="Calibri"/>
@@ -3590,13 +2951,13 @@
                         </a:rPr>
                         <a:t> </a:t>
                       </a:r>
-                      <a:endParaRPr lang="ru-RU" sz="1800" b="0" strike="noStrike" spc="-1">
+                      <a:endParaRPr b="0" lang="ru-RU" sz="1800" spc="-1" strike="noStrike">
                         <a:solidFill>
                           <a:srgbClr val="000000"/>
                         </a:solidFill>
                         <a:uFill>
                           <a:solidFill>
-                            <a:srgbClr val="FFFFFF"/>
+                            <a:srgbClr val="ffffff"/>
                           </a:solidFill>
                         </a:uFill>
                         <a:latin typeface="Arial"/>
@@ -3629,8 +2990,7 @@
                 </a:tc>
                 <a:tc>
                   <a:txBody>
-                    <a:bodyPr/>
-                    <a:lstStyle/>
+                    <a:bodyPr lIns="169920" rIns="169920"/>
                     <a:p>
                       <a:pPr>
                         <a:lnSpc>
@@ -3638,13 +2998,13 @@
                         </a:lnSpc>
                       </a:pPr>
                       <a:r>
-                        <a:rPr lang="ru-RU" sz="3000" b="0" strike="noStrike" spc="-1">
+                        <a:rPr b="0" lang="ru-RU" sz="3000" spc="-1" strike="noStrike">
                           <a:solidFill>
                             <a:srgbClr val="000000"/>
                           </a:solidFill>
                           <a:uFill>
                             <a:solidFill>
-                              <a:srgbClr val="FFFFFF"/>
+                              <a:srgbClr val="ffffff"/>
                             </a:solidFill>
                           </a:uFill>
                           <a:latin typeface="Calibri"/>
@@ -3652,13 +3012,13 @@
                         </a:rPr>
                         <a:t>интервал между символами</a:t>
                       </a:r>
-                      <a:endParaRPr lang="ru-RU" sz="1800" b="0" strike="noStrike" spc="-1">
+                      <a:endParaRPr b="0" lang="ru-RU" sz="1800" spc="-1" strike="noStrike">
                         <a:solidFill>
                           <a:srgbClr val="000000"/>
                         </a:solidFill>
                         <a:uFill>
                           <a:solidFill>
-                            <a:srgbClr val="FFFFFF"/>
+                            <a:srgbClr val="ffffff"/>
                           </a:solidFill>
                         </a:uFill>
                         <a:latin typeface="Arial"/>
@@ -3691,8 +3051,7 @@
                 </a:tc>
                 <a:tc>
                   <a:txBody>
-                    <a:bodyPr/>
-                    <a:lstStyle/>
+                    <a:bodyPr lIns="169920" rIns="169920"/>
                     <a:p>
                       <a:pPr>
                         <a:lnSpc>
@@ -3700,13 +3059,13 @@
                         </a:lnSpc>
                       </a:pPr>
                       <a:r>
-                        <a:rPr lang="ru-RU" sz="3000" b="0" strike="noStrike" spc="-1">
+                        <a:rPr b="0" lang="ru-RU" sz="3000" spc="-1" strike="noStrike">
                           <a:solidFill>
                             <a:srgbClr val="000000"/>
                           </a:solidFill>
                           <a:uFill>
                             <a:solidFill>
-                              <a:srgbClr val="FFFFFF"/>
+                              <a:srgbClr val="ffffff"/>
                             </a:solidFill>
                           </a:uFill>
                           <a:latin typeface="Calibri"/>
@@ -3714,13 +3073,13 @@
                         </a:rPr>
                         <a:t>10%</a:t>
                       </a:r>
-                      <a:endParaRPr lang="ru-RU" sz="1800" b="0" strike="noStrike" spc="-1">
+                      <a:endParaRPr b="0" lang="ru-RU" sz="1800" spc="-1" strike="noStrike">
                         <a:solidFill>
                           <a:srgbClr val="000000"/>
                         </a:solidFill>
                         <a:uFill>
                           <a:solidFill>
-                            <a:srgbClr val="FFFFFF"/>
+                            <a:srgbClr val="ffffff"/>
                           </a:solidFill>
                         </a:uFill>
                         <a:latin typeface="Arial"/>
@@ -3755,8 +3114,7 @@
               <a:tr h="487080">
                 <a:tc>
                   <a:txBody>
-                    <a:bodyPr/>
-                    <a:lstStyle/>
+                    <a:bodyPr lIns="169920" rIns="169920"/>
                     <a:p>
                       <a:pPr>
                         <a:lnSpc>
@@ -3764,13 +3122,13 @@
                         </a:lnSpc>
                       </a:pPr>
                       <a:r>
-                        <a:rPr lang="ru-RU" sz="3000" b="0" strike="noStrike" spc="-1">
+                        <a:rPr b="0" lang="ru-RU" sz="3000" spc="-1" strike="noStrike">
                           <a:solidFill>
                             <a:srgbClr val="000000"/>
                           </a:solidFill>
                           <a:uFill>
                             <a:solidFill>
-                              <a:srgbClr val="FFFFFF"/>
+                              <a:srgbClr val="ffffff"/>
                             </a:solidFill>
                           </a:uFill>
                           <a:latin typeface="Calibri"/>
@@ -3778,13 +3136,13 @@
                         </a:rPr>
                         <a:t> </a:t>
                       </a:r>
-                      <a:endParaRPr lang="ru-RU" sz="1800" b="0" strike="noStrike" spc="-1">
+                      <a:endParaRPr b="0" lang="ru-RU" sz="1800" spc="-1" strike="noStrike">
                         <a:solidFill>
                           <a:srgbClr val="000000"/>
                         </a:solidFill>
                         <a:uFill>
                           <a:solidFill>
-                            <a:srgbClr val="FFFFFF"/>
+                            <a:srgbClr val="ffffff"/>
                           </a:solidFill>
                         </a:uFill>
                         <a:latin typeface="Arial"/>
@@ -3817,8 +3175,7 @@
                 </a:tc>
                 <a:tc>
                   <a:txBody>
-                    <a:bodyPr/>
-                    <a:lstStyle/>
+                    <a:bodyPr lIns="169920" rIns="169920"/>
                     <a:p>
                       <a:pPr>
                         <a:lnSpc>
@@ -3826,13 +3183,13 @@
                         </a:lnSpc>
                       </a:pPr>
                       <a:r>
-                        <a:rPr lang="ru-RU" sz="3000" b="0" strike="noStrike" spc="-1">
+                        <a:rPr b="0" lang="ru-RU" sz="3000" spc="-1" strike="noStrike">
                           <a:solidFill>
                             <a:srgbClr val="000000"/>
                           </a:solidFill>
                           <a:uFill>
                             <a:solidFill>
-                              <a:srgbClr val="FFFFFF"/>
+                              <a:srgbClr val="ffffff"/>
                             </a:solidFill>
                           </a:uFill>
                           <a:latin typeface="Calibri"/>
@@ -3840,13 +3197,13 @@
                         </a:rPr>
                         <a:t>интервал между словами</a:t>
                       </a:r>
-                      <a:endParaRPr lang="ru-RU" sz="1800" b="0" strike="noStrike" spc="-1">
+                      <a:endParaRPr b="0" lang="ru-RU" sz="1800" spc="-1" strike="noStrike">
                         <a:solidFill>
                           <a:srgbClr val="000000"/>
                         </a:solidFill>
                         <a:uFill>
                           <a:solidFill>
-                            <a:srgbClr val="FFFFFF"/>
+                            <a:srgbClr val="ffffff"/>
                           </a:solidFill>
                         </a:uFill>
                         <a:latin typeface="Arial"/>
@@ -3879,8 +3236,7 @@
                 </a:tc>
                 <a:tc>
                   <a:txBody>
-                    <a:bodyPr/>
-                    <a:lstStyle/>
+                    <a:bodyPr lIns="169920" rIns="169920"/>
                     <a:p>
                       <a:pPr>
                         <a:lnSpc>
@@ -3888,13 +3244,13 @@
                         </a:lnSpc>
                       </a:pPr>
                       <a:r>
-                        <a:rPr lang="ru-RU" sz="3000" b="0" strike="noStrike" spc="-1">
+                        <a:rPr b="0" lang="ru-RU" sz="3000" spc="-1" strike="noStrike">
                           <a:solidFill>
                             <a:srgbClr val="000000"/>
                           </a:solidFill>
                           <a:uFill>
                             <a:solidFill>
-                              <a:srgbClr val="FFFFFF"/>
+                              <a:srgbClr val="ffffff"/>
                             </a:solidFill>
                           </a:uFill>
                           <a:latin typeface="Calibri"/>
@@ -3902,13 +3258,13 @@
                         </a:rPr>
                         <a:t>7%</a:t>
                       </a:r>
-                      <a:endParaRPr lang="ru-RU" sz="1800" b="0" strike="noStrike" spc="-1">
+                      <a:endParaRPr b="0" lang="ru-RU" sz="1800" spc="-1" strike="noStrike">
                         <a:solidFill>
                           <a:srgbClr val="000000"/>
                         </a:solidFill>
                         <a:uFill>
                           <a:solidFill>
-                            <a:srgbClr val="FFFFFF"/>
+                            <a:srgbClr val="ffffff"/>
                           </a:solidFill>
                         </a:uFill>
                         <a:latin typeface="Arial"/>
@@ -3943,8 +3299,7 @@
               <a:tr h="487080">
                 <a:tc>
                   <a:txBody>
-                    <a:bodyPr/>
-                    <a:lstStyle/>
+                    <a:bodyPr lIns="169920" rIns="169920"/>
                     <a:p>
                       <a:pPr>
                         <a:lnSpc>
@@ -3952,13 +3307,13 @@
                         </a:lnSpc>
                       </a:pPr>
                       <a:r>
-                        <a:rPr lang="ru-RU" sz="3000" b="0" strike="noStrike" spc="-1">
+                        <a:rPr b="0" lang="ru-RU" sz="3000" spc="-1" strike="noStrike">
                           <a:solidFill>
                             <a:srgbClr val="000000"/>
                           </a:solidFill>
                           <a:uFill>
                             <a:solidFill>
-                              <a:srgbClr val="FFFFFF"/>
+                              <a:srgbClr val="ffffff"/>
                             </a:solidFill>
                           </a:uFill>
                           <a:latin typeface="Calibri"/>
@@ -3966,13 +3321,13 @@
                         </a:rPr>
                         <a:t> </a:t>
                       </a:r>
-                      <a:endParaRPr lang="ru-RU" sz="1800" b="0" strike="noStrike" spc="-1">
+                      <a:endParaRPr b="0" lang="ru-RU" sz="1800" spc="-1" strike="noStrike">
                         <a:solidFill>
                           <a:srgbClr val="000000"/>
                         </a:solidFill>
                         <a:uFill>
                           <a:solidFill>
-                            <a:srgbClr val="FFFFFF"/>
+                            <a:srgbClr val="ffffff"/>
                           </a:solidFill>
                         </a:uFill>
                         <a:latin typeface="Arial"/>
@@ -4005,8 +3360,7 @@
                 </a:tc>
                 <a:tc>
                   <a:txBody>
-                    <a:bodyPr/>
-                    <a:lstStyle/>
+                    <a:bodyPr lIns="169920" rIns="169920"/>
                     <a:p>
                       <a:pPr>
                         <a:lnSpc>
@@ -4014,13 +3368,13 @@
                         </a:lnSpc>
                       </a:pPr>
                       <a:r>
-                        <a:rPr lang="ru-RU" sz="3000" b="0" strike="noStrike" spc="-1">
+                        <a:rPr b="0" lang="ru-RU" sz="3000" spc="-1" strike="noStrike">
                           <a:solidFill>
                             <a:srgbClr val="000000"/>
                           </a:solidFill>
                           <a:uFill>
                             <a:solidFill>
-                              <a:srgbClr val="FFFFFF"/>
+                              <a:srgbClr val="ffffff"/>
                             </a:solidFill>
                           </a:uFill>
                           <a:latin typeface="Calibri"/>
@@ -4028,13 +3382,13 @@
                         </a:rPr>
                         <a:t>интервал между строками</a:t>
                       </a:r>
-                      <a:endParaRPr lang="ru-RU" sz="1800" b="0" strike="noStrike" spc="-1">
+                      <a:endParaRPr b="0" lang="ru-RU" sz="1800" spc="-1" strike="noStrike">
                         <a:solidFill>
                           <a:srgbClr val="000000"/>
                         </a:solidFill>
                         <a:uFill>
                           <a:solidFill>
-                            <a:srgbClr val="FFFFFF"/>
+                            <a:srgbClr val="ffffff"/>
                           </a:solidFill>
                         </a:uFill>
                         <a:latin typeface="Arial"/>
@@ -4067,8 +3421,7 @@
                 </a:tc>
                 <a:tc>
                   <a:txBody>
-                    <a:bodyPr/>
-                    <a:lstStyle/>
+                    <a:bodyPr lIns="169920" rIns="169920"/>
                     <a:p>
                       <a:pPr>
                         <a:lnSpc>
@@ -4076,13 +3429,13 @@
                         </a:lnSpc>
                       </a:pPr>
                       <a:r>
-                        <a:rPr lang="ru-RU" sz="3000" b="0" strike="noStrike" spc="-1">
+                        <a:rPr b="0" lang="ru-RU" sz="3000" spc="-1" strike="noStrike">
                           <a:solidFill>
                             <a:srgbClr val="000000"/>
                           </a:solidFill>
                           <a:uFill>
                             <a:solidFill>
-                              <a:srgbClr val="FFFFFF"/>
+                              <a:srgbClr val="ffffff"/>
                             </a:solidFill>
                           </a:uFill>
                           <a:latin typeface="Calibri"/>
@@ -4090,13 +3443,13 @@
                         </a:rPr>
                         <a:t>4%</a:t>
                       </a:r>
-                      <a:endParaRPr lang="ru-RU" sz="1800" b="0" strike="noStrike" spc="-1">
+                      <a:endParaRPr b="0" lang="ru-RU" sz="1800" spc="-1" strike="noStrike">
                         <a:solidFill>
                           <a:srgbClr val="000000"/>
                         </a:solidFill>
                         <a:uFill>
                           <a:solidFill>
-                            <a:srgbClr val="FFFFFF"/>
+                            <a:srgbClr val="ffffff"/>
                           </a:solidFill>
                         </a:uFill>
                         <a:latin typeface="Arial"/>
@@ -4131,8 +3484,7 @@
               <a:tr h="487080">
                 <a:tc>
                   <a:txBody>
-                    <a:bodyPr/>
-                    <a:lstStyle/>
+                    <a:bodyPr lIns="169920" rIns="169920"/>
                     <a:p>
                       <a:pPr>
                         <a:lnSpc>
@@ -4140,13 +3492,13 @@
                         </a:lnSpc>
                       </a:pPr>
                       <a:r>
-                        <a:rPr lang="ru-RU" sz="3000" b="0" strike="noStrike" spc="-1">
+                        <a:rPr b="0" lang="ru-RU" sz="3000" spc="-1" strike="noStrike">
                           <a:solidFill>
                             <a:srgbClr val="000000"/>
                           </a:solidFill>
                           <a:uFill>
                             <a:solidFill>
-                              <a:srgbClr val="FFFFFF"/>
+                              <a:srgbClr val="ffffff"/>
                             </a:solidFill>
                           </a:uFill>
                           <a:latin typeface="Calibri"/>
@@ -4154,13 +3506,13 @@
                         </a:rPr>
                         <a:t>Прочие</a:t>
                       </a:r>
-                      <a:endParaRPr lang="ru-RU" sz="1800" b="0" strike="noStrike" spc="-1">
+                      <a:endParaRPr b="0" lang="ru-RU" sz="1800" spc="-1" strike="noStrike">
                         <a:solidFill>
                           <a:srgbClr val="000000"/>
                         </a:solidFill>
                         <a:uFill>
                           <a:solidFill>
-                            <a:srgbClr val="FFFFFF"/>
+                            <a:srgbClr val="ffffff"/>
                           </a:solidFill>
                         </a:uFill>
                         <a:latin typeface="Arial"/>
@@ -4193,8 +3545,7 @@
                 </a:tc>
                 <a:tc>
                   <a:txBody>
-                    <a:bodyPr/>
-                    <a:lstStyle/>
+                    <a:bodyPr lIns="169920" rIns="169920"/>
                     <a:p>
                       <a:pPr>
                         <a:lnSpc>
@@ -4202,13 +3553,13 @@
                         </a:lnSpc>
                       </a:pPr>
                       <a:r>
-                        <a:rPr lang="ru-RU" sz="3000" b="0" strike="noStrike" spc="-1">
+                        <a:rPr b="0" lang="ru-RU" sz="3000" spc="-1" strike="noStrike">
                           <a:solidFill>
                             <a:srgbClr val="000000"/>
                           </a:solidFill>
                           <a:uFill>
                             <a:solidFill>
-                              <a:srgbClr val="FFFFFF"/>
+                              <a:srgbClr val="ffffff"/>
                             </a:solidFill>
                           </a:uFill>
                           <a:latin typeface="Calibri"/>
@@ -4216,13 +3567,13 @@
                         </a:rPr>
                         <a:t> </a:t>
                       </a:r>
-                      <a:endParaRPr lang="ru-RU" sz="1800" b="0" strike="noStrike" spc="-1">
+                      <a:endParaRPr b="0" lang="ru-RU" sz="1800" spc="-1" strike="noStrike">
                         <a:solidFill>
                           <a:srgbClr val="000000"/>
                         </a:solidFill>
                         <a:uFill>
                           <a:solidFill>
-                            <a:srgbClr val="FFFFFF"/>
+                            <a:srgbClr val="ffffff"/>
                           </a:solidFill>
                         </a:uFill>
                         <a:latin typeface="Arial"/>
@@ -4255,8 +3606,7 @@
                 </a:tc>
                 <a:tc>
                   <a:txBody>
-                    <a:bodyPr/>
-                    <a:lstStyle/>
+                    <a:bodyPr lIns="169920" rIns="169920"/>
                     <a:p>
                       <a:pPr>
                         <a:lnSpc>
@@ -4264,13 +3614,13 @@
                         </a:lnSpc>
                       </a:pPr>
                       <a:r>
-                        <a:rPr lang="ru-RU" sz="3000" b="0" strike="noStrike" spc="-1">
+                        <a:rPr b="0" lang="ru-RU" sz="3000" spc="-1" strike="noStrike">
                           <a:solidFill>
                             <a:srgbClr val="000000"/>
                           </a:solidFill>
                           <a:uFill>
                             <a:solidFill>
-                              <a:srgbClr val="FFFFFF"/>
+                              <a:srgbClr val="ffffff"/>
                             </a:solidFill>
                           </a:uFill>
                           <a:latin typeface="Calibri"/>
@@ -4278,13 +3628,13 @@
                         </a:rPr>
                         <a:t>1%</a:t>
                       </a:r>
-                      <a:endParaRPr lang="ru-RU" sz="1800" b="0" strike="noStrike" spc="-1">
+                      <a:endParaRPr b="0" lang="ru-RU" sz="1800" spc="-1" strike="noStrike">
                         <a:solidFill>
                           <a:srgbClr val="000000"/>
                         </a:solidFill>
                         <a:uFill>
                           <a:solidFill>
-                            <a:srgbClr val="FFFFFF"/>
+                            <a:srgbClr val="ffffff"/>
                           </a:solidFill>
                         </a:uFill>
                         <a:latin typeface="Arial"/>
@@ -4319,8 +3669,7 @@
               <a:tr h="487080">
                 <a:tc>
                   <a:txBody>
-                    <a:bodyPr/>
-                    <a:lstStyle/>
+                    <a:bodyPr lIns="169920" rIns="169920"/>
                     <a:p>
                       <a:pPr>
                         <a:lnSpc>
@@ -4328,13 +3677,13 @@
                         </a:lnSpc>
                       </a:pPr>
                       <a:r>
-                        <a:rPr lang="ru-RU" sz="3000" b="0" strike="noStrike" spc="-1">
+                        <a:rPr b="0" lang="ru-RU" sz="3000" spc="-1" strike="noStrike">
                           <a:solidFill>
                             <a:srgbClr val="000000"/>
                           </a:solidFill>
                           <a:uFill>
                             <a:solidFill>
-                              <a:srgbClr val="FFFFFF"/>
+                              <a:srgbClr val="ffffff"/>
                             </a:solidFill>
                           </a:uFill>
                           <a:latin typeface="Calibri"/>
@@ -4342,13 +3691,13 @@
                         </a:rPr>
                         <a:t> </a:t>
                       </a:r>
-                      <a:endParaRPr lang="ru-RU" sz="1800" b="0" strike="noStrike" spc="-1">
+                      <a:endParaRPr b="0" lang="ru-RU" sz="1800" spc="-1" strike="noStrike">
                         <a:solidFill>
                           <a:srgbClr val="000000"/>
                         </a:solidFill>
                         <a:uFill>
                           <a:solidFill>
-                            <a:srgbClr val="FFFFFF"/>
+                            <a:srgbClr val="ffffff"/>
                           </a:solidFill>
                         </a:uFill>
                         <a:latin typeface="Arial"/>
@@ -4381,8 +3730,7 @@
                 </a:tc>
                 <a:tc>
                   <a:txBody>
-                    <a:bodyPr/>
-                    <a:lstStyle/>
+                    <a:bodyPr lIns="169920" rIns="169920"/>
                     <a:p>
                       <a:pPr>
                         <a:lnSpc>
@@ -4390,13 +3738,13 @@
                         </a:lnSpc>
                       </a:pPr>
                       <a:r>
-                        <a:rPr lang="ru-RU" sz="3000" b="0" strike="noStrike" spc="-1">
+                        <a:rPr b="0" lang="ru-RU" sz="3000" spc="-1" strike="noStrike">
                           <a:solidFill>
                             <a:srgbClr val="000000"/>
                           </a:solidFill>
                           <a:uFill>
                             <a:solidFill>
-                              <a:srgbClr val="FFFFFF"/>
+                              <a:srgbClr val="ffffff"/>
                             </a:solidFill>
                           </a:uFill>
                           <a:latin typeface="Calibri"/>
@@ -4404,13 +3752,13 @@
                         </a:rPr>
                         <a:t>частота текста</a:t>
                       </a:r>
-                      <a:endParaRPr lang="ru-RU" sz="1800" b="0" strike="noStrike" spc="-1">
+                      <a:endParaRPr b="0" lang="ru-RU" sz="1800" spc="-1" strike="noStrike">
                         <a:solidFill>
                           <a:srgbClr val="000000"/>
                         </a:solidFill>
                         <a:uFill>
                           <a:solidFill>
-                            <a:srgbClr val="FFFFFF"/>
+                            <a:srgbClr val="ffffff"/>
                           </a:solidFill>
                         </a:uFill>
                         <a:latin typeface="Arial"/>
@@ -4443,8 +3791,7 @@
                 </a:tc>
                 <a:tc>
                   <a:txBody>
-                    <a:bodyPr/>
-                    <a:lstStyle/>
+                    <a:bodyPr lIns="169920" rIns="169920"/>
                     <a:p>
                       <a:pPr>
                         <a:lnSpc>
@@ -4452,13 +3799,13 @@
                         </a:lnSpc>
                       </a:pPr>
                       <a:r>
-                        <a:rPr lang="ru-RU" sz="3000" b="0" strike="noStrike" spc="-1">
+                        <a:rPr b="0" lang="ru-RU" sz="3000" spc="-1" strike="noStrike">
                           <a:solidFill>
                             <a:srgbClr val="000000"/>
                           </a:solidFill>
                           <a:uFill>
                             <a:solidFill>
-                              <a:srgbClr val="FFFFFF"/>
+                              <a:srgbClr val="ffffff"/>
                             </a:solidFill>
                           </a:uFill>
                           <a:latin typeface="Calibri"/>
@@ -4466,13 +3813,13 @@
                         </a:rPr>
                         <a:t>0%</a:t>
                       </a:r>
-                      <a:endParaRPr lang="ru-RU" sz="1800" b="0" strike="noStrike" spc="-1">
+                      <a:endParaRPr b="0" lang="ru-RU" sz="1800" spc="-1" strike="noStrike">
                         <a:solidFill>
                           <a:srgbClr val="000000"/>
                         </a:solidFill>
                         <a:uFill>
                           <a:solidFill>
-                            <a:srgbClr val="FFFFFF"/>
+                            <a:srgbClr val="ffffff"/>
                           </a:solidFill>
                         </a:uFill>
                         <a:latin typeface="Arial"/>
@@ -4507,8 +3854,7 @@
               <a:tr h="487080">
                 <a:tc>
                   <a:txBody>
-                    <a:bodyPr/>
-                    <a:lstStyle/>
+                    <a:bodyPr lIns="169920" rIns="169920"/>
                     <a:p>
                       <a:pPr>
                         <a:lnSpc>
@@ -4516,13 +3862,13 @@
                         </a:lnSpc>
                       </a:pPr>
                       <a:r>
-                        <a:rPr lang="ru-RU" sz="3000" b="0" strike="noStrike" spc="-1">
+                        <a:rPr b="0" lang="ru-RU" sz="3000" spc="-1" strike="noStrike">
                           <a:solidFill>
                             <a:srgbClr val="000000"/>
                           </a:solidFill>
                           <a:uFill>
                             <a:solidFill>
-                              <a:srgbClr val="FFFFFF"/>
+                              <a:srgbClr val="ffffff"/>
                             </a:solidFill>
                           </a:uFill>
                           <a:latin typeface="Calibri"/>
@@ -4530,13 +3876,13 @@
                         </a:rPr>
                         <a:t> </a:t>
                       </a:r>
-                      <a:endParaRPr lang="ru-RU" sz="1800" b="0" strike="noStrike" spc="-1">
+                      <a:endParaRPr b="0" lang="ru-RU" sz="1800" spc="-1" strike="noStrike">
                         <a:solidFill>
                           <a:srgbClr val="000000"/>
                         </a:solidFill>
                         <a:uFill>
                           <a:solidFill>
-                            <a:srgbClr val="FFFFFF"/>
+                            <a:srgbClr val="ffffff"/>
                           </a:solidFill>
                         </a:uFill>
                         <a:latin typeface="Arial"/>
@@ -4569,8 +3915,7 @@
                 </a:tc>
                 <a:tc>
                   <a:txBody>
-                    <a:bodyPr/>
-                    <a:lstStyle/>
+                    <a:bodyPr lIns="169920" rIns="169920"/>
                     <a:p>
                       <a:pPr>
                         <a:lnSpc>
@@ -4578,13 +3923,13 @@
                         </a:lnSpc>
                       </a:pPr>
                       <a:r>
-                        <a:rPr lang="ru-RU" sz="3000" b="0" strike="noStrike" spc="-1">
+                        <a:rPr b="0" lang="ru-RU" sz="3000" spc="-1" strike="noStrike">
                           <a:solidFill>
                             <a:srgbClr val="000000"/>
                           </a:solidFill>
                           <a:uFill>
                             <a:solidFill>
-                              <a:srgbClr val="FFFFFF"/>
+                              <a:srgbClr val="ffffff"/>
                             </a:solidFill>
                           </a:uFill>
                           <a:latin typeface="Calibri"/>
@@ -4592,13 +3937,13 @@
                         </a:rPr>
                         <a:t>сила нажима</a:t>
                       </a:r>
-                      <a:endParaRPr lang="ru-RU" sz="1800" b="0" strike="noStrike" spc="-1">
+                      <a:endParaRPr b="0" lang="ru-RU" sz="1800" spc="-1" strike="noStrike">
                         <a:solidFill>
                           <a:srgbClr val="000000"/>
                         </a:solidFill>
                         <a:uFill>
                           <a:solidFill>
-                            <a:srgbClr val="FFFFFF"/>
+                            <a:srgbClr val="ffffff"/>
                           </a:solidFill>
                         </a:uFill>
                         <a:latin typeface="Arial"/>
@@ -4631,8 +3976,7 @@
                 </a:tc>
                 <a:tc>
                   <a:txBody>
-                    <a:bodyPr/>
-                    <a:lstStyle/>
+                    <a:bodyPr lIns="169920" rIns="169920"/>
                     <a:p>
                       <a:pPr>
                         <a:lnSpc>
@@ -4640,13 +3984,13 @@
                         </a:lnSpc>
                       </a:pPr>
                       <a:r>
-                        <a:rPr lang="ru-RU" sz="3000" b="0" strike="noStrike" spc="-1">
+                        <a:rPr b="0" lang="ru-RU" sz="3000" spc="-1" strike="noStrike">
                           <a:solidFill>
                             <a:srgbClr val="000000"/>
                           </a:solidFill>
                           <a:uFill>
                             <a:solidFill>
-                              <a:srgbClr val="FFFFFF"/>
+                              <a:srgbClr val="ffffff"/>
                             </a:solidFill>
                           </a:uFill>
                           <a:latin typeface="Calibri"/>
@@ -4654,13 +3998,13 @@
                         </a:rPr>
                         <a:t>2%</a:t>
                       </a:r>
-                      <a:endParaRPr lang="ru-RU" sz="1800" b="0" strike="noStrike" spc="-1">
+                      <a:endParaRPr b="0" lang="ru-RU" sz="1800" spc="-1" strike="noStrike">
                         <a:solidFill>
                           <a:srgbClr val="000000"/>
                         </a:solidFill>
                         <a:uFill>
                           <a:solidFill>
-                            <a:srgbClr val="FFFFFF"/>
+                            <a:srgbClr val="ffffff"/>
                           </a:solidFill>
                         </a:uFill>
                         <a:latin typeface="Arial"/>
@@ -4698,30 +4042,30 @@
       </p:graphicFrame>
       <p:graphicFrame>
         <p:nvGraphicFramePr>
-          <p:cNvPr id="39" name="Chart 4"/>
+          <p:cNvPr id="36" name="Chart 4"/>
           <p:cNvGraphicFramePr/>
           <p:nvPr/>
         </p:nvGraphicFramePr>
         <p:xfrm>
           <a:off x="7695360" y="9675000"/>
-          <a:ext cx="15342840" cy="10221120"/>
+          <a:ext cx="15342480" cy="10220760"/>
         </p:xfrm>
         <a:graphic>
           <a:graphicData uri="http://schemas.openxmlformats.org/drawingml/2006/chart">
-            <c:chart xmlns:c="http://schemas.openxmlformats.org/drawingml/2006/chart" xmlns:r="http://schemas.openxmlformats.org/officeDocument/2006/relationships" r:id="rId2"/>
+            <c:chart xmlns:c="http://schemas.openxmlformats.org/drawingml/2006/chart" xmlns:r="http://schemas.openxmlformats.org/officeDocument/2006/relationships" r:id="rId1"/>
           </a:graphicData>
         </a:graphic>
       </p:graphicFrame>
       <p:sp>
         <p:nvSpPr>
-          <p:cNvPr id="40" name="CustomShape 2"/>
+          <p:cNvPr id="37" name="CustomShape 2"/>
           <p:cNvSpPr/>
           <p:nvPr/>
         </p:nvSpPr>
         <p:spPr>
           <a:xfrm>
             <a:off x="722520" y="182880"/>
-            <a:ext cx="29289240" cy="20945880"/>
+            <a:ext cx="29288880" cy="20945520"/>
           </a:xfrm>
           <a:prstGeom prst="rect">
             <a:avLst/>
@@ -4731,6 +4075,7 @@
             <a:solidFill>
               <a:schemeClr val="tx1"/>
             </a:solidFill>
+            <a:round/>
           </a:ln>
         </p:spPr>
         <p:style>
@@ -4750,14 +4095,14 @@
       </p:sp>
       <p:sp>
         <p:nvSpPr>
-          <p:cNvPr id="41" name="TextShape 3"/>
-          <p:cNvSpPr txBox="1"/>
+          <p:cNvPr id="38" name="CustomShape 3"/>
+          <p:cNvSpPr/>
           <p:nvPr/>
         </p:nvSpPr>
         <p:spPr>
           <a:xfrm>
             <a:off x="6624000" y="432000"/>
-            <a:ext cx="18668520" cy="1111680"/>
+            <a:ext cx="18668160" cy="1111320"/>
           </a:xfrm>
           <a:prstGeom prst="rect">
             <a:avLst/>
@@ -4767,37 +4112,59 @@
             <a:noFill/>
           </a:ln>
         </p:spPr>
+        <p:style>
+          <a:lnRef idx="0"/>
+          <a:fillRef idx="0"/>
+          <a:effectRef idx="0"/>
+          <a:fontRef idx="minor"/>
+        </p:style>
         <p:txBody>
-          <a:bodyPr lIns="90000" tIns="45000" rIns="90000" bIns="45000"/>
-          <a:lstStyle/>
+          <a:bodyPr lIns="90000" rIns="90000" tIns="45000" bIns="45000"/>
           <a:p>
+            <a:pPr>
+              <a:lnSpc>
+                <a:spcPct val="100000"/>
+              </a:lnSpc>
+            </a:pPr>
             <a:r>
-              <a:rPr lang="ru-RU" sz="7200" b="0" strike="noStrike" spc="-1">
+              <a:rPr b="0" lang="ru-RU" sz="7200" spc="-1" strike="noStrike">
                 <a:solidFill>
                   <a:srgbClr val="000000"/>
                 </a:solidFill>
                 <a:uFill>
                   <a:solidFill>
-                    <a:srgbClr val="FFFFFF"/>
+                    <a:srgbClr val="ffffff"/>
                   </a:solidFill>
                 </a:uFill>
                 <a:latin typeface="Arial"/>
+                <a:ea typeface="DejaVu Sans"/>
               </a:rPr>
               <a:t>Результаты работы программного средства</a:t>
             </a:r>
+            <a:endParaRPr b="0" lang="ru-RU" sz="1800" spc="-1" strike="noStrike">
+              <a:solidFill>
+                <a:srgbClr val="000000"/>
+              </a:solidFill>
+              <a:uFill>
+                <a:solidFill>
+                  <a:srgbClr val="ffffff"/>
+                </a:solidFill>
+              </a:uFill>
+              <a:latin typeface="Arial"/>
+            </a:endParaRPr>
           </a:p>
         </p:txBody>
       </p:sp>
       <p:sp>
         <p:nvSpPr>
-          <p:cNvPr id="42" name="TextShape 4"/>
-          <p:cNvSpPr txBox="1"/>
+          <p:cNvPr id="39" name="CustomShape 4"/>
+          <p:cNvSpPr/>
           <p:nvPr/>
         </p:nvSpPr>
         <p:spPr>
           <a:xfrm>
-            <a:off x="10259460" y="8075520"/>
-            <a:ext cx="9414720" cy="459360"/>
+            <a:off x="10259640" y="8075520"/>
+            <a:ext cx="9414360" cy="459000"/>
           </a:xfrm>
           <a:prstGeom prst="rect">
             <a:avLst/>
@@ -4807,79 +4174,59 @@
             <a:noFill/>
           </a:ln>
         </p:spPr>
+        <p:style>
+          <a:lnRef idx="0"/>
+          <a:fillRef idx="0"/>
+          <a:effectRef idx="0"/>
+          <a:fontRef idx="minor"/>
+        </p:style>
         <p:txBody>
-          <a:bodyPr lIns="90000" tIns="45000" rIns="90000" bIns="45000"/>
-          <a:lstStyle/>
+          <a:bodyPr lIns="90000" rIns="90000" tIns="45000" bIns="45000"/>
           <a:p>
+            <a:pPr>
+              <a:lnSpc>
+                <a:spcPct val="100000"/>
+              </a:lnSpc>
+            </a:pPr>
             <a:r>
-              <a:rPr lang="ru-RU" sz="2600" b="0" strike="noStrike" spc="-1" dirty="0" smtClean="0">
+              <a:rPr b="0" lang="ru-RU" sz="2600" spc="-1" strike="noStrike">
                 <a:solidFill>
                   <a:srgbClr val="000000"/>
                 </a:solidFill>
                 <a:uFill>
                   <a:solidFill>
-                    <a:srgbClr val="FFFFFF"/>
+                    <a:srgbClr val="ffffff"/>
                   </a:solidFill>
                 </a:uFill>
                 <a:latin typeface="Arial"/>
+                <a:ea typeface="DejaVu Sans"/>
               </a:rPr>
-              <a:t>Рис</a:t>
+              <a:t>Рисунок 1 — Отклонения признаков от обучающей выборки</a:t>
             </a:r>
-            <a:r>
-              <a:rPr lang="en-US" sz="2600" b="0" strike="noStrike" spc="-1" dirty="0" smtClean="0">
+            <a:endParaRPr b="0" lang="ru-RU" sz="1800" spc="-1" strike="noStrike">
+              <a:solidFill>
+                <a:srgbClr val="000000"/>
+              </a:solidFill>
+              <a:uFill>
                 <a:solidFill>
-                  <a:srgbClr val="000000"/>
+                  <a:srgbClr val="ffffff"/>
                 </a:solidFill>
-                <a:uFill>
-                  <a:solidFill>
-                    <a:srgbClr val="FFFFFF"/>
-                  </a:solidFill>
-                </a:uFill>
-                <a:latin typeface="Arial"/>
-              </a:rPr>
-              <a:t>.</a:t>
-            </a:r>
-            <a:r>
-              <a:rPr lang="ru-RU" sz="2600" b="0" strike="noStrike" spc="-1" dirty="0" smtClean="0">
-                <a:solidFill>
-                  <a:srgbClr val="000000"/>
-                </a:solidFill>
-                <a:uFill>
-                  <a:solidFill>
-                    <a:srgbClr val="FFFFFF"/>
-                  </a:solidFill>
-                </a:uFill>
-                <a:latin typeface="Arial"/>
-              </a:rPr>
-              <a:t> </a:t>
-            </a:r>
-            <a:r>
-              <a:rPr lang="ru-RU" sz="2600" b="0" strike="noStrike" spc="-1" dirty="0">
-                <a:solidFill>
-                  <a:srgbClr val="000000"/>
-                </a:solidFill>
-                <a:uFill>
-                  <a:solidFill>
-                    <a:srgbClr val="FFFFFF"/>
-                  </a:solidFill>
-                </a:uFill>
-                <a:latin typeface="Arial"/>
-              </a:rPr>
-              <a:t>1 — Отклонения признаков от обучающей выборки</a:t>
-            </a:r>
+              </a:uFill>
+              <a:latin typeface="Arial"/>
+            </a:endParaRPr>
           </a:p>
         </p:txBody>
       </p:sp>
       <p:sp>
         <p:nvSpPr>
-          <p:cNvPr id="43" name="TextShape 5"/>
-          <p:cNvSpPr txBox="1"/>
+          <p:cNvPr id="40" name="CustomShape 5"/>
+          <p:cNvSpPr/>
           <p:nvPr/>
         </p:nvSpPr>
         <p:spPr>
           <a:xfrm>
-            <a:off x="9701640" y="20088000"/>
-            <a:ext cx="10530360" cy="459360"/>
+            <a:off x="10277640" y="20088000"/>
+            <a:ext cx="11826360" cy="459000"/>
           </a:xfrm>
           <a:prstGeom prst="rect">
             <a:avLst/>
@@ -4889,32 +4236,51 @@
             <a:noFill/>
           </a:ln>
         </p:spPr>
+        <p:style>
+          <a:lnRef idx="0"/>
+          <a:fillRef idx="0"/>
+          <a:effectRef idx="0"/>
+          <a:fontRef idx="minor"/>
+        </p:style>
         <p:txBody>
-          <a:bodyPr lIns="90000" tIns="45000" rIns="90000" bIns="45000"/>
-          <a:lstStyle/>
+          <a:bodyPr lIns="90000" rIns="90000" tIns="45000" bIns="45000"/>
           <a:p>
+            <a:pPr>
+              <a:lnSpc>
+                <a:spcPct val="100000"/>
+              </a:lnSpc>
+            </a:pPr>
             <a:r>
-              <a:rPr lang="ru-RU" sz="2600" b="0" strike="noStrike" spc="-1">
+              <a:rPr b="0" lang="ru-RU" sz="2600" spc="-1" strike="noStrike">
                 <a:solidFill>
                   <a:srgbClr val="000000"/>
                 </a:solidFill>
                 <a:uFill>
                   <a:solidFill>
-                    <a:srgbClr val="FFFFFF"/>
+                    <a:srgbClr val="ffffff"/>
                   </a:solidFill>
                 </a:uFill>
                 <a:latin typeface="Arial"/>
+                <a:ea typeface="DejaVu Sans"/>
               </a:rPr>
-              <a:t>Рис. 2 — Распределие образцов по классам в обучающей выборке</a:t>
+              <a:t>Рисунок 2 — Распределение образцов по классам в обучающей выборке</a:t>
             </a:r>
+            <a:endParaRPr b="0" lang="ru-RU" sz="1800" spc="-1" strike="noStrike">
+              <a:solidFill>
+                <a:srgbClr val="000000"/>
+              </a:solidFill>
+              <a:uFill>
+                <a:solidFill>
+                  <a:srgbClr val="ffffff"/>
+                </a:solidFill>
+              </a:uFill>
+              <a:latin typeface="Arial"/>
+            </a:endParaRPr>
           </a:p>
         </p:txBody>
       </p:sp>
     </p:spTree>
   </p:cSld>
-  <p:clrMapOvr>
-    <a:masterClrMapping/>
-  </p:clrMapOvr>
   <p:timing>
     <p:tnLst>
       <p:par>
@@ -4923,14 +4289,14 @@
             <p:seq>
               <p:cTn id="2" nodeType="mainSeq"/>
               <p:prevCondLst>
-                <p:cond evt="onPrev" delay="0">
+                <p:cond delay="0" evt="onPrev">
                   <p:tgtEl>
                     <p:sldTgt/>
                   </p:tgtEl>
                 </p:cond>
               </p:prevCondLst>
               <p:nextCondLst>
-                <p:cond evt="onNext" delay="0">
+                <p:cond delay="0" evt="onNext">
                   <p:tgtEl>
                     <p:sldTgt/>
                   </p:tgtEl>
@@ -5165,7 +4531,5 @@
       </a:bgFillStyleLst>
     </a:fmtScheme>
   </a:themeElements>
-  <a:objectDefaults/>
-  <a:extraClrSchemeLst/>
 </a:theme>
 </file>
--- a/diagrams/results.pptx
+++ b/diagrams/results.pptx
@@ -1,21 +1,124 @@
 
 <file path=ppt/presentation.xml><?xml version="1.0" encoding="utf-8"?>
-<p:presentation xmlns:a="http://schemas.openxmlformats.org/drawingml/2006/main" xmlns:p="http://schemas.openxmlformats.org/presentationml/2006/main" xmlns:r="http://schemas.openxmlformats.org/officeDocument/2006/relationships" xmlns:p14="http://schemas.microsoft.com/office/powerpoint/2010/main" xmlns:p15="http://schemas.microsoft.com/office/powerpoint/2012/main" xmlns:mc="http://schemas.openxmlformats.org/markup-compatibility/2006">
+<p:presentation xmlns:a="http://schemas.openxmlformats.org/drawingml/2006/main" xmlns:r="http://schemas.openxmlformats.org/officeDocument/2006/relationships" xmlns:p="http://schemas.openxmlformats.org/presentationml/2006/main">
   <p:sldMasterIdLst>
-    <p:sldMasterId id="2147483648" r:id="rId2"/>
+    <p:sldMasterId id="2147483648" r:id="rId1"/>
   </p:sldMasterIdLst>
   <p:sldIdLst>
-    <p:sldId id="256" r:id="rId3"/>
+    <p:sldId id="256" r:id="rId2"/>
+    <p:sldId id="257" r:id="rId3"/>
   </p:sldIdLst>
   <p:sldSz cx="30267275" cy="21396325"/>
   <p:notesSz cx="7772400" cy="10058400"/>
+  <p:defaultTextStyle>
+    <a:defPPr>
+      <a:defRPr lang="en-US"/>
+    </a:defPPr>
+    <a:lvl1pPr marL="0" algn="l" defTabSz="914400" rtl="0" eaLnBrk="1" latinLnBrk="0" hangingPunct="1">
+      <a:defRPr sz="1800" kern="1200">
+        <a:solidFill>
+          <a:schemeClr val="tx1"/>
+        </a:solidFill>
+        <a:latin typeface="+mn-lt"/>
+        <a:ea typeface="+mn-ea"/>
+        <a:cs typeface="+mn-cs"/>
+      </a:defRPr>
+    </a:lvl1pPr>
+    <a:lvl2pPr marL="457200" algn="l" defTabSz="914400" rtl="0" eaLnBrk="1" latinLnBrk="0" hangingPunct="1">
+      <a:defRPr sz="1800" kern="1200">
+        <a:solidFill>
+          <a:schemeClr val="tx1"/>
+        </a:solidFill>
+        <a:latin typeface="+mn-lt"/>
+        <a:ea typeface="+mn-ea"/>
+        <a:cs typeface="+mn-cs"/>
+      </a:defRPr>
+    </a:lvl2pPr>
+    <a:lvl3pPr marL="914400" algn="l" defTabSz="914400" rtl="0" eaLnBrk="1" latinLnBrk="0" hangingPunct="1">
+      <a:defRPr sz="1800" kern="1200">
+        <a:solidFill>
+          <a:schemeClr val="tx1"/>
+        </a:solidFill>
+        <a:latin typeface="+mn-lt"/>
+        <a:ea typeface="+mn-ea"/>
+        <a:cs typeface="+mn-cs"/>
+      </a:defRPr>
+    </a:lvl3pPr>
+    <a:lvl4pPr marL="1371600" algn="l" defTabSz="914400" rtl="0" eaLnBrk="1" latinLnBrk="0" hangingPunct="1">
+      <a:defRPr sz="1800" kern="1200">
+        <a:solidFill>
+          <a:schemeClr val="tx1"/>
+        </a:solidFill>
+        <a:latin typeface="+mn-lt"/>
+        <a:ea typeface="+mn-ea"/>
+        <a:cs typeface="+mn-cs"/>
+      </a:defRPr>
+    </a:lvl4pPr>
+    <a:lvl5pPr marL="1828800" algn="l" defTabSz="914400" rtl="0" eaLnBrk="1" latinLnBrk="0" hangingPunct="1">
+      <a:defRPr sz="1800" kern="1200">
+        <a:solidFill>
+          <a:schemeClr val="tx1"/>
+        </a:solidFill>
+        <a:latin typeface="+mn-lt"/>
+        <a:ea typeface="+mn-ea"/>
+        <a:cs typeface="+mn-cs"/>
+      </a:defRPr>
+    </a:lvl5pPr>
+    <a:lvl6pPr marL="2286000" algn="l" defTabSz="914400" rtl="0" eaLnBrk="1" latinLnBrk="0" hangingPunct="1">
+      <a:defRPr sz="1800" kern="1200">
+        <a:solidFill>
+          <a:schemeClr val="tx1"/>
+        </a:solidFill>
+        <a:latin typeface="+mn-lt"/>
+        <a:ea typeface="+mn-ea"/>
+        <a:cs typeface="+mn-cs"/>
+      </a:defRPr>
+    </a:lvl6pPr>
+    <a:lvl7pPr marL="2743200" algn="l" defTabSz="914400" rtl="0" eaLnBrk="1" latinLnBrk="0" hangingPunct="1">
+      <a:defRPr sz="1800" kern="1200">
+        <a:solidFill>
+          <a:schemeClr val="tx1"/>
+        </a:solidFill>
+        <a:latin typeface="+mn-lt"/>
+        <a:ea typeface="+mn-ea"/>
+        <a:cs typeface="+mn-cs"/>
+      </a:defRPr>
+    </a:lvl7pPr>
+    <a:lvl8pPr marL="3200400" algn="l" defTabSz="914400" rtl="0" eaLnBrk="1" latinLnBrk="0" hangingPunct="1">
+      <a:defRPr sz="1800" kern="1200">
+        <a:solidFill>
+          <a:schemeClr val="tx1"/>
+        </a:solidFill>
+        <a:latin typeface="+mn-lt"/>
+        <a:ea typeface="+mn-ea"/>
+        <a:cs typeface="+mn-cs"/>
+      </a:defRPr>
+    </a:lvl8pPr>
+    <a:lvl9pPr marL="3657600" algn="l" defTabSz="914400" rtl="0" eaLnBrk="1" latinLnBrk="0" hangingPunct="1">
+      <a:defRPr sz="1800" kern="1200">
+        <a:solidFill>
+          <a:schemeClr val="tx1"/>
+        </a:solidFill>
+        <a:latin typeface="+mn-lt"/>
+        <a:ea typeface="+mn-ea"/>
+        <a:cs typeface="+mn-cs"/>
+      </a:defRPr>
+    </a:lvl9pPr>
+  </p:defaultTextStyle>
+  <p:extLst>
+    <p:ext uri="{EFAFB233-063F-42B5-8137-9DF3F51BA10A}">
+      <p15:sldGuideLst xmlns:p15="http://schemas.microsoft.com/office/powerpoint/2012/main"/>
+    </p:ext>
+  </p:extLst>
 </p:presentation>
 </file>
 
 <file path=ppt/charts/chart1.xml><?xml version="1.0" encoding="utf-8"?>
-<c:chartSpace xmlns:c="http://schemas.openxmlformats.org/drawingml/2006/chart" xmlns:a="http://schemas.openxmlformats.org/drawingml/2006/main" xmlns:r="http://schemas.openxmlformats.org/officeDocument/2006/relationships">
+<c:chartSpace xmlns:c="http://schemas.openxmlformats.org/drawingml/2006/chart" xmlns:a="http://schemas.openxmlformats.org/drawingml/2006/main" xmlns:r="http://schemas.openxmlformats.org/officeDocument/2006/relationships" xmlns:c16r2="http://schemas.microsoft.com/office/drawing/2015/06/chart">
+  <c:date1904 val="1"/>
   <c:lang val="en-US"/>
   <c:roundedCorners val="0"/>
+  <c:style val="2"/>
   <c:chart>
     <c:title>
       <c:tx>
@@ -24,13 +127,13 @@
           <a:lstStyle/>
           <a:p>
             <a:pPr>
-              <a:defRPr b="0" sz="2800" spc="-1" strike="noStrike">
+              <a:defRPr sz="2800" b="0" strike="noStrike" spc="-1">
                 <a:solidFill>
                   <a:srgbClr val="595959"/>
                 </a:solidFill>
                 <a:uFill>
                   <a:solidFill>
-                    <a:srgbClr val="ffffff"/>
+                    <a:srgbClr val="FFFFFF"/>
                   </a:solidFill>
                 </a:uFill>
                 <a:latin typeface="Calibri"/>
@@ -38,13 +141,13 @@
               </a:defRPr>
             </a:pPr>
             <a:r>
-              <a:rPr b="0" sz="2800" spc="-1" strike="noStrike">
+              <a:rPr lang="ru-RU" sz="2800" b="0" strike="noStrike" spc="-1">
                 <a:solidFill>
                   <a:srgbClr val="595959"/>
                 </a:solidFill>
                 <a:uFill>
                   <a:solidFill>
-                    <a:srgbClr val="ffffff"/>
+                    <a:srgbClr val="FFFFFF"/>
                   </a:solidFill>
                 </a:uFill>
                 <a:latin typeface="Calibri"/>
@@ -59,14 +162,15 @@
         <c:manualLayout>
           <c:xMode val="edge"/>
           <c:yMode val="edge"/>
-          <c:x val="0.365799291395856"/>
-          <c:y val="0.0617075232459848"/>
+          <c:x val="0.36579929139585599"/>
+          <c:y val="6.1707523245984802E-2"/>
         </c:manualLayout>
       </c:layout>
       <c:overlay val="0"/>
     </c:title>
     <c:autoTitleDeleted val="0"/>
     <c:plotArea>
+      <c:layout/>
       <c:barChart>
         <c:barDir val="col"/>
         <c:grouping val="clustered"/>
@@ -87,24 +191,37 @@
           </c:tx>
           <c:spPr>
             <a:solidFill>
-              <a:srgbClr val="a5a5a5"/>
+              <a:srgbClr val="A5A5A5"/>
             </a:solidFill>
             <a:ln w="19080">
               <a:solidFill>
-                <a:srgbClr val="ffffff"/>
+                <a:srgbClr val="FFFFFF"/>
               </a:solidFill>
               <a:round/>
             </a:ln>
           </c:spPr>
           <c:invertIfNegative val="0"/>
           <c:dLbls>
+            <c:spPr>
+              <a:noFill/>
+              <a:ln>
+                <a:noFill/>
+              </a:ln>
+              <a:effectLst/>
+            </c:spPr>
             <c:dLblPos val="outEnd"/>
             <c:showLegendKey val="0"/>
             <c:showVal val="0"/>
             <c:showCatName val="0"/>
             <c:showSerName val="0"/>
             <c:showPercent val="0"/>
+            <c:showBubbleSize val="1"/>
             <c:showLeaderLines val="0"/>
+            <c:extLst>
+              <c:ext xmlns:c15="http://schemas.microsoft.com/office/drawing/2012/chart" uri="{CE6537A1-D6FC-4f65-9D91-7224C49458BB}">
+                <c15:showLeaderLines val="0"/>
+              </c:ext>
+            </c:extLst>
           </c:dLbls>
           <c:cat>
             <c:strRef>
@@ -219,9 +336,21 @@
               </c:numCache>
             </c:numRef>
           </c:val>
+          <c:extLst>
+            <c:ext xmlns:c16="http://schemas.microsoft.com/office/drawing/2014/chart" uri="{C3380CC4-5D6E-409C-BE32-E72D297353CC}">
+              <c16:uniqueId val="{00000000-0082-FA45-BD90-7CC9D23C3670}"/>
+            </c:ext>
+          </c:extLst>
         </c:ser>
+        <c:dLbls>
+          <c:showLegendKey val="0"/>
+          <c:showVal val="0"/>
+          <c:showCatName val="0"/>
+          <c:showSerName val="0"/>
+          <c:showPercent val="0"/>
+          <c:showBubbleSize val="0"/>
+        </c:dLbls>
         <c:gapWidth val="0"/>
-        <c:overlap val="0"/>
         <c:axId val="46969601"/>
         <c:axId val="4894809"/>
       </c:barChart>
@@ -239,13 +368,13 @@
               <a:lstStyle/>
               <a:p>
                 <a:pPr>
-                  <a:defRPr b="0" sz="2400" spc="-1" strike="noStrike">
+                  <a:defRPr sz="2400" b="0" strike="noStrike" spc="-1">
                     <a:solidFill>
                       <a:srgbClr val="595959"/>
                     </a:solidFill>
                     <a:uFill>
                       <a:solidFill>
-                        <a:srgbClr val="ffffff"/>
+                        <a:srgbClr val="FFFFFF"/>
                       </a:solidFill>
                     </a:uFill>
                     <a:latin typeface="Calibri"/>
@@ -253,13 +382,13 @@
                   </a:defRPr>
                 </a:pPr>
                 <a:r>
-                  <a:rPr b="0" sz="2400" spc="-1" strike="noStrike">
+                  <a:rPr lang="ru-RU" sz="2400" b="0" strike="noStrike" spc="-1">
                     <a:solidFill>
                       <a:srgbClr val="595959"/>
                     </a:solidFill>
                     <a:uFill>
                       <a:solidFill>
-                        <a:srgbClr val="ffffff"/>
+                        <a:srgbClr val="FFFFFF"/>
                       </a:solidFill>
                     </a:uFill>
                     <a:latin typeface="Calibri"/>
@@ -272,35 +401,37 @@
           </c:tx>
           <c:overlay val="0"/>
         </c:title>
-        <c:numFmt formatCode="DD/MM/YYYY" sourceLinked="1"/>
+        <c:numFmt formatCode="General" sourceLinked="1"/>
         <c:majorTickMark val="none"/>
         <c:minorTickMark val="none"/>
         <c:tickLblPos val="nextTo"/>
         <c:spPr>
           <a:ln w="9360">
             <a:solidFill>
-              <a:srgbClr val="d9d9d9"/>
+              <a:srgbClr val="D9D9D9"/>
             </a:solidFill>
             <a:round/>
           </a:ln>
         </c:spPr>
         <c:txPr>
           <a:bodyPr/>
+          <a:lstStyle/>
           <a:p>
             <a:pPr>
-              <a:defRPr b="0" sz="2400" spc="-1" strike="noStrike">
+              <a:defRPr sz="2400" b="0" strike="noStrike" spc="-1">
                 <a:solidFill>
                   <a:srgbClr val="595959"/>
                 </a:solidFill>
                 <a:uFill>
                   <a:solidFill>
-                    <a:srgbClr val="ffffff"/>
+                    <a:srgbClr val="FFFFFF"/>
                   </a:solidFill>
                 </a:uFill>
                 <a:latin typeface="Calibri"/>
                 <a:ea typeface="DejaVu Sans"/>
               </a:defRPr>
             </a:pPr>
+            <a:endParaRPr lang="en-US"/>
           </a:p>
         </c:txPr>
         <c:crossAx val="4894809"/>
@@ -308,6 +439,7 @@
         <c:auto val="1"/>
         <c:lblAlgn val="ctr"/>
         <c:lblOffset val="100"/>
+        <c:noMultiLvlLbl val="1"/>
       </c:catAx>
       <c:valAx>
         <c:axId val="4894809"/>
@@ -324,13 +456,13 @@
               <a:lstStyle/>
               <a:p>
                 <a:pPr>
-                  <a:defRPr b="0" sz="2400" spc="-1" strike="noStrike">
+                  <a:defRPr sz="2400" b="0" strike="noStrike" spc="-1">
                     <a:solidFill>
                       <a:srgbClr val="595959"/>
                     </a:solidFill>
                     <a:uFill>
                       <a:solidFill>
-                        <a:srgbClr val="ffffff"/>
+                        <a:srgbClr val="FFFFFF"/>
                       </a:solidFill>
                     </a:uFill>
                     <a:latin typeface="Calibri"/>
@@ -338,13 +470,13 @@
                   </a:defRPr>
                 </a:pPr>
                 <a:r>
-                  <a:rPr b="0" sz="2400" spc="-1" strike="noStrike">
+                  <a:rPr lang="ru-RU" sz="2400" b="0" strike="noStrike" spc="-1">
                     <a:solidFill>
                       <a:srgbClr val="595959"/>
                     </a:solidFill>
                     <a:uFill>
                       <a:solidFill>
-                        <a:srgbClr val="ffffff"/>
+                        <a:srgbClr val="FFFFFF"/>
                       </a:solidFill>
                     </a:uFill>
                     <a:latin typeface="Calibri"/>
@@ -368,25 +500,28 @@
         </c:spPr>
         <c:txPr>
           <a:bodyPr/>
+          <a:lstStyle/>
           <a:p>
             <a:pPr>
-              <a:defRPr b="0" sz="2400" spc="-1" strike="noStrike">
+              <a:defRPr sz="2400" b="0" strike="noStrike" spc="-1">
                 <a:solidFill>
                   <a:srgbClr val="595959"/>
                 </a:solidFill>
                 <a:uFill>
                   <a:solidFill>
-                    <a:srgbClr val="ffffff"/>
+                    <a:srgbClr val="FFFFFF"/>
                   </a:solidFill>
                 </a:uFill>
                 <a:latin typeface="Calibri"/>
                 <a:ea typeface="DejaVu Sans"/>
               </a:defRPr>
             </a:pPr>
+            <a:endParaRPr lang="en-US"/>
           </a:p>
         </c:txPr>
         <c:crossAx val="46969601"/>
         <c:crosses val="autoZero"/>
+        <c:crossBetween val="between"/>
       </c:valAx>
       <c:spPr>
         <a:noFill/>
@@ -397,6 +532,7 @@
     </c:plotArea>
     <c:plotVisOnly val="1"/>
     <c:dispBlanksAs val="gap"/>
+    <c:showDLblsOverMax val="1"/>
   </c:chart>
   <c:spPr>
     <a:noFill/>
@@ -408,7 +544,7 @@
 </file>
 
 <file path=ppt/slideLayouts/slideLayout1.xml><?xml version="1.0" encoding="utf-8"?>
-<p:sldLayout xmlns:a="http://schemas.openxmlformats.org/drawingml/2006/main" xmlns:p="http://schemas.openxmlformats.org/presentationml/2006/main" xmlns:r="http://schemas.openxmlformats.org/officeDocument/2006/relationships" xmlns:p14="http://schemas.microsoft.com/office/powerpoint/2010/main" xmlns:p15="http://schemas.microsoft.com/office/powerpoint/2012/main" xmlns:mc="http://schemas.openxmlformats.org/markup-compatibility/2006" type="blank" preserve="1">
+<p:sldLayout xmlns:a="http://schemas.openxmlformats.org/drawingml/2006/main" xmlns:r="http://schemas.openxmlformats.org/officeDocument/2006/relationships" xmlns:p="http://schemas.openxmlformats.org/presentationml/2006/main" type="blank" preserve="1">
   <p:cSld name="Blank Slide">
     <p:spTree>
       <p:nvGrpSpPr>
@@ -426,11 +562,14 @@
       </p:grpSpPr>
     </p:spTree>
   </p:cSld>
+  <p:clrMapOvr>
+    <a:masterClrMapping/>
+  </p:clrMapOvr>
 </p:sldLayout>
 </file>
 
 <file path=ppt/slideLayouts/slideLayout10.xml><?xml version="1.0" encoding="utf-8"?>
-<p:sldLayout xmlns:a="http://schemas.openxmlformats.org/drawingml/2006/main" xmlns:p="http://schemas.openxmlformats.org/presentationml/2006/main" xmlns:r="http://schemas.openxmlformats.org/officeDocument/2006/relationships" xmlns:p14="http://schemas.microsoft.com/office/powerpoint/2010/main" xmlns:p15="http://schemas.microsoft.com/office/powerpoint/2012/main" xmlns:mc="http://schemas.openxmlformats.org/markup-compatibility/2006" type="objOverTx" preserve="1">
+<p:sldLayout xmlns:a="http://schemas.openxmlformats.org/drawingml/2006/main" xmlns:r="http://schemas.openxmlformats.org/officeDocument/2006/relationships" xmlns:p="http://schemas.openxmlformats.org/presentationml/2006/main" type="objOverTx" preserve="1">
   <p:cSld name="Title, Content over Content">
     <p:spTree>
       <p:nvGrpSpPr>
@@ -466,15 +605,16 @@
           </a:prstGeom>
         </p:spPr>
         <p:txBody>
-          <a:bodyPr lIns="0" rIns="0" tIns="0" bIns="0" anchor="ctr"/>
+          <a:bodyPr lIns="0" tIns="0" rIns="0" bIns="0" anchor="ctr"/>
+          <a:lstStyle/>
           <a:p>
-            <a:endParaRPr b="0" lang="en-US" sz="1800" spc="-1" strike="noStrike">
+            <a:endParaRPr lang="en-US" sz="1800" b="0" strike="noStrike" spc="-1">
               <a:solidFill>
                 <a:srgbClr val="000000"/>
               </a:solidFill>
               <a:uFill>
                 <a:solidFill>
-                  <a:srgbClr val="ffffff"/>
+                  <a:srgbClr val="FFFFFF"/>
                 </a:solidFill>
               </a:uFill>
               <a:latin typeface="Arial"/>
@@ -502,15 +642,16 @@
           </a:prstGeom>
         </p:spPr>
         <p:txBody>
-          <a:bodyPr lIns="0" rIns="0" tIns="0" bIns="0"/>
+          <a:bodyPr lIns="0" tIns="0" rIns="0" bIns="0"/>
+          <a:lstStyle/>
           <a:p>
-            <a:endParaRPr b="0" lang="en-US" sz="2800" spc="-1" strike="noStrike">
+            <a:endParaRPr lang="en-US" sz="2800" b="0" strike="noStrike" spc="-1">
               <a:solidFill>
                 <a:srgbClr val="000000"/>
               </a:solidFill>
               <a:uFill>
                 <a:solidFill>
-                  <a:srgbClr val="ffffff"/>
+                  <a:srgbClr val="FFFFFF"/>
                 </a:solidFill>
               </a:uFill>
               <a:latin typeface="Arial"/>
@@ -538,15 +679,16 @@
           </a:prstGeom>
         </p:spPr>
         <p:txBody>
-          <a:bodyPr lIns="0" rIns="0" tIns="0" bIns="0"/>
+          <a:bodyPr lIns="0" tIns="0" rIns="0" bIns="0"/>
+          <a:lstStyle/>
           <a:p>
-            <a:endParaRPr b="0" lang="en-US" sz="2800" spc="-1" strike="noStrike">
+            <a:endParaRPr lang="en-US" sz="2800" b="0" strike="noStrike" spc="-1">
               <a:solidFill>
                 <a:srgbClr val="000000"/>
               </a:solidFill>
               <a:uFill>
                 <a:solidFill>
-                  <a:srgbClr val="ffffff"/>
+                  <a:srgbClr val="FFFFFF"/>
                 </a:solidFill>
               </a:uFill>
               <a:latin typeface="Arial"/>
@@ -556,11 +698,14 @@
       </p:sp>
     </p:spTree>
   </p:cSld>
+  <p:clrMapOvr>
+    <a:masterClrMapping/>
+  </p:clrMapOvr>
 </p:sldLayout>
 </file>
 
 <file path=ppt/slideLayouts/slideLayout11.xml><?xml version="1.0" encoding="utf-8"?>
-<p:sldLayout xmlns:a="http://schemas.openxmlformats.org/drawingml/2006/main" xmlns:p="http://schemas.openxmlformats.org/presentationml/2006/main" xmlns:r="http://schemas.openxmlformats.org/officeDocument/2006/relationships" xmlns:p14="http://schemas.microsoft.com/office/powerpoint/2010/main" xmlns:p15="http://schemas.microsoft.com/office/powerpoint/2012/main" xmlns:mc="http://schemas.openxmlformats.org/markup-compatibility/2006" type="fourObj" preserve="1">
+<p:sldLayout xmlns:a="http://schemas.openxmlformats.org/drawingml/2006/main" xmlns:r="http://schemas.openxmlformats.org/officeDocument/2006/relationships" xmlns:p="http://schemas.openxmlformats.org/presentationml/2006/main" type="fourObj" preserve="1">
   <p:cSld name="Title, 4 Content">
     <p:spTree>
       <p:nvGrpSpPr>
@@ -596,15 +741,16 @@
           </a:prstGeom>
         </p:spPr>
         <p:txBody>
-          <a:bodyPr lIns="0" rIns="0" tIns="0" bIns="0" anchor="ctr"/>
+          <a:bodyPr lIns="0" tIns="0" rIns="0" bIns="0" anchor="ctr"/>
+          <a:lstStyle/>
           <a:p>
-            <a:endParaRPr b="0" lang="en-US" sz="1800" spc="-1" strike="noStrike">
+            <a:endParaRPr lang="en-US" sz="1800" b="0" strike="noStrike" spc="-1">
               <a:solidFill>
                 <a:srgbClr val="000000"/>
               </a:solidFill>
               <a:uFill>
                 <a:solidFill>
-                  <a:srgbClr val="ffffff"/>
+                  <a:srgbClr val="FFFFFF"/>
                 </a:solidFill>
               </a:uFill>
               <a:latin typeface="Arial"/>
@@ -632,15 +778,16 @@
           </a:prstGeom>
         </p:spPr>
         <p:txBody>
-          <a:bodyPr lIns="0" rIns="0" tIns="0" bIns="0"/>
+          <a:bodyPr lIns="0" tIns="0" rIns="0" bIns="0"/>
+          <a:lstStyle/>
           <a:p>
-            <a:endParaRPr b="0" lang="en-US" sz="2800" spc="-1" strike="noStrike">
+            <a:endParaRPr lang="en-US" sz="2800" b="0" strike="noStrike" spc="-1">
               <a:solidFill>
                 <a:srgbClr val="000000"/>
               </a:solidFill>
               <a:uFill>
                 <a:solidFill>
-                  <a:srgbClr val="ffffff"/>
+                  <a:srgbClr val="FFFFFF"/>
                 </a:solidFill>
               </a:uFill>
               <a:latin typeface="Arial"/>
@@ -668,15 +815,16 @@
           </a:prstGeom>
         </p:spPr>
         <p:txBody>
-          <a:bodyPr lIns="0" rIns="0" tIns="0" bIns="0"/>
+          <a:bodyPr lIns="0" tIns="0" rIns="0" bIns="0"/>
+          <a:lstStyle/>
           <a:p>
-            <a:endParaRPr b="0" lang="en-US" sz="2800" spc="-1" strike="noStrike">
+            <a:endParaRPr lang="en-US" sz="2800" b="0" strike="noStrike" spc="-1">
               <a:solidFill>
                 <a:srgbClr val="000000"/>
               </a:solidFill>
               <a:uFill>
                 <a:solidFill>
-                  <a:srgbClr val="ffffff"/>
+                  <a:srgbClr val="FFFFFF"/>
                 </a:solidFill>
               </a:uFill>
               <a:latin typeface="Arial"/>
@@ -704,15 +852,16 @@
           </a:prstGeom>
         </p:spPr>
         <p:txBody>
-          <a:bodyPr lIns="0" rIns="0" tIns="0" bIns="0"/>
+          <a:bodyPr lIns="0" tIns="0" rIns="0" bIns="0"/>
+          <a:lstStyle/>
           <a:p>
-            <a:endParaRPr b="0" lang="en-US" sz="2800" spc="-1" strike="noStrike">
+            <a:endParaRPr lang="en-US" sz="2800" b="0" strike="noStrike" spc="-1">
               <a:solidFill>
                 <a:srgbClr val="000000"/>
               </a:solidFill>
               <a:uFill>
                 <a:solidFill>
-                  <a:srgbClr val="ffffff"/>
+                  <a:srgbClr val="FFFFFF"/>
                 </a:solidFill>
               </a:uFill>
               <a:latin typeface="Arial"/>
@@ -740,15 +889,16 @@
           </a:prstGeom>
         </p:spPr>
         <p:txBody>
-          <a:bodyPr lIns="0" rIns="0" tIns="0" bIns="0"/>
+          <a:bodyPr lIns="0" tIns="0" rIns="0" bIns="0"/>
+          <a:lstStyle/>
           <a:p>
-            <a:endParaRPr b="0" lang="en-US" sz="2800" spc="-1" strike="noStrike">
+            <a:endParaRPr lang="en-US" sz="2800" b="0" strike="noStrike" spc="-1">
               <a:solidFill>
                 <a:srgbClr val="000000"/>
               </a:solidFill>
               <a:uFill>
                 <a:solidFill>
-                  <a:srgbClr val="ffffff"/>
+                  <a:srgbClr val="FFFFFF"/>
                 </a:solidFill>
               </a:uFill>
               <a:latin typeface="Arial"/>
@@ -758,11 +908,14 @@
       </p:sp>
     </p:spTree>
   </p:cSld>
+  <p:clrMapOvr>
+    <a:masterClrMapping/>
+  </p:clrMapOvr>
 </p:sldLayout>
 </file>
 
 <file path=ppt/slideLayouts/slideLayout12.xml><?xml version="1.0" encoding="utf-8"?>
-<p:sldLayout xmlns:a="http://schemas.openxmlformats.org/drawingml/2006/main" xmlns:p="http://schemas.openxmlformats.org/presentationml/2006/main" xmlns:r="http://schemas.openxmlformats.org/officeDocument/2006/relationships" xmlns:p14="http://schemas.microsoft.com/office/powerpoint/2010/main" xmlns:p15="http://schemas.microsoft.com/office/powerpoint/2012/main" xmlns:mc="http://schemas.openxmlformats.org/markup-compatibility/2006" type="blank" preserve="1">
+<p:sldLayout xmlns:a="http://schemas.openxmlformats.org/drawingml/2006/main" xmlns:r="http://schemas.openxmlformats.org/officeDocument/2006/relationships" xmlns:p="http://schemas.openxmlformats.org/presentationml/2006/main" type="blank" preserve="1">
   <p:cSld name="Title, 6 Content">
     <p:spTree>
       <p:nvGrpSpPr>
@@ -798,15 +951,16 @@
           </a:prstGeom>
         </p:spPr>
         <p:txBody>
-          <a:bodyPr lIns="0" rIns="0" tIns="0" bIns="0" anchor="ctr"/>
+          <a:bodyPr lIns="0" tIns="0" rIns="0" bIns="0" anchor="ctr"/>
+          <a:lstStyle/>
           <a:p>
-            <a:endParaRPr b="0" lang="en-US" sz="1800" spc="-1" strike="noStrike">
+            <a:endParaRPr lang="en-US" sz="1800" b="0" strike="noStrike" spc="-1">
               <a:solidFill>
                 <a:srgbClr val="000000"/>
               </a:solidFill>
               <a:uFill>
                 <a:solidFill>
-                  <a:srgbClr val="ffffff"/>
+                  <a:srgbClr val="FFFFFF"/>
                 </a:solidFill>
               </a:uFill>
               <a:latin typeface="Arial"/>
@@ -834,15 +988,16 @@
           </a:prstGeom>
         </p:spPr>
         <p:txBody>
-          <a:bodyPr lIns="0" rIns="0" tIns="0" bIns="0"/>
+          <a:bodyPr lIns="0" tIns="0" rIns="0" bIns="0"/>
+          <a:lstStyle/>
           <a:p>
-            <a:endParaRPr b="0" lang="en-US" sz="2800" spc="-1" strike="noStrike">
+            <a:endParaRPr lang="en-US" sz="2800" b="0" strike="noStrike" spc="-1">
               <a:solidFill>
                 <a:srgbClr val="000000"/>
               </a:solidFill>
               <a:uFill>
                 <a:solidFill>
-                  <a:srgbClr val="ffffff"/>
+                  <a:srgbClr val="FFFFFF"/>
                 </a:solidFill>
               </a:uFill>
               <a:latin typeface="Arial"/>
@@ -870,15 +1025,16 @@
           </a:prstGeom>
         </p:spPr>
         <p:txBody>
-          <a:bodyPr lIns="0" rIns="0" tIns="0" bIns="0"/>
+          <a:bodyPr lIns="0" tIns="0" rIns="0" bIns="0"/>
+          <a:lstStyle/>
           <a:p>
-            <a:endParaRPr b="0" lang="en-US" sz="2800" spc="-1" strike="noStrike">
+            <a:endParaRPr lang="en-US" sz="2800" b="0" strike="noStrike" spc="-1">
               <a:solidFill>
                 <a:srgbClr val="000000"/>
               </a:solidFill>
               <a:uFill>
                 <a:solidFill>
-                  <a:srgbClr val="ffffff"/>
+                  <a:srgbClr val="FFFFFF"/>
                 </a:solidFill>
               </a:uFill>
               <a:latin typeface="Arial"/>
@@ -888,7 +1044,7 @@
       </p:sp>
       <p:pic>
         <p:nvPicPr>
-          <p:cNvPr id="33" name="" descr=""/>
+          <p:cNvPr id="33" name="Picture 32"/>
           <p:cNvPicPr/>
           <p:nvPr/>
         </p:nvPicPr>
@@ -911,12 +1067,12 @@
       </p:pic>
       <p:pic>
         <p:nvPicPr>
-          <p:cNvPr id="34" name="" descr=""/>
+          <p:cNvPr id="34" name="Picture 33"/>
           <p:cNvPicPr/>
           <p:nvPr/>
         </p:nvPicPr>
         <p:blipFill>
-          <a:blip r:embed="rId3"/>
+          <a:blip r:embed="rId2"/>
           <a:stretch/>
         </p:blipFill>
         <p:spPr>
@@ -934,11 +1090,14 @@
       </p:pic>
     </p:spTree>
   </p:cSld>
+  <p:clrMapOvr>
+    <a:masterClrMapping/>
+  </p:clrMapOvr>
 </p:sldLayout>
 </file>
 
 <file path=ppt/slideLayouts/slideLayout2.xml><?xml version="1.0" encoding="utf-8"?>
-<p:sldLayout xmlns:a="http://schemas.openxmlformats.org/drawingml/2006/main" xmlns:p="http://schemas.openxmlformats.org/presentationml/2006/main" xmlns:r="http://schemas.openxmlformats.org/officeDocument/2006/relationships" xmlns:p14="http://schemas.microsoft.com/office/powerpoint/2010/main" xmlns:p15="http://schemas.microsoft.com/office/powerpoint/2012/main" xmlns:mc="http://schemas.openxmlformats.org/markup-compatibility/2006" type="tx" preserve="1">
+<p:sldLayout xmlns:a="http://schemas.openxmlformats.org/drawingml/2006/main" xmlns:r="http://schemas.openxmlformats.org/officeDocument/2006/relationships" xmlns:p="http://schemas.openxmlformats.org/presentationml/2006/main" type="tx" preserve="1">
   <p:cSld name="Title Slide">
     <p:spTree>
       <p:nvGrpSpPr>
@@ -956,7 +1115,7 @@
       </p:grpSpPr>
       <p:sp>
         <p:nvSpPr>
-          <p:cNvPr id="1" name="PlaceHolder 1"/>
+          <p:cNvPr id="3" name="PlaceHolder 1"/>
           <p:cNvSpPr>
             <a:spLocks noGrp="1"/>
           </p:cNvSpPr>
@@ -974,15 +1133,16 @@
           </a:prstGeom>
         </p:spPr>
         <p:txBody>
-          <a:bodyPr lIns="0" rIns="0" tIns="0" bIns="0" anchor="ctr"/>
+          <a:bodyPr lIns="0" tIns="0" rIns="0" bIns="0" anchor="ctr"/>
+          <a:lstStyle/>
           <a:p>
-            <a:endParaRPr b="0" lang="en-US" sz="1800" spc="-1" strike="noStrike">
+            <a:endParaRPr lang="en-US" sz="1800" b="0" strike="noStrike" spc="-1">
               <a:solidFill>
                 <a:srgbClr val="000000"/>
               </a:solidFill>
               <a:uFill>
                 <a:solidFill>
-                  <a:srgbClr val="ffffff"/>
+                  <a:srgbClr val="FFFFFF"/>
                 </a:solidFill>
               </a:uFill>
               <a:latin typeface="Arial"/>
@@ -1010,16 +1170,17 @@
           </a:prstGeom>
         </p:spPr>
         <p:txBody>
-          <a:bodyPr lIns="0" rIns="0" tIns="0" bIns="0" anchor="ctr"/>
+          <a:bodyPr lIns="0" tIns="0" rIns="0" bIns="0" anchor="ctr"/>
+          <a:lstStyle/>
           <a:p>
             <a:pPr algn="ctr"/>
-            <a:endParaRPr b="0" lang="ru-RU" sz="3200" spc="-1" strike="noStrike">
+            <a:endParaRPr lang="ru-RU" sz="3200" b="0" strike="noStrike" spc="-1">
               <a:solidFill>
                 <a:srgbClr val="000000"/>
               </a:solidFill>
               <a:uFill>
                 <a:solidFill>
-                  <a:srgbClr val="ffffff"/>
+                  <a:srgbClr val="FFFFFF"/>
                 </a:solidFill>
               </a:uFill>
               <a:latin typeface="Arial"/>
@@ -1029,11 +1190,14 @@
       </p:sp>
     </p:spTree>
   </p:cSld>
+  <p:clrMapOvr>
+    <a:masterClrMapping/>
+  </p:clrMapOvr>
 </p:sldLayout>
 </file>
 
 <file path=ppt/slideLayouts/slideLayout3.xml><?xml version="1.0" encoding="utf-8"?>
-<p:sldLayout xmlns:a="http://schemas.openxmlformats.org/drawingml/2006/main" xmlns:p="http://schemas.openxmlformats.org/presentationml/2006/main" xmlns:r="http://schemas.openxmlformats.org/officeDocument/2006/relationships" xmlns:p14="http://schemas.microsoft.com/office/powerpoint/2010/main" xmlns:p15="http://schemas.microsoft.com/office/powerpoint/2012/main" xmlns:mc="http://schemas.openxmlformats.org/markup-compatibility/2006" type="obj" preserve="1">
+<p:sldLayout xmlns:a="http://schemas.openxmlformats.org/drawingml/2006/main" xmlns:r="http://schemas.openxmlformats.org/officeDocument/2006/relationships" xmlns:p="http://schemas.openxmlformats.org/presentationml/2006/main" type="obj" preserve="1">
   <p:cSld name="Title, Content">
     <p:spTree>
       <p:nvGrpSpPr>
@@ -1069,15 +1233,16 @@
           </a:prstGeom>
         </p:spPr>
         <p:txBody>
-          <a:bodyPr lIns="0" rIns="0" tIns="0" bIns="0" anchor="ctr"/>
+          <a:bodyPr lIns="0" tIns="0" rIns="0" bIns="0" anchor="ctr"/>
+          <a:lstStyle/>
           <a:p>
-            <a:endParaRPr b="0" lang="en-US" sz="1800" spc="-1" strike="noStrike">
+            <a:endParaRPr lang="en-US" sz="1800" b="0" strike="noStrike" spc="-1">
               <a:solidFill>
                 <a:srgbClr val="000000"/>
               </a:solidFill>
               <a:uFill>
                 <a:solidFill>
-                  <a:srgbClr val="ffffff"/>
+                  <a:srgbClr val="FFFFFF"/>
                 </a:solidFill>
               </a:uFill>
               <a:latin typeface="Arial"/>
@@ -1105,15 +1270,16 @@
           </a:prstGeom>
         </p:spPr>
         <p:txBody>
-          <a:bodyPr lIns="0" rIns="0" tIns="0" bIns="0"/>
+          <a:bodyPr lIns="0" tIns="0" rIns="0" bIns="0"/>
+          <a:lstStyle/>
           <a:p>
-            <a:endParaRPr b="0" lang="en-US" sz="2800" spc="-1" strike="noStrike">
+            <a:endParaRPr lang="en-US" sz="2800" b="0" strike="noStrike" spc="-1">
               <a:solidFill>
                 <a:srgbClr val="000000"/>
               </a:solidFill>
               <a:uFill>
                 <a:solidFill>
-                  <a:srgbClr val="ffffff"/>
+                  <a:srgbClr val="FFFFFF"/>
                 </a:solidFill>
               </a:uFill>
               <a:latin typeface="Arial"/>
@@ -1123,11 +1289,14 @@
       </p:sp>
     </p:spTree>
   </p:cSld>
+  <p:clrMapOvr>
+    <a:masterClrMapping/>
+  </p:clrMapOvr>
 </p:sldLayout>
 </file>
 
 <file path=ppt/slideLayouts/slideLayout4.xml><?xml version="1.0" encoding="utf-8"?>
-<p:sldLayout xmlns:a="http://schemas.openxmlformats.org/drawingml/2006/main" xmlns:p="http://schemas.openxmlformats.org/presentationml/2006/main" xmlns:r="http://schemas.openxmlformats.org/officeDocument/2006/relationships" xmlns:p14="http://schemas.microsoft.com/office/powerpoint/2010/main" xmlns:p15="http://schemas.microsoft.com/office/powerpoint/2012/main" xmlns:mc="http://schemas.openxmlformats.org/markup-compatibility/2006" type="twoObj" preserve="1">
+<p:sldLayout xmlns:a="http://schemas.openxmlformats.org/drawingml/2006/main" xmlns:r="http://schemas.openxmlformats.org/officeDocument/2006/relationships" xmlns:p="http://schemas.openxmlformats.org/presentationml/2006/main" type="twoObj" preserve="1">
   <p:cSld name="Title, 2 Content">
     <p:spTree>
       <p:nvGrpSpPr>
@@ -1163,15 +1332,16 @@
           </a:prstGeom>
         </p:spPr>
         <p:txBody>
-          <a:bodyPr lIns="0" rIns="0" tIns="0" bIns="0" anchor="ctr"/>
+          <a:bodyPr lIns="0" tIns="0" rIns="0" bIns="0" anchor="ctr"/>
+          <a:lstStyle/>
           <a:p>
-            <a:endParaRPr b="0" lang="en-US" sz="1800" spc="-1" strike="noStrike">
+            <a:endParaRPr lang="en-US" sz="1800" b="0" strike="noStrike" spc="-1">
               <a:solidFill>
                 <a:srgbClr val="000000"/>
               </a:solidFill>
               <a:uFill>
                 <a:solidFill>
-                  <a:srgbClr val="ffffff"/>
+                  <a:srgbClr val="FFFFFF"/>
                 </a:solidFill>
               </a:uFill>
               <a:latin typeface="Arial"/>
@@ -1199,15 +1369,16 @@
           </a:prstGeom>
         </p:spPr>
         <p:txBody>
-          <a:bodyPr lIns="0" rIns="0" tIns="0" bIns="0"/>
+          <a:bodyPr lIns="0" tIns="0" rIns="0" bIns="0"/>
+          <a:lstStyle/>
           <a:p>
-            <a:endParaRPr b="0" lang="en-US" sz="2800" spc="-1" strike="noStrike">
+            <a:endParaRPr lang="en-US" sz="2800" b="0" strike="noStrike" spc="-1">
               <a:solidFill>
                 <a:srgbClr val="000000"/>
               </a:solidFill>
               <a:uFill>
                 <a:solidFill>
-                  <a:srgbClr val="ffffff"/>
+                  <a:srgbClr val="FFFFFF"/>
                 </a:solidFill>
               </a:uFill>
               <a:latin typeface="Arial"/>
@@ -1235,15 +1406,16 @@
           </a:prstGeom>
         </p:spPr>
         <p:txBody>
-          <a:bodyPr lIns="0" rIns="0" tIns="0" bIns="0"/>
+          <a:bodyPr lIns="0" tIns="0" rIns="0" bIns="0"/>
+          <a:lstStyle/>
           <a:p>
-            <a:endParaRPr b="0" lang="en-US" sz="2800" spc="-1" strike="noStrike">
+            <a:endParaRPr lang="en-US" sz="2800" b="0" strike="noStrike" spc="-1">
               <a:solidFill>
                 <a:srgbClr val="000000"/>
               </a:solidFill>
               <a:uFill>
                 <a:solidFill>
-                  <a:srgbClr val="ffffff"/>
+                  <a:srgbClr val="FFFFFF"/>
                 </a:solidFill>
               </a:uFill>
               <a:latin typeface="Arial"/>
@@ -1253,11 +1425,14 @@
       </p:sp>
     </p:spTree>
   </p:cSld>
+  <p:clrMapOvr>
+    <a:masterClrMapping/>
+  </p:clrMapOvr>
 </p:sldLayout>
 </file>
 
 <file path=ppt/slideLayouts/slideLayout5.xml><?xml version="1.0" encoding="utf-8"?>
-<p:sldLayout xmlns:a="http://schemas.openxmlformats.org/drawingml/2006/main" xmlns:p="http://schemas.openxmlformats.org/presentationml/2006/main" xmlns:r="http://schemas.openxmlformats.org/officeDocument/2006/relationships" xmlns:p14="http://schemas.microsoft.com/office/powerpoint/2010/main" xmlns:p15="http://schemas.microsoft.com/office/powerpoint/2012/main" xmlns:mc="http://schemas.openxmlformats.org/markup-compatibility/2006" type="titleOnly" preserve="1">
+<p:sldLayout xmlns:a="http://schemas.openxmlformats.org/drawingml/2006/main" xmlns:r="http://schemas.openxmlformats.org/officeDocument/2006/relationships" xmlns:p="http://schemas.openxmlformats.org/presentationml/2006/main" type="titleOnly" preserve="1">
   <p:cSld name="Title Only">
     <p:spTree>
       <p:nvGrpSpPr>
@@ -1293,15 +1468,16 @@
           </a:prstGeom>
         </p:spPr>
         <p:txBody>
-          <a:bodyPr lIns="0" rIns="0" tIns="0" bIns="0" anchor="ctr"/>
+          <a:bodyPr lIns="0" tIns="0" rIns="0" bIns="0" anchor="ctr"/>
+          <a:lstStyle/>
           <a:p>
-            <a:endParaRPr b="0" lang="en-US" sz="1800" spc="-1" strike="noStrike">
+            <a:endParaRPr lang="en-US" sz="1800" b="0" strike="noStrike" spc="-1">
               <a:solidFill>
                 <a:srgbClr val="000000"/>
               </a:solidFill>
               <a:uFill>
                 <a:solidFill>
-                  <a:srgbClr val="ffffff"/>
+                  <a:srgbClr val="FFFFFF"/>
                 </a:solidFill>
               </a:uFill>
               <a:latin typeface="Arial"/>
@@ -1311,11 +1487,14 @@
       </p:sp>
     </p:spTree>
   </p:cSld>
+  <p:clrMapOvr>
+    <a:masterClrMapping/>
+  </p:clrMapOvr>
 </p:sldLayout>
 </file>
 
 <file path=ppt/slideLayouts/slideLayout6.xml><?xml version="1.0" encoding="utf-8"?>
-<p:sldLayout xmlns:a="http://schemas.openxmlformats.org/drawingml/2006/main" xmlns:p="http://schemas.openxmlformats.org/presentationml/2006/main" xmlns:r="http://schemas.openxmlformats.org/officeDocument/2006/relationships" xmlns:p14="http://schemas.microsoft.com/office/powerpoint/2010/main" xmlns:p15="http://schemas.microsoft.com/office/powerpoint/2012/main" xmlns:mc="http://schemas.openxmlformats.org/markup-compatibility/2006" type="objOnly" preserve="1">
+<p:sldLayout xmlns:a="http://schemas.openxmlformats.org/drawingml/2006/main" xmlns:r="http://schemas.openxmlformats.org/officeDocument/2006/relationships" xmlns:p="http://schemas.openxmlformats.org/presentationml/2006/main" type="objOnly" preserve="1">
   <p:cSld name="Centered Text">
     <p:spTree>
       <p:nvGrpSpPr>
@@ -1351,16 +1530,17 @@
           </a:prstGeom>
         </p:spPr>
         <p:txBody>
-          <a:bodyPr lIns="0" rIns="0" tIns="0" bIns="0" anchor="ctr"/>
+          <a:bodyPr lIns="0" tIns="0" rIns="0" bIns="0" anchor="ctr"/>
+          <a:lstStyle/>
           <a:p>
             <a:pPr algn="ctr"/>
-            <a:endParaRPr b="0" lang="ru-RU" sz="3200" spc="-1" strike="noStrike">
+            <a:endParaRPr lang="ru-RU" sz="3200" b="0" strike="noStrike" spc="-1">
               <a:solidFill>
                 <a:srgbClr val="000000"/>
               </a:solidFill>
               <a:uFill>
                 <a:solidFill>
-                  <a:srgbClr val="ffffff"/>
+                  <a:srgbClr val="FFFFFF"/>
                 </a:solidFill>
               </a:uFill>
               <a:latin typeface="Arial"/>
@@ -1370,11 +1550,14 @@
       </p:sp>
     </p:spTree>
   </p:cSld>
+  <p:clrMapOvr>
+    <a:masterClrMapping/>
+  </p:clrMapOvr>
 </p:sldLayout>
 </file>
 
 <file path=ppt/slideLayouts/slideLayout7.xml><?xml version="1.0" encoding="utf-8"?>
-<p:sldLayout xmlns:a="http://schemas.openxmlformats.org/drawingml/2006/main" xmlns:p="http://schemas.openxmlformats.org/presentationml/2006/main" xmlns:r="http://schemas.openxmlformats.org/officeDocument/2006/relationships" xmlns:p14="http://schemas.microsoft.com/office/powerpoint/2010/main" xmlns:p15="http://schemas.microsoft.com/office/powerpoint/2012/main" xmlns:mc="http://schemas.openxmlformats.org/markup-compatibility/2006" type="twoObjAndObj" preserve="1">
+<p:sldLayout xmlns:a="http://schemas.openxmlformats.org/drawingml/2006/main" xmlns:r="http://schemas.openxmlformats.org/officeDocument/2006/relationships" xmlns:p="http://schemas.openxmlformats.org/presentationml/2006/main" type="twoObjAndObj" preserve="1">
   <p:cSld name="Title, 2 Content and Content">
     <p:spTree>
       <p:nvGrpSpPr>
@@ -1410,15 +1593,16 @@
           </a:prstGeom>
         </p:spPr>
         <p:txBody>
-          <a:bodyPr lIns="0" rIns="0" tIns="0" bIns="0" anchor="ctr"/>
+          <a:bodyPr lIns="0" tIns="0" rIns="0" bIns="0" anchor="ctr"/>
+          <a:lstStyle/>
           <a:p>
-            <a:endParaRPr b="0" lang="en-US" sz="1800" spc="-1" strike="noStrike">
+            <a:endParaRPr lang="en-US" sz="1800" b="0" strike="noStrike" spc="-1">
               <a:solidFill>
                 <a:srgbClr val="000000"/>
               </a:solidFill>
               <a:uFill>
                 <a:solidFill>
-                  <a:srgbClr val="ffffff"/>
+                  <a:srgbClr val="FFFFFF"/>
                 </a:solidFill>
               </a:uFill>
               <a:latin typeface="Arial"/>
@@ -1446,15 +1630,16 @@
           </a:prstGeom>
         </p:spPr>
         <p:txBody>
-          <a:bodyPr lIns="0" rIns="0" tIns="0" bIns="0"/>
+          <a:bodyPr lIns="0" tIns="0" rIns="0" bIns="0"/>
+          <a:lstStyle/>
           <a:p>
-            <a:endParaRPr b="0" lang="en-US" sz="2800" spc="-1" strike="noStrike">
+            <a:endParaRPr lang="en-US" sz="2800" b="0" strike="noStrike" spc="-1">
               <a:solidFill>
                 <a:srgbClr val="000000"/>
               </a:solidFill>
               <a:uFill>
                 <a:solidFill>
-                  <a:srgbClr val="ffffff"/>
+                  <a:srgbClr val="FFFFFF"/>
                 </a:solidFill>
               </a:uFill>
               <a:latin typeface="Arial"/>
@@ -1482,15 +1667,16 @@
           </a:prstGeom>
         </p:spPr>
         <p:txBody>
-          <a:bodyPr lIns="0" rIns="0" tIns="0" bIns="0"/>
+          <a:bodyPr lIns="0" tIns="0" rIns="0" bIns="0"/>
+          <a:lstStyle/>
           <a:p>
-            <a:endParaRPr b="0" lang="en-US" sz="2800" spc="-1" strike="noStrike">
+            <a:endParaRPr lang="en-US" sz="2800" b="0" strike="noStrike" spc="-1">
               <a:solidFill>
                 <a:srgbClr val="000000"/>
               </a:solidFill>
               <a:uFill>
                 <a:solidFill>
-                  <a:srgbClr val="ffffff"/>
+                  <a:srgbClr val="FFFFFF"/>
                 </a:solidFill>
               </a:uFill>
               <a:latin typeface="Arial"/>
@@ -1518,15 +1704,16 @@
           </a:prstGeom>
         </p:spPr>
         <p:txBody>
-          <a:bodyPr lIns="0" rIns="0" tIns="0" bIns="0"/>
+          <a:bodyPr lIns="0" tIns="0" rIns="0" bIns="0"/>
+          <a:lstStyle/>
           <a:p>
-            <a:endParaRPr b="0" lang="en-US" sz="2800" spc="-1" strike="noStrike">
+            <a:endParaRPr lang="en-US" sz="2800" b="0" strike="noStrike" spc="-1">
               <a:solidFill>
                 <a:srgbClr val="000000"/>
               </a:solidFill>
               <a:uFill>
                 <a:solidFill>
-                  <a:srgbClr val="ffffff"/>
+                  <a:srgbClr val="FFFFFF"/>
                 </a:solidFill>
               </a:uFill>
               <a:latin typeface="Arial"/>
@@ -1536,11 +1723,14 @@
       </p:sp>
     </p:spTree>
   </p:cSld>
+  <p:clrMapOvr>
+    <a:masterClrMapping/>
+  </p:clrMapOvr>
 </p:sldLayout>
 </file>
 
 <file path=ppt/slideLayouts/slideLayout8.xml><?xml version="1.0" encoding="utf-8"?>
-<p:sldLayout xmlns:a="http://schemas.openxmlformats.org/drawingml/2006/main" xmlns:p="http://schemas.openxmlformats.org/presentationml/2006/main" xmlns:r="http://schemas.openxmlformats.org/officeDocument/2006/relationships" xmlns:p14="http://schemas.microsoft.com/office/powerpoint/2010/main" xmlns:p15="http://schemas.microsoft.com/office/powerpoint/2012/main" xmlns:mc="http://schemas.openxmlformats.org/markup-compatibility/2006" type="objAndTwoObj" preserve="1">
+<p:sldLayout xmlns:a="http://schemas.openxmlformats.org/drawingml/2006/main" xmlns:r="http://schemas.openxmlformats.org/officeDocument/2006/relationships" xmlns:p="http://schemas.openxmlformats.org/presentationml/2006/main" type="objAndTwoObj" preserve="1">
   <p:cSld name="Title Content and 2 Content">
     <p:spTree>
       <p:nvGrpSpPr>
@@ -1576,15 +1766,16 @@
           </a:prstGeom>
         </p:spPr>
         <p:txBody>
-          <a:bodyPr lIns="0" rIns="0" tIns="0" bIns="0" anchor="ctr"/>
+          <a:bodyPr lIns="0" tIns="0" rIns="0" bIns="0" anchor="ctr"/>
+          <a:lstStyle/>
           <a:p>
-            <a:endParaRPr b="0" lang="en-US" sz="1800" spc="-1" strike="noStrike">
+            <a:endParaRPr lang="en-US" sz="1800" b="0" strike="noStrike" spc="-1">
               <a:solidFill>
                 <a:srgbClr val="000000"/>
               </a:solidFill>
               <a:uFill>
                 <a:solidFill>
-                  <a:srgbClr val="ffffff"/>
+                  <a:srgbClr val="FFFFFF"/>
                 </a:solidFill>
               </a:uFill>
               <a:latin typeface="Arial"/>
@@ -1612,15 +1803,16 @@
           </a:prstGeom>
         </p:spPr>
         <p:txBody>
-          <a:bodyPr lIns="0" rIns="0" tIns="0" bIns="0"/>
+          <a:bodyPr lIns="0" tIns="0" rIns="0" bIns="0"/>
+          <a:lstStyle/>
           <a:p>
-            <a:endParaRPr b="0" lang="en-US" sz="2800" spc="-1" strike="noStrike">
+            <a:endParaRPr lang="en-US" sz="2800" b="0" strike="noStrike" spc="-1">
               <a:solidFill>
                 <a:srgbClr val="000000"/>
               </a:solidFill>
               <a:uFill>
                 <a:solidFill>
-                  <a:srgbClr val="ffffff"/>
+                  <a:srgbClr val="FFFFFF"/>
                 </a:solidFill>
               </a:uFill>
               <a:latin typeface="Arial"/>
@@ -1648,15 +1840,16 @@
           </a:prstGeom>
         </p:spPr>
         <p:txBody>
-          <a:bodyPr lIns="0" rIns="0" tIns="0" bIns="0"/>
+          <a:bodyPr lIns="0" tIns="0" rIns="0" bIns="0"/>
+          <a:lstStyle/>
           <a:p>
-            <a:endParaRPr b="0" lang="en-US" sz="2800" spc="-1" strike="noStrike">
+            <a:endParaRPr lang="en-US" sz="2800" b="0" strike="noStrike" spc="-1">
               <a:solidFill>
                 <a:srgbClr val="000000"/>
               </a:solidFill>
               <a:uFill>
                 <a:solidFill>
-                  <a:srgbClr val="ffffff"/>
+                  <a:srgbClr val="FFFFFF"/>
                 </a:solidFill>
               </a:uFill>
               <a:latin typeface="Arial"/>
@@ -1684,15 +1877,16 @@
           </a:prstGeom>
         </p:spPr>
         <p:txBody>
-          <a:bodyPr lIns="0" rIns="0" tIns="0" bIns="0"/>
+          <a:bodyPr lIns="0" tIns="0" rIns="0" bIns="0"/>
+          <a:lstStyle/>
           <a:p>
-            <a:endParaRPr b="0" lang="en-US" sz="2800" spc="-1" strike="noStrike">
+            <a:endParaRPr lang="en-US" sz="2800" b="0" strike="noStrike" spc="-1">
               <a:solidFill>
                 <a:srgbClr val="000000"/>
               </a:solidFill>
               <a:uFill>
                 <a:solidFill>
-                  <a:srgbClr val="ffffff"/>
+                  <a:srgbClr val="FFFFFF"/>
                 </a:solidFill>
               </a:uFill>
               <a:latin typeface="Arial"/>
@@ -1702,11 +1896,14 @@
       </p:sp>
     </p:spTree>
   </p:cSld>
+  <p:clrMapOvr>
+    <a:masterClrMapping/>
+  </p:clrMapOvr>
 </p:sldLayout>
 </file>
 
 <file path=ppt/slideLayouts/slideLayout9.xml><?xml version="1.0" encoding="utf-8"?>
-<p:sldLayout xmlns:a="http://schemas.openxmlformats.org/drawingml/2006/main" xmlns:p="http://schemas.openxmlformats.org/presentationml/2006/main" xmlns:r="http://schemas.openxmlformats.org/officeDocument/2006/relationships" xmlns:p14="http://schemas.microsoft.com/office/powerpoint/2010/main" xmlns:p15="http://schemas.microsoft.com/office/powerpoint/2012/main" xmlns:mc="http://schemas.openxmlformats.org/markup-compatibility/2006" type="twoObjOverTx" preserve="1">
+<p:sldLayout xmlns:a="http://schemas.openxmlformats.org/drawingml/2006/main" xmlns:r="http://schemas.openxmlformats.org/officeDocument/2006/relationships" xmlns:p="http://schemas.openxmlformats.org/presentationml/2006/main" type="twoObjOverTx" preserve="1">
   <p:cSld name="Title, 2 Content over Content">
     <p:spTree>
       <p:nvGrpSpPr>
@@ -1742,15 +1939,16 @@
           </a:prstGeom>
         </p:spPr>
         <p:txBody>
-          <a:bodyPr lIns="0" rIns="0" tIns="0" bIns="0" anchor="ctr"/>
+          <a:bodyPr lIns="0" tIns="0" rIns="0" bIns="0" anchor="ctr"/>
+          <a:lstStyle/>
           <a:p>
-            <a:endParaRPr b="0" lang="en-US" sz="1800" spc="-1" strike="noStrike">
+            <a:endParaRPr lang="en-US" sz="1800" b="0" strike="noStrike" spc="-1">
               <a:solidFill>
                 <a:srgbClr val="000000"/>
               </a:solidFill>
               <a:uFill>
                 <a:solidFill>
-                  <a:srgbClr val="ffffff"/>
+                  <a:srgbClr val="FFFFFF"/>
                 </a:solidFill>
               </a:uFill>
               <a:latin typeface="Arial"/>
@@ -1778,15 +1976,16 @@
           </a:prstGeom>
         </p:spPr>
         <p:txBody>
-          <a:bodyPr lIns="0" rIns="0" tIns="0" bIns="0"/>
+          <a:bodyPr lIns="0" tIns="0" rIns="0" bIns="0"/>
+          <a:lstStyle/>
           <a:p>
-            <a:endParaRPr b="0" lang="en-US" sz="2800" spc="-1" strike="noStrike">
+            <a:endParaRPr lang="en-US" sz="2800" b="0" strike="noStrike" spc="-1">
               <a:solidFill>
                 <a:srgbClr val="000000"/>
               </a:solidFill>
               <a:uFill>
                 <a:solidFill>
-                  <a:srgbClr val="ffffff"/>
+                  <a:srgbClr val="FFFFFF"/>
                 </a:solidFill>
               </a:uFill>
               <a:latin typeface="Arial"/>
@@ -1814,15 +2013,16 @@
           </a:prstGeom>
         </p:spPr>
         <p:txBody>
-          <a:bodyPr lIns="0" rIns="0" tIns="0" bIns="0"/>
+          <a:bodyPr lIns="0" tIns="0" rIns="0" bIns="0"/>
+          <a:lstStyle/>
           <a:p>
-            <a:endParaRPr b="0" lang="en-US" sz="2800" spc="-1" strike="noStrike">
+            <a:endParaRPr lang="en-US" sz="2800" b="0" strike="noStrike" spc="-1">
               <a:solidFill>
                 <a:srgbClr val="000000"/>
               </a:solidFill>
               <a:uFill>
                 <a:solidFill>
-                  <a:srgbClr val="ffffff"/>
+                  <a:srgbClr val="FFFFFF"/>
                 </a:solidFill>
               </a:uFill>
               <a:latin typeface="Arial"/>
@@ -1850,15 +2050,16 @@
           </a:prstGeom>
         </p:spPr>
         <p:txBody>
-          <a:bodyPr lIns="0" rIns="0" tIns="0" bIns="0"/>
+          <a:bodyPr lIns="0" tIns="0" rIns="0" bIns="0"/>
+          <a:lstStyle/>
           <a:p>
-            <a:endParaRPr b="0" lang="en-US" sz="2800" spc="-1" strike="noStrike">
+            <a:endParaRPr lang="en-US" sz="2800" b="0" strike="noStrike" spc="-1">
               <a:solidFill>
                 <a:srgbClr val="000000"/>
               </a:solidFill>
               <a:uFill>
                 <a:solidFill>
-                  <a:srgbClr val="ffffff"/>
+                  <a:srgbClr val="FFFFFF"/>
                 </a:solidFill>
               </a:uFill>
               <a:latin typeface="Arial"/>
@@ -1868,17 +2069,21 @@
       </p:sp>
     </p:spTree>
   </p:cSld>
+  <p:clrMapOvr>
+    <a:masterClrMapping/>
+  </p:clrMapOvr>
 </p:sldLayout>
 </file>
 
 <file path=ppt/slideMasters/slideMaster1.xml><?xml version="1.0" encoding="utf-8"?>
-<p:sldMaster xmlns:a="http://schemas.openxmlformats.org/drawingml/2006/main" xmlns:p="http://schemas.openxmlformats.org/presentationml/2006/main" xmlns:r="http://schemas.openxmlformats.org/officeDocument/2006/relationships" xmlns:p14="http://schemas.microsoft.com/office/powerpoint/2010/main" xmlns:p15="http://schemas.microsoft.com/office/powerpoint/2012/main" xmlns:mc="http://schemas.openxmlformats.org/markup-compatibility/2006">
+<p:sldMaster xmlns:a="http://schemas.openxmlformats.org/drawingml/2006/main" xmlns:r="http://schemas.openxmlformats.org/officeDocument/2006/relationships" xmlns:p="http://schemas.openxmlformats.org/presentationml/2006/main">
   <p:cSld>
     <p:bg>
       <p:bgPr>
         <a:solidFill>
-          <a:srgbClr val="ffffff"/>
+          <a:srgbClr val="FFFFFF"/>
         </a:solidFill>
+        <a:effectLst/>
       </p:bgPr>
     </p:bg>
     <p:spTree>
@@ -1897,7 +2102,7 @@
       </p:grpSpPr>
       <p:sp>
         <p:nvSpPr>
-          <p:cNvPr id="0" name="PlaceHolder 1"/>
+          <p:cNvPr id="2" name="PlaceHolder 1"/>
           <p:cNvSpPr>
             <a:spLocks noGrp="1"/>
           </p:cNvSpPr>
@@ -1915,58 +2120,328 @@
           </a:prstGeom>
         </p:spPr>
         <p:txBody>
-          <a:bodyPr lIns="0" rIns="0" tIns="0" bIns="0" anchor="ctr"/>
+          <a:bodyPr lIns="0" tIns="0" rIns="0" bIns="0" anchor="ctr"/>
+          <a:lstStyle/>
           <a:p>
             <a:r>
-              <a:rPr b="0" lang="en-US" sz="4400" spc="-1" strike="noStrike">
+              <a:rPr lang="en-US" sz="4400" b="0" strike="noStrike" spc="-1">
                 <a:solidFill>
                   <a:srgbClr val="000000"/>
                 </a:solidFill>
                 <a:uFill>
                   <a:solidFill>
-                    <a:srgbClr val="ffffff"/>
+                    <a:srgbClr val="FFFFFF"/>
                   </a:solidFill>
                 </a:uFill>
                 <a:latin typeface="Arial"/>
               </a:rPr>
               <a:t>Для правки текста заголовка щёлкните мышью</a:t>
             </a:r>
-            <a:endParaRPr b="0" lang="en-US" sz="4400" spc="-1" strike="noStrike">
-              <a:solidFill>
-                <a:srgbClr val="000000"/>
-              </a:solidFill>
-              <a:uFill>
-                <a:solidFill>
-                  <a:srgbClr val="ffffff"/>
-                </a:solidFill>
-              </a:uFill>
-              <a:latin typeface="Arial"/>
-            </a:endParaRPr>
           </a:p>
         </p:txBody>
       </p:sp>
     </p:spTree>
   </p:cSld>
-  <p:clrMap bg1="lt1" bg2="lt2" tx1="dk1" tx2="dk2" accent1="accent1" accent2="accent2" accent3="accent3" accent4="accent4" accent5="accent5" accent6="accent6" hlink="hlink" folHlink="folHlink"/>
+  <p:clrMap bg1="lt1" tx1="dk1" bg2="lt2" tx2="dk2" accent1="accent1" accent2="accent2" accent3="accent3" accent4="accent4" accent5="accent5" accent6="accent6" hlink="hlink" folHlink="folHlink"/>
   <p:sldLayoutIdLst>
-    <p:sldLayoutId id="2147483649" r:id="rId2"/>
-    <p:sldLayoutId id="2147483650" r:id="rId3"/>
-    <p:sldLayoutId id="2147483651" r:id="rId4"/>
-    <p:sldLayoutId id="2147483652" r:id="rId5"/>
-    <p:sldLayoutId id="2147483653" r:id="rId6"/>
-    <p:sldLayoutId id="2147483654" r:id="rId7"/>
-    <p:sldLayoutId id="2147483655" r:id="rId8"/>
-    <p:sldLayoutId id="2147483656" r:id="rId9"/>
-    <p:sldLayoutId id="2147483657" r:id="rId10"/>
-    <p:sldLayoutId id="2147483658" r:id="rId11"/>
-    <p:sldLayoutId id="2147483659" r:id="rId12"/>
-    <p:sldLayoutId id="2147483660" r:id="rId13"/>
+    <p:sldLayoutId id="2147483649" r:id="rId1"/>
+    <p:sldLayoutId id="2147483650" r:id="rId2"/>
+    <p:sldLayoutId id="2147483651" r:id="rId3"/>
+    <p:sldLayoutId id="2147483652" r:id="rId4"/>
+    <p:sldLayoutId id="2147483653" r:id="rId5"/>
+    <p:sldLayoutId id="2147483654" r:id="rId6"/>
+    <p:sldLayoutId id="2147483655" r:id="rId7"/>
+    <p:sldLayoutId id="2147483656" r:id="rId8"/>
+    <p:sldLayoutId id="2147483657" r:id="rId9"/>
+    <p:sldLayoutId id="2147483658" r:id="rId10"/>
+    <p:sldLayoutId id="2147483659" r:id="rId11"/>
+    <p:sldLayoutId id="2147483660" r:id="rId12"/>
   </p:sldLayoutIdLst>
+  <p:txStyles>
+    <p:titleStyle>
+      <a:lvl1pPr algn="l" defTabSz="914400" rtl="0" eaLnBrk="1" latinLnBrk="0" hangingPunct="1">
+        <a:lnSpc>
+          <a:spcPct val="90000"/>
+        </a:lnSpc>
+        <a:spcBef>
+          <a:spcPct val="0"/>
+        </a:spcBef>
+        <a:buNone/>
+        <a:defRPr sz="4400" kern="1200">
+          <a:solidFill>
+            <a:schemeClr val="tx1"/>
+          </a:solidFill>
+          <a:latin typeface="+mj-lt"/>
+          <a:ea typeface="+mj-ea"/>
+          <a:cs typeface="+mj-cs"/>
+        </a:defRPr>
+      </a:lvl1pPr>
+    </p:titleStyle>
+    <p:bodyStyle>
+      <a:lvl1pPr marL="228600" indent="-228600" algn="l" defTabSz="914400" rtl="0" eaLnBrk="1" latinLnBrk="0" hangingPunct="1">
+        <a:lnSpc>
+          <a:spcPct val="90000"/>
+        </a:lnSpc>
+        <a:spcBef>
+          <a:spcPts val="1000"/>
+        </a:spcBef>
+        <a:buFont typeface="Arial" panose="020B0604020202020204" pitchFamily="34" charset="0"/>
+        <a:buChar char="•"/>
+        <a:defRPr sz="2800" kern="1200">
+          <a:solidFill>
+            <a:schemeClr val="tx1"/>
+          </a:solidFill>
+          <a:latin typeface="+mn-lt"/>
+          <a:ea typeface="+mn-ea"/>
+          <a:cs typeface="+mn-cs"/>
+        </a:defRPr>
+      </a:lvl1pPr>
+      <a:lvl2pPr marL="685800" indent="-228600" algn="l" defTabSz="914400" rtl="0" eaLnBrk="1" latinLnBrk="0" hangingPunct="1">
+        <a:lnSpc>
+          <a:spcPct val="90000"/>
+        </a:lnSpc>
+        <a:spcBef>
+          <a:spcPts val="500"/>
+        </a:spcBef>
+        <a:buFont typeface="Arial" panose="020B0604020202020204" pitchFamily="34" charset="0"/>
+        <a:buChar char="•"/>
+        <a:defRPr sz="2400" kern="1200">
+          <a:solidFill>
+            <a:schemeClr val="tx1"/>
+          </a:solidFill>
+          <a:latin typeface="+mn-lt"/>
+          <a:ea typeface="+mn-ea"/>
+          <a:cs typeface="+mn-cs"/>
+        </a:defRPr>
+      </a:lvl2pPr>
+      <a:lvl3pPr marL="1143000" indent="-228600" algn="l" defTabSz="914400" rtl="0" eaLnBrk="1" latinLnBrk="0" hangingPunct="1">
+        <a:lnSpc>
+          <a:spcPct val="90000"/>
+        </a:lnSpc>
+        <a:spcBef>
+          <a:spcPts val="500"/>
+        </a:spcBef>
+        <a:buFont typeface="Arial" panose="020B0604020202020204" pitchFamily="34" charset="0"/>
+        <a:buChar char="•"/>
+        <a:defRPr sz="2000" kern="1200">
+          <a:solidFill>
+            <a:schemeClr val="tx1"/>
+          </a:solidFill>
+          <a:latin typeface="+mn-lt"/>
+          <a:ea typeface="+mn-ea"/>
+          <a:cs typeface="+mn-cs"/>
+        </a:defRPr>
+      </a:lvl3pPr>
+      <a:lvl4pPr marL="1600200" indent="-228600" algn="l" defTabSz="914400" rtl="0" eaLnBrk="1" latinLnBrk="0" hangingPunct="1">
+        <a:lnSpc>
+          <a:spcPct val="90000"/>
+        </a:lnSpc>
+        <a:spcBef>
+          <a:spcPts val="500"/>
+        </a:spcBef>
+        <a:buFont typeface="Arial" panose="020B0604020202020204" pitchFamily="34" charset="0"/>
+        <a:buChar char="•"/>
+        <a:defRPr sz="1800" kern="1200">
+          <a:solidFill>
+            <a:schemeClr val="tx1"/>
+          </a:solidFill>
+          <a:latin typeface="+mn-lt"/>
+          <a:ea typeface="+mn-ea"/>
+          <a:cs typeface="+mn-cs"/>
+        </a:defRPr>
+      </a:lvl4pPr>
+      <a:lvl5pPr marL="2057400" indent="-228600" algn="l" defTabSz="914400" rtl="0" eaLnBrk="1" latinLnBrk="0" hangingPunct="1">
+        <a:lnSpc>
+          <a:spcPct val="90000"/>
+        </a:lnSpc>
+        <a:spcBef>
+          <a:spcPts val="500"/>
+        </a:spcBef>
+        <a:buFont typeface="Arial" panose="020B0604020202020204" pitchFamily="34" charset="0"/>
+        <a:buChar char="•"/>
+        <a:defRPr sz="1800" kern="1200">
+          <a:solidFill>
+            <a:schemeClr val="tx1"/>
+          </a:solidFill>
+          <a:latin typeface="+mn-lt"/>
+          <a:ea typeface="+mn-ea"/>
+          <a:cs typeface="+mn-cs"/>
+        </a:defRPr>
+      </a:lvl5pPr>
+      <a:lvl6pPr marL="2514600" indent="-228600" algn="l" defTabSz="914400" rtl="0" eaLnBrk="1" latinLnBrk="0" hangingPunct="1">
+        <a:lnSpc>
+          <a:spcPct val="90000"/>
+        </a:lnSpc>
+        <a:spcBef>
+          <a:spcPts val="500"/>
+        </a:spcBef>
+        <a:buFont typeface="Arial" panose="020B0604020202020204" pitchFamily="34" charset="0"/>
+        <a:buChar char="•"/>
+        <a:defRPr sz="1800" kern="1200">
+          <a:solidFill>
+            <a:schemeClr val="tx1"/>
+          </a:solidFill>
+          <a:latin typeface="+mn-lt"/>
+          <a:ea typeface="+mn-ea"/>
+          <a:cs typeface="+mn-cs"/>
+        </a:defRPr>
+      </a:lvl6pPr>
+      <a:lvl7pPr marL="2971800" indent="-228600" algn="l" defTabSz="914400" rtl="0" eaLnBrk="1" latinLnBrk="0" hangingPunct="1">
+        <a:lnSpc>
+          <a:spcPct val="90000"/>
+        </a:lnSpc>
+        <a:spcBef>
+          <a:spcPts val="500"/>
+        </a:spcBef>
+        <a:buFont typeface="Arial" panose="020B0604020202020204" pitchFamily="34" charset="0"/>
+        <a:buChar char="•"/>
+        <a:defRPr sz="1800" kern="1200">
+          <a:solidFill>
+            <a:schemeClr val="tx1"/>
+          </a:solidFill>
+          <a:latin typeface="+mn-lt"/>
+          <a:ea typeface="+mn-ea"/>
+          <a:cs typeface="+mn-cs"/>
+        </a:defRPr>
+      </a:lvl7pPr>
+      <a:lvl8pPr marL="3429000" indent="-228600" algn="l" defTabSz="914400" rtl="0" eaLnBrk="1" latinLnBrk="0" hangingPunct="1">
+        <a:lnSpc>
+          <a:spcPct val="90000"/>
+        </a:lnSpc>
+        <a:spcBef>
+          <a:spcPts val="500"/>
+        </a:spcBef>
+        <a:buFont typeface="Arial" panose="020B0604020202020204" pitchFamily="34" charset="0"/>
+        <a:buChar char="•"/>
+        <a:defRPr sz="1800" kern="1200">
+          <a:solidFill>
+            <a:schemeClr val="tx1"/>
+          </a:solidFill>
+          <a:latin typeface="+mn-lt"/>
+          <a:ea typeface="+mn-ea"/>
+          <a:cs typeface="+mn-cs"/>
+        </a:defRPr>
+      </a:lvl8pPr>
+      <a:lvl9pPr marL="3886200" indent="-228600" algn="l" defTabSz="914400" rtl="0" eaLnBrk="1" latinLnBrk="0" hangingPunct="1">
+        <a:lnSpc>
+          <a:spcPct val="90000"/>
+        </a:lnSpc>
+        <a:spcBef>
+          <a:spcPts val="500"/>
+        </a:spcBef>
+        <a:buFont typeface="Arial" panose="020B0604020202020204" pitchFamily="34" charset="0"/>
+        <a:buChar char="•"/>
+        <a:defRPr sz="1800" kern="1200">
+          <a:solidFill>
+            <a:schemeClr val="tx1"/>
+          </a:solidFill>
+          <a:latin typeface="+mn-lt"/>
+          <a:ea typeface="+mn-ea"/>
+          <a:cs typeface="+mn-cs"/>
+        </a:defRPr>
+      </a:lvl9pPr>
+    </p:bodyStyle>
+    <p:otherStyle>
+      <a:defPPr>
+        <a:defRPr lang="en-US"/>
+      </a:defPPr>
+      <a:lvl1pPr marL="0" algn="l" defTabSz="914400" rtl="0" eaLnBrk="1" latinLnBrk="0" hangingPunct="1">
+        <a:defRPr sz="1800" kern="1200">
+          <a:solidFill>
+            <a:schemeClr val="tx1"/>
+          </a:solidFill>
+          <a:latin typeface="+mn-lt"/>
+          <a:ea typeface="+mn-ea"/>
+          <a:cs typeface="+mn-cs"/>
+        </a:defRPr>
+      </a:lvl1pPr>
+      <a:lvl2pPr marL="457200" algn="l" defTabSz="914400" rtl="0" eaLnBrk="1" latinLnBrk="0" hangingPunct="1">
+        <a:defRPr sz="1800" kern="1200">
+          <a:solidFill>
+            <a:schemeClr val="tx1"/>
+          </a:solidFill>
+          <a:latin typeface="+mn-lt"/>
+          <a:ea typeface="+mn-ea"/>
+          <a:cs typeface="+mn-cs"/>
+        </a:defRPr>
+      </a:lvl2pPr>
+      <a:lvl3pPr marL="914400" algn="l" defTabSz="914400" rtl="0" eaLnBrk="1" latinLnBrk="0" hangingPunct="1">
+        <a:defRPr sz="1800" kern="1200">
+          <a:solidFill>
+            <a:schemeClr val="tx1"/>
+          </a:solidFill>
+          <a:latin typeface="+mn-lt"/>
+          <a:ea typeface="+mn-ea"/>
+          <a:cs typeface="+mn-cs"/>
+        </a:defRPr>
+      </a:lvl3pPr>
+      <a:lvl4pPr marL="1371600" algn="l" defTabSz="914400" rtl="0" eaLnBrk="1" latinLnBrk="0" hangingPunct="1">
+        <a:defRPr sz="1800" kern="1200">
+          <a:solidFill>
+            <a:schemeClr val="tx1"/>
+          </a:solidFill>
+          <a:latin typeface="+mn-lt"/>
+          <a:ea typeface="+mn-ea"/>
+          <a:cs typeface="+mn-cs"/>
+        </a:defRPr>
+      </a:lvl4pPr>
+      <a:lvl5pPr marL="1828800" algn="l" defTabSz="914400" rtl="0" eaLnBrk="1" latinLnBrk="0" hangingPunct="1">
+        <a:defRPr sz="1800" kern="1200">
+          <a:solidFill>
+            <a:schemeClr val="tx1"/>
+          </a:solidFill>
+          <a:latin typeface="+mn-lt"/>
+          <a:ea typeface="+mn-ea"/>
+          <a:cs typeface="+mn-cs"/>
+        </a:defRPr>
+      </a:lvl5pPr>
+      <a:lvl6pPr marL="2286000" algn="l" defTabSz="914400" rtl="0" eaLnBrk="1" latinLnBrk="0" hangingPunct="1">
+        <a:defRPr sz="1800" kern="1200">
+          <a:solidFill>
+            <a:schemeClr val="tx1"/>
+          </a:solidFill>
+          <a:latin typeface="+mn-lt"/>
+          <a:ea typeface="+mn-ea"/>
+          <a:cs typeface="+mn-cs"/>
+        </a:defRPr>
+      </a:lvl6pPr>
+      <a:lvl7pPr marL="2743200" algn="l" defTabSz="914400" rtl="0" eaLnBrk="1" latinLnBrk="0" hangingPunct="1">
+        <a:defRPr sz="1800" kern="1200">
+          <a:solidFill>
+            <a:schemeClr val="tx1"/>
+          </a:solidFill>
+          <a:latin typeface="+mn-lt"/>
+          <a:ea typeface="+mn-ea"/>
+          <a:cs typeface="+mn-cs"/>
+        </a:defRPr>
+      </a:lvl7pPr>
+      <a:lvl8pPr marL="3200400" algn="l" defTabSz="914400" rtl="0" eaLnBrk="1" latinLnBrk="0" hangingPunct="1">
+        <a:defRPr sz="1800" kern="1200">
+          <a:solidFill>
+            <a:schemeClr val="tx1"/>
+          </a:solidFill>
+          <a:latin typeface="+mn-lt"/>
+          <a:ea typeface="+mn-ea"/>
+          <a:cs typeface="+mn-cs"/>
+        </a:defRPr>
+      </a:lvl8pPr>
+      <a:lvl9pPr marL="3657600" algn="l" defTabSz="914400" rtl="0" eaLnBrk="1" latinLnBrk="0" hangingPunct="1">
+        <a:defRPr sz="1800" kern="1200">
+          <a:solidFill>
+            <a:schemeClr val="tx1"/>
+          </a:solidFill>
+          <a:latin typeface="+mn-lt"/>
+          <a:ea typeface="+mn-ea"/>
+          <a:cs typeface="+mn-cs"/>
+        </a:defRPr>
+      </a:lvl9pPr>
+    </p:otherStyle>
+  </p:txStyles>
 </p:sldMaster>
 </file>
 
 <file path=ppt/slides/slide1.xml><?xml version="1.0" encoding="utf-8"?>
-<p:sld xmlns:a="http://schemas.openxmlformats.org/drawingml/2006/main" xmlns:p="http://schemas.openxmlformats.org/presentationml/2006/main" xmlns:r="http://schemas.openxmlformats.org/officeDocument/2006/relationships" xmlns:p14="http://schemas.microsoft.com/office/powerpoint/2010/main" xmlns:p15="http://schemas.microsoft.com/office/powerpoint/2012/main" xmlns:mc="http://schemas.openxmlformats.org/markup-compatibility/2006">
+<p:sld xmlns:a="http://schemas.openxmlformats.org/drawingml/2006/main" xmlns:r="http://schemas.openxmlformats.org/officeDocument/2006/relationships" xmlns:p="http://schemas.openxmlformats.org/presentationml/2006/main">
   <p:cSld>
     <p:spTree>
       <p:nvGrpSpPr>
@@ -1986,25 +2461,50 @@
         <p:nvGraphicFramePr>
           <p:cNvPr id="35" name="Table 1"/>
           <p:cNvGraphicFramePr/>
-          <p:nvPr/>
+          <p:nvPr>
+            <p:extLst>
+              <p:ext uri="{D42A27DB-BD31-4B8C-83A1-F6EECF244321}">
+                <p14:modId xmlns:p14="http://schemas.microsoft.com/office/powerpoint/2010/main" val="745114455"/>
+              </p:ext>
+            </p:extLst>
+          </p:nvPr>
         </p:nvGraphicFramePr>
         <p:xfrm>
-          <a:off x="1953360" y="1906920"/>
-          <a:ext cx="26104680" cy="5357520"/>
+          <a:off x="1914300" y="3039768"/>
+          <a:ext cx="26105040" cy="8229600"/>
         </p:xfrm>
         <a:graphic>
           <a:graphicData uri="http://schemas.openxmlformats.org/drawingml/2006/table">
             <a:tbl>
               <a:tblPr/>
               <a:tblGrid>
-                <a:gridCol w="8701560"/>
-                <a:gridCol w="8701560"/>
-                <a:gridCol w="8701920"/>
+                <a:gridCol w="8701560">
+                  <a:extLst>
+                    <a:ext uri="{9D8B030D-6E8A-4147-A177-3AD203B41FA5}">
+                      <a16:colId xmlns:a16="http://schemas.microsoft.com/office/drawing/2014/main" val="20000"/>
+                    </a:ext>
+                  </a:extLst>
+                </a:gridCol>
+                <a:gridCol w="8701560">
+                  <a:extLst>
+                    <a:ext uri="{9D8B030D-6E8A-4147-A177-3AD203B41FA5}">
+                      <a16:colId xmlns:a16="http://schemas.microsoft.com/office/drawing/2014/main" val="20001"/>
+                    </a:ext>
+                  </a:extLst>
+                </a:gridCol>
+                <a:gridCol w="8701920">
+                  <a:extLst>
+                    <a:ext uri="{9D8B030D-6E8A-4147-A177-3AD203B41FA5}">
+                      <a16:colId xmlns:a16="http://schemas.microsoft.com/office/drawing/2014/main" val="20002"/>
+                    </a:ext>
+                  </a:extLst>
+                </a:gridCol>
               </a:tblGrid>
               <a:tr h="487080">
                 <a:tc>
                   <a:txBody>
-                    <a:bodyPr lIns="169920" rIns="169920"/>
+                    <a:bodyPr/>
+                    <a:lstStyle/>
                     <a:p>
                       <a:pPr>
                         <a:lnSpc>
@@ -2012,13 +2512,13 @@
                         </a:lnSpc>
                       </a:pPr>
                       <a:r>
-                        <a:rPr b="0" lang="ru-RU" sz="3000" spc="-1" strike="noStrike">
-                          <a:solidFill>
-                            <a:srgbClr val="000000"/>
-                          </a:solidFill>
-                          <a:uFill>
-                            <a:solidFill>
-                              <a:srgbClr val="ffffff"/>
+                        <a:rPr lang="ru-RU" sz="3000" b="0" strike="noStrike" spc="-1">
+                          <a:solidFill>
+                            <a:srgbClr val="000000"/>
+                          </a:solidFill>
+                          <a:uFill>
+                            <a:solidFill>
+                              <a:srgbClr val="FFFFFF"/>
                             </a:solidFill>
                           </a:uFill>
                           <a:latin typeface="Calibri"/>
@@ -2026,13 +2526,13 @@
                         </a:rPr>
                         <a:t>Тип признака</a:t>
                       </a:r>
-                      <a:endParaRPr b="0" lang="ru-RU" sz="1800" spc="-1" strike="noStrike">
+                      <a:endParaRPr lang="ru-RU" sz="1800" b="0" strike="noStrike" spc="-1">
                         <a:solidFill>
                           <a:srgbClr val="000000"/>
                         </a:solidFill>
                         <a:uFill>
                           <a:solidFill>
-                            <a:srgbClr val="ffffff"/>
+                            <a:srgbClr val="FFFFFF"/>
                           </a:solidFill>
                         </a:uFill>
                         <a:latin typeface="Arial"/>
@@ -2065,7 +2565,8 @@
                 </a:tc>
                 <a:tc>
                   <a:txBody>
-                    <a:bodyPr lIns="169920" rIns="169920"/>
+                    <a:bodyPr/>
+                    <a:lstStyle/>
                     <a:p>
                       <a:pPr>
                         <a:lnSpc>
@@ -2073,13 +2574,13 @@
                         </a:lnSpc>
                       </a:pPr>
                       <a:r>
-                        <a:rPr b="0" lang="ru-RU" sz="3000" spc="-1" strike="noStrike">
-                          <a:solidFill>
-                            <a:srgbClr val="000000"/>
-                          </a:solidFill>
-                          <a:uFill>
-                            <a:solidFill>
-                              <a:srgbClr val="ffffff"/>
+                        <a:rPr lang="ru-RU" sz="3000" b="0" strike="noStrike" spc="-1">
+                          <a:solidFill>
+                            <a:srgbClr val="000000"/>
+                          </a:solidFill>
+                          <a:uFill>
+                            <a:solidFill>
+                              <a:srgbClr val="FFFFFF"/>
                             </a:solidFill>
                           </a:uFill>
                           <a:latin typeface="Calibri"/>
@@ -2087,13 +2588,13 @@
                         </a:rPr>
                         <a:t>Название признака</a:t>
                       </a:r>
-                      <a:endParaRPr b="0" lang="ru-RU" sz="1800" spc="-1" strike="noStrike">
+                      <a:endParaRPr lang="ru-RU" sz="1800" b="0" strike="noStrike" spc="-1">
                         <a:solidFill>
                           <a:srgbClr val="000000"/>
                         </a:solidFill>
                         <a:uFill>
                           <a:solidFill>
-                            <a:srgbClr val="ffffff"/>
+                            <a:srgbClr val="FFFFFF"/>
                           </a:solidFill>
                         </a:uFill>
                         <a:latin typeface="Arial"/>
@@ -2126,7 +2627,8 @@
                 </a:tc>
                 <a:tc>
                   <a:txBody>
-                    <a:bodyPr lIns="169920" rIns="169920"/>
+                    <a:bodyPr/>
+                    <a:lstStyle/>
                     <a:p>
                       <a:pPr>
                         <a:lnSpc>
@@ -2134,13 +2636,13 @@
                         </a:lnSpc>
                       </a:pPr>
                       <a:r>
-                        <a:rPr b="0" lang="ru-RU" sz="3000" spc="-1" strike="noStrike">
-                          <a:solidFill>
-                            <a:srgbClr val="000000"/>
-                          </a:solidFill>
-                          <a:uFill>
-                            <a:solidFill>
-                              <a:srgbClr val="ffffff"/>
+                        <a:rPr lang="ru-RU" sz="3000" b="0" strike="noStrike" spc="-1">
+                          <a:solidFill>
+                            <a:srgbClr val="000000"/>
+                          </a:solidFill>
+                          <a:uFill>
+                            <a:solidFill>
+                              <a:srgbClr val="FFFFFF"/>
                             </a:solidFill>
                           </a:uFill>
                           <a:latin typeface="Calibri"/>
@@ -2148,13 +2650,13 @@
                         </a:rPr>
                         <a:t>Отклонение от обучающей выборки</a:t>
                       </a:r>
-                      <a:endParaRPr b="0" lang="ru-RU" sz="1800" spc="-1" strike="noStrike">
+                      <a:endParaRPr lang="ru-RU" sz="1800" b="0" strike="noStrike" spc="-1">
                         <a:solidFill>
                           <a:srgbClr val="000000"/>
                         </a:solidFill>
                         <a:uFill>
                           <a:solidFill>
-                            <a:srgbClr val="ffffff"/>
+                            <a:srgbClr val="FFFFFF"/>
                           </a:solidFill>
                         </a:uFill>
                         <a:latin typeface="Arial"/>
@@ -2185,11 +2687,17 @@
                     <a:noFill/>
                   </a:tcPr>
                 </a:tc>
+                <a:extLst>
+                  <a:ext uri="{0D108BD9-81ED-4DB2-BD59-A6C34878D82A}">
+                    <a16:rowId xmlns:a16="http://schemas.microsoft.com/office/drawing/2014/main" val="10000"/>
+                  </a:ext>
+                </a:extLst>
               </a:tr>
               <a:tr h="487080">
                 <a:tc>
                   <a:txBody>
-                    <a:bodyPr lIns="169920" rIns="169920"/>
+                    <a:bodyPr/>
+                    <a:lstStyle/>
                     <a:p>
                       <a:pPr>
                         <a:lnSpc>
@@ -2197,13 +2705,13 @@
                         </a:lnSpc>
                       </a:pPr>
                       <a:r>
-                        <a:rPr b="0" lang="ru-RU" sz="3000" spc="-1" strike="noStrike">
-                          <a:solidFill>
-                            <a:srgbClr val="000000"/>
-                          </a:solidFill>
-                          <a:uFill>
-                            <a:solidFill>
-                              <a:srgbClr val="ffffff"/>
+                        <a:rPr lang="ru-RU" sz="3000" b="0" strike="noStrike" spc="-1">
+                          <a:solidFill>
+                            <a:srgbClr val="000000"/>
+                          </a:solidFill>
+                          <a:uFill>
+                            <a:solidFill>
+                              <a:srgbClr val="FFFFFF"/>
                             </a:solidFill>
                           </a:uFill>
                           <a:latin typeface="Calibri"/>
@@ -2211,13 +2719,13 @@
                         </a:rPr>
                         <a:t>Наклон</a:t>
                       </a:r>
-                      <a:endParaRPr b="0" lang="ru-RU" sz="1800" spc="-1" strike="noStrike">
+                      <a:endParaRPr lang="ru-RU" sz="1800" b="0" strike="noStrike" spc="-1">
                         <a:solidFill>
                           <a:srgbClr val="000000"/>
                         </a:solidFill>
                         <a:uFill>
                           <a:solidFill>
-                            <a:srgbClr val="ffffff"/>
+                            <a:srgbClr val="FFFFFF"/>
                           </a:solidFill>
                         </a:uFill>
                         <a:latin typeface="Arial"/>
@@ -2250,7 +2758,8 @@
                 </a:tc>
                 <a:tc>
                   <a:txBody>
-                    <a:bodyPr lIns="169920" rIns="169920"/>
+                    <a:bodyPr/>
+                    <a:lstStyle/>
                     <a:p>
                       <a:pPr>
                         <a:lnSpc>
@@ -2258,13 +2767,13 @@
                         </a:lnSpc>
                       </a:pPr>
                       <a:r>
-                        <a:rPr b="0" lang="ru-RU" sz="3000" spc="-1" strike="noStrike">
-                          <a:solidFill>
-                            <a:srgbClr val="000000"/>
-                          </a:solidFill>
-                          <a:uFill>
-                            <a:solidFill>
-                              <a:srgbClr val="ffffff"/>
+                        <a:rPr lang="ru-RU" sz="3000" b="0" strike="noStrike" spc="-1">
+                          <a:solidFill>
+                            <a:srgbClr val="000000"/>
+                          </a:solidFill>
+                          <a:uFill>
+                            <a:solidFill>
+                              <a:srgbClr val="FFFFFF"/>
                             </a:solidFill>
                           </a:uFill>
                           <a:latin typeface="Calibri"/>
@@ -2272,13 +2781,13 @@
                         </a:rPr>
                         <a:t> </a:t>
                       </a:r>
-                      <a:endParaRPr b="0" lang="ru-RU" sz="1800" spc="-1" strike="noStrike">
+                      <a:endParaRPr lang="ru-RU" sz="1800" b="0" strike="noStrike" spc="-1">
                         <a:solidFill>
                           <a:srgbClr val="000000"/>
                         </a:solidFill>
                         <a:uFill>
                           <a:solidFill>
-                            <a:srgbClr val="ffffff"/>
+                            <a:srgbClr val="FFFFFF"/>
                           </a:solidFill>
                         </a:uFill>
                         <a:latin typeface="Arial"/>
@@ -2311,7 +2820,8 @@
                 </a:tc>
                 <a:tc>
                   <a:txBody>
-                    <a:bodyPr lIns="169920" rIns="169920"/>
+                    <a:bodyPr/>
+                    <a:lstStyle/>
                     <a:p>
                       <a:pPr>
                         <a:lnSpc>
@@ -2319,27 +2829,57 @@
                         </a:lnSpc>
                       </a:pPr>
                       <a:r>
-                        <a:rPr b="0" lang="ru-RU" sz="3000" spc="-1" strike="noStrike">
-                          <a:solidFill>
-                            <a:srgbClr val="000000"/>
-                          </a:solidFill>
-                          <a:uFill>
-                            <a:solidFill>
-                              <a:srgbClr val="ffffff"/>
+                        <a:rPr lang="ru-RU" sz="3000" b="0" strike="noStrike" spc="-1" dirty="0">
+                          <a:solidFill>
+                            <a:srgbClr val="000000"/>
+                          </a:solidFill>
+                          <a:uFill>
+                            <a:solidFill>
+                              <a:srgbClr val="FFFFFF"/>
                             </a:solidFill>
                           </a:uFill>
                           <a:latin typeface="Calibri"/>
                           <a:ea typeface="Calibri"/>
                         </a:rPr>
-                        <a:t>13%</a:t>
-                      </a:r>
-                      <a:endParaRPr b="0" lang="ru-RU" sz="1800" spc="-1" strike="noStrike">
+                        <a:t>1</a:t>
+                      </a:r>
+                      <a:r>
+                        <a:rPr lang="en-US" sz="3000" b="0" strike="noStrike" spc="-1" dirty="0">
+                          <a:solidFill>
+                            <a:srgbClr val="000000"/>
+                          </a:solidFill>
+                          <a:uFill>
+                            <a:solidFill>
+                              <a:srgbClr val="FFFFFF"/>
+                            </a:solidFill>
+                          </a:uFill>
+                          <a:latin typeface="Calibri"/>
+                          <a:ea typeface="Calibri"/>
+                        </a:rPr>
+                        <a:t>0</a:t>
+                      </a:r>
+                      <a:r>
+                        <a:rPr lang="ru-RU" sz="3000" b="0" strike="noStrike" spc="-1" dirty="0">
+                          <a:solidFill>
+                            <a:srgbClr val="000000"/>
+                          </a:solidFill>
+                          <a:uFill>
+                            <a:solidFill>
+                              <a:srgbClr val="FFFFFF"/>
+                            </a:solidFill>
+                          </a:uFill>
+                          <a:latin typeface="Calibri"/>
+                          <a:ea typeface="Calibri"/>
+                        </a:rPr>
+                        <a:t>%</a:t>
+                      </a:r>
+                      <a:endParaRPr lang="ru-RU" sz="1800" b="0" strike="noStrike" spc="-1" dirty="0">
                         <a:solidFill>
                           <a:srgbClr val="000000"/>
                         </a:solidFill>
                         <a:uFill>
                           <a:solidFill>
-                            <a:srgbClr val="ffffff"/>
+                            <a:srgbClr val="FFFFFF"/>
                           </a:solidFill>
                         </a:uFill>
                         <a:latin typeface="Arial"/>
@@ -2370,11 +2910,17 @@
                     <a:noFill/>
                   </a:tcPr>
                 </a:tc>
+                <a:extLst>
+                  <a:ext uri="{0D108BD9-81ED-4DB2-BD59-A6C34878D82A}">
+                    <a16:rowId xmlns:a16="http://schemas.microsoft.com/office/drawing/2014/main" val="10001"/>
+                  </a:ext>
+                </a:extLst>
               </a:tr>
               <a:tr h="487080">
                 <a:tc>
                   <a:txBody>
-                    <a:bodyPr lIns="169920" rIns="169920"/>
+                    <a:bodyPr/>
+                    <a:lstStyle/>
                     <a:p>
                       <a:pPr>
                         <a:lnSpc>
@@ -2382,13 +2928,13 @@
                         </a:lnSpc>
                       </a:pPr>
                       <a:r>
-                        <a:rPr b="0" lang="ru-RU" sz="3000" spc="-1" strike="noStrike">
-                          <a:solidFill>
-                            <a:srgbClr val="000000"/>
-                          </a:solidFill>
-                          <a:uFill>
-                            <a:solidFill>
-                              <a:srgbClr val="ffffff"/>
+                        <a:rPr lang="ru-RU" sz="3000" b="0" strike="noStrike" spc="-1" dirty="0">
+                          <a:solidFill>
+                            <a:srgbClr val="000000"/>
+                          </a:solidFill>
+                          <a:uFill>
+                            <a:solidFill>
+                              <a:srgbClr val="FFFFFF"/>
                             </a:solidFill>
                           </a:uFill>
                           <a:latin typeface="Calibri"/>
@@ -2396,13 +2942,13 @@
                         </a:rPr>
                         <a:t> </a:t>
                       </a:r>
-                      <a:endParaRPr b="0" lang="ru-RU" sz="1800" spc="-1" strike="noStrike">
+                      <a:endParaRPr lang="ru-RU" sz="1800" b="0" strike="noStrike" spc="-1" dirty="0">
                         <a:solidFill>
                           <a:srgbClr val="000000"/>
                         </a:solidFill>
                         <a:uFill>
                           <a:solidFill>
-                            <a:srgbClr val="ffffff"/>
+                            <a:srgbClr val="FFFFFF"/>
                           </a:solidFill>
                         </a:uFill>
                         <a:latin typeface="Arial"/>
@@ -2435,7 +2981,8 @@
                 </a:tc>
                 <a:tc>
                   <a:txBody>
-                    <a:bodyPr lIns="169920" rIns="169920"/>
+                    <a:bodyPr/>
+                    <a:lstStyle/>
                     <a:p>
                       <a:pPr>
                         <a:lnSpc>
@@ -2443,27 +2990,27 @@
                         </a:lnSpc>
                       </a:pPr>
                       <a:r>
-                        <a:rPr b="0" lang="ru-RU" sz="3000" spc="-1" strike="noStrike">
-                          <a:solidFill>
-                            <a:srgbClr val="000000"/>
-                          </a:solidFill>
-                          <a:uFill>
-                            <a:solidFill>
-                              <a:srgbClr val="ffffff"/>
+                        <a:rPr lang="ru-RU" sz="3000" b="0" strike="noStrike" spc="-1" dirty="0">
+                          <a:solidFill>
+                            <a:srgbClr val="000000"/>
+                          </a:solidFill>
+                          <a:uFill>
+                            <a:solidFill>
+                              <a:srgbClr val="FFFFFF"/>
                             </a:solidFill>
                           </a:uFill>
                           <a:latin typeface="Calibri"/>
                           <a:ea typeface="Calibri"/>
                         </a:rPr>
-                        <a:t>наклон символов;</a:t>
-                      </a:r>
-                      <a:endParaRPr b="0" lang="ru-RU" sz="1800" spc="-1" strike="noStrike">
+                        <a:t>наклон символов</a:t>
+                      </a:r>
+                      <a:endParaRPr lang="ru-RU" sz="1800" b="0" strike="noStrike" spc="-1" dirty="0">
                         <a:solidFill>
                           <a:srgbClr val="000000"/>
                         </a:solidFill>
                         <a:uFill>
                           <a:solidFill>
-                            <a:srgbClr val="ffffff"/>
+                            <a:srgbClr val="FFFFFF"/>
                           </a:solidFill>
                         </a:uFill>
                         <a:latin typeface="Arial"/>
@@ -2496,7 +3043,8 @@
                 </a:tc>
                 <a:tc>
                   <a:txBody>
-                    <a:bodyPr lIns="169920" rIns="169920"/>
+                    <a:bodyPr/>
+                    <a:lstStyle/>
                     <a:p>
                       <a:pPr>
                         <a:lnSpc>
@@ -2504,27 +3052,57 @@
                         </a:lnSpc>
                       </a:pPr>
                       <a:r>
-                        <a:rPr b="0" lang="ru-RU" sz="3000" spc="-1" strike="noStrike">
-                          <a:solidFill>
-                            <a:srgbClr val="000000"/>
-                          </a:solidFill>
-                          <a:uFill>
-                            <a:solidFill>
-                              <a:srgbClr val="ffffff"/>
+                        <a:rPr lang="ru-RU" sz="3000" b="0" strike="noStrike" spc="-1" dirty="0">
+                          <a:solidFill>
+                            <a:srgbClr val="000000"/>
+                          </a:solidFill>
+                          <a:uFill>
+                            <a:solidFill>
+                              <a:srgbClr val="FFFFFF"/>
                             </a:solidFill>
                           </a:uFill>
                           <a:latin typeface="Calibri"/>
                           <a:ea typeface="Calibri"/>
                         </a:rPr>
-                        <a:t>14%</a:t>
-                      </a:r>
-                      <a:endParaRPr b="0" lang="ru-RU" sz="1800" spc="-1" strike="noStrike">
+                        <a:t>1</a:t>
+                      </a:r>
+                      <a:r>
+                        <a:rPr lang="en-US" sz="3000" b="0" strike="noStrike" spc="-1" dirty="0">
+                          <a:solidFill>
+                            <a:srgbClr val="000000"/>
+                          </a:solidFill>
+                          <a:uFill>
+                            <a:solidFill>
+                              <a:srgbClr val="FFFFFF"/>
+                            </a:solidFill>
+                          </a:uFill>
+                          <a:latin typeface="Calibri"/>
+                          <a:ea typeface="Calibri"/>
+                        </a:rPr>
+                        <a:t>1</a:t>
+                      </a:r>
+                      <a:r>
+                        <a:rPr lang="ru-RU" sz="3000" b="0" strike="noStrike" spc="-1" dirty="0">
+                          <a:solidFill>
+                            <a:srgbClr val="000000"/>
+                          </a:solidFill>
+                          <a:uFill>
+                            <a:solidFill>
+                              <a:srgbClr val="FFFFFF"/>
+                            </a:solidFill>
+                          </a:uFill>
+                          <a:latin typeface="Calibri"/>
+                          <a:ea typeface="Calibri"/>
+                        </a:rPr>
+                        <a:t>%</a:t>
+                      </a:r>
+                      <a:endParaRPr lang="ru-RU" sz="1800" b="0" strike="noStrike" spc="-1" dirty="0">
                         <a:solidFill>
                           <a:srgbClr val="000000"/>
                         </a:solidFill>
                         <a:uFill>
                           <a:solidFill>
-                            <a:srgbClr val="ffffff"/>
+                            <a:srgbClr val="FFFFFF"/>
                           </a:solidFill>
                         </a:uFill>
                         <a:latin typeface="Arial"/>
@@ -2555,11 +3133,17 @@
                     <a:noFill/>
                   </a:tcPr>
                 </a:tc>
+                <a:extLst>
+                  <a:ext uri="{0D108BD9-81ED-4DB2-BD59-A6C34878D82A}">
+                    <a16:rowId xmlns:a16="http://schemas.microsoft.com/office/drawing/2014/main" val="10002"/>
+                  </a:ext>
+                </a:extLst>
               </a:tr>
               <a:tr h="487080">
                 <a:tc>
                   <a:txBody>
-                    <a:bodyPr lIns="169920" rIns="169920"/>
+                    <a:bodyPr/>
+                    <a:lstStyle/>
                     <a:p>
                       <a:pPr>
                         <a:lnSpc>
@@ -2567,13 +3151,13 @@
                         </a:lnSpc>
                       </a:pPr>
                       <a:r>
-                        <a:rPr b="0" lang="ru-RU" sz="3000" spc="-1" strike="noStrike">
-                          <a:solidFill>
-                            <a:srgbClr val="000000"/>
-                          </a:solidFill>
-                          <a:uFill>
-                            <a:solidFill>
-                              <a:srgbClr val="ffffff"/>
+                        <a:rPr lang="ru-RU" sz="3000" b="0" strike="noStrike" spc="-1">
+                          <a:solidFill>
+                            <a:srgbClr val="000000"/>
+                          </a:solidFill>
+                          <a:uFill>
+                            <a:solidFill>
+                              <a:srgbClr val="FFFFFF"/>
                             </a:solidFill>
                           </a:uFill>
                           <a:latin typeface="Calibri"/>
@@ -2581,13 +3165,13 @@
                         </a:rPr>
                         <a:t> </a:t>
                       </a:r>
-                      <a:endParaRPr b="0" lang="ru-RU" sz="1800" spc="-1" strike="noStrike">
+                      <a:endParaRPr lang="ru-RU" sz="1800" b="0" strike="noStrike" spc="-1">
                         <a:solidFill>
                           <a:srgbClr val="000000"/>
                         </a:solidFill>
                         <a:uFill>
                           <a:solidFill>
-                            <a:srgbClr val="ffffff"/>
+                            <a:srgbClr val="FFFFFF"/>
                           </a:solidFill>
                         </a:uFill>
                         <a:latin typeface="Arial"/>
@@ -2620,7 +3204,8 @@
                 </a:tc>
                 <a:tc>
                   <a:txBody>
-                    <a:bodyPr lIns="169920" rIns="169920"/>
+                    <a:bodyPr/>
+                    <a:lstStyle/>
                     <a:p>
                       <a:pPr>
                         <a:lnSpc>
@@ -2628,13 +3213,13 @@
                         </a:lnSpc>
                       </a:pPr>
                       <a:r>
-                        <a:rPr b="0" lang="ru-RU" sz="3000" spc="-1" strike="noStrike">
-                          <a:solidFill>
-                            <a:srgbClr val="000000"/>
-                          </a:solidFill>
-                          <a:uFill>
-                            <a:solidFill>
-                              <a:srgbClr val="ffffff"/>
+                        <a:rPr lang="ru-RU" sz="3000" b="0" strike="noStrike" spc="-1">
+                          <a:solidFill>
+                            <a:srgbClr val="000000"/>
+                          </a:solidFill>
+                          <a:uFill>
+                            <a:solidFill>
+                              <a:srgbClr val="FFFFFF"/>
                             </a:solidFill>
                           </a:uFill>
                           <a:latin typeface="Calibri"/>
@@ -2642,13 +3227,13 @@
                         </a:rPr>
                         <a:t>наклон строк</a:t>
                       </a:r>
-                      <a:endParaRPr b="0" lang="ru-RU" sz="1800" spc="-1" strike="noStrike">
+                      <a:endParaRPr lang="ru-RU" sz="1800" b="0" strike="noStrike" spc="-1">
                         <a:solidFill>
                           <a:srgbClr val="000000"/>
                         </a:solidFill>
                         <a:uFill>
                           <a:solidFill>
-                            <a:srgbClr val="ffffff"/>
+                            <a:srgbClr val="FFFFFF"/>
                           </a:solidFill>
                         </a:uFill>
                         <a:latin typeface="Arial"/>
@@ -2681,7 +3266,8 @@
                 </a:tc>
                 <a:tc>
                   <a:txBody>
-                    <a:bodyPr lIns="169920" rIns="169920"/>
+                    <a:bodyPr/>
+                    <a:lstStyle/>
                     <a:p>
                       <a:pPr>
                         <a:lnSpc>
@@ -2689,27 +3275,57 @@
                         </a:lnSpc>
                       </a:pPr>
                       <a:r>
-                        <a:rPr b="0" lang="ru-RU" sz="3000" spc="-1" strike="noStrike">
-                          <a:solidFill>
-                            <a:srgbClr val="000000"/>
-                          </a:solidFill>
-                          <a:uFill>
-                            <a:solidFill>
-                              <a:srgbClr val="ffffff"/>
+                        <a:rPr lang="ru-RU" sz="3000" b="0" strike="noStrike" spc="-1" dirty="0">
+                          <a:solidFill>
+                            <a:srgbClr val="000000"/>
+                          </a:solidFill>
+                          <a:uFill>
+                            <a:solidFill>
+                              <a:srgbClr val="FFFFFF"/>
                             </a:solidFill>
                           </a:uFill>
                           <a:latin typeface="Calibri"/>
                           <a:ea typeface="Calibri"/>
                         </a:rPr>
-                        <a:t>12%</a:t>
-                      </a:r>
-                      <a:endParaRPr b="0" lang="ru-RU" sz="1800" spc="-1" strike="noStrike">
+                        <a:t>1</a:t>
+                      </a:r>
+                      <a:r>
+                        <a:rPr lang="en-US" sz="3000" b="0" strike="noStrike" spc="-1" dirty="0">
+                          <a:solidFill>
+                            <a:srgbClr val="000000"/>
+                          </a:solidFill>
+                          <a:uFill>
+                            <a:solidFill>
+                              <a:srgbClr val="FFFFFF"/>
+                            </a:solidFill>
+                          </a:uFill>
+                          <a:latin typeface="Calibri"/>
+                          <a:ea typeface="Calibri"/>
+                        </a:rPr>
+                        <a:t>9</a:t>
+                      </a:r>
+                      <a:r>
+                        <a:rPr lang="ru-RU" sz="3000" b="0" strike="noStrike" spc="-1" dirty="0">
+                          <a:solidFill>
+                            <a:srgbClr val="000000"/>
+                          </a:solidFill>
+                          <a:uFill>
+                            <a:solidFill>
+                              <a:srgbClr val="FFFFFF"/>
+                            </a:solidFill>
+                          </a:uFill>
+                          <a:latin typeface="Calibri"/>
+                          <a:ea typeface="Calibri"/>
+                        </a:rPr>
+                        <a:t>%</a:t>
+                      </a:r>
+                      <a:endParaRPr lang="ru-RU" sz="1800" b="0" strike="noStrike" spc="-1" dirty="0">
                         <a:solidFill>
                           <a:srgbClr val="000000"/>
                         </a:solidFill>
                         <a:uFill>
                           <a:solidFill>
-                            <a:srgbClr val="ffffff"/>
+                            <a:srgbClr val="FFFFFF"/>
                           </a:solidFill>
                         </a:uFill>
                         <a:latin typeface="Arial"/>
@@ -2740,11 +3356,17 @@
                     <a:noFill/>
                   </a:tcPr>
                 </a:tc>
+                <a:extLst>
+                  <a:ext uri="{0D108BD9-81ED-4DB2-BD59-A6C34878D82A}">
+                    <a16:rowId xmlns:a16="http://schemas.microsoft.com/office/drawing/2014/main" val="10003"/>
+                  </a:ext>
+                </a:extLst>
               </a:tr>
               <a:tr h="487080">
                 <a:tc>
                   <a:txBody>
-                    <a:bodyPr lIns="169920" rIns="169920"/>
+                    <a:bodyPr/>
+                    <a:lstStyle/>
                     <a:p>
                       <a:pPr>
                         <a:lnSpc>
@@ -2752,13 +3374,13 @@
                         </a:lnSpc>
                       </a:pPr>
                       <a:r>
-                        <a:rPr b="0" lang="ru-RU" sz="3000" spc="-1" strike="noStrike">
-                          <a:solidFill>
-                            <a:srgbClr val="000000"/>
-                          </a:solidFill>
-                          <a:uFill>
-                            <a:solidFill>
-                              <a:srgbClr val="ffffff"/>
+                        <a:rPr lang="ru-RU" sz="3000" b="0" strike="noStrike" spc="-1" dirty="0">
+                          <a:solidFill>
+                            <a:srgbClr val="000000"/>
+                          </a:solidFill>
+                          <a:uFill>
+                            <a:solidFill>
+                              <a:srgbClr val="FFFFFF"/>
                             </a:solidFill>
                           </a:uFill>
                           <a:latin typeface="Calibri"/>
@@ -2766,13 +3388,13 @@
                         </a:rPr>
                         <a:t>Интервал</a:t>
                       </a:r>
-                      <a:endParaRPr b="0" lang="ru-RU" sz="1800" spc="-1" strike="noStrike">
+                      <a:endParaRPr lang="ru-RU" sz="1800" b="0" strike="noStrike" spc="-1" dirty="0">
                         <a:solidFill>
                           <a:srgbClr val="000000"/>
                         </a:solidFill>
                         <a:uFill>
                           <a:solidFill>
-                            <a:srgbClr val="ffffff"/>
+                            <a:srgbClr val="FFFFFF"/>
                           </a:solidFill>
                         </a:uFill>
                         <a:latin typeface="Arial"/>
@@ -2805,7 +3427,8 @@
                 </a:tc>
                 <a:tc>
                   <a:txBody>
-                    <a:bodyPr lIns="169920" rIns="169920"/>
+                    <a:bodyPr/>
+                    <a:lstStyle/>
                     <a:p>
                       <a:pPr>
                         <a:lnSpc>
@@ -2813,13 +3436,13 @@
                         </a:lnSpc>
                       </a:pPr>
                       <a:r>
-                        <a:rPr b="0" lang="ru-RU" sz="3000" spc="-1" strike="noStrike">
-                          <a:solidFill>
-                            <a:srgbClr val="000000"/>
-                          </a:solidFill>
-                          <a:uFill>
-                            <a:solidFill>
-                              <a:srgbClr val="ffffff"/>
+                        <a:rPr lang="ru-RU" sz="3000" b="0" strike="noStrike" spc="-1" dirty="0">
+                          <a:solidFill>
+                            <a:srgbClr val="000000"/>
+                          </a:solidFill>
+                          <a:uFill>
+                            <a:solidFill>
+                              <a:srgbClr val="FFFFFF"/>
                             </a:solidFill>
                           </a:uFill>
                           <a:latin typeface="Calibri"/>
@@ -2827,13 +3450,13 @@
                         </a:rPr>
                         <a:t> </a:t>
                       </a:r>
-                      <a:endParaRPr b="0" lang="ru-RU" sz="1800" spc="-1" strike="noStrike">
+                      <a:endParaRPr lang="ru-RU" sz="1800" b="0" strike="noStrike" spc="-1" dirty="0">
                         <a:solidFill>
                           <a:srgbClr val="000000"/>
                         </a:solidFill>
                         <a:uFill>
                           <a:solidFill>
-                            <a:srgbClr val="ffffff"/>
+                            <a:srgbClr val="FFFFFF"/>
                           </a:solidFill>
                         </a:uFill>
                         <a:latin typeface="Arial"/>
@@ -2866,7 +3489,8 @@
                 </a:tc>
                 <a:tc>
                   <a:txBody>
-                    <a:bodyPr lIns="169920" rIns="169920"/>
+                    <a:bodyPr/>
+                    <a:lstStyle/>
                     <a:p>
                       <a:pPr>
                         <a:lnSpc>
@@ -2874,13 +3498,13 @@
                         </a:lnSpc>
                       </a:pPr>
                       <a:r>
-                        <a:rPr b="0" lang="ru-RU" sz="3000" spc="-1" strike="noStrike">
-                          <a:solidFill>
-                            <a:srgbClr val="000000"/>
-                          </a:solidFill>
-                          <a:uFill>
-                            <a:solidFill>
-                              <a:srgbClr val="ffffff"/>
+                        <a:rPr lang="ru-RU" sz="3000" b="0" strike="noStrike" spc="-1">
+                          <a:solidFill>
+                            <a:srgbClr val="000000"/>
+                          </a:solidFill>
+                          <a:uFill>
+                            <a:solidFill>
+                              <a:srgbClr val="FFFFFF"/>
                             </a:solidFill>
                           </a:uFill>
                           <a:latin typeface="Calibri"/>
@@ -2888,13 +3512,13 @@
                         </a:rPr>
                         <a:t>7%</a:t>
                       </a:r>
-                      <a:endParaRPr b="0" lang="ru-RU" sz="1800" spc="-1" strike="noStrike">
+                      <a:endParaRPr lang="ru-RU" sz="1800" b="0" strike="noStrike" spc="-1">
                         <a:solidFill>
                           <a:srgbClr val="000000"/>
                         </a:solidFill>
                         <a:uFill>
                           <a:solidFill>
-                            <a:srgbClr val="ffffff"/>
+                            <a:srgbClr val="FFFFFF"/>
                           </a:solidFill>
                         </a:uFill>
                         <a:latin typeface="Arial"/>
@@ -2925,11 +3549,17 @@
                     <a:noFill/>
                   </a:tcPr>
                 </a:tc>
+                <a:extLst>
+                  <a:ext uri="{0D108BD9-81ED-4DB2-BD59-A6C34878D82A}">
+                    <a16:rowId xmlns:a16="http://schemas.microsoft.com/office/drawing/2014/main" val="10004"/>
+                  </a:ext>
+                </a:extLst>
               </a:tr>
               <a:tr h="487080">
                 <a:tc>
                   <a:txBody>
-                    <a:bodyPr lIns="169920" rIns="169920"/>
+                    <a:bodyPr/>
+                    <a:lstStyle/>
                     <a:p>
                       <a:pPr>
                         <a:lnSpc>
@@ -2937,13 +3567,13 @@
                         </a:lnSpc>
                       </a:pPr>
                       <a:r>
-                        <a:rPr b="0" lang="ru-RU" sz="3000" spc="-1" strike="noStrike">
-                          <a:solidFill>
-                            <a:srgbClr val="000000"/>
-                          </a:solidFill>
-                          <a:uFill>
-                            <a:solidFill>
-                              <a:srgbClr val="ffffff"/>
+                        <a:rPr lang="ru-RU" sz="3000" b="0" strike="noStrike" spc="-1">
+                          <a:solidFill>
+                            <a:srgbClr val="000000"/>
+                          </a:solidFill>
+                          <a:uFill>
+                            <a:solidFill>
+                              <a:srgbClr val="FFFFFF"/>
                             </a:solidFill>
                           </a:uFill>
                           <a:latin typeface="Calibri"/>
@@ -2951,13 +3581,13 @@
                         </a:rPr>
                         <a:t> </a:t>
                       </a:r>
-                      <a:endParaRPr b="0" lang="ru-RU" sz="1800" spc="-1" strike="noStrike">
+                      <a:endParaRPr lang="ru-RU" sz="1800" b="0" strike="noStrike" spc="-1">
                         <a:solidFill>
                           <a:srgbClr val="000000"/>
                         </a:solidFill>
                         <a:uFill>
                           <a:solidFill>
-                            <a:srgbClr val="ffffff"/>
+                            <a:srgbClr val="FFFFFF"/>
                           </a:solidFill>
                         </a:uFill>
                         <a:latin typeface="Arial"/>
@@ -2990,7 +3620,8 @@
                 </a:tc>
                 <a:tc>
                   <a:txBody>
-                    <a:bodyPr lIns="169920" rIns="169920"/>
+                    <a:bodyPr/>
+                    <a:lstStyle/>
                     <a:p>
                       <a:pPr>
                         <a:lnSpc>
@@ -2998,13 +3629,13 @@
                         </a:lnSpc>
                       </a:pPr>
                       <a:r>
-                        <a:rPr b="0" lang="ru-RU" sz="3000" spc="-1" strike="noStrike">
-                          <a:solidFill>
-                            <a:srgbClr val="000000"/>
-                          </a:solidFill>
-                          <a:uFill>
-                            <a:solidFill>
-                              <a:srgbClr val="ffffff"/>
+                        <a:rPr lang="ru-RU" sz="3000" b="0" strike="noStrike" spc="-1">
+                          <a:solidFill>
+                            <a:srgbClr val="000000"/>
+                          </a:solidFill>
+                          <a:uFill>
+                            <a:solidFill>
+                              <a:srgbClr val="FFFFFF"/>
                             </a:solidFill>
                           </a:uFill>
                           <a:latin typeface="Calibri"/>
@@ -3012,13 +3643,13 @@
                         </a:rPr>
                         <a:t>интервал между символами</a:t>
                       </a:r>
-                      <a:endParaRPr b="0" lang="ru-RU" sz="1800" spc="-1" strike="noStrike">
+                      <a:endParaRPr lang="ru-RU" sz="1800" b="0" strike="noStrike" spc="-1">
                         <a:solidFill>
                           <a:srgbClr val="000000"/>
                         </a:solidFill>
                         <a:uFill>
                           <a:solidFill>
-                            <a:srgbClr val="ffffff"/>
+                            <a:srgbClr val="FFFFFF"/>
                           </a:solidFill>
                         </a:uFill>
                         <a:latin typeface="Arial"/>
@@ -3051,7 +3682,8 @@
                 </a:tc>
                 <a:tc>
                   <a:txBody>
-                    <a:bodyPr lIns="169920" rIns="169920"/>
+                    <a:bodyPr/>
+                    <a:lstStyle/>
                     <a:p>
                       <a:pPr>
                         <a:lnSpc>
@@ -3059,13 +3691,13 @@
                         </a:lnSpc>
                       </a:pPr>
                       <a:r>
-                        <a:rPr b="0" lang="ru-RU" sz="3000" spc="-1" strike="noStrike">
-                          <a:solidFill>
-                            <a:srgbClr val="000000"/>
-                          </a:solidFill>
-                          <a:uFill>
-                            <a:solidFill>
-                              <a:srgbClr val="ffffff"/>
+                        <a:rPr lang="ru-RU" sz="3000" b="0" strike="noStrike" spc="-1">
+                          <a:solidFill>
+                            <a:srgbClr val="000000"/>
+                          </a:solidFill>
+                          <a:uFill>
+                            <a:solidFill>
+                              <a:srgbClr val="FFFFFF"/>
                             </a:solidFill>
                           </a:uFill>
                           <a:latin typeface="Calibri"/>
@@ -3073,13 +3705,13 @@
                         </a:rPr>
                         <a:t>10%</a:t>
                       </a:r>
-                      <a:endParaRPr b="0" lang="ru-RU" sz="1800" spc="-1" strike="noStrike">
+                      <a:endParaRPr lang="ru-RU" sz="1800" b="0" strike="noStrike" spc="-1">
                         <a:solidFill>
                           <a:srgbClr val="000000"/>
                         </a:solidFill>
                         <a:uFill>
                           <a:solidFill>
-                            <a:srgbClr val="ffffff"/>
+                            <a:srgbClr val="FFFFFF"/>
                           </a:solidFill>
                         </a:uFill>
                         <a:latin typeface="Arial"/>
@@ -3110,11 +3742,17 @@
                     <a:noFill/>
                   </a:tcPr>
                 </a:tc>
+                <a:extLst>
+                  <a:ext uri="{0D108BD9-81ED-4DB2-BD59-A6C34878D82A}">
+                    <a16:rowId xmlns:a16="http://schemas.microsoft.com/office/drawing/2014/main" val="10005"/>
+                  </a:ext>
+                </a:extLst>
               </a:tr>
               <a:tr h="487080">
                 <a:tc>
                   <a:txBody>
-                    <a:bodyPr lIns="169920" rIns="169920"/>
+                    <a:bodyPr/>
+                    <a:lstStyle/>
                     <a:p>
                       <a:pPr>
                         <a:lnSpc>
@@ -3122,13 +3760,13 @@
                         </a:lnSpc>
                       </a:pPr>
                       <a:r>
-                        <a:rPr b="0" lang="ru-RU" sz="3000" spc="-1" strike="noStrike">
-                          <a:solidFill>
-                            <a:srgbClr val="000000"/>
-                          </a:solidFill>
-                          <a:uFill>
-                            <a:solidFill>
-                              <a:srgbClr val="ffffff"/>
+                        <a:rPr lang="ru-RU" sz="3000" b="0" strike="noStrike" spc="-1">
+                          <a:solidFill>
+                            <a:srgbClr val="000000"/>
+                          </a:solidFill>
+                          <a:uFill>
+                            <a:solidFill>
+                              <a:srgbClr val="FFFFFF"/>
                             </a:solidFill>
                           </a:uFill>
                           <a:latin typeface="Calibri"/>
@@ -3136,13 +3774,13 @@
                         </a:rPr>
                         <a:t> </a:t>
                       </a:r>
-                      <a:endParaRPr b="0" lang="ru-RU" sz="1800" spc="-1" strike="noStrike">
+                      <a:endParaRPr lang="ru-RU" sz="1800" b="0" strike="noStrike" spc="-1">
                         <a:solidFill>
                           <a:srgbClr val="000000"/>
                         </a:solidFill>
                         <a:uFill>
                           <a:solidFill>
-                            <a:srgbClr val="ffffff"/>
+                            <a:srgbClr val="FFFFFF"/>
                           </a:solidFill>
                         </a:uFill>
                         <a:latin typeface="Arial"/>
@@ -3175,7 +3813,8 @@
                 </a:tc>
                 <a:tc>
                   <a:txBody>
-                    <a:bodyPr lIns="169920" rIns="169920"/>
+                    <a:bodyPr/>
+                    <a:lstStyle/>
                     <a:p>
                       <a:pPr>
                         <a:lnSpc>
@@ -3183,13 +3822,13 @@
                         </a:lnSpc>
                       </a:pPr>
                       <a:r>
-                        <a:rPr b="0" lang="ru-RU" sz="3000" spc="-1" strike="noStrike">
-                          <a:solidFill>
-                            <a:srgbClr val="000000"/>
-                          </a:solidFill>
-                          <a:uFill>
-                            <a:solidFill>
-                              <a:srgbClr val="ffffff"/>
+                        <a:rPr lang="ru-RU" sz="3000" b="0" strike="noStrike" spc="-1">
+                          <a:solidFill>
+                            <a:srgbClr val="000000"/>
+                          </a:solidFill>
+                          <a:uFill>
+                            <a:solidFill>
+                              <a:srgbClr val="FFFFFF"/>
                             </a:solidFill>
                           </a:uFill>
                           <a:latin typeface="Calibri"/>
@@ -3197,13 +3836,13 @@
                         </a:rPr>
                         <a:t>интервал между словами</a:t>
                       </a:r>
-                      <a:endParaRPr b="0" lang="ru-RU" sz="1800" spc="-1" strike="noStrike">
+                      <a:endParaRPr lang="ru-RU" sz="1800" b="0" strike="noStrike" spc="-1">
                         <a:solidFill>
                           <a:srgbClr val="000000"/>
                         </a:solidFill>
                         <a:uFill>
                           <a:solidFill>
-                            <a:srgbClr val="ffffff"/>
+                            <a:srgbClr val="FFFFFF"/>
                           </a:solidFill>
                         </a:uFill>
                         <a:latin typeface="Arial"/>
@@ -3236,7 +3875,8 @@
                 </a:tc>
                 <a:tc>
                   <a:txBody>
-                    <a:bodyPr lIns="169920" rIns="169920"/>
+                    <a:bodyPr/>
+                    <a:lstStyle/>
                     <a:p>
                       <a:pPr>
                         <a:lnSpc>
@@ -3244,13 +3884,13 @@
                         </a:lnSpc>
                       </a:pPr>
                       <a:r>
-                        <a:rPr b="0" lang="ru-RU" sz="3000" spc="-1" strike="noStrike">
-                          <a:solidFill>
-                            <a:srgbClr val="000000"/>
-                          </a:solidFill>
-                          <a:uFill>
-                            <a:solidFill>
-                              <a:srgbClr val="ffffff"/>
+                        <a:rPr lang="ru-RU" sz="3000" b="0" strike="noStrike" spc="-1">
+                          <a:solidFill>
+                            <a:srgbClr val="000000"/>
+                          </a:solidFill>
+                          <a:uFill>
+                            <a:solidFill>
+                              <a:srgbClr val="FFFFFF"/>
                             </a:solidFill>
                           </a:uFill>
                           <a:latin typeface="Calibri"/>
@@ -3258,13 +3898,13 @@
                         </a:rPr>
                         <a:t>7%</a:t>
                       </a:r>
-                      <a:endParaRPr b="0" lang="ru-RU" sz="1800" spc="-1" strike="noStrike">
+                      <a:endParaRPr lang="ru-RU" sz="1800" b="0" strike="noStrike" spc="-1">
                         <a:solidFill>
                           <a:srgbClr val="000000"/>
                         </a:solidFill>
                         <a:uFill>
                           <a:solidFill>
-                            <a:srgbClr val="ffffff"/>
+                            <a:srgbClr val="FFFFFF"/>
                           </a:solidFill>
                         </a:uFill>
                         <a:latin typeface="Arial"/>
@@ -3295,11 +3935,17 @@
                     <a:noFill/>
                   </a:tcPr>
                 </a:tc>
+                <a:extLst>
+                  <a:ext uri="{0D108BD9-81ED-4DB2-BD59-A6C34878D82A}">
+                    <a16:rowId xmlns:a16="http://schemas.microsoft.com/office/drawing/2014/main" val="10006"/>
+                  </a:ext>
+                </a:extLst>
               </a:tr>
               <a:tr h="487080">
                 <a:tc>
                   <a:txBody>
-                    <a:bodyPr lIns="169920" rIns="169920"/>
+                    <a:bodyPr/>
+                    <a:lstStyle/>
                     <a:p>
                       <a:pPr>
                         <a:lnSpc>
@@ -3307,13 +3953,13 @@
                         </a:lnSpc>
                       </a:pPr>
                       <a:r>
-                        <a:rPr b="0" lang="ru-RU" sz="3000" spc="-1" strike="noStrike">
-                          <a:solidFill>
-                            <a:srgbClr val="000000"/>
-                          </a:solidFill>
-                          <a:uFill>
-                            <a:solidFill>
-                              <a:srgbClr val="ffffff"/>
+                        <a:rPr lang="ru-RU" sz="3000" b="0" strike="noStrike" spc="-1">
+                          <a:solidFill>
+                            <a:srgbClr val="000000"/>
+                          </a:solidFill>
+                          <a:uFill>
+                            <a:solidFill>
+                              <a:srgbClr val="FFFFFF"/>
                             </a:solidFill>
                           </a:uFill>
                           <a:latin typeface="Calibri"/>
@@ -3321,13 +3967,13 @@
                         </a:rPr>
                         <a:t> </a:t>
                       </a:r>
-                      <a:endParaRPr b="0" lang="ru-RU" sz="1800" spc="-1" strike="noStrike">
+                      <a:endParaRPr lang="ru-RU" sz="1800" b="0" strike="noStrike" spc="-1">
                         <a:solidFill>
                           <a:srgbClr val="000000"/>
                         </a:solidFill>
                         <a:uFill>
                           <a:solidFill>
-                            <a:srgbClr val="ffffff"/>
+                            <a:srgbClr val="FFFFFF"/>
                           </a:solidFill>
                         </a:uFill>
                         <a:latin typeface="Arial"/>
@@ -3360,7 +4006,8 @@
                 </a:tc>
                 <a:tc>
                   <a:txBody>
-                    <a:bodyPr lIns="169920" rIns="169920"/>
+                    <a:bodyPr/>
+                    <a:lstStyle/>
                     <a:p>
                       <a:pPr>
                         <a:lnSpc>
@@ -3368,13 +4015,13 @@
                         </a:lnSpc>
                       </a:pPr>
                       <a:r>
-                        <a:rPr b="0" lang="ru-RU" sz="3000" spc="-1" strike="noStrike">
-                          <a:solidFill>
-                            <a:srgbClr val="000000"/>
-                          </a:solidFill>
-                          <a:uFill>
-                            <a:solidFill>
-                              <a:srgbClr val="ffffff"/>
+                        <a:rPr lang="ru-RU" sz="3000" b="0" strike="noStrike" spc="-1" dirty="0">
+                          <a:solidFill>
+                            <a:srgbClr val="000000"/>
+                          </a:solidFill>
+                          <a:uFill>
+                            <a:solidFill>
+                              <a:srgbClr val="FFFFFF"/>
                             </a:solidFill>
                           </a:uFill>
                           <a:latin typeface="Calibri"/>
@@ -3382,13 +4029,13 @@
                         </a:rPr>
                         <a:t>интервал между строками</a:t>
                       </a:r>
-                      <a:endParaRPr b="0" lang="ru-RU" sz="1800" spc="-1" strike="noStrike">
+                      <a:endParaRPr lang="ru-RU" sz="1800" b="0" strike="noStrike" spc="-1" dirty="0">
                         <a:solidFill>
                           <a:srgbClr val="000000"/>
                         </a:solidFill>
                         <a:uFill>
                           <a:solidFill>
-                            <a:srgbClr val="ffffff"/>
+                            <a:srgbClr val="FFFFFF"/>
                           </a:solidFill>
                         </a:uFill>
                         <a:latin typeface="Arial"/>
@@ -3421,7 +4068,8 @@
                 </a:tc>
                 <a:tc>
                   <a:txBody>
-                    <a:bodyPr lIns="169920" rIns="169920"/>
+                    <a:bodyPr/>
+                    <a:lstStyle/>
                     <a:p>
                       <a:pPr>
                         <a:lnSpc>
@@ -3429,13 +4077,13 @@
                         </a:lnSpc>
                       </a:pPr>
                       <a:r>
-                        <a:rPr b="0" lang="ru-RU" sz="3000" spc="-1" strike="noStrike">
-                          <a:solidFill>
-                            <a:srgbClr val="000000"/>
-                          </a:solidFill>
-                          <a:uFill>
-                            <a:solidFill>
-                              <a:srgbClr val="ffffff"/>
+                        <a:rPr lang="ru-RU" sz="3000" b="0" strike="noStrike" spc="-1" dirty="0">
+                          <a:solidFill>
+                            <a:srgbClr val="000000"/>
+                          </a:solidFill>
+                          <a:uFill>
+                            <a:solidFill>
+                              <a:srgbClr val="FFFFFF"/>
                             </a:solidFill>
                           </a:uFill>
                           <a:latin typeface="Calibri"/>
@@ -3443,13 +4091,13 @@
                         </a:rPr>
                         <a:t>4%</a:t>
                       </a:r>
-                      <a:endParaRPr b="0" lang="ru-RU" sz="1800" spc="-1" strike="noStrike">
+                      <a:endParaRPr lang="ru-RU" sz="1800" b="0" strike="noStrike" spc="-1" dirty="0">
                         <a:solidFill>
                           <a:srgbClr val="000000"/>
                         </a:solidFill>
                         <a:uFill>
                           <a:solidFill>
-                            <a:srgbClr val="ffffff"/>
+                            <a:srgbClr val="FFFFFF"/>
                           </a:solidFill>
                         </a:uFill>
                         <a:latin typeface="Arial"/>
@@ -3480,39 +4128,241 @@
                     <a:noFill/>
                   </a:tcPr>
                 </a:tc>
+                <a:extLst>
+                  <a:ext uri="{0D108BD9-81ED-4DB2-BD59-A6C34878D82A}">
+                    <a16:rowId xmlns:a16="http://schemas.microsoft.com/office/drawing/2014/main" val="10007"/>
+                  </a:ext>
+                </a:extLst>
               </a:tr>
               <a:tr h="487080">
                 <a:tc>
                   <a:txBody>
-                    <a:bodyPr lIns="169920" rIns="169920"/>
+                    <a:bodyPr/>
+                    <a:lstStyle/>
+                    <a:p>
+                      <a:pPr marL="0" algn="l" defTabSz="914400" rtl="0" eaLnBrk="1" latinLnBrk="0" hangingPunct="1">
+                        <a:lnSpc>
+                          <a:spcPct val="100000"/>
+                        </a:lnSpc>
+                      </a:pPr>
+                      <a:r>
+                        <a:rPr lang="ru-RU" sz="3000" b="0" strike="noStrike" kern="1200" spc="-1" dirty="0">
+                          <a:solidFill>
+                            <a:srgbClr val="000000"/>
+                          </a:solidFill>
+                          <a:uFill>
+                            <a:solidFill>
+                              <a:srgbClr val="FFFFFF"/>
+                            </a:solidFill>
+                          </a:uFill>
+                          <a:latin typeface="Calibri"/>
+                          <a:cs typeface="+mn-cs"/>
+                        </a:rPr>
+                        <a:t>Длина</a:t>
+                      </a:r>
+                    </a:p>
+                  </a:txBody>
+                  <a:tcPr marL="169920" marR="169920">
+                    <a:lnL w="12240">
+                      <a:solidFill>
+                        <a:srgbClr val="000000"/>
+                      </a:solidFill>
+                    </a:lnL>
+                    <a:lnR w="12240" cap="flat" cmpd="sng" algn="ctr">
+                      <a:solidFill>
+                        <a:srgbClr val="000000"/>
+                      </a:solidFill>
+                      <a:prstDash val="solid"/>
+                      <a:round/>
+                      <a:headEnd type="none" w="med" len="med"/>
+                      <a:tailEnd type="none" w="med" len="med"/>
+                    </a:lnR>
+                    <a:lnT w="12240" cap="flat" cmpd="sng" algn="ctr">
+                      <a:solidFill>
+                        <a:srgbClr val="000000"/>
+                      </a:solidFill>
+                      <a:prstDash val="solid"/>
+                      <a:round/>
+                      <a:headEnd type="none" w="med" len="med"/>
+                      <a:tailEnd type="none" w="med" len="med"/>
+                    </a:lnT>
+                    <a:lnB w="12240">
+                      <a:solidFill>
+                        <a:srgbClr val="000000"/>
+                      </a:solidFill>
+                    </a:lnB>
+                    <a:noFill/>
+                  </a:tcPr>
+                </a:tc>
+                <a:tc>
+                  <a:txBody>
+                    <a:bodyPr/>
+                    <a:lstStyle/>
                     <a:p>
                       <a:pPr>
                         <a:lnSpc>
                           <a:spcPct val="100000"/>
                         </a:lnSpc>
                       </a:pPr>
-                      <a:r>
-                        <a:rPr b="0" lang="ru-RU" sz="3000" spc="-1" strike="noStrike">
-                          <a:solidFill>
-                            <a:srgbClr val="000000"/>
-                          </a:solidFill>
-                          <a:uFill>
-                            <a:solidFill>
-                              <a:srgbClr val="ffffff"/>
-                            </a:solidFill>
-                          </a:uFill>
-                          <a:latin typeface="Calibri"/>
-                          <a:ea typeface="Calibri"/>
-                        </a:rPr>
-                        <a:t>Прочие</a:t>
-                      </a:r>
-                      <a:endParaRPr b="0" lang="ru-RU" sz="1800" spc="-1" strike="noStrike">
+                      <a:endParaRPr lang="ru-RU" sz="1800" b="0" strike="noStrike" spc="-1">
                         <a:solidFill>
                           <a:srgbClr val="000000"/>
                         </a:solidFill>
                         <a:uFill>
                           <a:solidFill>
-                            <a:srgbClr val="ffffff"/>
+                            <a:srgbClr val="FFFFFF"/>
+                          </a:solidFill>
+                        </a:uFill>
+                        <a:latin typeface="Arial"/>
+                      </a:endParaRPr>
+                    </a:p>
+                  </a:txBody>
+                  <a:tcPr marL="169920" marR="169920">
+                    <a:lnL w="12240" cap="flat" cmpd="sng" algn="ctr">
+                      <a:solidFill>
+                        <a:srgbClr val="000000"/>
+                      </a:solidFill>
+                      <a:prstDash val="solid"/>
+                      <a:round/>
+                      <a:headEnd type="none" w="med" len="med"/>
+                      <a:tailEnd type="none" w="med" len="med"/>
+                    </a:lnL>
+                    <a:lnR w="12240" cap="flat" cmpd="sng" algn="ctr">
+                      <a:solidFill>
+                        <a:srgbClr val="000000"/>
+                      </a:solidFill>
+                      <a:prstDash val="solid"/>
+                      <a:round/>
+                      <a:headEnd type="none" w="med" len="med"/>
+                      <a:tailEnd type="none" w="med" len="med"/>
+                    </a:lnR>
+                    <a:lnT w="12240" cap="flat" cmpd="sng" algn="ctr">
+                      <a:solidFill>
+                        <a:srgbClr val="000000"/>
+                      </a:solidFill>
+                      <a:prstDash val="solid"/>
+                      <a:round/>
+                      <a:headEnd type="none" w="med" len="med"/>
+                      <a:tailEnd type="none" w="med" len="med"/>
+                    </a:lnT>
+                    <a:lnB w="12240">
+                      <a:solidFill>
+                        <a:srgbClr val="000000"/>
+                      </a:solidFill>
+                    </a:lnB>
+                    <a:noFill/>
+                  </a:tcPr>
+                </a:tc>
+                <a:tc>
+                  <a:txBody>
+                    <a:bodyPr/>
+                    <a:lstStyle/>
+                    <a:p>
+                      <a:pPr marL="0" algn="l" defTabSz="914400" rtl="0" eaLnBrk="1" latinLnBrk="0" hangingPunct="1">
+                        <a:lnSpc>
+                          <a:spcPct val="100000"/>
+                        </a:lnSpc>
+                      </a:pPr>
+                      <a:r>
+                        <a:rPr lang="ru-RU" sz="3000" b="0" strike="noStrike" kern="1200" spc="-1" dirty="0">
+                          <a:solidFill>
+                            <a:srgbClr val="000000"/>
+                          </a:solidFill>
+                          <a:uFill>
+                            <a:solidFill>
+                              <a:srgbClr val="FFFFFF"/>
+                            </a:solidFill>
+                          </a:uFill>
+                          <a:latin typeface="Calibri"/>
+                          <a:cs typeface="+mn-cs"/>
+                        </a:rPr>
+                        <a:t>3</a:t>
+                      </a:r>
+                      <a:r>
+                        <a:rPr lang="en-US" sz="3000" b="0" strike="noStrike" kern="1200" spc="-1" dirty="0">
+                          <a:solidFill>
+                            <a:srgbClr val="000000"/>
+                          </a:solidFill>
+                          <a:uFill>
+                            <a:solidFill>
+                              <a:srgbClr val="FFFFFF"/>
+                            </a:solidFill>
+                          </a:uFill>
+                          <a:latin typeface="Calibri"/>
+                          <a:cs typeface="+mn-cs"/>
+                        </a:rPr>
+                        <a:t>%</a:t>
+                      </a:r>
+                      <a:endParaRPr lang="ru-RU" sz="3000" b="0" strike="noStrike" kern="1200" spc="-1" dirty="0">
+                        <a:solidFill>
+                          <a:srgbClr val="000000"/>
+                        </a:solidFill>
+                        <a:uFill>
+                          <a:solidFill>
+                            <a:srgbClr val="FFFFFF"/>
+                          </a:solidFill>
+                        </a:uFill>
+                        <a:latin typeface="Calibri"/>
+                        <a:cs typeface="+mn-cs"/>
+                      </a:endParaRPr>
+                    </a:p>
+                  </a:txBody>
+                  <a:tcPr marL="169920" marR="169920">
+                    <a:lnL w="12240" cap="flat" cmpd="sng" algn="ctr">
+                      <a:solidFill>
+                        <a:srgbClr val="000000"/>
+                      </a:solidFill>
+                      <a:prstDash val="solid"/>
+                      <a:round/>
+                      <a:headEnd type="none" w="med" len="med"/>
+                      <a:tailEnd type="none" w="med" len="med"/>
+                    </a:lnL>
+                    <a:lnR w="12240">
+                      <a:solidFill>
+                        <a:srgbClr val="000000"/>
+                      </a:solidFill>
+                    </a:lnR>
+                    <a:lnT w="12240" cap="flat" cmpd="sng" algn="ctr">
+                      <a:solidFill>
+                        <a:srgbClr val="000000"/>
+                      </a:solidFill>
+                      <a:prstDash val="solid"/>
+                      <a:round/>
+                      <a:headEnd type="none" w="med" len="med"/>
+                      <a:tailEnd type="none" w="med" len="med"/>
+                    </a:lnT>
+                    <a:lnB w="12240">
+                      <a:solidFill>
+                        <a:srgbClr val="000000"/>
+                      </a:solidFill>
+                    </a:lnB>
+                    <a:noFill/>
+                  </a:tcPr>
+                </a:tc>
+                <a:extLst>
+                  <a:ext uri="{0D108BD9-81ED-4DB2-BD59-A6C34878D82A}">
+                    <a16:rowId xmlns:a16="http://schemas.microsoft.com/office/drawing/2014/main" val="1741325699"/>
+                  </a:ext>
+                </a:extLst>
+              </a:tr>
+              <a:tr h="487080">
+                <a:tc>
+                  <a:txBody>
+                    <a:bodyPr/>
+                    <a:lstStyle/>
+                    <a:p>
+                      <a:pPr>
+                        <a:lnSpc>
+                          <a:spcPct val="100000"/>
+                        </a:lnSpc>
+                      </a:pPr>
+                      <a:endParaRPr lang="ru-RU" sz="1800" b="0" strike="noStrike" spc="-1" dirty="0">
+                        <a:solidFill>
+                          <a:srgbClr val="000000"/>
+                        </a:solidFill>
+                        <a:uFill>
+                          <a:solidFill>
+                            <a:srgbClr val="FFFFFF"/>
                           </a:solidFill>
                         </a:uFill>
                         <a:latin typeface="Arial"/>
@@ -3525,15 +4375,23 @@
                         <a:srgbClr val="000000"/>
                       </a:solidFill>
                     </a:lnL>
-                    <a:lnR w="12240">
-                      <a:solidFill>
-                        <a:srgbClr val="000000"/>
-                      </a:solidFill>
+                    <a:lnR w="12240" cap="flat" cmpd="sng" algn="ctr">
+                      <a:solidFill>
+                        <a:srgbClr val="000000"/>
+                      </a:solidFill>
+                      <a:prstDash val="solid"/>
+                      <a:round/>
+                      <a:headEnd type="none" w="med" len="med"/>
+                      <a:tailEnd type="none" w="med" len="med"/>
                     </a:lnR>
-                    <a:lnT w="12240">
-                      <a:solidFill>
-                        <a:srgbClr val="000000"/>
-                      </a:solidFill>
+                    <a:lnT w="12240" cap="flat" cmpd="sng" algn="ctr">
+                      <a:solidFill>
+                        <a:srgbClr val="000000"/>
+                      </a:solidFill>
+                      <a:prstDash val="solid"/>
+                      <a:round/>
+                      <a:headEnd type="none" w="med" len="med"/>
+                      <a:tailEnd type="none" w="med" len="med"/>
                     </a:lnT>
                     <a:lnB w="12240">
                       <a:solidFill>
@@ -3545,35 +4403,165 @@
                 </a:tc>
                 <a:tc>
                   <a:txBody>
-                    <a:bodyPr lIns="169920" rIns="169920"/>
+                    <a:bodyPr/>
+                    <a:lstStyle/>
+                    <a:p>
+                      <a:pPr marL="0" algn="l" defTabSz="914400" rtl="0" eaLnBrk="1" latinLnBrk="0" hangingPunct="1">
+                        <a:lnSpc>
+                          <a:spcPct val="100000"/>
+                        </a:lnSpc>
+                      </a:pPr>
+                      <a:r>
+                        <a:rPr lang="ru-RU" sz="3000" b="0" strike="noStrike" kern="1200" spc="-1" dirty="0">
+                          <a:solidFill>
+                            <a:srgbClr val="000000"/>
+                          </a:solidFill>
+                          <a:uFill>
+                            <a:solidFill>
+                              <a:srgbClr val="FFFFFF"/>
+                            </a:solidFill>
+                          </a:uFill>
+                          <a:latin typeface="Calibri"/>
+                          <a:ea typeface="+mn-ea"/>
+                          <a:cs typeface="+mn-cs"/>
+                        </a:rPr>
+                        <a:t>длина по горизонтали </a:t>
+                      </a:r>
+                    </a:p>
+                  </a:txBody>
+                  <a:tcPr marL="169920" marR="169920">
+                    <a:lnL w="12240" cap="flat" cmpd="sng" algn="ctr">
+                      <a:solidFill>
+                        <a:srgbClr val="000000"/>
+                      </a:solidFill>
+                      <a:prstDash val="solid"/>
+                      <a:round/>
+                      <a:headEnd type="none" w="med" len="med"/>
+                      <a:tailEnd type="none" w="med" len="med"/>
+                    </a:lnL>
+                    <a:lnR w="12240" cap="flat" cmpd="sng" algn="ctr">
+                      <a:solidFill>
+                        <a:srgbClr val="000000"/>
+                      </a:solidFill>
+                      <a:prstDash val="solid"/>
+                      <a:round/>
+                      <a:headEnd type="none" w="med" len="med"/>
+                      <a:tailEnd type="none" w="med" len="med"/>
+                    </a:lnR>
+                    <a:lnT w="12240" cap="flat" cmpd="sng" algn="ctr">
+                      <a:solidFill>
+                        <a:srgbClr val="000000"/>
+                      </a:solidFill>
+                      <a:prstDash val="solid"/>
+                      <a:round/>
+                      <a:headEnd type="none" w="med" len="med"/>
+                      <a:tailEnd type="none" w="med" len="med"/>
+                    </a:lnT>
+                    <a:lnB w="12240">
+                      <a:solidFill>
+                        <a:srgbClr val="000000"/>
+                      </a:solidFill>
+                    </a:lnB>
+                    <a:noFill/>
+                  </a:tcPr>
+                </a:tc>
+                <a:tc>
+                  <a:txBody>
+                    <a:bodyPr/>
+                    <a:lstStyle/>
+                    <a:p>
+                      <a:pPr marL="0" algn="l" defTabSz="914400" rtl="0" eaLnBrk="1" latinLnBrk="0" hangingPunct="1">
+                        <a:lnSpc>
+                          <a:spcPct val="100000"/>
+                        </a:lnSpc>
+                      </a:pPr>
+                      <a:r>
+                        <a:rPr lang="en-US" sz="3000" b="0" strike="noStrike" kern="1200" spc="-1" dirty="0">
+                          <a:solidFill>
+                            <a:srgbClr val="000000"/>
+                          </a:solidFill>
+                          <a:uFill>
+                            <a:solidFill>
+                              <a:srgbClr val="FFFFFF"/>
+                            </a:solidFill>
+                          </a:uFill>
+                          <a:latin typeface="Calibri"/>
+                          <a:ea typeface="+mn-ea"/>
+                          <a:cs typeface="+mn-cs"/>
+                        </a:rPr>
+                        <a:t>3%</a:t>
+                      </a:r>
+                      <a:endParaRPr lang="ru-RU" sz="3000" b="0" strike="noStrike" kern="1200" spc="-1" dirty="0">
+                        <a:solidFill>
+                          <a:srgbClr val="000000"/>
+                        </a:solidFill>
+                        <a:uFill>
+                          <a:solidFill>
+                            <a:srgbClr val="FFFFFF"/>
+                          </a:solidFill>
+                        </a:uFill>
+                        <a:latin typeface="Calibri"/>
+                        <a:ea typeface="+mn-ea"/>
+                        <a:cs typeface="+mn-cs"/>
+                      </a:endParaRPr>
+                    </a:p>
+                  </a:txBody>
+                  <a:tcPr marL="169920" marR="169920">
+                    <a:lnL w="12240" cap="flat" cmpd="sng" algn="ctr">
+                      <a:solidFill>
+                        <a:srgbClr val="000000"/>
+                      </a:solidFill>
+                      <a:prstDash val="solid"/>
+                      <a:round/>
+                      <a:headEnd type="none" w="med" len="med"/>
+                      <a:tailEnd type="none" w="med" len="med"/>
+                    </a:lnL>
+                    <a:lnR w="12240">
+                      <a:solidFill>
+                        <a:srgbClr val="000000"/>
+                      </a:solidFill>
+                    </a:lnR>
+                    <a:lnT w="12240" cap="flat" cmpd="sng" algn="ctr">
+                      <a:solidFill>
+                        <a:srgbClr val="000000"/>
+                      </a:solidFill>
+                      <a:prstDash val="solid"/>
+                      <a:round/>
+                      <a:headEnd type="none" w="med" len="med"/>
+                      <a:tailEnd type="none" w="med" len="med"/>
+                    </a:lnT>
+                    <a:lnB w="12240">
+                      <a:solidFill>
+                        <a:srgbClr val="000000"/>
+                      </a:solidFill>
+                    </a:lnB>
+                    <a:noFill/>
+                  </a:tcPr>
+                </a:tc>
+                <a:extLst>
+                  <a:ext uri="{0D108BD9-81ED-4DB2-BD59-A6C34878D82A}">
+                    <a16:rowId xmlns:a16="http://schemas.microsoft.com/office/drawing/2014/main" val="3364249545"/>
+                  </a:ext>
+                </a:extLst>
+              </a:tr>
+              <a:tr h="487080">
+                <a:tc>
+                  <a:txBody>
+                    <a:bodyPr/>
+                    <a:lstStyle/>
                     <a:p>
                       <a:pPr>
                         <a:lnSpc>
                           <a:spcPct val="100000"/>
                         </a:lnSpc>
                       </a:pPr>
-                      <a:r>
-                        <a:rPr b="0" lang="ru-RU" sz="3000" spc="-1" strike="noStrike">
-                          <a:solidFill>
-                            <a:srgbClr val="000000"/>
-                          </a:solidFill>
-                          <a:uFill>
-                            <a:solidFill>
-                              <a:srgbClr val="ffffff"/>
-                            </a:solidFill>
-                          </a:uFill>
-                          <a:latin typeface="Calibri"/>
-                          <a:ea typeface="Calibri"/>
-                        </a:rPr>
-                        <a:t> </a:t>
-                      </a:r>
-                      <a:endParaRPr b="0" lang="ru-RU" sz="1800" spc="-1" strike="noStrike">
+                      <a:endParaRPr lang="ru-RU" sz="1800" b="0" strike="noStrike" spc="-1">
                         <a:solidFill>
                           <a:srgbClr val="000000"/>
                         </a:solidFill>
                         <a:uFill>
                           <a:solidFill>
-                            <a:srgbClr val="ffffff"/>
+                            <a:srgbClr val="FFFFFF"/>
                           </a:solidFill>
                         </a:uFill>
                         <a:latin typeface="Arial"/>
@@ -3586,15 +4574,23 @@
                         <a:srgbClr val="000000"/>
                       </a:solidFill>
                     </a:lnL>
-                    <a:lnR w="12240">
-                      <a:solidFill>
-                        <a:srgbClr val="000000"/>
-                      </a:solidFill>
+                    <a:lnR w="12240" cap="flat" cmpd="sng" algn="ctr">
+                      <a:solidFill>
+                        <a:srgbClr val="000000"/>
+                      </a:solidFill>
+                      <a:prstDash val="solid"/>
+                      <a:round/>
+                      <a:headEnd type="none" w="med" len="med"/>
+                      <a:tailEnd type="none" w="med" len="med"/>
                     </a:lnR>
-                    <a:lnT w="12240">
-                      <a:solidFill>
-                        <a:srgbClr val="000000"/>
-                      </a:solidFill>
+                    <a:lnT w="12240" cap="flat" cmpd="sng" algn="ctr">
+                      <a:solidFill>
+                        <a:srgbClr val="000000"/>
+                      </a:solidFill>
+                      <a:prstDash val="solid"/>
+                      <a:round/>
+                      <a:headEnd type="none" w="med" len="med"/>
+                      <a:tailEnd type="none" w="med" len="med"/>
                     </a:lnT>
                     <a:lnB w="12240">
                       <a:solidFill>
@@ -3606,35 +4602,165 @@
                 </a:tc>
                 <a:tc>
                   <a:txBody>
-                    <a:bodyPr lIns="169920" rIns="169920"/>
+                    <a:bodyPr/>
+                    <a:lstStyle/>
+                    <a:p>
+                      <a:pPr marL="0" algn="l" defTabSz="914400" rtl="0" eaLnBrk="1" latinLnBrk="0" hangingPunct="1">
+                        <a:lnSpc>
+                          <a:spcPct val="100000"/>
+                        </a:lnSpc>
+                      </a:pPr>
+                      <a:r>
+                        <a:rPr lang="ru-RU" sz="3000" b="0" strike="noStrike" kern="1200" spc="-1" dirty="0">
+                          <a:solidFill>
+                            <a:srgbClr val="000000"/>
+                          </a:solidFill>
+                          <a:uFill>
+                            <a:solidFill>
+                              <a:srgbClr val="FFFFFF"/>
+                            </a:solidFill>
+                          </a:uFill>
+                          <a:latin typeface="Calibri"/>
+                          <a:ea typeface="+mn-ea"/>
+                          <a:cs typeface="+mn-cs"/>
+                        </a:rPr>
+                        <a:t>длина по вертикали</a:t>
+                      </a:r>
+                    </a:p>
+                  </a:txBody>
+                  <a:tcPr marL="169920" marR="169920">
+                    <a:lnL w="12240" cap="flat" cmpd="sng" algn="ctr">
+                      <a:solidFill>
+                        <a:srgbClr val="000000"/>
+                      </a:solidFill>
+                      <a:prstDash val="solid"/>
+                      <a:round/>
+                      <a:headEnd type="none" w="med" len="med"/>
+                      <a:tailEnd type="none" w="med" len="med"/>
+                    </a:lnL>
+                    <a:lnR w="12240" cap="flat" cmpd="sng" algn="ctr">
+                      <a:solidFill>
+                        <a:srgbClr val="000000"/>
+                      </a:solidFill>
+                      <a:prstDash val="solid"/>
+                      <a:round/>
+                      <a:headEnd type="none" w="med" len="med"/>
+                      <a:tailEnd type="none" w="med" len="med"/>
+                    </a:lnR>
+                    <a:lnT w="12240" cap="flat" cmpd="sng" algn="ctr">
+                      <a:solidFill>
+                        <a:srgbClr val="000000"/>
+                      </a:solidFill>
+                      <a:prstDash val="solid"/>
+                      <a:round/>
+                      <a:headEnd type="none" w="med" len="med"/>
+                      <a:tailEnd type="none" w="med" len="med"/>
+                    </a:lnT>
+                    <a:lnB w="12240">
+                      <a:solidFill>
+                        <a:srgbClr val="000000"/>
+                      </a:solidFill>
+                    </a:lnB>
+                    <a:noFill/>
+                  </a:tcPr>
+                </a:tc>
+                <a:tc>
+                  <a:txBody>
+                    <a:bodyPr/>
+                    <a:lstStyle/>
+                    <a:p>
+                      <a:pPr marL="0" algn="l" defTabSz="914400" rtl="0" eaLnBrk="1" latinLnBrk="0" hangingPunct="1">
+                        <a:lnSpc>
+                          <a:spcPct val="100000"/>
+                        </a:lnSpc>
+                      </a:pPr>
+                      <a:r>
+                        <a:rPr lang="en-US" sz="3000" b="0" strike="noStrike" kern="1200" spc="-1" dirty="0">
+                          <a:solidFill>
+                            <a:srgbClr val="000000"/>
+                          </a:solidFill>
+                          <a:uFill>
+                            <a:solidFill>
+                              <a:srgbClr val="FFFFFF"/>
+                            </a:solidFill>
+                          </a:uFill>
+                          <a:latin typeface="Calibri"/>
+                          <a:ea typeface="+mn-ea"/>
+                          <a:cs typeface="+mn-cs"/>
+                        </a:rPr>
+                        <a:t>3%</a:t>
+                      </a:r>
+                      <a:endParaRPr lang="ru-RU" sz="3000" b="0" strike="noStrike" kern="1200" spc="-1" dirty="0">
+                        <a:solidFill>
+                          <a:srgbClr val="000000"/>
+                        </a:solidFill>
+                        <a:uFill>
+                          <a:solidFill>
+                            <a:srgbClr val="FFFFFF"/>
+                          </a:solidFill>
+                        </a:uFill>
+                        <a:latin typeface="Calibri"/>
+                        <a:ea typeface="+mn-ea"/>
+                        <a:cs typeface="+mn-cs"/>
+                      </a:endParaRPr>
+                    </a:p>
+                  </a:txBody>
+                  <a:tcPr marL="169920" marR="169920">
+                    <a:lnL w="12240" cap="flat" cmpd="sng" algn="ctr">
+                      <a:solidFill>
+                        <a:srgbClr val="000000"/>
+                      </a:solidFill>
+                      <a:prstDash val="solid"/>
+                      <a:round/>
+                      <a:headEnd type="none" w="med" len="med"/>
+                      <a:tailEnd type="none" w="med" len="med"/>
+                    </a:lnL>
+                    <a:lnR w="12240">
+                      <a:solidFill>
+                        <a:srgbClr val="000000"/>
+                      </a:solidFill>
+                    </a:lnR>
+                    <a:lnT w="12240" cap="flat" cmpd="sng" algn="ctr">
+                      <a:solidFill>
+                        <a:srgbClr val="000000"/>
+                      </a:solidFill>
+                      <a:prstDash val="solid"/>
+                      <a:round/>
+                      <a:headEnd type="none" w="med" len="med"/>
+                      <a:tailEnd type="none" w="med" len="med"/>
+                    </a:lnT>
+                    <a:lnB w="12240">
+                      <a:solidFill>
+                        <a:srgbClr val="000000"/>
+                      </a:solidFill>
+                    </a:lnB>
+                    <a:noFill/>
+                  </a:tcPr>
+                </a:tc>
+                <a:extLst>
+                  <a:ext uri="{0D108BD9-81ED-4DB2-BD59-A6C34878D82A}">
+                    <a16:rowId xmlns:a16="http://schemas.microsoft.com/office/drawing/2014/main" val="3144541323"/>
+                  </a:ext>
+                </a:extLst>
+              </a:tr>
+              <a:tr h="487080">
+                <a:tc>
+                  <a:txBody>
+                    <a:bodyPr/>
+                    <a:lstStyle/>
                     <a:p>
                       <a:pPr>
                         <a:lnSpc>
                           <a:spcPct val="100000"/>
                         </a:lnSpc>
                       </a:pPr>
-                      <a:r>
-                        <a:rPr b="0" lang="ru-RU" sz="3000" spc="-1" strike="noStrike">
-                          <a:solidFill>
-                            <a:srgbClr val="000000"/>
-                          </a:solidFill>
-                          <a:uFill>
-                            <a:solidFill>
-                              <a:srgbClr val="ffffff"/>
-                            </a:solidFill>
-                          </a:uFill>
-                          <a:latin typeface="Calibri"/>
-                          <a:ea typeface="Calibri"/>
-                        </a:rPr>
-                        <a:t>1%</a:t>
-                      </a:r>
-                      <a:endParaRPr b="0" lang="ru-RU" sz="1800" spc="-1" strike="noStrike">
+                      <a:endParaRPr lang="ru-RU" sz="1800" b="0" strike="noStrike" spc="-1">
                         <a:solidFill>
                           <a:srgbClr val="000000"/>
                         </a:solidFill>
                         <a:uFill>
                           <a:solidFill>
-                            <a:srgbClr val="ffffff"/>
+                            <a:srgbClr val="FFFFFF"/>
                           </a:solidFill>
                         </a:uFill>
                         <a:latin typeface="Arial"/>
@@ -3647,15 +4773,23 @@
                         <a:srgbClr val="000000"/>
                       </a:solidFill>
                     </a:lnL>
-                    <a:lnR w="12240">
-                      <a:solidFill>
-                        <a:srgbClr val="000000"/>
-                      </a:solidFill>
+                    <a:lnR w="12240" cap="flat" cmpd="sng" algn="ctr">
+                      <a:solidFill>
+                        <a:srgbClr val="000000"/>
+                      </a:solidFill>
+                      <a:prstDash val="solid"/>
+                      <a:round/>
+                      <a:headEnd type="none" w="med" len="med"/>
+                      <a:tailEnd type="none" w="med" len="med"/>
                     </a:lnR>
-                    <a:lnT w="12240">
-                      <a:solidFill>
-                        <a:srgbClr val="000000"/>
-                      </a:solidFill>
+                    <a:lnT w="12240" cap="flat" cmpd="sng" algn="ctr">
+                      <a:solidFill>
+                        <a:srgbClr val="000000"/>
+                      </a:solidFill>
+                      <a:prstDash val="solid"/>
+                      <a:round/>
+                      <a:headEnd type="none" w="med" len="med"/>
+                      <a:tailEnd type="none" w="med" len="med"/>
                     </a:lnT>
                     <a:lnB w="12240">
                       <a:solidFill>
@@ -3665,11 +4799,154 @@
                     <a:noFill/>
                   </a:tcPr>
                 </a:tc>
+                <a:tc>
+                  <a:txBody>
+                    <a:bodyPr/>
+                    <a:lstStyle/>
+                    <a:p>
+                      <a:pPr marL="0" algn="l" defTabSz="914400" rtl="0" eaLnBrk="1" latinLnBrk="0" hangingPunct="1">
+                        <a:lnSpc>
+                          <a:spcPct val="100000"/>
+                        </a:lnSpc>
+                      </a:pPr>
+                      <a:r>
+                        <a:rPr lang="ru-RU" sz="3000" b="0" strike="noStrike" kern="1200" spc="-1" dirty="0">
+                          <a:solidFill>
+                            <a:srgbClr val="000000"/>
+                          </a:solidFill>
+                          <a:uFill>
+                            <a:solidFill>
+                              <a:srgbClr val="FFFFFF"/>
+                            </a:solidFill>
+                          </a:uFill>
+                          <a:latin typeface="Calibri"/>
+                          <a:ea typeface="+mn-ea"/>
+                          <a:cs typeface="+mn-cs"/>
+                        </a:rPr>
+                        <a:t>общая длина</a:t>
+                      </a:r>
+                    </a:p>
+                  </a:txBody>
+                  <a:tcPr marL="169920" marR="169920">
+                    <a:lnL w="12240" cap="flat" cmpd="sng" algn="ctr">
+                      <a:solidFill>
+                        <a:srgbClr val="000000"/>
+                      </a:solidFill>
+                      <a:prstDash val="solid"/>
+                      <a:round/>
+                      <a:headEnd type="none" w="med" len="med"/>
+                      <a:tailEnd type="none" w="med" len="med"/>
+                    </a:lnL>
+                    <a:lnR w="12240" cap="flat" cmpd="sng" algn="ctr">
+                      <a:solidFill>
+                        <a:srgbClr val="000000"/>
+                      </a:solidFill>
+                      <a:prstDash val="solid"/>
+                      <a:round/>
+                      <a:headEnd type="none" w="med" len="med"/>
+                      <a:tailEnd type="none" w="med" len="med"/>
+                    </a:lnR>
+                    <a:lnT w="12240" cap="flat" cmpd="sng" algn="ctr">
+                      <a:solidFill>
+                        <a:srgbClr val="000000"/>
+                      </a:solidFill>
+                      <a:prstDash val="solid"/>
+                      <a:round/>
+                      <a:headEnd type="none" w="med" len="med"/>
+                      <a:tailEnd type="none" w="med" len="med"/>
+                    </a:lnT>
+                    <a:lnB w="12240">
+                      <a:solidFill>
+                        <a:srgbClr val="000000"/>
+                      </a:solidFill>
+                    </a:lnB>
+                    <a:noFill/>
+                  </a:tcPr>
+                </a:tc>
+                <a:tc>
+                  <a:txBody>
+                    <a:bodyPr/>
+                    <a:lstStyle/>
+                    <a:p>
+                      <a:pPr marL="0" algn="l" defTabSz="914400" rtl="0" eaLnBrk="1" latinLnBrk="0" hangingPunct="1">
+                        <a:lnSpc>
+                          <a:spcPct val="100000"/>
+                        </a:lnSpc>
+                      </a:pPr>
+                      <a:r>
+                        <a:rPr lang="en-US" sz="3000" b="0" strike="noStrike" kern="1200" spc="-1" dirty="0">
+                          <a:solidFill>
+                            <a:srgbClr val="000000"/>
+                          </a:solidFill>
+                          <a:uFill>
+                            <a:solidFill>
+                              <a:srgbClr val="FFFFFF"/>
+                            </a:solidFill>
+                          </a:uFill>
+                          <a:latin typeface="Calibri"/>
+                          <a:ea typeface="+mn-ea"/>
+                          <a:cs typeface="+mn-cs"/>
+                        </a:rPr>
+                        <a:t>3%</a:t>
+                      </a:r>
+                      <a:endParaRPr lang="ru-RU" sz="3000" b="0" strike="noStrike" kern="1200" spc="-1" dirty="0">
+                        <a:solidFill>
+                          <a:srgbClr val="000000"/>
+                        </a:solidFill>
+                        <a:uFill>
+                          <a:solidFill>
+                            <a:srgbClr val="FFFFFF"/>
+                          </a:solidFill>
+                        </a:uFill>
+                        <a:latin typeface="Calibri"/>
+                        <a:ea typeface="+mn-ea"/>
+                        <a:cs typeface="+mn-cs"/>
+                      </a:endParaRPr>
+                    </a:p>
+                  </a:txBody>
+                  <a:tcPr marL="169920" marR="169920">
+                    <a:lnL w="12240" cap="flat" cmpd="sng" algn="ctr">
+                      <a:solidFill>
+                        <a:srgbClr val="000000"/>
+                      </a:solidFill>
+                      <a:prstDash val="solid"/>
+                      <a:round/>
+                      <a:headEnd type="none" w="med" len="med"/>
+                      <a:tailEnd type="none" w="med" len="med"/>
+                    </a:lnL>
+                    <a:lnR w="12240">
+                      <a:solidFill>
+                        <a:srgbClr val="000000"/>
+                      </a:solidFill>
+                    </a:lnR>
+                    <a:lnT w="12240" cap="flat" cmpd="sng" algn="ctr">
+                      <a:solidFill>
+                        <a:srgbClr val="000000"/>
+                      </a:solidFill>
+                      <a:prstDash val="solid"/>
+                      <a:round/>
+                      <a:headEnd type="none" w="med" len="med"/>
+                      <a:tailEnd type="none" w="med" len="med"/>
+                    </a:lnT>
+                    <a:lnB w="12240">
+                      <a:solidFill>
+                        <a:srgbClr val="000000"/>
+                      </a:solidFill>
+                    </a:lnB>
+                    <a:noFill/>
+                  </a:tcPr>
+                </a:tc>
+                <a:extLst>
+                  <a:ext uri="{0D108BD9-81ED-4DB2-BD59-A6C34878D82A}">
+                    <a16:rowId xmlns:a16="http://schemas.microsoft.com/office/drawing/2014/main" val="1389246900"/>
+                  </a:ext>
+                </a:extLst>
               </a:tr>
               <a:tr h="487080">
                 <a:tc>
                   <a:txBody>
-                    <a:bodyPr lIns="169920" rIns="169920"/>
+                    <a:bodyPr/>
+                    <a:lstStyle/>
                     <a:p>
                       <a:pPr>
                         <a:lnSpc>
@@ -3677,27 +4954,27 @@
                         </a:lnSpc>
                       </a:pPr>
                       <a:r>
-                        <a:rPr b="0" lang="ru-RU" sz="3000" spc="-1" strike="noStrike">
-                          <a:solidFill>
-                            <a:srgbClr val="000000"/>
-                          </a:solidFill>
-                          <a:uFill>
-                            <a:solidFill>
-                              <a:srgbClr val="ffffff"/>
+                        <a:rPr lang="ru-RU" sz="3000" b="0" strike="noStrike" spc="-1">
+                          <a:solidFill>
+                            <a:srgbClr val="000000"/>
+                          </a:solidFill>
+                          <a:uFill>
+                            <a:solidFill>
+                              <a:srgbClr val="FFFFFF"/>
                             </a:solidFill>
                           </a:uFill>
                           <a:latin typeface="Calibri"/>
                           <a:ea typeface="Calibri"/>
                         </a:rPr>
-                        <a:t> </a:t>
-                      </a:r>
-                      <a:endParaRPr b="0" lang="ru-RU" sz="1800" spc="-1" strike="noStrike">
+                        <a:t>Прочие</a:t>
+                      </a:r>
+                      <a:endParaRPr lang="ru-RU" sz="1800" b="0" strike="noStrike" spc="-1">
                         <a:solidFill>
                           <a:srgbClr val="000000"/>
                         </a:solidFill>
                         <a:uFill>
                           <a:solidFill>
-                            <a:srgbClr val="ffffff"/>
+                            <a:srgbClr val="FFFFFF"/>
                           </a:solidFill>
                         </a:uFill>
                         <a:latin typeface="Arial"/>
@@ -3730,7 +5007,8 @@
                 </a:tc>
                 <a:tc>
                   <a:txBody>
-                    <a:bodyPr lIns="169920" rIns="169920"/>
+                    <a:bodyPr/>
+                    <a:lstStyle/>
                     <a:p>
                       <a:pPr>
                         <a:lnSpc>
@@ -3738,27 +5016,27 @@
                         </a:lnSpc>
                       </a:pPr>
                       <a:r>
-                        <a:rPr b="0" lang="ru-RU" sz="3000" spc="-1" strike="noStrike">
-                          <a:solidFill>
-                            <a:srgbClr val="000000"/>
-                          </a:solidFill>
-                          <a:uFill>
-                            <a:solidFill>
-                              <a:srgbClr val="ffffff"/>
+                        <a:rPr lang="ru-RU" sz="3000" b="0" strike="noStrike" spc="-1">
+                          <a:solidFill>
+                            <a:srgbClr val="000000"/>
+                          </a:solidFill>
+                          <a:uFill>
+                            <a:solidFill>
+                              <a:srgbClr val="FFFFFF"/>
                             </a:solidFill>
                           </a:uFill>
                           <a:latin typeface="Calibri"/>
                           <a:ea typeface="Calibri"/>
                         </a:rPr>
-                        <a:t>частота текста</a:t>
-                      </a:r>
-                      <a:endParaRPr b="0" lang="ru-RU" sz="1800" spc="-1" strike="noStrike">
+                        <a:t> </a:t>
+                      </a:r>
+                      <a:endParaRPr lang="ru-RU" sz="1800" b="0" strike="noStrike" spc="-1">
                         <a:solidFill>
                           <a:srgbClr val="000000"/>
                         </a:solidFill>
                         <a:uFill>
                           <a:solidFill>
-                            <a:srgbClr val="ffffff"/>
+                            <a:srgbClr val="FFFFFF"/>
                           </a:solidFill>
                         </a:uFill>
                         <a:latin typeface="Arial"/>
@@ -3791,7 +5069,8 @@
                 </a:tc>
                 <a:tc>
                   <a:txBody>
-                    <a:bodyPr lIns="169920" rIns="169920"/>
+                    <a:bodyPr/>
+                    <a:lstStyle/>
                     <a:p>
                       <a:pPr>
                         <a:lnSpc>
@@ -3799,27 +5078,42 @@
                         </a:lnSpc>
                       </a:pPr>
                       <a:r>
-                        <a:rPr b="0" lang="ru-RU" sz="3000" spc="-1" strike="noStrike">
-                          <a:solidFill>
-                            <a:srgbClr val="000000"/>
-                          </a:solidFill>
-                          <a:uFill>
-                            <a:solidFill>
-                              <a:srgbClr val="ffffff"/>
+                        <a:rPr lang="en-US" sz="3000" b="0" strike="noStrike" spc="-1" dirty="0">
+                          <a:solidFill>
+                            <a:srgbClr val="000000"/>
+                          </a:solidFill>
+                          <a:uFill>
+                            <a:solidFill>
+                              <a:srgbClr val="FFFFFF"/>
                             </a:solidFill>
                           </a:uFill>
                           <a:latin typeface="Calibri"/>
                           <a:ea typeface="Calibri"/>
                         </a:rPr>
-                        <a:t>0%</a:t>
-                      </a:r>
-                      <a:endParaRPr b="0" lang="ru-RU" sz="1800" spc="-1" strike="noStrike">
+                        <a:t>5</a:t>
+                      </a:r>
+                      <a:r>
+                        <a:rPr lang="ru-RU" sz="3000" b="0" strike="noStrike" spc="-1" dirty="0">
+                          <a:solidFill>
+                            <a:srgbClr val="000000"/>
+                          </a:solidFill>
+                          <a:uFill>
+                            <a:solidFill>
+                              <a:srgbClr val="FFFFFF"/>
+                            </a:solidFill>
+                          </a:uFill>
+                          <a:latin typeface="Calibri"/>
+                          <a:ea typeface="Calibri"/>
+                        </a:rPr>
+                        <a:t>%</a:t>
+                      </a:r>
+                      <a:endParaRPr lang="ru-RU" sz="1800" b="0" strike="noStrike" spc="-1" dirty="0">
                         <a:solidFill>
                           <a:srgbClr val="000000"/>
                         </a:solidFill>
                         <a:uFill>
                           <a:solidFill>
-                            <a:srgbClr val="ffffff"/>
+                            <a:srgbClr val="FFFFFF"/>
                           </a:solidFill>
                         </a:uFill>
                         <a:latin typeface="Arial"/>
@@ -3850,11 +5144,17 @@
                     <a:noFill/>
                   </a:tcPr>
                 </a:tc>
+                <a:extLst>
+                  <a:ext uri="{0D108BD9-81ED-4DB2-BD59-A6C34878D82A}">
+                    <a16:rowId xmlns:a16="http://schemas.microsoft.com/office/drawing/2014/main" val="10008"/>
+                  </a:ext>
+                </a:extLst>
               </a:tr>
               <a:tr h="487080">
                 <a:tc>
                   <a:txBody>
-                    <a:bodyPr lIns="169920" rIns="169920"/>
+                    <a:bodyPr/>
+                    <a:lstStyle/>
                     <a:p>
                       <a:pPr>
                         <a:lnSpc>
@@ -3862,13 +5162,13 @@
                         </a:lnSpc>
                       </a:pPr>
                       <a:r>
-                        <a:rPr b="0" lang="ru-RU" sz="3000" spc="-1" strike="noStrike">
-                          <a:solidFill>
-                            <a:srgbClr val="000000"/>
-                          </a:solidFill>
-                          <a:uFill>
-                            <a:solidFill>
-                              <a:srgbClr val="ffffff"/>
+                        <a:rPr lang="ru-RU" sz="3000" b="0" strike="noStrike" spc="-1">
+                          <a:solidFill>
+                            <a:srgbClr val="000000"/>
+                          </a:solidFill>
+                          <a:uFill>
+                            <a:solidFill>
+                              <a:srgbClr val="FFFFFF"/>
                             </a:solidFill>
                           </a:uFill>
                           <a:latin typeface="Calibri"/>
@@ -3876,13 +5176,13 @@
                         </a:rPr>
                         <a:t> </a:t>
                       </a:r>
-                      <a:endParaRPr b="0" lang="ru-RU" sz="1800" spc="-1" strike="noStrike">
+                      <a:endParaRPr lang="ru-RU" sz="1800" b="0" strike="noStrike" spc="-1">
                         <a:solidFill>
                           <a:srgbClr val="000000"/>
                         </a:solidFill>
                         <a:uFill>
                           <a:solidFill>
-                            <a:srgbClr val="ffffff"/>
+                            <a:srgbClr val="FFFFFF"/>
                           </a:solidFill>
                         </a:uFill>
                         <a:latin typeface="Arial"/>
@@ -3915,7 +5215,8 @@
                 </a:tc>
                 <a:tc>
                   <a:txBody>
-                    <a:bodyPr lIns="169920" rIns="169920"/>
+                    <a:bodyPr/>
+                    <a:lstStyle/>
                     <a:p>
                       <a:pPr>
                         <a:lnSpc>
@@ -3923,27 +5224,27 @@
                         </a:lnSpc>
                       </a:pPr>
                       <a:r>
-                        <a:rPr b="0" lang="ru-RU" sz="3000" spc="-1" strike="noStrike">
-                          <a:solidFill>
-                            <a:srgbClr val="000000"/>
-                          </a:solidFill>
-                          <a:uFill>
-                            <a:solidFill>
-                              <a:srgbClr val="ffffff"/>
+                        <a:rPr lang="ru-RU" sz="3000" b="0" strike="noStrike" spc="-1">
+                          <a:solidFill>
+                            <a:srgbClr val="000000"/>
+                          </a:solidFill>
+                          <a:uFill>
+                            <a:solidFill>
+                              <a:srgbClr val="FFFFFF"/>
                             </a:solidFill>
                           </a:uFill>
                           <a:latin typeface="Calibri"/>
                           <a:ea typeface="Calibri"/>
                         </a:rPr>
-                        <a:t>сила нажима</a:t>
-                      </a:r>
-                      <a:endParaRPr b="0" lang="ru-RU" sz="1800" spc="-1" strike="noStrike">
+                        <a:t>частота текста</a:t>
+                      </a:r>
+                      <a:endParaRPr lang="ru-RU" sz="1800" b="0" strike="noStrike" spc="-1">
                         <a:solidFill>
                           <a:srgbClr val="000000"/>
                         </a:solidFill>
                         <a:uFill>
                           <a:solidFill>
-                            <a:srgbClr val="ffffff"/>
+                            <a:srgbClr val="FFFFFF"/>
                           </a:solidFill>
                         </a:uFill>
                         <a:latin typeface="Arial"/>
@@ -3976,7 +5277,8 @@
                 </a:tc>
                 <a:tc>
                   <a:txBody>
-                    <a:bodyPr lIns="169920" rIns="169920"/>
+                    <a:bodyPr/>
+                    <a:lstStyle/>
                     <a:p>
                       <a:pPr>
                         <a:lnSpc>
@@ -3984,27 +5286,42 @@
                         </a:lnSpc>
                       </a:pPr>
                       <a:r>
-                        <a:rPr b="0" lang="ru-RU" sz="3000" spc="-1" strike="noStrike">
-                          <a:solidFill>
-                            <a:srgbClr val="000000"/>
-                          </a:solidFill>
-                          <a:uFill>
-                            <a:solidFill>
-                              <a:srgbClr val="ffffff"/>
+                        <a:rPr lang="en-US" sz="3000" b="0" strike="noStrike" spc="-1" dirty="0">
+                          <a:solidFill>
+                            <a:srgbClr val="000000"/>
+                          </a:solidFill>
+                          <a:uFill>
+                            <a:solidFill>
+                              <a:srgbClr val="FFFFFF"/>
                             </a:solidFill>
                           </a:uFill>
                           <a:latin typeface="Calibri"/>
                           <a:ea typeface="Calibri"/>
                         </a:rPr>
-                        <a:t>2%</a:t>
-                      </a:r>
-                      <a:endParaRPr b="0" lang="ru-RU" sz="1800" spc="-1" strike="noStrike">
+                        <a:t>4</a:t>
+                      </a:r>
+                      <a:r>
+                        <a:rPr lang="ru-RU" sz="3000" b="0" strike="noStrike" spc="-1" dirty="0">
+                          <a:solidFill>
+                            <a:srgbClr val="000000"/>
+                          </a:solidFill>
+                          <a:uFill>
+                            <a:solidFill>
+                              <a:srgbClr val="FFFFFF"/>
+                            </a:solidFill>
+                          </a:uFill>
+                          <a:latin typeface="Calibri"/>
+                          <a:ea typeface="Calibri"/>
+                        </a:rPr>
+                        <a:t>%</a:t>
+                      </a:r>
+                      <a:endParaRPr lang="ru-RU" sz="1800" b="0" strike="noStrike" spc="-1" dirty="0">
                         <a:solidFill>
                           <a:srgbClr val="000000"/>
                         </a:solidFill>
                         <a:uFill>
                           <a:solidFill>
-                            <a:srgbClr val="ffffff"/>
+                            <a:srgbClr val="FFFFFF"/>
                           </a:solidFill>
                         </a:uFill>
                         <a:latin typeface="Arial"/>
@@ -4035,6 +5352,218 @@
                     <a:noFill/>
                   </a:tcPr>
                 </a:tc>
+                <a:extLst>
+                  <a:ext uri="{0D108BD9-81ED-4DB2-BD59-A6C34878D82A}">
+                    <a16:rowId xmlns:a16="http://schemas.microsoft.com/office/drawing/2014/main" val="10009"/>
+                  </a:ext>
+                </a:extLst>
+              </a:tr>
+              <a:tr h="487080">
+                <a:tc>
+                  <a:txBody>
+                    <a:bodyPr/>
+                    <a:lstStyle/>
+                    <a:p>
+                      <a:pPr>
+                        <a:lnSpc>
+                          <a:spcPct val="100000"/>
+                        </a:lnSpc>
+                      </a:pPr>
+                      <a:r>
+                        <a:rPr lang="ru-RU" sz="3000" b="0" strike="noStrike" spc="-1">
+                          <a:solidFill>
+                            <a:srgbClr val="000000"/>
+                          </a:solidFill>
+                          <a:uFill>
+                            <a:solidFill>
+                              <a:srgbClr val="FFFFFF"/>
+                            </a:solidFill>
+                          </a:uFill>
+                          <a:latin typeface="Calibri"/>
+                          <a:ea typeface="Calibri"/>
+                        </a:rPr>
+                        <a:t> </a:t>
+                      </a:r>
+                      <a:endParaRPr lang="ru-RU" sz="1800" b="0" strike="noStrike" spc="-1">
+                        <a:solidFill>
+                          <a:srgbClr val="000000"/>
+                        </a:solidFill>
+                        <a:uFill>
+                          <a:solidFill>
+                            <a:srgbClr val="FFFFFF"/>
+                          </a:solidFill>
+                        </a:uFill>
+                        <a:latin typeface="Arial"/>
+                      </a:endParaRPr>
+                    </a:p>
+                  </a:txBody>
+                  <a:tcPr marL="169920" marR="169920">
+                    <a:lnL w="12240">
+                      <a:solidFill>
+                        <a:srgbClr val="000000"/>
+                      </a:solidFill>
+                    </a:lnL>
+                    <a:lnR w="12240">
+                      <a:solidFill>
+                        <a:srgbClr val="000000"/>
+                      </a:solidFill>
+                    </a:lnR>
+                    <a:lnT w="12240">
+                      <a:solidFill>
+                        <a:srgbClr val="000000"/>
+                      </a:solidFill>
+                    </a:lnT>
+                    <a:lnB w="12240">
+                      <a:solidFill>
+                        <a:srgbClr val="000000"/>
+                      </a:solidFill>
+                    </a:lnB>
+                    <a:noFill/>
+                  </a:tcPr>
+                </a:tc>
+                <a:tc>
+                  <a:txBody>
+                    <a:bodyPr/>
+                    <a:lstStyle/>
+                    <a:p>
+                      <a:pPr>
+                        <a:lnSpc>
+                          <a:spcPct val="100000"/>
+                        </a:lnSpc>
+                      </a:pPr>
+                      <a:r>
+                        <a:rPr lang="ru-RU" sz="3000" b="0" strike="noStrike" spc="-1" dirty="0">
+                          <a:solidFill>
+                            <a:srgbClr val="000000"/>
+                          </a:solidFill>
+                          <a:uFill>
+                            <a:solidFill>
+                              <a:srgbClr val="FFFFFF"/>
+                            </a:solidFill>
+                          </a:uFill>
+                          <a:latin typeface="Calibri"/>
+                        </a:rPr>
+                        <a:t>количество линий</a:t>
+                      </a:r>
+                      <a:endParaRPr lang="ru-RU" sz="1800" b="0" strike="noStrike" spc="-1" dirty="0">
+                        <a:solidFill>
+                          <a:srgbClr val="000000"/>
+                        </a:solidFill>
+                        <a:uFill>
+                          <a:solidFill>
+                            <a:srgbClr val="FFFFFF"/>
+                          </a:solidFill>
+                        </a:uFill>
+                        <a:latin typeface="Arial"/>
+                      </a:endParaRPr>
+                    </a:p>
+                  </a:txBody>
+                  <a:tcPr marL="169920" marR="169920">
+                    <a:lnL w="12240">
+                      <a:solidFill>
+                        <a:srgbClr val="000000"/>
+                      </a:solidFill>
+                    </a:lnL>
+                    <a:lnR w="12240">
+                      <a:solidFill>
+                        <a:srgbClr val="000000"/>
+                      </a:solidFill>
+                    </a:lnR>
+                    <a:lnT w="12240">
+                      <a:solidFill>
+                        <a:srgbClr val="000000"/>
+                      </a:solidFill>
+                    </a:lnT>
+                    <a:lnB w="12240">
+                      <a:solidFill>
+                        <a:srgbClr val="000000"/>
+                      </a:solidFill>
+                    </a:lnB>
+                    <a:noFill/>
+                  </a:tcPr>
+                </a:tc>
+                <a:tc>
+                  <a:txBody>
+                    <a:bodyPr/>
+                    <a:lstStyle/>
+                    <a:p>
+                      <a:pPr>
+                        <a:lnSpc>
+                          <a:spcPct val="100000"/>
+                        </a:lnSpc>
+                      </a:pPr>
+                      <a:r>
+                        <a:rPr lang="en-US" sz="3000" b="0" strike="noStrike" spc="-1" dirty="0">
+                          <a:solidFill>
+                            <a:srgbClr val="000000"/>
+                          </a:solidFill>
+                          <a:uFill>
+                            <a:solidFill>
+                              <a:srgbClr val="FFFFFF"/>
+                            </a:solidFill>
+                          </a:uFill>
+                          <a:latin typeface="Calibri"/>
+                          <a:ea typeface="Calibri"/>
+                        </a:rPr>
+                        <a:t>3</a:t>
+                      </a:r>
+                      <a:r>
+                        <a:rPr lang="ru-RU" sz="3000" b="0" strike="noStrike" spc="-1" dirty="0">
+                          <a:solidFill>
+                            <a:srgbClr val="000000"/>
+                          </a:solidFill>
+                          <a:uFill>
+                            <a:solidFill>
+                              <a:srgbClr val="FFFFFF"/>
+                            </a:solidFill>
+                          </a:uFill>
+                          <a:latin typeface="Calibri"/>
+                          <a:ea typeface="Calibri"/>
+                        </a:rPr>
+                        <a:t>%</a:t>
+                      </a:r>
+                      <a:endParaRPr lang="ru-RU" sz="1800" b="0" strike="noStrike" spc="-1" dirty="0">
+                        <a:solidFill>
+                          <a:srgbClr val="000000"/>
+                        </a:solidFill>
+                        <a:uFill>
+                          <a:solidFill>
+                            <a:srgbClr val="FFFFFF"/>
+                          </a:solidFill>
+                        </a:uFill>
+                        <a:latin typeface="Arial"/>
+                      </a:endParaRPr>
+                    </a:p>
+                  </a:txBody>
+                  <a:tcPr marL="169920" marR="169920">
+                    <a:lnL w="12240">
+                      <a:solidFill>
+                        <a:srgbClr val="000000"/>
+                      </a:solidFill>
+                    </a:lnL>
+                    <a:lnR w="12240">
+                      <a:solidFill>
+                        <a:srgbClr val="000000"/>
+                      </a:solidFill>
+                    </a:lnR>
+                    <a:lnT w="12240">
+                      <a:solidFill>
+                        <a:srgbClr val="000000"/>
+                      </a:solidFill>
+                    </a:lnT>
+                    <a:lnB w="12240">
+                      <a:solidFill>
+                        <a:srgbClr val="000000"/>
+                      </a:solidFill>
+                    </a:lnB>
+                    <a:noFill/>
+                  </a:tcPr>
+                </a:tc>
+                <a:extLst>
+                  <a:ext uri="{0D108BD9-81ED-4DB2-BD59-A6C34878D82A}">
+                    <a16:rowId xmlns:a16="http://schemas.microsoft.com/office/drawing/2014/main" val="10010"/>
+                  </a:ext>
+                </a:extLst>
               </a:tr>
             </a:tbl>
           </a:graphicData>
@@ -4044,15 +5573,21 @@
         <p:nvGraphicFramePr>
           <p:cNvPr id="36" name="Chart 4"/>
           <p:cNvGraphicFramePr/>
-          <p:nvPr/>
+          <p:nvPr>
+            <p:extLst>
+              <p:ext uri="{D42A27DB-BD31-4B8C-83A1-F6EECF244321}">
+                <p14:modId xmlns:p14="http://schemas.microsoft.com/office/powerpoint/2010/main" val="1845987389"/>
+              </p:ext>
+            </p:extLst>
+          </p:nvPr>
         </p:nvGraphicFramePr>
         <p:xfrm>
-          <a:off x="7695360" y="9675000"/>
-          <a:ext cx="15342480" cy="10220760"/>
+          <a:off x="1914300" y="13258800"/>
+          <a:ext cx="26105040" cy="6636960"/>
         </p:xfrm>
         <a:graphic>
           <a:graphicData uri="http://schemas.openxmlformats.org/drawingml/2006/chart">
-            <c:chart xmlns:c="http://schemas.openxmlformats.org/drawingml/2006/chart" xmlns:r="http://schemas.openxmlformats.org/officeDocument/2006/relationships" r:id="rId1"/>
+            <c:chart xmlns:c="http://schemas.openxmlformats.org/drawingml/2006/chart" xmlns:r="http://schemas.openxmlformats.org/officeDocument/2006/relationships" r:id="rId2"/>
           </a:graphicData>
         </a:graphic>
       </p:graphicFrame>
@@ -4101,8 +5636,8 @@
         </p:nvSpPr>
         <p:spPr>
           <a:xfrm>
-            <a:off x="6624000" y="432000"/>
-            <a:ext cx="18668160" cy="1111320"/>
+            <a:off x="1914300" y="432000"/>
+            <a:ext cx="26105040" cy="1111320"/>
           </a:xfrm>
           <a:prstGeom prst="rect">
             <a:avLst/>
@@ -4113,41 +5648,61 @@
           </a:ln>
         </p:spPr>
         <p:style>
-          <a:lnRef idx="0"/>
-          <a:fillRef idx="0"/>
-          <a:effectRef idx="0"/>
+          <a:lnRef idx="0">
+            <a:scrgbClr r="0" g="0" b="0"/>
+          </a:lnRef>
+          <a:fillRef idx="0">
+            <a:scrgbClr r="0" g="0" b="0"/>
+          </a:fillRef>
+          <a:effectRef idx="0">
+            <a:scrgbClr r="0" g="0" b="0"/>
+          </a:effectRef>
           <a:fontRef idx="minor"/>
         </p:style>
         <p:txBody>
-          <a:bodyPr lIns="90000" rIns="90000" tIns="45000" bIns="45000"/>
+          <a:bodyPr lIns="90000" tIns="45000" rIns="90000" bIns="45000"/>
+          <a:lstStyle/>
           <a:p>
-            <a:pPr>
+            <a:pPr algn="ctr">
               <a:lnSpc>
                 <a:spcPct val="100000"/>
               </a:lnSpc>
             </a:pPr>
             <a:r>
-              <a:rPr b="0" lang="ru-RU" sz="7200" spc="-1" strike="noStrike">
+              <a:rPr lang="ru-RU" sz="7200" b="0" strike="noStrike" spc="-1" dirty="0">
                 <a:solidFill>
                   <a:srgbClr val="000000"/>
                 </a:solidFill>
                 <a:uFill>
                   <a:solidFill>
-                    <a:srgbClr val="ffffff"/>
+                    <a:srgbClr val="FFFFFF"/>
                   </a:solidFill>
                 </a:uFill>
                 <a:latin typeface="Arial"/>
                 <a:ea typeface="DejaVu Sans"/>
               </a:rPr>
-              <a:t>Результаты работы программного средства</a:t>
+              <a:t>Результаты работы </a:t>
             </a:r>
-            <a:endParaRPr b="0" lang="ru-RU" sz="1800" spc="-1" strike="noStrike">
+            <a:r>
+              <a:rPr lang="ru-RU" sz="7200" spc="-1" dirty="0">
+                <a:solidFill>
+                  <a:srgbClr val="000000"/>
+                </a:solidFill>
+                <a:uFill>
+                  <a:solidFill>
+                    <a:srgbClr val="FFFFFF"/>
+                  </a:solidFill>
+                </a:uFill>
+              </a:rPr>
+              <a:t>в области определение психологических характеристик личности</a:t>
+            </a:r>
+            <a:endParaRPr lang="ru-RU" sz="1800" b="0" strike="noStrike" spc="-1" dirty="0">
               <a:solidFill>
                 <a:srgbClr val="000000"/>
               </a:solidFill>
               <a:uFill>
                 <a:solidFill>
-                  <a:srgbClr val="ffffff"/>
+                  <a:srgbClr val="FFFFFF"/>
                 </a:solidFill>
               </a:uFill>
               <a:latin typeface="Arial"/>
@@ -4163,7 +5718,7 @@
         </p:nvSpPr>
         <p:spPr>
           <a:xfrm>
-            <a:off x="10259640" y="8075520"/>
+            <a:off x="10259640" y="11656188"/>
             <a:ext cx="9414360" cy="459000"/>
           </a:xfrm>
           <a:prstGeom prst="rect">
@@ -4175,13 +5730,20 @@
           </a:ln>
         </p:spPr>
         <p:style>
-          <a:lnRef idx="0"/>
-          <a:fillRef idx="0"/>
-          <a:effectRef idx="0"/>
+          <a:lnRef idx="0">
+            <a:scrgbClr r="0" g="0" b="0"/>
+          </a:lnRef>
+          <a:fillRef idx="0">
+            <a:scrgbClr r="0" g="0" b="0"/>
+          </a:fillRef>
+          <a:effectRef idx="0">
+            <a:scrgbClr r="0" g="0" b="0"/>
+          </a:effectRef>
           <a:fontRef idx="minor"/>
         </p:style>
         <p:txBody>
-          <a:bodyPr lIns="90000" rIns="90000" tIns="45000" bIns="45000"/>
+          <a:bodyPr lIns="90000" tIns="45000" rIns="90000" bIns="45000"/>
+          <a:lstStyle/>
           <a:p>
             <a:pPr>
               <a:lnSpc>
@@ -4189,13 +5751,13 @@
               </a:lnSpc>
             </a:pPr>
             <a:r>
-              <a:rPr b="0" lang="ru-RU" sz="2600" spc="-1" strike="noStrike">
+              <a:rPr lang="ru-RU" sz="2600" b="0" strike="noStrike" spc="-1" dirty="0">
                 <a:solidFill>
                   <a:srgbClr val="000000"/>
                 </a:solidFill>
                 <a:uFill>
                   <a:solidFill>
-                    <a:srgbClr val="ffffff"/>
+                    <a:srgbClr val="FFFFFF"/>
                   </a:solidFill>
                 </a:uFill>
                 <a:latin typeface="Arial"/>
@@ -4203,13 +5765,13 @@
               </a:rPr>
               <a:t>Рисунок 1 — Отклонения признаков от обучающей выборки</a:t>
             </a:r>
-            <a:endParaRPr b="0" lang="ru-RU" sz="1800" spc="-1" strike="noStrike">
+            <a:endParaRPr lang="ru-RU" sz="1800" b="0" strike="noStrike" spc="-1" dirty="0">
               <a:solidFill>
                 <a:srgbClr val="000000"/>
               </a:solidFill>
               <a:uFill>
                 <a:solidFill>
-                  <a:srgbClr val="ffffff"/>
+                  <a:srgbClr val="FFFFFF"/>
                 </a:solidFill>
               </a:uFill>
               <a:latin typeface="Arial"/>
@@ -4237,13 +5799,20 @@
           </a:ln>
         </p:spPr>
         <p:style>
-          <a:lnRef idx="0"/>
-          <a:fillRef idx="0"/>
-          <a:effectRef idx="0"/>
+          <a:lnRef idx="0">
+            <a:scrgbClr r="0" g="0" b="0"/>
+          </a:lnRef>
+          <a:fillRef idx="0">
+            <a:scrgbClr r="0" g="0" b="0"/>
+          </a:fillRef>
+          <a:effectRef idx="0">
+            <a:scrgbClr r="0" g="0" b="0"/>
+          </a:effectRef>
           <a:fontRef idx="minor"/>
         </p:style>
         <p:txBody>
-          <a:bodyPr lIns="90000" rIns="90000" tIns="45000" bIns="45000"/>
+          <a:bodyPr lIns="90000" tIns="45000" rIns="90000" bIns="45000"/>
+          <a:lstStyle/>
           <a:p>
             <a:pPr>
               <a:lnSpc>
@@ -4251,13 +5820,13 @@
               </a:lnSpc>
             </a:pPr>
             <a:r>
-              <a:rPr b="0" lang="ru-RU" sz="2600" spc="-1" strike="noStrike">
+              <a:rPr lang="ru-RU" sz="2600" b="0" strike="noStrike" spc="-1">
                 <a:solidFill>
                   <a:srgbClr val="000000"/>
                 </a:solidFill>
                 <a:uFill>
                   <a:solidFill>
-                    <a:srgbClr val="ffffff"/>
+                    <a:srgbClr val="FFFFFF"/>
                   </a:solidFill>
                 </a:uFill>
                 <a:latin typeface="Arial"/>
@@ -4265,13 +5834,13 @@
               </a:rPr>
               <a:t>Рисунок 2 — Распределение образцов по классам в обучающей выборке</a:t>
             </a:r>
-            <a:endParaRPr b="0" lang="ru-RU" sz="1800" spc="-1" strike="noStrike">
+            <a:endParaRPr lang="ru-RU" sz="1800" b="0" strike="noStrike" spc="-1">
               <a:solidFill>
                 <a:srgbClr val="000000"/>
               </a:solidFill>
               <a:uFill>
                 <a:solidFill>
-                  <a:srgbClr val="ffffff"/>
+                  <a:srgbClr val="FFFFFF"/>
                 </a:solidFill>
               </a:uFill>
               <a:latin typeface="Arial"/>
@@ -4281,6 +5850,9 @@
       </p:sp>
     </p:spTree>
   </p:cSld>
+  <p:clrMapOvr>
+    <a:masterClrMapping/>
+  </p:clrMapOvr>
   <p:timing>
     <p:tnLst>
       <p:par>
@@ -4289,14 +5861,5168 @@
             <p:seq>
               <p:cTn id="2" nodeType="mainSeq"/>
               <p:prevCondLst>
-                <p:cond delay="0" evt="onPrev">
+                <p:cond evt="onPrev" delay="0">
                   <p:tgtEl>
                     <p:sldTgt/>
                   </p:tgtEl>
                 </p:cond>
               </p:prevCondLst>
               <p:nextCondLst>
-                <p:cond delay="0" evt="onNext">
+                <p:cond evt="onNext" delay="0">
+                  <p:tgtEl>
+                    <p:sldTgt/>
+                  </p:tgtEl>
+                </p:cond>
+              </p:nextCondLst>
+            </p:seq>
+          </p:childTnLst>
+        </p:cTn>
+      </p:par>
+    </p:tnLst>
+  </p:timing>
+</p:sld>
+</file>
+
+<file path=ppt/slides/slide2.xml><?xml version="1.0" encoding="utf-8"?>
+<p:sld xmlns:a="http://schemas.openxmlformats.org/drawingml/2006/main" xmlns:r="http://schemas.openxmlformats.org/officeDocument/2006/relationships" xmlns:p="http://schemas.openxmlformats.org/presentationml/2006/main">
+  <p:cSld>
+    <p:spTree>
+      <p:nvGrpSpPr>
+        <p:cNvPr id="1" name=""/>
+        <p:cNvGrpSpPr/>
+        <p:nvPr/>
+      </p:nvGrpSpPr>
+      <p:grpSpPr>
+        <a:xfrm>
+          <a:off x="0" y="0"/>
+          <a:ext cx="0" cy="0"/>
+          <a:chOff x="0" y="0"/>
+          <a:chExt cx="0" cy="0"/>
+        </a:xfrm>
+      </p:grpSpPr>
+      <p:sp>
+        <p:nvSpPr>
+          <p:cNvPr id="37" name="CustomShape 2"/>
+          <p:cNvSpPr/>
+          <p:nvPr/>
+        </p:nvSpPr>
+        <p:spPr>
+          <a:xfrm>
+            <a:off x="722520" y="182880"/>
+            <a:ext cx="29288880" cy="20945520"/>
+          </a:xfrm>
+          <a:prstGeom prst="rect">
+            <a:avLst/>
+          </a:prstGeom>
+          <a:noFill/>
+          <a:ln>
+            <a:solidFill>
+              <a:schemeClr val="tx1"/>
+            </a:solidFill>
+            <a:round/>
+          </a:ln>
+        </p:spPr>
+        <p:style>
+          <a:lnRef idx="2">
+            <a:schemeClr val="accent1">
+              <a:shade val="50000"/>
+            </a:schemeClr>
+          </a:lnRef>
+          <a:fillRef idx="1">
+            <a:schemeClr val="accent1"/>
+          </a:fillRef>
+          <a:effectRef idx="0">
+            <a:schemeClr val="accent1"/>
+          </a:effectRef>
+          <a:fontRef idx="minor"/>
+        </p:style>
+      </p:sp>
+      <p:sp>
+        <p:nvSpPr>
+          <p:cNvPr id="38" name="CustomShape 3"/>
+          <p:cNvSpPr/>
+          <p:nvPr/>
+        </p:nvSpPr>
+        <p:spPr>
+          <a:xfrm>
+            <a:off x="1953360" y="432000"/>
+            <a:ext cx="27197712" cy="1111320"/>
+          </a:xfrm>
+          <a:prstGeom prst="rect">
+            <a:avLst/>
+          </a:prstGeom>
+          <a:noFill/>
+          <a:ln>
+            <a:noFill/>
+          </a:ln>
+        </p:spPr>
+        <p:style>
+          <a:lnRef idx="0">
+            <a:scrgbClr r="0" g="0" b="0"/>
+          </a:lnRef>
+          <a:fillRef idx="0">
+            <a:scrgbClr r="0" g="0" b="0"/>
+          </a:fillRef>
+          <a:effectRef idx="0">
+            <a:scrgbClr r="0" g="0" b="0"/>
+          </a:effectRef>
+          <a:fontRef idx="minor"/>
+        </p:style>
+        <p:txBody>
+          <a:bodyPr lIns="90000" tIns="45000" rIns="90000" bIns="45000"/>
+          <a:lstStyle/>
+          <a:p>
+            <a:pPr algn="ctr">
+              <a:lnSpc>
+                <a:spcPct val="100000"/>
+              </a:lnSpc>
+            </a:pPr>
+            <a:r>
+              <a:rPr lang="ru-RU" sz="7200" b="0" strike="noStrike" spc="-1" dirty="0">
+                <a:solidFill>
+                  <a:srgbClr val="000000"/>
+                </a:solidFill>
+                <a:uFill>
+                  <a:solidFill>
+                    <a:srgbClr val="FFFFFF"/>
+                  </a:solidFill>
+                </a:uFill>
+                <a:latin typeface="Arial"/>
+                <a:ea typeface="DejaVu Sans"/>
+              </a:rPr>
+              <a:t>Результаты работы в области биометрической аутентификации</a:t>
+            </a:r>
+            <a:endParaRPr lang="ru-RU" sz="1800" b="0" strike="noStrike" spc="-1" dirty="0">
+              <a:solidFill>
+                <a:srgbClr val="000000"/>
+              </a:solidFill>
+              <a:uFill>
+                <a:solidFill>
+                  <a:srgbClr val="FFFFFF"/>
+                </a:solidFill>
+              </a:uFill>
+              <a:latin typeface="Arial"/>
+            </a:endParaRPr>
+          </a:p>
+        </p:txBody>
+      </p:sp>
+      <p:sp>
+        <p:nvSpPr>
+          <p:cNvPr id="39" name="CustomShape 4"/>
+          <p:cNvSpPr/>
+          <p:nvPr/>
+        </p:nvSpPr>
+        <p:spPr>
+          <a:xfrm>
+            <a:off x="8649774" y="9332851"/>
+            <a:ext cx="13804884" cy="510876"/>
+          </a:xfrm>
+          <a:prstGeom prst="rect">
+            <a:avLst/>
+          </a:prstGeom>
+          <a:noFill/>
+          <a:ln>
+            <a:noFill/>
+          </a:ln>
+        </p:spPr>
+        <p:style>
+          <a:lnRef idx="0">
+            <a:scrgbClr r="0" g="0" b="0"/>
+          </a:lnRef>
+          <a:fillRef idx="0">
+            <a:scrgbClr r="0" g="0" b="0"/>
+          </a:fillRef>
+          <a:effectRef idx="0">
+            <a:scrgbClr r="0" g="0" b="0"/>
+          </a:effectRef>
+          <a:fontRef idx="minor"/>
+        </p:style>
+        <p:txBody>
+          <a:bodyPr lIns="90000" tIns="45000" rIns="90000" bIns="45000"/>
+          <a:lstStyle/>
+          <a:p>
+            <a:pPr algn="ctr">
+              <a:lnSpc>
+                <a:spcPct val="100000"/>
+              </a:lnSpc>
+            </a:pPr>
+            <a:r>
+              <a:rPr lang="ru-RU" sz="2600" b="0" strike="noStrike" spc="-1" dirty="0">
+                <a:solidFill>
+                  <a:srgbClr val="000000"/>
+                </a:solidFill>
+                <a:uFill>
+                  <a:solidFill>
+                    <a:srgbClr val="FFFFFF"/>
+                  </a:solidFill>
+                </a:uFill>
+                <a:latin typeface="Arial"/>
+                <a:ea typeface="DejaVu Sans"/>
+              </a:rPr>
+              <a:t>Рисунок 1 — Зависимость ошибок первого и второго рода от границы аутентификации</a:t>
+            </a:r>
+            <a:endParaRPr lang="ru-RU" sz="1800" b="0" strike="noStrike" spc="-1" dirty="0">
+              <a:solidFill>
+                <a:srgbClr val="000000"/>
+              </a:solidFill>
+              <a:uFill>
+                <a:solidFill>
+                  <a:srgbClr val="FFFFFF"/>
+                </a:solidFill>
+              </a:uFill>
+              <a:latin typeface="Arial"/>
+            </a:endParaRPr>
+          </a:p>
+        </p:txBody>
+      </p:sp>
+      <p:sp>
+        <p:nvSpPr>
+          <p:cNvPr id="40" name="CustomShape 5"/>
+          <p:cNvSpPr/>
+          <p:nvPr/>
+        </p:nvSpPr>
+        <p:spPr>
+          <a:xfrm>
+            <a:off x="9639036" y="20093692"/>
+            <a:ext cx="11826360" cy="459000"/>
+          </a:xfrm>
+          <a:prstGeom prst="rect">
+            <a:avLst/>
+          </a:prstGeom>
+          <a:noFill/>
+          <a:ln>
+            <a:noFill/>
+          </a:ln>
+        </p:spPr>
+        <p:style>
+          <a:lnRef idx="0">
+            <a:scrgbClr r="0" g="0" b="0"/>
+          </a:lnRef>
+          <a:fillRef idx="0">
+            <a:scrgbClr r="0" g="0" b="0"/>
+          </a:fillRef>
+          <a:effectRef idx="0">
+            <a:scrgbClr r="0" g="0" b="0"/>
+          </a:effectRef>
+          <a:fontRef idx="minor"/>
+        </p:style>
+        <p:txBody>
+          <a:bodyPr lIns="90000" tIns="45000" rIns="90000" bIns="45000"/>
+          <a:lstStyle/>
+          <a:p>
+            <a:pPr>
+              <a:lnSpc>
+                <a:spcPct val="100000"/>
+              </a:lnSpc>
+            </a:pPr>
+            <a:r>
+              <a:rPr lang="ru-RU" sz="2600" b="0" strike="noStrike" spc="-1" dirty="0">
+                <a:solidFill>
+                  <a:srgbClr val="000000"/>
+                </a:solidFill>
+                <a:uFill>
+                  <a:solidFill>
+                    <a:srgbClr val="FFFFFF"/>
+                  </a:solidFill>
+                </a:uFill>
+                <a:latin typeface="Arial"/>
+                <a:ea typeface="DejaVu Sans"/>
+              </a:rPr>
+              <a:t>Рисунок 2 — </a:t>
+            </a:r>
+            <a:r>
+              <a:rPr lang="ru-RU" sz="2600" spc="-1" dirty="0">
+                <a:solidFill>
+                  <a:srgbClr val="000000"/>
+                </a:solidFill>
+                <a:uFill>
+                  <a:solidFill>
+                    <a:srgbClr val="FFFFFF"/>
+                  </a:solidFill>
+                </a:uFill>
+                <a:latin typeface="Arial"/>
+                <a:ea typeface="DejaVu Sans"/>
+              </a:rPr>
+              <a:t>Отклонение признаков почерка для одного человека</a:t>
+            </a:r>
+            <a:endParaRPr lang="ru-RU" sz="1800" b="0" strike="noStrike" spc="-1" dirty="0">
+              <a:solidFill>
+                <a:srgbClr val="000000"/>
+              </a:solidFill>
+              <a:uFill>
+                <a:solidFill>
+                  <a:srgbClr val="FFFFFF"/>
+                </a:solidFill>
+              </a:uFill>
+              <a:latin typeface="Arial"/>
+            </a:endParaRPr>
+          </a:p>
+        </p:txBody>
+      </p:sp>
+      <p:graphicFrame>
+        <p:nvGraphicFramePr>
+          <p:cNvPr id="8" name="Table 1">
+            <a:extLst>
+              <a:ext uri="{FF2B5EF4-FFF2-40B4-BE49-F238E27FC236}">
+                <a16:creationId xmlns:a16="http://schemas.microsoft.com/office/drawing/2014/main" id="{5A34316A-1EFC-8743-B733-871E20F618FC}"/>
+              </a:ext>
+            </a:extLst>
+          </p:cNvPr>
+          <p:cNvGraphicFramePr/>
+          <p:nvPr>
+            <p:extLst>
+              <p:ext uri="{D42A27DB-BD31-4B8C-83A1-F6EECF244321}">
+                <p14:modId xmlns:p14="http://schemas.microsoft.com/office/powerpoint/2010/main" val="899832876"/>
+              </p:ext>
+            </p:extLst>
+          </p:nvPr>
+        </p:nvGraphicFramePr>
+        <p:xfrm>
+          <a:off x="1953360" y="2993108"/>
+          <a:ext cx="26105040" cy="6035040"/>
+        </p:xfrm>
+        <a:graphic>
+          <a:graphicData uri="http://schemas.openxmlformats.org/drawingml/2006/table">
+            <a:tbl>
+              <a:tblPr/>
+              <a:tblGrid>
+                <a:gridCol w="8701560">
+                  <a:extLst>
+                    <a:ext uri="{9D8B030D-6E8A-4147-A177-3AD203B41FA5}">
+                      <a16:colId xmlns:a16="http://schemas.microsoft.com/office/drawing/2014/main" val="20000"/>
+                    </a:ext>
+                  </a:extLst>
+                </a:gridCol>
+                <a:gridCol w="8701560">
+                  <a:extLst>
+                    <a:ext uri="{9D8B030D-6E8A-4147-A177-3AD203B41FA5}">
+                      <a16:colId xmlns:a16="http://schemas.microsoft.com/office/drawing/2014/main" val="20001"/>
+                    </a:ext>
+                  </a:extLst>
+                </a:gridCol>
+                <a:gridCol w="8701920">
+                  <a:extLst>
+                    <a:ext uri="{9D8B030D-6E8A-4147-A177-3AD203B41FA5}">
+                      <a16:colId xmlns:a16="http://schemas.microsoft.com/office/drawing/2014/main" val="20002"/>
+                    </a:ext>
+                  </a:extLst>
+                </a:gridCol>
+              </a:tblGrid>
+              <a:tr h="483379">
+                <a:tc>
+                  <a:txBody>
+                    <a:bodyPr/>
+                    <a:lstStyle/>
+                    <a:p>
+                      <a:pPr>
+                        <a:lnSpc>
+                          <a:spcPct val="100000"/>
+                        </a:lnSpc>
+                      </a:pPr>
+                      <a:r>
+                        <a:rPr lang="ru-RU" sz="3000" b="0" strike="noStrike" spc="-1" dirty="0">
+                          <a:solidFill>
+                            <a:srgbClr val="000000"/>
+                          </a:solidFill>
+                          <a:uFill>
+                            <a:solidFill>
+                              <a:srgbClr val="FFFFFF"/>
+                            </a:solidFill>
+                          </a:uFill>
+                          <a:latin typeface="Calibri"/>
+                        </a:rPr>
+                        <a:t>Граница аутентификации</a:t>
+                      </a:r>
+                      <a:endParaRPr lang="ru-RU" sz="1800" b="0" strike="noStrike" spc="-1" dirty="0">
+                        <a:solidFill>
+                          <a:srgbClr val="000000"/>
+                        </a:solidFill>
+                        <a:uFill>
+                          <a:solidFill>
+                            <a:srgbClr val="FFFFFF"/>
+                          </a:solidFill>
+                        </a:uFill>
+                        <a:latin typeface="Arial"/>
+                      </a:endParaRPr>
+                    </a:p>
+                  </a:txBody>
+                  <a:tcPr marL="169920" marR="169920">
+                    <a:lnL w="12240">
+                      <a:solidFill>
+                        <a:srgbClr val="000000"/>
+                      </a:solidFill>
+                    </a:lnL>
+                    <a:lnR w="12240">
+                      <a:solidFill>
+                        <a:srgbClr val="000000"/>
+                      </a:solidFill>
+                    </a:lnR>
+                    <a:lnT w="12240">
+                      <a:solidFill>
+                        <a:srgbClr val="000000"/>
+                      </a:solidFill>
+                    </a:lnT>
+                    <a:lnB w="12240">
+                      <a:solidFill>
+                        <a:srgbClr val="000000"/>
+                      </a:solidFill>
+                    </a:lnB>
+                    <a:noFill/>
+                  </a:tcPr>
+                </a:tc>
+                <a:tc>
+                  <a:txBody>
+                    <a:bodyPr/>
+                    <a:lstStyle/>
+                    <a:p>
+                      <a:pPr>
+                        <a:lnSpc>
+                          <a:spcPct val="100000"/>
+                        </a:lnSpc>
+                      </a:pPr>
+                      <a:r>
+                        <a:rPr lang="ru-RU" sz="3000" b="0" strike="noStrike" spc="-1" dirty="0">
+                          <a:solidFill>
+                            <a:srgbClr val="000000"/>
+                          </a:solidFill>
+                          <a:uFill>
+                            <a:solidFill>
+                              <a:srgbClr val="FFFFFF"/>
+                            </a:solidFill>
+                          </a:uFill>
+                          <a:latin typeface="Calibri"/>
+                          <a:ea typeface="Calibri"/>
+                        </a:rPr>
+                        <a:t>Ошибка первого рода</a:t>
+                      </a:r>
+                      <a:endParaRPr lang="ru-RU" sz="1800" b="0" strike="noStrike" spc="-1" dirty="0">
+                        <a:solidFill>
+                          <a:srgbClr val="000000"/>
+                        </a:solidFill>
+                        <a:uFill>
+                          <a:solidFill>
+                            <a:srgbClr val="FFFFFF"/>
+                          </a:solidFill>
+                        </a:uFill>
+                        <a:latin typeface="Arial"/>
+                      </a:endParaRPr>
+                    </a:p>
+                  </a:txBody>
+                  <a:tcPr marL="169920" marR="169920">
+                    <a:lnL w="12240">
+                      <a:solidFill>
+                        <a:srgbClr val="000000"/>
+                      </a:solidFill>
+                    </a:lnL>
+                    <a:lnR w="12240">
+                      <a:solidFill>
+                        <a:srgbClr val="000000"/>
+                      </a:solidFill>
+                    </a:lnR>
+                    <a:lnT w="12240">
+                      <a:solidFill>
+                        <a:srgbClr val="000000"/>
+                      </a:solidFill>
+                    </a:lnT>
+                    <a:lnB w="12240">
+                      <a:solidFill>
+                        <a:srgbClr val="000000"/>
+                      </a:solidFill>
+                    </a:lnB>
+                    <a:noFill/>
+                  </a:tcPr>
+                </a:tc>
+                <a:tc>
+                  <a:txBody>
+                    <a:bodyPr/>
+                    <a:lstStyle/>
+                    <a:p>
+                      <a:pPr>
+                        <a:lnSpc>
+                          <a:spcPct val="100000"/>
+                        </a:lnSpc>
+                      </a:pPr>
+                      <a:r>
+                        <a:rPr lang="ru-RU" sz="3000" b="0" strike="noStrike" spc="-1" dirty="0">
+                          <a:solidFill>
+                            <a:srgbClr val="000000"/>
+                          </a:solidFill>
+                          <a:uFill>
+                            <a:solidFill>
+                              <a:srgbClr val="FFFFFF"/>
+                            </a:solidFill>
+                          </a:uFill>
+                          <a:latin typeface="Calibri"/>
+                          <a:ea typeface="Calibri"/>
+                        </a:rPr>
+                        <a:t>Ошибка второго рода</a:t>
+                      </a:r>
+                      <a:endParaRPr lang="ru-RU" sz="1800" b="0" strike="noStrike" spc="-1" dirty="0">
+                        <a:solidFill>
+                          <a:srgbClr val="000000"/>
+                        </a:solidFill>
+                        <a:uFill>
+                          <a:solidFill>
+                            <a:srgbClr val="FFFFFF"/>
+                          </a:solidFill>
+                        </a:uFill>
+                        <a:latin typeface="Arial"/>
+                      </a:endParaRPr>
+                    </a:p>
+                  </a:txBody>
+                  <a:tcPr marL="169920" marR="169920">
+                    <a:lnL w="12240">
+                      <a:solidFill>
+                        <a:srgbClr val="000000"/>
+                      </a:solidFill>
+                    </a:lnL>
+                    <a:lnR w="12240">
+                      <a:solidFill>
+                        <a:srgbClr val="000000"/>
+                      </a:solidFill>
+                    </a:lnR>
+                    <a:lnT w="12240">
+                      <a:solidFill>
+                        <a:srgbClr val="000000"/>
+                      </a:solidFill>
+                    </a:lnT>
+                    <a:lnB w="12240">
+                      <a:solidFill>
+                        <a:srgbClr val="000000"/>
+                      </a:solidFill>
+                    </a:lnB>
+                    <a:noFill/>
+                  </a:tcPr>
+                </a:tc>
+                <a:extLst>
+                  <a:ext uri="{0D108BD9-81ED-4DB2-BD59-A6C34878D82A}">
+                    <a16:rowId xmlns:a16="http://schemas.microsoft.com/office/drawing/2014/main" val="10000"/>
+                  </a:ext>
+                </a:extLst>
+              </a:tr>
+              <a:tr h="483379">
+                <a:tc>
+                  <a:txBody>
+                    <a:bodyPr/>
+                    <a:lstStyle/>
+                    <a:p>
+                      <a:pPr>
+                        <a:lnSpc>
+                          <a:spcPct val="100000"/>
+                        </a:lnSpc>
+                      </a:pPr>
+                      <a:r>
+                        <a:rPr lang="ru-RU" sz="3000" b="0" strike="noStrike" spc="-1" dirty="0">
+                          <a:solidFill>
+                            <a:srgbClr val="000000"/>
+                          </a:solidFill>
+                          <a:uFill>
+                            <a:solidFill>
+                              <a:srgbClr val="FFFFFF"/>
+                            </a:solidFill>
+                          </a:uFill>
+                          <a:latin typeface="Calibri"/>
+                          <a:ea typeface="Calibri"/>
+                        </a:rPr>
+                        <a:t>50</a:t>
+                      </a:r>
+                      <a:endParaRPr lang="ru-RU" sz="1800" b="0" strike="noStrike" spc="-1" dirty="0">
+                        <a:solidFill>
+                          <a:srgbClr val="000000"/>
+                        </a:solidFill>
+                        <a:uFill>
+                          <a:solidFill>
+                            <a:srgbClr val="FFFFFF"/>
+                          </a:solidFill>
+                        </a:uFill>
+                        <a:latin typeface="Arial"/>
+                      </a:endParaRPr>
+                    </a:p>
+                  </a:txBody>
+                  <a:tcPr marL="169920" marR="169920">
+                    <a:lnL w="12240">
+                      <a:solidFill>
+                        <a:srgbClr val="000000"/>
+                      </a:solidFill>
+                    </a:lnL>
+                    <a:lnR w="12240">
+                      <a:solidFill>
+                        <a:srgbClr val="000000"/>
+                      </a:solidFill>
+                    </a:lnR>
+                    <a:lnT w="12240">
+                      <a:solidFill>
+                        <a:srgbClr val="000000"/>
+                      </a:solidFill>
+                    </a:lnT>
+                    <a:lnB w="12240">
+                      <a:solidFill>
+                        <a:srgbClr val="000000"/>
+                      </a:solidFill>
+                    </a:lnB>
+                    <a:noFill/>
+                  </a:tcPr>
+                </a:tc>
+                <a:tc>
+                  <a:txBody>
+                    <a:bodyPr/>
+                    <a:lstStyle/>
+                    <a:p>
+                      <a:pPr>
+                        <a:lnSpc>
+                          <a:spcPct val="100000"/>
+                        </a:lnSpc>
+                      </a:pPr>
+                      <a:r>
+                        <a:rPr lang="en-US" sz="3000" b="0" strike="noStrike" spc="-1" dirty="0">
+                          <a:solidFill>
+                            <a:srgbClr val="000000"/>
+                          </a:solidFill>
+                          <a:uFill>
+                            <a:solidFill>
+                              <a:srgbClr val="FFFFFF"/>
+                            </a:solidFill>
+                          </a:uFill>
+                          <a:latin typeface="Calibri"/>
+                          <a:ea typeface="Calibri"/>
+                        </a:rPr>
+                        <a:t>80%</a:t>
+                      </a:r>
+                      <a:endParaRPr lang="ru-RU" sz="1800" b="0" strike="noStrike" spc="-1" dirty="0">
+                        <a:solidFill>
+                          <a:srgbClr val="000000"/>
+                        </a:solidFill>
+                        <a:uFill>
+                          <a:solidFill>
+                            <a:srgbClr val="FFFFFF"/>
+                          </a:solidFill>
+                        </a:uFill>
+                        <a:latin typeface="Arial"/>
+                      </a:endParaRPr>
+                    </a:p>
+                  </a:txBody>
+                  <a:tcPr marL="169920" marR="169920">
+                    <a:lnL w="12240">
+                      <a:solidFill>
+                        <a:srgbClr val="000000"/>
+                      </a:solidFill>
+                    </a:lnL>
+                    <a:lnR w="12240">
+                      <a:solidFill>
+                        <a:srgbClr val="000000"/>
+                      </a:solidFill>
+                    </a:lnR>
+                    <a:lnT w="12240">
+                      <a:solidFill>
+                        <a:srgbClr val="000000"/>
+                      </a:solidFill>
+                    </a:lnT>
+                    <a:lnB w="12240">
+                      <a:solidFill>
+                        <a:srgbClr val="000000"/>
+                      </a:solidFill>
+                    </a:lnB>
+                    <a:noFill/>
+                  </a:tcPr>
+                </a:tc>
+                <a:tc>
+                  <a:txBody>
+                    <a:bodyPr/>
+                    <a:lstStyle/>
+                    <a:p>
+                      <a:pPr>
+                        <a:lnSpc>
+                          <a:spcPct val="100000"/>
+                        </a:lnSpc>
+                      </a:pPr>
+                      <a:r>
+                        <a:rPr lang="en-US" sz="3000" b="0" strike="noStrike" spc="-1" dirty="0">
+                          <a:solidFill>
+                            <a:srgbClr val="000000"/>
+                          </a:solidFill>
+                          <a:uFill>
+                            <a:solidFill>
+                              <a:srgbClr val="FFFFFF"/>
+                            </a:solidFill>
+                          </a:uFill>
+                          <a:latin typeface="Calibri"/>
+                          <a:ea typeface="Calibri"/>
+                        </a:rPr>
+                        <a:t>0%</a:t>
+                      </a:r>
+                      <a:endParaRPr lang="ru-RU" sz="1800" b="0" strike="noStrike" spc="-1" dirty="0">
+                        <a:solidFill>
+                          <a:srgbClr val="000000"/>
+                        </a:solidFill>
+                        <a:uFill>
+                          <a:solidFill>
+                            <a:srgbClr val="FFFFFF"/>
+                          </a:solidFill>
+                        </a:uFill>
+                        <a:latin typeface="Arial"/>
+                      </a:endParaRPr>
+                    </a:p>
+                  </a:txBody>
+                  <a:tcPr marL="169920" marR="169920">
+                    <a:lnL w="12240">
+                      <a:solidFill>
+                        <a:srgbClr val="000000"/>
+                      </a:solidFill>
+                    </a:lnL>
+                    <a:lnR w="12240">
+                      <a:solidFill>
+                        <a:srgbClr val="000000"/>
+                      </a:solidFill>
+                    </a:lnR>
+                    <a:lnT w="12240">
+                      <a:solidFill>
+                        <a:srgbClr val="000000"/>
+                      </a:solidFill>
+                    </a:lnT>
+                    <a:lnB w="12240">
+                      <a:solidFill>
+                        <a:srgbClr val="000000"/>
+                      </a:solidFill>
+                    </a:lnB>
+                    <a:noFill/>
+                  </a:tcPr>
+                </a:tc>
+                <a:extLst>
+                  <a:ext uri="{0D108BD9-81ED-4DB2-BD59-A6C34878D82A}">
+                    <a16:rowId xmlns:a16="http://schemas.microsoft.com/office/drawing/2014/main" val="10001"/>
+                  </a:ext>
+                </a:extLst>
+              </a:tr>
+              <a:tr h="483379">
+                <a:tc>
+                  <a:txBody>
+                    <a:bodyPr/>
+                    <a:lstStyle/>
+                    <a:p>
+                      <a:pPr>
+                        <a:lnSpc>
+                          <a:spcPct val="100000"/>
+                        </a:lnSpc>
+                      </a:pPr>
+                      <a:r>
+                        <a:rPr lang="ru-RU" sz="3000" b="0" strike="noStrike" spc="-1" dirty="0">
+                          <a:solidFill>
+                            <a:srgbClr val="000000"/>
+                          </a:solidFill>
+                          <a:uFill>
+                            <a:solidFill>
+                              <a:srgbClr val="FFFFFF"/>
+                            </a:solidFill>
+                          </a:uFill>
+                          <a:latin typeface="Calibri"/>
+                          <a:ea typeface="Calibri"/>
+                        </a:rPr>
+                        <a:t>60</a:t>
+                      </a:r>
+                      <a:endParaRPr lang="ru-RU" sz="1800" b="0" strike="noStrike" spc="-1" dirty="0">
+                        <a:solidFill>
+                          <a:srgbClr val="000000"/>
+                        </a:solidFill>
+                        <a:uFill>
+                          <a:solidFill>
+                            <a:srgbClr val="FFFFFF"/>
+                          </a:solidFill>
+                        </a:uFill>
+                        <a:latin typeface="Arial"/>
+                      </a:endParaRPr>
+                    </a:p>
+                  </a:txBody>
+                  <a:tcPr marL="169920" marR="169920">
+                    <a:lnL w="12240">
+                      <a:solidFill>
+                        <a:srgbClr val="000000"/>
+                      </a:solidFill>
+                    </a:lnL>
+                    <a:lnR w="12240">
+                      <a:solidFill>
+                        <a:srgbClr val="000000"/>
+                      </a:solidFill>
+                    </a:lnR>
+                    <a:lnT w="12240">
+                      <a:solidFill>
+                        <a:srgbClr val="000000"/>
+                      </a:solidFill>
+                    </a:lnT>
+                    <a:lnB w="12240">
+                      <a:solidFill>
+                        <a:srgbClr val="000000"/>
+                      </a:solidFill>
+                    </a:lnB>
+                    <a:noFill/>
+                  </a:tcPr>
+                </a:tc>
+                <a:tc>
+                  <a:txBody>
+                    <a:bodyPr/>
+                    <a:lstStyle/>
+                    <a:p>
+                      <a:pPr>
+                        <a:lnSpc>
+                          <a:spcPct val="100000"/>
+                        </a:lnSpc>
+                      </a:pPr>
+                      <a:r>
+                        <a:rPr lang="en-US" sz="3000" b="0" strike="noStrike" kern="1200" spc="-1" dirty="0">
+                          <a:solidFill>
+                            <a:srgbClr val="000000"/>
+                          </a:solidFill>
+                          <a:uFill>
+                            <a:solidFill>
+                              <a:srgbClr val="FFFFFF"/>
+                            </a:solidFill>
+                          </a:uFill>
+                          <a:latin typeface="Calibri"/>
+                          <a:cs typeface="+mn-cs"/>
+                        </a:rPr>
+                        <a:t>53%</a:t>
+                      </a:r>
+                      <a:endParaRPr lang="ru-RU" sz="3000" b="0" strike="noStrike" kern="1200" spc="-1" dirty="0">
+                        <a:solidFill>
+                          <a:srgbClr val="000000"/>
+                        </a:solidFill>
+                        <a:uFill>
+                          <a:solidFill>
+                            <a:srgbClr val="FFFFFF"/>
+                          </a:solidFill>
+                        </a:uFill>
+                        <a:latin typeface="Calibri"/>
+                        <a:cs typeface="+mn-cs"/>
+                      </a:endParaRPr>
+                    </a:p>
+                  </a:txBody>
+                  <a:tcPr marL="169920" marR="169920">
+                    <a:lnL w="12240">
+                      <a:solidFill>
+                        <a:srgbClr val="000000"/>
+                      </a:solidFill>
+                    </a:lnL>
+                    <a:lnR w="12240">
+                      <a:solidFill>
+                        <a:srgbClr val="000000"/>
+                      </a:solidFill>
+                    </a:lnR>
+                    <a:lnT w="12240">
+                      <a:solidFill>
+                        <a:srgbClr val="000000"/>
+                      </a:solidFill>
+                    </a:lnT>
+                    <a:lnB w="12240">
+                      <a:solidFill>
+                        <a:srgbClr val="000000"/>
+                      </a:solidFill>
+                    </a:lnB>
+                    <a:noFill/>
+                  </a:tcPr>
+                </a:tc>
+                <a:tc>
+                  <a:txBody>
+                    <a:bodyPr/>
+                    <a:lstStyle/>
+                    <a:p>
+                      <a:pPr>
+                        <a:lnSpc>
+                          <a:spcPct val="100000"/>
+                        </a:lnSpc>
+                      </a:pPr>
+                      <a:r>
+                        <a:rPr lang="en-US" sz="3000" b="0" strike="noStrike" spc="-1" dirty="0">
+                          <a:solidFill>
+                            <a:srgbClr val="000000"/>
+                          </a:solidFill>
+                          <a:uFill>
+                            <a:solidFill>
+                              <a:srgbClr val="FFFFFF"/>
+                            </a:solidFill>
+                          </a:uFill>
+                          <a:latin typeface="Calibri"/>
+                          <a:ea typeface="Calibri"/>
+                        </a:rPr>
+                        <a:t>0%</a:t>
+                      </a:r>
+                      <a:endParaRPr lang="ru-RU" sz="1800" b="0" strike="noStrike" spc="-1" dirty="0">
+                        <a:solidFill>
+                          <a:srgbClr val="000000"/>
+                        </a:solidFill>
+                        <a:uFill>
+                          <a:solidFill>
+                            <a:srgbClr val="FFFFFF"/>
+                          </a:solidFill>
+                        </a:uFill>
+                        <a:latin typeface="Arial"/>
+                      </a:endParaRPr>
+                    </a:p>
+                  </a:txBody>
+                  <a:tcPr marL="169920" marR="169920">
+                    <a:lnL w="12240">
+                      <a:solidFill>
+                        <a:srgbClr val="000000"/>
+                      </a:solidFill>
+                    </a:lnL>
+                    <a:lnR w="12240">
+                      <a:solidFill>
+                        <a:srgbClr val="000000"/>
+                      </a:solidFill>
+                    </a:lnR>
+                    <a:lnT w="12240">
+                      <a:solidFill>
+                        <a:srgbClr val="000000"/>
+                      </a:solidFill>
+                    </a:lnT>
+                    <a:lnB w="12240">
+                      <a:solidFill>
+                        <a:srgbClr val="000000"/>
+                      </a:solidFill>
+                    </a:lnB>
+                    <a:noFill/>
+                  </a:tcPr>
+                </a:tc>
+                <a:extLst>
+                  <a:ext uri="{0D108BD9-81ED-4DB2-BD59-A6C34878D82A}">
+                    <a16:rowId xmlns:a16="http://schemas.microsoft.com/office/drawing/2014/main" val="10002"/>
+                  </a:ext>
+                </a:extLst>
+              </a:tr>
+              <a:tr h="483379">
+                <a:tc>
+                  <a:txBody>
+                    <a:bodyPr/>
+                    <a:lstStyle/>
+                    <a:p>
+                      <a:pPr>
+                        <a:lnSpc>
+                          <a:spcPct val="100000"/>
+                        </a:lnSpc>
+                      </a:pPr>
+                      <a:r>
+                        <a:rPr lang="ru-RU" sz="3000" b="0" strike="noStrike" spc="-1" dirty="0">
+                          <a:solidFill>
+                            <a:srgbClr val="000000"/>
+                          </a:solidFill>
+                          <a:uFill>
+                            <a:solidFill>
+                              <a:srgbClr val="FFFFFF"/>
+                            </a:solidFill>
+                          </a:uFill>
+                          <a:latin typeface="Calibri"/>
+                          <a:ea typeface="Calibri"/>
+                        </a:rPr>
+                        <a:t>70</a:t>
+                      </a:r>
+                      <a:endParaRPr lang="ru-RU" sz="1800" b="0" strike="noStrike" spc="-1" dirty="0">
+                        <a:solidFill>
+                          <a:srgbClr val="000000"/>
+                        </a:solidFill>
+                        <a:uFill>
+                          <a:solidFill>
+                            <a:srgbClr val="FFFFFF"/>
+                          </a:solidFill>
+                        </a:uFill>
+                        <a:latin typeface="Arial"/>
+                      </a:endParaRPr>
+                    </a:p>
+                  </a:txBody>
+                  <a:tcPr marL="169920" marR="169920">
+                    <a:lnL w="12240">
+                      <a:solidFill>
+                        <a:srgbClr val="000000"/>
+                      </a:solidFill>
+                    </a:lnL>
+                    <a:lnR w="12240">
+                      <a:solidFill>
+                        <a:srgbClr val="000000"/>
+                      </a:solidFill>
+                    </a:lnR>
+                    <a:lnT w="12240">
+                      <a:solidFill>
+                        <a:srgbClr val="000000"/>
+                      </a:solidFill>
+                    </a:lnT>
+                    <a:lnB w="12240">
+                      <a:solidFill>
+                        <a:srgbClr val="000000"/>
+                      </a:solidFill>
+                    </a:lnB>
+                    <a:noFill/>
+                  </a:tcPr>
+                </a:tc>
+                <a:tc>
+                  <a:txBody>
+                    <a:bodyPr/>
+                    <a:lstStyle/>
+                    <a:p>
+                      <a:pPr marL="0" algn="l" defTabSz="914400" rtl="0" eaLnBrk="1" latinLnBrk="0" hangingPunct="1">
+                        <a:lnSpc>
+                          <a:spcPct val="100000"/>
+                        </a:lnSpc>
+                      </a:pPr>
+                      <a:r>
+                        <a:rPr lang="en-US" sz="3000" b="0" strike="noStrike" kern="1200" spc="-1" dirty="0">
+                          <a:solidFill>
+                            <a:srgbClr val="000000"/>
+                          </a:solidFill>
+                          <a:uFill>
+                            <a:solidFill>
+                              <a:srgbClr val="FFFFFF"/>
+                            </a:solidFill>
+                          </a:uFill>
+                          <a:latin typeface="Calibri"/>
+                          <a:ea typeface="+mn-ea"/>
+                          <a:cs typeface="+mn-cs"/>
+                        </a:rPr>
+                        <a:t>37%</a:t>
+                      </a:r>
+                      <a:endParaRPr lang="ru-RU" sz="3000" b="0" strike="noStrike" kern="1200" spc="-1" dirty="0">
+                        <a:solidFill>
+                          <a:srgbClr val="000000"/>
+                        </a:solidFill>
+                        <a:uFill>
+                          <a:solidFill>
+                            <a:srgbClr val="FFFFFF"/>
+                          </a:solidFill>
+                        </a:uFill>
+                        <a:latin typeface="Calibri"/>
+                        <a:ea typeface="+mn-ea"/>
+                        <a:cs typeface="+mn-cs"/>
+                      </a:endParaRPr>
+                    </a:p>
+                  </a:txBody>
+                  <a:tcPr marL="169920" marR="169920">
+                    <a:lnL w="12240">
+                      <a:solidFill>
+                        <a:srgbClr val="000000"/>
+                      </a:solidFill>
+                    </a:lnL>
+                    <a:lnR w="12240">
+                      <a:solidFill>
+                        <a:srgbClr val="000000"/>
+                      </a:solidFill>
+                    </a:lnR>
+                    <a:lnT w="12240">
+                      <a:solidFill>
+                        <a:srgbClr val="000000"/>
+                      </a:solidFill>
+                    </a:lnT>
+                    <a:lnB w="12240">
+                      <a:solidFill>
+                        <a:srgbClr val="000000"/>
+                      </a:solidFill>
+                    </a:lnB>
+                    <a:noFill/>
+                  </a:tcPr>
+                </a:tc>
+                <a:tc>
+                  <a:txBody>
+                    <a:bodyPr/>
+                    <a:lstStyle/>
+                    <a:p>
+                      <a:pPr>
+                        <a:lnSpc>
+                          <a:spcPct val="100000"/>
+                        </a:lnSpc>
+                      </a:pPr>
+                      <a:r>
+                        <a:rPr lang="en-US" sz="3000" b="0" strike="noStrike" spc="-1" dirty="0">
+                          <a:solidFill>
+                            <a:srgbClr val="000000"/>
+                          </a:solidFill>
+                          <a:uFill>
+                            <a:solidFill>
+                              <a:srgbClr val="FFFFFF"/>
+                            </a:solidFill>
+                          </a:uFill>
+                          <a:latin typeface="Calibri"/>
+                          <a:ea typeface="Calibri"/>
+                        </a:rPr>
+                        <a:t>1%</a:t>
+                      </a:r>
+                      <a:endParaRPr lang="ru-RU" sz="1800" b="0" strike="noStrike" spc="-1" dirty="0">
+                        <a:solidFill>
+                          <a:srgbClr val="000000"/>
+                        </a:solidFill>
+                        <a:uFill>
+                          <a:solidFill>
+                            <a:srgbClr val="FFFFFF"/>
+                          </a:solidFill>
+                        </a:uFill>
+                        <a:latin typeface="Arial"/>
+                      </a:endParaRPr>
+                    </a:p>
+                  </a:txBody>
+                  <a:tcPr marL="169920" marR="169920">
+                    <a:lnL w="12240">
+                      <a:solidFill>
+                        <a:srgbClr val="000000"/>
+                      </a:solidFill>
+                    </a:lnL>
+                    <a:lnR w="12240">
+                      <a:solidFill>
+                        <a:srgbClr val="000000"/>
+                      </a:solidFill>
+                    </a:lnR>
+                    <a:lnT w="12240">
+                      <a:solidFill>
+                        <a:srgbClr val="000000"/>
+                      </a:solidFill>
+                    </a:lnT>
+                    <a:lnB w="12240">
+                      <a:solidFill>
+                        <a:srgbClr val="000000"/>
+                      </a:solidFill>
+                    </a:lnB>
+                    <a:noFill/>
+                  </a:tcPr>
+                </a:tc>
+                <a:extLst>
+                  <a:ext uri="{0D108BD9-81ED-4DB2-BD59-A6C34878D82A}">
+                    <a16:rowId xmlns:a16="http://schemas.microsoft.com/office/drawing/2014/main" val="10003"/>
+                  </a:ext>
+                </a:extLst>
+              </a:tr>
+              <a:tr h="483379">
+                <a:tc>
+                  <a:txBody>
+                    <a:bodyPr/>
+                    <a:lstStyle/>
+                    <a:p>
+                      <a:pPr>
+                        <a:lnSpc>
+                          <a:spcPct val="100000"/>
+                        </a:lnSpc>
+                      </a:pPr>
+                      <a:r>
+                        <a:rPr lang="ru-RU" sz="3000" b="0" strike="noStrike" spc="-1" dirty="0">
+                          <a:solidFill>
+                            <a:srgbClr val="000000"/>
+                          </a:solidFill>
+                          <a:uFill>
+                            <a:solidFill>
+                              <a:srgbClr val="FFFFFF"/>
+                            </a:solidFill>
+                          </a:uFill>
+                          <a:latin typeface="Calibri"/>
+                        </a:rPr>
+                        <a:t>75</a:t>
+                      </a:r>
+                      <a:endParaRPr lang="ru-RU" sz="1800" b="0" strike="noStrike" spc="-1" dirty="0">
+                        <a:solidFill>
+                          <a:srgbClr val="000000"/>
+                        </a:solidFill>
+                        <a:uFill>
+                          <a:solidFill>
+                            <a:srgbClr val="FFFFFF"/>
+                          </a:solidFill>
+                        </a:uFill>
+                        <a:latin typeface="Arial"/>
+                      </a:endParaRPr>
+                    </a:p>
+                  </a:txBody>
+                  <a:tcPr marL="169920" marR="169920">
+                    <a:lnL w="12240">
+                      <a:solidFill>
+                        <a:srgbClr val="000000"/>
+                      </a:solidFill>
+                    </a:lnL>
+                    <a:lnR w="12240">
+                      <a:solidFill>
+                        <a:srgbClr val="000000"/>
+                      </a:solidFill>
+                    </a:lnR>
+                    <a:lnT w="12240">
+                      <a:solidFill>
+                        <a:srgbClr val="000000"/>
+                      </a:solidFill>
+                    </a:lnT>
+                    <a:lnB w="12240">
+                      <a:solidFill>
+                        <a:srgbClr val="000000"/>
+                      </a:solidFill>
+                    </a:lnB>
+                    <a:noFill/>
+                  </a:tcPr>
+                </a:tc>
+                <a:tc>
+                  <a:txBody>
+                    <a:bodyPr/>
+                    <a:lstStyle/>
+                    <a:p>
+                      <a:pPr marL="0" algn="l" defTabSz="914400" rtl="0" eaLnBrk="1" latinLnBrk="0" hangingPunct="1">
+                        <a:lnSpc>
+                          <a:spcPct val="100000"/>
+                        </a:lnSpc>
+                      </a:pPr>
+                      <a:r>
+                        <a:rPr lang="en-US" sz="3000" b="0" strike="noStrike" kern="1200" spc="-1" dirty="0">
+                          <a:solidFill>
+                            <a:srgbClr val="000000"/>
+                          </a:solidFill>
+                          <a:uFill>
+                            <a:solidFill>
+                              <a:srgbClr val="FFFFFF"/>
+                            </a:solidFill>
+                          </a:uFill>
+                          <a:latin typeface="Calibri"/>
+                          <a:ea typeface="+mn-ea"/>
+                          <a:cs typeface="+mn-cs"/>
+                        </a:rPr>
+                        <a:t>21%</a:t>
+                      </a:r>
+                      <a:endParaRPr lang="ru-RU" sz="3000" b="0" strike="noStrike" kern="1200" spc="-1" dirty="0">
+                        <a:solidFill>
+                          <a:srgbClr val="000000"/>
+                        </a:solidFill>
+                        <a:uFill>
+                          <a:solidFill>
+                            <a:srgbClr val="FFFFFF"/>
+                          </a:solidFill>
+                        </a:uFill>
+                        <a:latin typeface="Calibri"/>
+                        <a:ea typeface="+mn-ea"/>
+                        <a:cs typeface="+mn-cs"/>
+                      </a:endParaRPr>
+                    </a:p>
+                  </a:txBody>
+                  <a:tcPr marL="169920" marR="169920">
+                    <a:lnL w="12240">
+                      <a:solidFill>
+                        <a:srgbClr val="000000"/>
+                      </a:solidFill>
+                    </a:lnL>
+                    <a:lnR w="12240">
+                      <a:solidFill>
+                        <a:srgbClr val="000000"/>
+                      </a:solidFill>
+                    </a:lnR>
+                    <a:lnT w="12240">
+                      <a:solidFill>
+                        <a:srgbClr val="000000"/>
+                      </a:solidFill>
+                    </a:lnT>
+                    <a:lnB w="12240">
+                      <a:solidFill>
+                        <a:srgbClr val="000000"/>
+                      </a:solidFill>
+                    </a:lnB>
+                    <a:noFill/>
+                  </a:tcPr>
+                </a:tc>
+                <a:tc>
+                  <a:txBody>
+                    <a:bodyPr/>
+                    <a:lstStyle/>
+                    <a:p>
+                      <a:pPr>
+                        <a:lnSpc>
+                          <a:spcPct val="100000"/>
+                        </a:lnSpc>
+                      </a:pPr>
+                      <a:r>
+                        <a:rPr lang="en-US" sz="3000" b="0" strike="noStrike" spc="-1" dirty="0">
+                          <a:solidFill>
+                            <a:srgbClr val="000000"/>
+                          </a:solidFill>
+                          <a:uFill>
+                            <a:solidFill>
+                              <a:srgbClr val="FFFFFF"/>
+                            </a:solidFill>
+                          </a:uFill>
+                          <a:latin typeface="Calibri"/>
+                          <a:ea typeface="Calibri"/>
+                        </a:rPr>
+                        <a:t>4%</a:t>
+                      </a:r>
+                      <a:endParaRPr lang="ru-RU" sz="1800" b="0" strike="noStrike" spc="-1" dirty="0">
+                        <a:solidFill>
+                          <a:srgbClr val="000000"/>
+                        </a:solidFill>
+                        <a:uFill>
+                          <a:solidFill>
+                            <a:srgbClr val="FFFFFF"/>
+                          </a:solidFill>
+                        </a:uFill>
+                        <a:latin typeface="Arial"/>
+                      </a:endParaRPr>
+                    </a:p>
+                  </a:txBody>
+                  <a:tcPr marL="169920" marR="169920">
+                    <a:lnL w="12240">
+                      <a:solidFill>
+                        <a:srgbClr val="000000"/>
+                      </a:solidFill>
+                    </a:lnL>
+                    <a:lnR w="12240">
+                      <a:solidFill>
+                        <a:srgbClr val="000000"/>
+                      </a:solidFill>
+                    </a:lnR>
+                    <a:lnT w="12240">
+                      <a:solidFill>
+                        <a:srgbClr val="000000"/>
+                      </a:solidFill>
+                    </a:lnT>
+                    <a:lnB w="12240">
+                      <a:solidFill>
+                        <a:srgbClr val="000000"/>
+                      </a:solidFill>
+                    </a:lnB>
+                    <a:noFill/>
+                  </a:tcPr>
+                </a:tc>
+                <a:extLst>
+                  <a:ext uri="{0D108BD9-81ED-4DB2-BD59-A6C34878D82A}">
+                    <a16:rowId xmlns:a16="http://schemas.microsoft.com/office/drawing/2014/main" val="10004"/>
+                  </a:ext>
+                </a:extLst>
+              </a:tr>
+              <a:tr h="483379">
+                <a:tc>
+                  <a:txBody>
+                    <a:bodyPr/>
+                    <a:lstStyle/>
+                    <a:p>
+                      <a:pPr>
+                        <a:lnSpc>
+                          <a:spcPct val="100000"/>
+                        </a:lnSpc>
+                      </a:pPr>
+                      <a:r>
+                        <a:rPr lang="ru-RU" sz="3000" b="0" strike="noStrike" spc="-1" dirty="0">
+                          <a:solidFill>
+                            <a:srgbClr val="000000"/>
+                          </a:solidFill>
+                          <a:uFill>
+                            <a:solidFill>
+                              <a:srgbClr val="FFFFFF"/>
+                            </a:solidFill>
+                          </a:uFill>
+                          <a:latin typeface="Calibri"/>
+                          <a:ea typeface="Calibri"/>
+                        </a:rPr>
+                        <a:t>80</a:t>
+                      </a:r>
+                      <a:endParaRPr lang="ru-RU" sz="1800" b="0" strike="noStrike" spc="-1" dirty="0">
+                        <a:solidFill>
+                          <a:srgbClr val="000000"/>
+                        </a:solidFill>
+                        <a:uFill>
+                          <a:solidFill>
+                            <a:srgbClr val="FFFFFF"/>
+                          </a:solidFill>
+                        </a:uFill>
+                        <a:latin typeface="Arial"/>
+                      </a:endParaRPr>
+                    </a:p>
+                  </a:txBody>
+                  <a:tcPr marL="169920" marR="169920">
+                    <a:lnL w="12240">
+                      <a:solidFill>
+                        <a:srgbClr val="000000"/>
+                      </a:solidFill>
+                    </a:lnL>
+                    <a:lnR w="12240">
+                      <a:solidFill>
+                        <a:srgbClr val="000000"/>
+                      </a:solidFill>
+                    </a:lnR>
+                    <a:lnT w="12240">
+                      <a:solidFill>
+                        <a:srgbClr val="000000"/>
+                      </a:solidFill>
+                    </a:lnT>
+                    <a:lnB w="12240">
+                      <a:solidFill>
+                        <a:srgbClr val="000000"/>
+                      </a:solidFill>
+                    </a:lnB>
+                    <a:noFill/>
+                  </a:tcPr>
+                </a:tc>
+                <a:tc>
+                  <a:txBody>
+                    <a:bodyPr/>
+                    <a:lstStyle/>
+                    <a:p>
+                      <a:pPr marL="0" algn="l" defTabSz="914400" rtl="0" eaLnBrk="1" latinLnBrk="0" hangingPunct="1">
+                        <a:lnSpc>
+                          <a:spcPct val="100000"/>
+                        </a:lnSpc>
+                      </a:pPr>
+                      <a:r>
+                        <a:rPr lang="en-US" sz="3000" b="0" strike="noStrike" kern="1200" spc="-1" dirty="0">
+                          <a:solidFill>
+                            <a:srgbClr val="000000"/>
+                          </a:solidFill>
+                          <a:uFill>
+                            <a:solidFill>
+                              <a:srgbClr val="FFFFFF"/>
+                            </a:solidFill>
+                          </a:uFill>
+                          <a:latin typeface="Calibri"/>
+                          <a:ea typeface="+mn-ea"/>
+                          <a:cs typeface="+mn-cs"/>
+                        </a:rPr>
+                        <a:t>13%</a:t>
+                      </a:r>
+                      <a:endParaRPr lang="ru-RU" sz="3000" b="0" strike="noStrike" kern="1200" spc="-1" dirty="0">
+                        <a:solidFill>
+                          <a:srgbClr val="000000"/>
+                        </a:solidFill>
+                        <a:uFill>
+                          <a:solidFill>
+                            <a:srgbClr val="FFFFFF"/>
+                          </a:solidFill>
+                        </a:uFill>
+                        <a:latin typeface="Calibri"/>
+                        <a:ea typeface="+mn-ea"/>
+                        <a:cs typeface="+mn-cs"/>
+                      </a:endParaRPr>
+                    </a:p>
+                  </a:txBody>
+                  <a:tcPr marL="169920" marR="169920">
+                    <a:lnL w="12240">
+                      <a:solidFill>
+                        <a:srgbClr val="000000"/>
+                      </a:solidFill>
+                    </a:lnL>
+                    <a:lnR w="12240">
+                      <a:solidFill>
+                        <a:srgbClr val="000000"/>
+                      </a:solidFill>
+                    </a:lnR>
+                    <a:lnT w="12240">
+                      <a:solidFill>
+                        <a:srgbClr val="000000"/>
+                      </a:solidFill>
+                    </a:lnT>
+                    <a:lnB w="12240">
+                      <a:solidFill>
+                        <a:srgbClr val="000000"/>
+                      </a:solidFill>
+                    </a:lnB>
+                    <a:noFill/>
+                  </a:tcPr>
+                </a:tc>
+                <a:tc>
+                  <a:txBody>
+                    <a:bodyPr/>
+                    <a:lstStyle/>
+                    <a:p>
+                      <a:pPr>
+                        <a:lnSpc>
+                          <a:spcPct val="100000"/>
+                        </a:lnSpc>
+                      </a:pPr>
+                      <a:r>
+                        <a:rPr lang="en-US" sz="3000" b="0" strike="noStrike" spc="-1" dirty="0">
+                          <a:solidFill>
+                            <a:srgbClr val="000000"/>
+                          </a:solidFill>
+                          <a:uFill>
+                            <a:solidFill>
+                              <a:srgbClr val="FFFFFF"/>
+                            </a:solidFill>
+                          </a:uFill>
+                          <a:latin typeface="Calibri"/>
+                          <a:ea typeface="Calibri"/>
+                        </a:rPr>
+                        <a:t>7%</a:t>
+                      </a:r>
+                      <a:endParaRPr lang="ru-RU" sz="1800" b="0" strike="noStrike" spc="-1" dirty="0">
+                        <a:solidFill>
+                          <a:srgbClr val="000000"/>
+                        </a:solidFill>
+                        <a:uFill>
+                          <a:solidFill>
+                            <a:srgbClr val="FFFFFF"/>
+                          </a:solidFill>
+                        </a:uFill>
+                        <a:latin typeface="Arial"/>
+                      </a:endParaRPr>
+                    </a:p>
+                  </a:txBody>
+                  <a:tcPr marL="169920" marR="169920">
+                    <a:lnL w="12240">
+                      <a:solidFill>
+                        <a:srgbClr val="000000"/>
+                      </a:solidFill>
+                    </a:lnL>
+                    <a:lnR w="12240">
+                      <a:solidFill>
+                        <a:srgbClr val="000000"/>
+                      </a:solidFill>
+                    </a:lnR>
+                    <a:lnT w="12240">
+                      <a:solidFill>
+                        <a:srgbClr val="000000"/>
+                      </a:solidFill>
+                    </a:lnT>
+                    <a:lnB w="12240">
+                      <a:solidFill>
+                        <a:srgbClr val="000000"/>
+                      </a:solidFill>
+                    </a:lnB>
+                    <a:noFill/>
+                  </a:tcPr>
+                </a:tc>
+                <a:extLst>
+                  <a:ext uri="{0D108BD9-81ED-4DB2-BD59-A6C34878D82A}">
+                    <a16:rowId xmlns:a16="http://schemas.microsoft.com/office/drawing/2014/main" val="10005"/>
+                  </a:ext>
+                </a:extLst>
+              </a:tr>
+              <a:tr h="483379">
+                <a:tc>
+                  <a:txBody>
+                    <a:bodyPr/>
+                    <a:lstStyle/>
+                    <a:p>
+                      <a:pPr>
+                        <a:lnSpc>
+                          <a:spcPct val="100000"/>
+                        </a:lnSpc>
+                      </a:pPr>
+                      <a:r>
+                        <a:rPr lang="ru-RU" sz="3000" b="0" strike="noStrike" spc="-1" dirty="0">
+                          <a:solidFill>
+                            <a:srgbClr val="000000"/>
+                          </a:solidFill>
+                          <a:uFill>
+                            <a:solidFill>
+                              <a:srgbClr val="FFFFFF"/>
+                            </a:solidFill>
+                          </a:uFill>
+                          <a:latin typeface="Calibri"/>
+                          <a:ea typeface="Calibri"/>
+                        </a:rPr>
+                        <a:t>83</a:t>
+                      </a:r>
+                      <a:endParaRPr lang="ru-RU" sz="1800" b="0" strike="noStrike" spc="-1" dirty="0">
+                        <a:solidFill>
+                          <a:srgbClr val="000000"/>
+                        </a:solidFill>
+                        <a:uFill>
+                          <a:solidFill>
+                            <a:srgbClr val="FFFFFF"/>
+                          </a:solidFill>
+                        </a:uFill>
+                        <a:latin typeface="Arial"/>
+                      </a:endParaRPr>
+                    </a:p>
+                  </a:txBody>
+                  <a:tcPr marL="169920" marR="169920">
+                    <a:lnL w="12240">
+                      <a:solidFill>
+                        <a:srgbClr val="000000"/>
+                      </a:solidFill>
+                    </a:lnL>
+                    <a:lnR w="12240">
+                      <a:solidFill>
+                        <a:srgbClr val="000000"/>
+                      </a:solidFill>
+                    </a:lnR>
+                    <a:lnT w="12240">
+                      <a:solidFill>
+                        <a:srgbClr val="000000"/>
+                      </a:solidFill>
+                    </a:lnT>
+                    <a:lnB w="12240">
+                      <a:solidFill>
+                        <a:srgbClr val="000000"/>
+                      </a:solidFill>
+                    </a:lnB>
+                    <a:noFill/>
+                  </a:tcPr>
+                </a:tc>
+                <a:tc>
+                  <a:txBody>
+                    <a:bodyPr/>
+                    <a:lstStyle/>
+                    <a:p>
+                      <a:pPr marL="0" algn="l" defTabSz="914400" rtl="0" eaLnBrk="1" latinLnBrk="0" hangingPunct="1">
+                        <a:lnSpc>
+                          <a:spcPct val="100000"/>
+                        </a:lnSpc>
+                      </a:pPr>
+                      <a:r>
+                        <a:rPr lang="en-US" sz="3000" b="0" strike="noStrike" kern="1200" spc="-1" dirty="0">
+                          <a:solidFill>
+                            <a:srgbClr val="000000"/>
+                          </a:solidFill>
+                          <a:uFill>
+                            <a:solidFill>
+                              <a:srgbClr val="FFFFFF"/>
+                            </a:solidFill>
+                          </a:uFill>
+                          <a:latin typeface="Calibri"/>
+                          <a:ea typeface="+mn-ea"/>
+                          <a:cs typeface="+mn-cs"/>
+                        </a:rPr>
+                        <a:t>7%</a:t>
+                      </a:r>
+                      <a:endParaRPr lang="ru-RU" sz="3000" b="0" strike="noStrike" kern="1200" spc="-1" dirty="0">
+                        <a:solidFill>
+                          <a:srgbClr val="000000"/>
+                        </a:solidFill>
+                        <a:uFill>
+                          <a:solidFill>
+                            <a:srgbClr val="FFFFFF"/>
+                          </a:solidFill>
+                        </a:uFill>
+                        <a:latin typeface="Calibri"/>
+                        <a:ea typeface="+mn-ea"/>
+                        <a:cs typeface="+mn-cs"/>
+                      </a:endParaRPr>
+                    </a:p>
+                  </a:txBody>
+                  <a:tcPr marL="169920" marR="169920">
+                    <a:lnL w="12240">
+                      <a:solidFill>
+                        <a:srgbClr val="000000"/>
+                      </a:solidFill>
+                    </a:lnL>
+                    <a:lnR w="12240">
+                      <a:solidFill>
+                        <a:srgbClr val="000000"/>
+                      </a:solidFill>
+                    </a:lnR>
+                    <a:lnT w="12240">
+                      <a:solidFill>
+                        <a:srgbClr val="000000"/>
+                      </a:solidFill>
+                    </a:lnT>
+                    <a:lnB w="12240">
+                      <a:solidFill>
+                        <a:srgbClr val="000000"/>
+                      </a:solidFill>
+                    </a:lnB>
+                    <a:noFill/>
+                  </a:tcPr>
+                </a:tc>
+                <a:tc>
+                  <a:txBody>
+                    <a:bodyPr/>
+                    <a:lstStyle/>
+                    <a:p>
+                      <a:pPr>
+                        <a:lnSpc>
+                          <a:spcPct val="100000"/>
+                        </a:lnSpc>
+                      </a:pPr>
+                      <a:r>
+                        <a:rPr lang="en-US" sz="3000" b="0" strike="noStrike" spc="-1" dirty="0">
+                          <a:solidFill>
+                            <a:srgbClr val="000000"/>
+                          </a:solidFill>
+                          <a:uFill>
+                            <a:solidFill>
+                              <a:srgbClr val="FFFFFF"/>
+                            </a:solidFill>
+                          </a:uFill>
+                          <a:latin typeface="Calibri"/>
+                          <a:ea typeface="Calibri"/>
+                        </a:rPr>
+                        <a:t>10%</a:t>
+                      </a:r>
+                      <a:endParaRPr lang="ru-RU" sz="1800" b="0" strike="noStrike" spc="-1" dirty="0">
+                        <a:solidFill>
+                          <a:srgbClr val="000000"/>
+                        </a:solidFill>
+                        <a:uFill>
+                          <a:solidFill>
+                            <a:srgbClr val="FFFFFF"/>
+                          </a:solidFill>
+                        </a:uFill>
+                        <a:latin typeface="Arial"/>
+                      </a:endParaRPr>
+                    </a:p>
+                  </a:txBody>
+                  <a:tcPr marL="169920" marR="169920">
+                    <a:lnL w="12240">
+                      <a:solidFill>
+                        <a:srgbClr val="000000"/>
+                      </a:solidFill>
+                    </a:lnL>
+                    <a:lnR w="12240">
+                      <a:solidFill>
+                        <a:srgbClr val="000000"/>
+                      </a:solidFill>
+                    </a:lnR>
+                    <a:lnT w="12240">
+                      <a:solidFill>
+                        <a:srgbClr val="000000"/>
+                      </a:solidFill>
+                    </a:lnT>
+                    <a:lnB w="12240">
+                      <a:solidFill>
+                        <a:srgbClr val="000000"/>
+                      </a:solidFill>
+                    </a:lnB>
+                    <a:noFill/>
+                  </a:tcPr>
+                </a:tc>
+                <a:extLst>
+                  <a:ext uri="{0D108BD9-81ED-4DB2-BD59-A6C34878D82A}">
+                    <a16:rowId xmlns:a16="http://schemas.microsoft.com/office/drawing/2014/main" val="10006"/>
+                  </a:ext>
+                </a:extLst>
+              </a:tr>
+              <a:tr h="483379">
+                <a:tc>
+                  <a:txBody>
+                    <a:bodyPr/>
+                    <a:lstStyle/>
+                    <a:p>
+                      <a:pPr>
+                        <a:lnSpc>
+                          <a:spcPct val="100000"/>
+                        </a:lnSpc>
+                      </a:pPr>
+                      <a:r>
+                        <a:rPr lang="ru-RU" sz="3000" b="0" strike="noStrike" spc="-1" dirty="0">
+                          <a:solidFill>
+                            <a:srgbClr val="000000"/>
+                          </a:solidFill>
+                          <a:uFill>
+                            <a:solidFill>
+                              <a:srgbClr val="FFFFFF"/>
+                            </a:solidFill>
+                          </a:uFill>
+                          <a:latin typeface="Calibri"/>
+                          <a:ea typeface="Calibri"/>
+                        </a:rPr>
+                        <a:t>87</a:t>
+                      </a:r>
+                      <a:endParaRPr lang="ru-RU" sz="1800" b="0" strike="noStrike" spc="-1" dirty="0">
+                        <a:solidFill>
+                          <a:srgbClr val="000000"/>
+                        </a:solidFill>
+                        <a:uFill>
+                          <a:solidFill>
+                            <a:srgbClr val="FFFFFF"/>
+                          </a:solidFill>
+                        </a:uFill>
+                        <a:latin typeface="Arial"/>
+                      </a:endParaRPr>
+                    </a:p>
+                  </a:txBody>
+                  <a:tcPr marL="169920" marR="169920">
+                    <a:lnL w="12240">
+                      <a:solidFill>
+                        <a:srgbClr val="000000"/>
+                      </a:solidFill>
+                    </a:lnL>
+                    <a:lnR w="12240">
+                      <a:solidFill>
+                        <a:srgbClr val="000000"/>
+                      </a:solidFill>
+                    </a:lnR>
+                    <a:lnT w="12240">
+                      <a:solidFill>
+                        <a:srgbClr val="000000"/>
+                      </a:solidFill>
+                    </a:lnT>
+                    <a:lnB w="12240">
+                      <a:solidFill>
+                        <a:srgbClr val="000000"/>
+                      </a:solidFill>
+                    </a:lnB>
+                    <a:noFill/>
+                  </a:tcPr>
+                </a:tc>
+                <a:tc>
+                  <a:txBody>
+                    <a:bodyPr/>
+                    <a:lstStyle/>
+                    <a:p>
+                      <a:pPr marL="0" algn="l" defTabSz="914400" rtl="0" eaLnBrk="1" latinLnBrk="0" hangingPunct="1">
+                        <a:lnSpc>
+                          <a:spcPct val="100000"/>
+                        </a:lnSpc>
+                      </a:pPr>
+                      <a:r>
+                        <a:rPr lang="en-US" sz="3000" b="0" strike="noStrike" kern="1200" spc="-1" dirty="0">
+                          <a:solidFill>
+                            <a:srgbClr val="000000"/>
+                          </a:solidFill>
+                          <a:uFill>
+                            <a:solidFill>
+                              <a:srgbClr val="FFFFFF"/>
+                            </a:solidFill>
+                          </a:uFill>
+                          <a:latin typeface="Calibri"/>
+                          <a:ea typeface="+mn-ea"/>
+                          <a:cs typeface="+mn-cs"/>
+                        </a:rPr>
+                        <a:t>3%</a:t>
+                      </a:r>
+                      <a:endParaRPr lang="ru-RU" sz="3000" b="0" strike="noStrike" kern="1200" spc="-1" dirty="0">
+                        <a:solidFill>
+                          <a:srgbClr val="000000"/>
+                        </a:solidFill>
+                        <a:uFill>
+                          <a:solidFill>
+                            <a:srgbClr val="FFFFFF"/>
+                          </a:solidFill>
+                        </a:uFill>
+                        <a:latin typeface="Calibri"/>
+                        <a:ea typeface="+mn-ea"/>
+                        <a:cs typeface="+mn-cs"/>
+                      </a:endParaRPr>
+                    </a:p>
+                  </a:txBody>
+                  <a:tcPr marL="169920" marR="169920">
+                    <a:lnL w="12240">
+                      <a:solidFill>
+                        <a:srgbClr val="000000"/>
+                      </a:solidFill>
+                    </a:lnL>
+                    <a:lnR w="12240">
+                      <a:solidFill>
+                        <a:srgbClr val="000000"/>
+                      </a:solidFill>
+                    </a:lnR>
+                    <a:lnT w="12240">
+                      <a:solidFill>
+                        <a:srgbClr val="000000"/>
+                      </a:solidFill>
+                    </a:lnT>
+                    <a:lnB w="12240">
+                      <a:solidFill>
+                        <a:srgbClr val="000000"/>
+                      </a:solidFill>
+                    </a:lnB>
+                    <a:noFill/>
+                  </a:tcPr>
+                </a:tc>
+                <a:tc>
+                  <a:txBody>
+                    <a:bodyPr/>
+                    <a:lstStyle/>
+                    <a:p>
+                      <a:pPr>
+                        <a:lnSpc>
+                          <a:spcPct val="100000"/>
+                        </a:lnSpc>
+                      </a:pPr>
+                      <a:r>
+                        <a:rPr lang="en-US" sz="3000" b="0" strike="noStrike" spc="-1" dirty="0">
+                          <a:solidFill>
+                            <a:srgbClr val="000000"/>
+                          </a:solidFill>
+                          <a:uFill>
+                            <a:solidFill>
+                              <a:srgbClr val="FFFFFF"/>
+                            </a:solidFill>
+                          </a:uFill>
+                          <a:latin typeface="Calibri"/>
+                          <a:ea typeface="Calibri"/>
+                        </a:rPr>
+                        <a:t>17%</a:t>
+                      </a:r>
+                      <a:endParaRPr lang="ru-RU" sz="1800" b="0" strike="noStrike" spc="-1" dirty="0">
+                        <a:solidFill>
+                          <a:srgbClr val="000000"/>
+                        </a:solidFill>
+                        <a:uFill>
+                          <a:solidFill>
+                            <a:srgbClr val="FFFFFF"/>
+                          </a:solidFill>
+                        </a:uFill>
+                        <a:latin typeface="Arial"/>
+                      </a:endParaRPr>
+                    </a:p>
+                  </a:txBody>
+                  <a:tcPr marL="169920" marR="169920">
+                    <a:lnL w="12240">
+                      <a:solidFill>
+                        <a:srgbClr val="000000"/>
+                      </a:solidFill>
+                    </a:lnL>
+                    <a:lnR w="12240">
+                      <a:solidFill>
+                        <a:srgbClr val="000000"/>
+                      </a:solidFill>
+                    </a:lnR>
+                    <a:lnT w="12240">
+                      <a:solidFill>
+                        <a:srgbClr val="000000"/>
+                      </a:solidFill>
+                    </a:lnT>
+                    <a:lnB w="12240">
+                      <a:solidFill>
+                        <a:srgbClr val="000000"/>
+                      </a:solidFill>
+                    </a:lnB>
+                    <a:noFill/>
+                  </a:tcPr>
+                </a:tc>
+                <a:extLst>
+                  <a:ext uri="{0D108BD9-81ED-4DB2-BD59-A6C34878D82A}">
+                    <a16:rowId xmlns:a16="http://schemas.microsoft.com/office/drawing/2014/main" val="10007"/>
+                  </a:ext>
+                </a:extLst>
+              </a:tr>
+              <a:tr h="483379">
+                <a:tc>
+                  <a:txBody>
+                    <a:bodyPr/>
+                    <a:lstStyle/>
+                    <a:p>
+                      <a:pPr>
+                        <a:lnSpc>
+                          <a:spcPct val="100000"/>
+                        </a:lnSpc>
+                      </a:pPr>
+                      <a:r>
+                        <a:rPr lang="ru-RU" sz="3000" b="0" strike="noStrike" spc="-1" dirty="0">
+                          <a:solidFill>
+                            <a:srgbClr val="000000"/>
+                          </a:solidFill>
+                          <a:uFill>
+                            <a:solidFill>
+                              <a:srgbClr val="FFFFFF"/>
+                            </a:solidFill>
+                          </a:uFill>
+                          <a:latin typeface="Calibri"/>
+                          <a:ea typeface="Calibri"/>
+                        </a:rPr>
+                        <a:t>90</a:t>
+                      </a:r>
+                      <a:endParaRPr lang="ru-RU" sz="1800" b="0" strike="noStrike" spc="-1" dirty="0">
+                        <a:solidFill>
+                          <a:srgbClr val="000000"/>
+                        </a:solidFill>
+                        <a:uFill>
+                          <a:solidFill>
+                            <a:srgbClr val="FFFFFF"/>
+                          </a:solidFill>
+                        </a:uFill>
+                        <a:latin typeface="Arial"/>
+                      </a:endParaRPr>
+                    </a:p>
+                  </a:txBody>
+                  <a:tcPr marL="169920" marR="169920">
+                    <a:lnL w="12240">
+                      <a:solidFill>
+                        <a:srgbClr val="000000"/>
+                      </a:solidFill>
+                    </a:lnL>
+                    <a:lnR w="12240">
+                      <a:solidFill>
+                        <a:srgbClr val="000000"/>
+                      </a:solidFill>
+                    </a:lnR>
+                    <a:lnT w="12240">
+                      <a:solidFill>
+                        <a:srgbClr val="000000"/>
+                      </a:solidFill>
+                    </a:lnT>
+                    <a:lnB w="12240">
+                      <a:solidFill>
+                        <a:srgbClr val="000000"/>
+                      </a:solidFill>
+                    </a:lnB>
+                    <a:noFill/>
+                  </a:tcPr>
+                </a:tc>
+                <a:tc>
+                  <a:txBody>
+                    <a:bodyPr/>
+                    <a:lstStyle/>
+                    <a:p>
+                      <a:pPr>
+                        <a:lnSpc>
+                          <a:spcPct val="100000"/>
+                        </a:lnSpc>
+                      </a:pPr>
+                      <a:r>
+                        <a:rPr lang="en-US" sz="3000" b="0" strike="noStrike" spc="-1" dirty="0">
+                          <a:solidFill>
+                            <a:srgbClr val="000000"/>
+                          </a:solidFill>
+                          <a:uFill>
+                            <a:solidFill>
+                              <a:srgbClr val="FFFFFF"/>
+                            </a:solidFill>
+                          </a:uFill>
+                          <a:latin typeface="Calibri"/>
+                          <a:ea typeface="Calibri"/>
+                        </a:rPr>
+                        <a:t>1%</a:t>
+                      </a:r>
+                      <a:endParaRPr lang="ru-RU" sz="1800" b="0" strike="noStrike" spc="-1" dirty="0">
+                        <a:solidFill>
+                          <a:srgbClr val="000000"/>
+                        </a:solidFill>
+                        <a:uFill>
+                          <a:solidFill>
+                            <a:srgbClr val="FFFFFF"/>
+                          </a:solidFill>
+                        </a:uFill>
+                        <a:latin typeface="Arial"/>
+                      </a:endParaRPr>
+                    </a:p>
+                  </a:txBody>
+                  <a:tcPr marL="169920" marR="169920">
+                    <a:lnL w="12240">
+                      <a:solidFill>
+                        <a:srgbClr val="000000"/>
+                      </a:solidFill>
+                    </a:lnL>
+                    <a:lnR w="12240">
+                      <a:solidFill>
+                        <a:srgbClr val="000000"/>
+                      </a:solidFill>
+                    </a:lnR>
+                    <a:lnT w="12240">
+                      <a:solidFill>
+                        <a:srgbClr val="000000"/>
+                      </a:solidFill>
+                    </a:lnT>
+                    <a:lnB w="12240">
+                      <a:solidFill>
+                        <a:srgbClr val="000000"/>
+                      </a:solidFill>
+                    </a:lnB>
+                    <a:noFill/>
+                  </a:tcPr>
+                </a:tc>
+                <a:tc>
+                  <a:txBody>
+                    <a:bodyPr/>
+                    <a:lstStyle/>
+                    <a:p>
+                      <a:pPr>
+                        <a:lnSpc>
+                          <a:spcPct val="100000"/>
+                        </a:lnSpc>
+                      </a:pPr>
+                      <a:r>
+                        <a:rPr lang="en-US" sz="3000" b="0" strike="noStrike" spc="-1" dirty="0">
+                          <a:solidFill>
+                            <a:srgbClr val="000000"/>
+                          </a:solidFill>
+                          <a:uFill>
+                            <a:solidFill>
+                              <a:srgbClr val="FFFFFF"/>
+                            </a:solidFill>
+                          </a:uFill>
+                          <a:latin typeface="Calibri"/>
+                          <a:ea typeface="Calibri"/>
+                        </a:rPr>
+                        <a:t>57%</a:t>
+                      </a:r>
+                      <a:endParaRPr lang="ru-RU" sz="1800" b="0" strike="noStrike" spc="-1" dirty="0">
+                        <a:solidFill>
+                          <a:srgbClr val="000000"/>
+                        </a:solidFill>
+                        <a:uFill>
+                          <a:solidFill>
+                            <a:srgbClr val="FFFFFF"/>
+                          </a:solidFill>
+                        </a:uFill>
+                        <a:latin typeface="Arial"/>
+                      </a:endParaRPr>
+                    </a:p>
+                  </a:txBody>
+                  <a:tcPr marL="169920" marR="169920">
+                    <a:lnL w="12240">
+                      <a:solidFill>
+                        <a:srgbClr val="000000"/>
+                      </a:solidFill>
+                    </a:lnL>
+                    <a:lnR w="12240">
+                      <a:solidFill>
+                        <a:srgbClr val="000000"/>
+                      </a:solidFill>
+                    </a:lnR>
+                    <a:lnT w="12240">
+                      <a:solidFill>
+                        <a:srgbClr val="000000"/>
+                      </a:solidFill>
+                    </a:lnT>
+                    <a:lnB w="12240">
+                      <a:solidFill>
+                        <a:srgbClr val="000000"/>
+                      </a:solidFill>
+                    </a:lnB>
+                    <a:noFill/>
+                  </a:tcPr>
+                </a:tc>
+                <a:extLst>
+                  <a:ext uri="{0D108BD9-81ED-4DB2-BD59-A6C34878D82A}">
+                    <a16:rowId xmlns:a16="http://schemas.microsoft.com/office/drawing/2014/main" val="10008"/>
+                  </a:ext>
+                </a:extLst>
+              </a:tr>
+              <a:tr h="483379">
+                <a:tc>
+                  <a:txBody>
+                    <a:bodyPr/>
+                    <a:lstStyle/>
+                    <a:p>
+                      <a:pPr>
+                        <a:lnSpc>
+                          <a:spcPct val="100000"/>
+                        </a:lnSpc>
+                      </a:pPr>
+                      <a:r>
+                        <a:rPr lang="ru-RU" sz="3000" b="0" strike="noStrike" spc="-1" dirty="0">
+                          <a:solidFill>
+                            <a:srgbClr val="000000"/>
+                          </a:solidFill>
+                          <a:uFill>
+                            <a:solidFill>
+                              <a:srgbClr val="FFFFFF"/>
+                            </a:solidFill>
+                          </a:uFill>
+                          <a:latin typeface="Calibri"/>
+                          <a:ea typeface="Calibri"/>
+                        </a:rPr>
+                        <a:t>95</a:t>
+                      </a:r>
+                      <a:endParaRPr lang="ru-RU" sz="1800" b="0" strike="noStrike" spc="-1" dirty="0">
+                        <a:solidFill>
+                          <a:srgbClr val="000000"/>
+                        </a:solidFill>
+                        <a:uFill>
+                          <a:solidFill>
+                            <a:srgbClr val="FFFFFF"/>
+                          </a:solidFill>
+                        </a:uFill>
+                        <a:latin typeface="Arial"/>
+                      </a:endParaRPr>
+                    </a:p>
+                  </a:txBody>
+                  <a:tcPr marL="169920" marR="169920">
+                    <a:lnL w="12240">
+                      <a:solidFill>
+                        <a:srgbClr val="000000"/>
+                      </a:solidFill>
+                    </a:lnL>
+                    <a:lnR w="12240">
+                      <a:solidFill>
+                        <a:srgbClr val="000000"/>
+                      </a:solidFill>
+                    </a:lnR>
+                    <a:lnT w="12240">
+                      <a:solidFill>
+                        <a:srgbClr val="000000"/>
+                      </a:solidFill>
+                    </a:lnT>
+                    <a:lnB w="12240">
+                      <a:solidFill>
+                        <a:srgbClr val="000000"/>
+                      </a:solidFill>
+                    </a:lnB>
+                    <a:noFill/>
+                  </a:tcPr>
+                </a:tc>
+                <a:tc>
+                  <a:txBody>
+                    <a:bodyPr/>
+                    <a:lstStyle/>
+                    <a:p>
+                      <a:pPr marL="0" algn="l" defTabSz="914400" rtl="0" eaLnBrk="1" latinLnBrk="0" hangingPunct="1">
+                        <a:lnSpc>
+                          <a:spcPct val="100000"/>
+                        </a:lnSpc>
+                      </a:pPr>
+                      <a:r>
+                        <a:rPr lang="en-US" sz="3000" b="0" strike="noStrike" kern="1200" spc="-1" dirty="0">
+                          <a:solidFill>
+                            <a:srgbClr val="000000"/>
+                          </a:solidFill>
+                          <a:uFill>
+                            <a:solidFill>
+                              <a:srgbClr val="FFFFFF"/>
+                            </a:solidFill>
+                          </a:uFill>
+                          <a:latin typeface="Calibri"/>
+                          <a:cs typeface="+mn-cs"/>
+                        </a:rPr>
+                        <a:t>0%</a:t>
+                      </a:r>
+                      <a:endParaRPr lang="ru-RU" sz="3000" b="0" strike="noStrike" kern="1200" spc="-1" dirty="0">
+                        <a:solidFill>
+                          <a:srgbClr val="000000"/>
+                        </a:solidFill>
+                        <a:uFill>
+                          <a:solidFill>
+                            <a:srgbClr val="FFFFFF"/>
+                          </a:solidFill>
+                        </a:uFill>
+                        <a:latin typeface="Calibri"/>
+                        <a:cs typeface="+mn-cs"/>
+                      </a:endParaRPr>
+                    </a:p>
+                  </a:txBody>
+                  <a:tcPr marL="169920" marR="169920">
+                    <a:lnL w="12240">
+                      <a:solidFill>
+                        <a:srgbClr val="000000"/>
+                      </a:solidFill>
+                    </a:lnL>
+                    <a:lnR w="12240">
+                      <a:solidFill>
+                        <a:srgbClr val="000000"/>
+                      </a:solidFill>
+                    </a:lnR>
+                    <a:lnT w="12240">
+                      <a:solidFill>
+                        <a:srgbClr val="000000"/>
+                      </a:solidFill>
+                    </a:lnT>
+                    <a:lnB w="12240">
+                      <a:solidFill>
+                        <a:srgbClr val="000000"/>
+                      </a:solidFill>
+                    </a:lnB>
+                    <a:noFill/>
+                  </a:tcPr>
+                </a:tc>
+                <a:tc>
+                  <a:txBody>
+                    <a:bodyPr/>
+                    <a:lstStyle/>
+                    <a:p>
+                      <a:pPr>
+                        <a:lnSpc>
+                          <a:spcPct val="100000"/>
+                        </a:lnSpc>
+                      </a:pPr>
+                      <a:r>
+                        <a:rPr lang="en-US" sz="3000" b="0" strike="noStrike" spc="-1" dirty="0">
+                          <a:solidFill>
+                            <a:srgbClr val="000000"/>
+                          </a:solidFill>
+                          <a:uFill>
+                            <a:solidFill>
+                              <a:srgbClr val="FFFFFF"/>
+                            </a:solidFill>
+                          </a:uFill>
+                          <a:latin typeface="Calibri"/>
+                          <a:ea typeface="Calibri"/>
+                        </a:rPr>
+                        <a:t>93%</a:t>
+                      </a:r>
+                      <a:endParaRPr lang="ru-RU" sz="1800" b="0" strike="noStrike" spc="-1" dirty="0">
+                        <a:solidFill>
+                          <a:srgbClr val="000000"/>
+                        </a:solidFill>
+                        <a:uFill>
+                          <a:solidFill>
+                            <a:srgbClr val="FFFFFF"/>
+                          </a:solidFill>
+                        </a:uFill>
+                        <a:latin typeface="Arial"/>
+                      </a:endParaRPr>
+                    </a:p>
+                  </a:txBody>
+                  <a:tcPr marL="169920" marR="169920">
+                    <a:lnL w="12240">
+                      <a:solidFill>
+                        <a:srgbClr val="000000"/>
+                      </a:solidFill>
+                    </a:lnL>
+                    <a:lnR w="12240">
+                      <a:solidFill>
+                        <a:srgbClr val="000000"/>
+                      </a:solidFill>
+                    </a:lnR>
+                    <a:lnT w="12240">
+                      <a:solidFill>
+                        <a:srgbClr val="000000"/>
+                      </a:solidFill>
+                    </a:lnT>
+                    <a:lnB w="12240">
+                      <a:solidFill>
+                        <a:srgbClr val="000000"/>
+                      </a:solidFill>
+                    </a:lnB>
+                    <a:noFill/>
+                  </a:tcPr>
+                </a:tc>
+                <a:extLst>
+                  <a:ext uri="{0D108BD9-81ED-4DB2-BD59-A6C34878D82A}">
+                    <a16:rowId xmlns:a16="http://schemas.microsoft.com/office/drawing/2014/main" val="10009"/>
+                  </a:ext>
+                </a:extLst>
+              </a:tr>
+              <a:tr h="483379">
+                <a:tc>
+                  <a:txBody>
+                    <a:bodyPr/>
+                    <a:lstStyle/>
+                    <a:p>
+                      <a:pPr>
+                        <a:lnSpc>
+                          <a:spcPct val="100000"/>
+                        </a:lnSpc>
+                      </a:pPr>
+                      <a:r>
+                        <a:rPr lang="ru-RU" sz="3000" b="0" strike="noStrike" spc="-1" dirty="0">
+                          <a:solidFill>
+                            <a:srgbClr val="000000"/>
+                          </a:solidFill>
+                          <a:uFill>
+                            <a:solidFill>
+                              <a:srgbClr val="FFFFFF"/>
+                            </a:solidFill>
+                          </a:uFill>
+                          <a:latin typeface="Calibri"/>
+                          <a:ea typeface="Calibri"/>
+                        </a:rPr>
+                        <a:t>100 </a:t>
+                      </a:r>
+                      <a:endParaRPr lang="ru-RU" sz="1800" b="0" strike="noStrike" spc="-1" dirty="0">
+                        <a:solidFill>
+                          <a:srgbClr val="000000"/>
+                        </a:solidFill>
+                        <a:uFill>
+                          <a:solidFill>
+                            <a:srgbClr val="FFFFFF"/>
+                          </a:solidFill>
+                        </a:uFill>
+                        <a:latin typeface="Arial"/>
+                      </a:endParaRPr>
+                    </a:p>
+                  </a:txBody>
+                  <a:tcPr marL="169920" marR="169920">
+                    <a:lnL w="12240">
+                      <a:solidFill>
+                        <a:srgbClr val="000000"/>
+                      </a:solidFill>
+                    </a:lnL>
+                    <a:lnR w="12240">
+                      <a:solidFill>
+                        <a:srgbClr val="000000"/>
+                      </a:solidFill>
+                    </a:lnR>
+                    <a:lnT w="12240">
+                      <a:solidFill>
+                        <a:srgbClr val="000000"/>
+                      </a:solidFill>
+                    </a:lnT>
+                    <a:lnB w="12240">
+                      <a:solidFill>
+                        <a:srgbClr val="000000"/>
+                      </a:solidFill>
+                    </a:lnB>
+                    <a:noFill/>
+                  </a:tcPr>
+                </a:tc>
+                <a:tc>
+                  <a:txBody>
+                    <a:bodyPr/>
+                    <a:lstStyle/>
+                    <a:p>
+                      <a:pPr marL="0" algn="l" defTabSz="914400" rtl="0" eaLnBrk="1" latinLnBrk="0" hangingPunct="1">
+                        <a:lnSpc>
+                          <a:spcPct val="100000"/>
+                        </a:lnSpc>
+                      </a:pPr>
+                      <a:r>
+                        <a:rPr lang="en-US" sz="3000" b="0" strike="noStrike" kern="1200" spc="-1" dirty="0">
+                          <a:solidFill>
+                            <a:srgbClr val="000000"/>
+                          </a:solidFill>
+                          <a:uFill>
+                            <a:solidFill>
+                              <a:srgbClr val="FFFFFF"/>
+                            </a:solidFill>
+                          </a:uFill>
+                          <a:latin typeface="Calibri"/>
+                          <a:ea typeface="+mn-ea"/>
+                          <a:cs typeface="+mn-cs"/>
+                        </a:rPr>
+                        <a:t>0%</a:t>
+                      </a:r>
+                      <a:endParaRPr lang="ru-RU" sz="3000" b="0" strike="noStrike" kern="1200" spc="-1" dirty="0">
+                        <a:solidFill>
+                          <a:srgbClr val="000000"/>
+                        </a:solidFill>
+                        <a:uFill>
+                          <a:solidFill>
+                            <a:srgbClr val="FFFFFF"/>
+                          </a:solidFill>
+                        </a:uFill>
+                        <a:latin typeface="Calibri"/>
+                        <a:ea typeface="+mn-ea"/>
+                        <a:cs typeface="+mn-cs"/>
+                      </a:endParaRPr>
+                    </a:p>
+                  </a:txBody>
+                  <a:tcPr marL="169920" marR="169920">
+                    <a:lnL w="12240">
+                      <a:solidFill>
+                        <a:srgbClr val="000000"/>
+                      </a:solidFill>
+                    </a:lnL>
+                    <a:lnR w="12240">
+                      <a:solidFill>
+                        <a:srgbClr val="000000"/>
+                      </a:solidFill>
+                    </a:lnR>
+                    <a:lnT w="12240">
+                      <a:solidFill>
+                        <a:srgbClr val="000000"/>
+                      </a:solidFill>
+                    </a:lnT>
+                    <a:lnB w="12240">
+                      <a:solidFill>
+                        <a:srgbClr val="000000"/>
+                      </a:solidFill>
+                    </a:lnB>
+                    <a:noFill/>
+                  </a:tcPr>
+                </a:tc>
+                <a:tc>
+                  <a:txBody>
+                    <a:bodyPr/>
+                    <a:lstStyle/>
+                    <a:p>
+                      <a:pPr>
+                        <a:lnSpc>
+                          <a:spcPct val="100000"/>
+                        </a:lnSpc>
+                      </a:pPr>
+                      <a:r>
+                        <a:rPr lang="en-US" sz="3000" b="0" strike="noStrike" spc="-1" dirty="0">
+                          <a:solidFill>
+                            <a:srgbClr val="000000"/>
+                          </a:solidFill>
+                          <a:uFill>
+                            <a:solidFill>
+                              <a:srgbClr val="FFFFFF"/>
+                            </a:solidFill>
+                          </a:uFill>
+                          <a:latin typeface="Calibri"/>
+                          <a:ea typeface="Calibri"/>
+                        </a:rPr>
+                        <a:t>100%</a:t>
+                      </a:r>
+                      <a:endParaRPr lang="ru-RU" sz="1800" b="0" strike="noStrike" spc="-1" dirty="0">
+                        <a:solidFill>
+                          <a:srgbClr val="000000"/>
+                        </a:solidFill>
+                        <a:uFill>
+                          <a:solidFill>
+                            <a:srgbClr val="FFFFFF"/>
+                          </a:solidFill>
+                        </a:uFill>
+                        <a:latin typeface="Arial"/>
+                      </a:endParaRPr>
+                    </a:p>
+                  </a:txBody>
+                  <a:tcPr marL="169920" marR="169920">
+                    <a:lnL w="12240">
+                      <a:solidFill>
+                        <a:srgbClr val="000000"/>
+                      </a:solidFill>
+                    </a:lnL>
+                    <a:lnR w="12240">
+                      <a:solidFill>
+                        <a:srgbClr val="000000"/>
+                      </a:solidFill>
+                    </a:lnR>
+                    <a:lnT w="12240">
+                      <a:solidFill>
+                        <a:srgbClr val="000000"/>
+                      </a:solidFill>
+                    </a:lnT>
+                    <a:lnB w="12240">
+                      <a:solidFill>
+                        <a:srgbClr val="000000"/>
+                      </a:solidFill>
+                    </a:lnB>
+                    <a:noFill/>
+                  </a:tcPr>
+                </a:tc>
+                <a:extLst>
+                  <a:ext uri="{0D108BD9-81ED-4DB2-BD59-A6C34878D82A}">
+                    <a16:rowId xmlns:a16="http://schemas.microsoft.com/office/drawing/2014/main" val="10010"/>
+                  </a:ext>
+                </a:extLst>
+              </a:tr>
+            </a:tbl>
+          </a:graphicData>
+        </a:graphic>
+      </p:graphicFrame>
+      <p:graphicFrame>
+        <p:nvGraphicFramePr>
+          <p:cNvPr id="9" name="Table 1">
+            <a:extLst>
+              <a:ext uri="{FF2B5EF4-FFF2-40B4-BE49-F238E27FC236}">
+                <a16:creationId xmlns:a16="http://schemas.microsoft.com/office/drawing/2014/main" id="{9ACA2FB9-F0F9-8146-8A87-D0FAAAFFF6E7}"/>
+              </a:ext>
+            </a:extLst>
+          </p:cNvPr>
+          <p:cNvGraphicFramePr/>
+          <p:nvPr>
+            <p:extLst>
+              <p:ext uri="{D42A27DB-BD31-4B8C-83A1-F6EECF244321}">
+                <p14:modId xmlns:p14="http://schemas.microsoft.com/office/powerpoint/2010/main" val="4265791727"/>
+              </p:ext>
+            </p:extLst>
+          </p:nvPr>
+        </p:nvGraphicFramePr>
+        <p:xfrm>
+          <a:off x="1772820" y="10477936"/>
+          <a:ext cx="26285580" cy="9326880"/>
+        </p:xfrm>
+        <a:graphic>
+          <a:graphicData uri="http://schemas.openxmlformats.org/drawingml/2006/table">
+            <a:tbl>
+              <a:tblPr/>
+              <a:tblGrid>
+                <a:gridCol w="13142518">
+                  <a:extLst>
+                    <a:ext uri="{9D8B030D-6E8A-4147-A177-3AD203B41FA5}">
+                      <a16:colId xmlns:a16="http://schemas.microsoft.com/office/drawing/2014/main" val="20001"/>
+                    </a:ext>
+                  </a:extLst>
+                </a:gridCol>
+                <a:gridCol w="13143062">
+                  <a:extLst>
+                    <a:ext uri="{9D8B030D-6E8A-4147-A177-3AD203B41FA5}">
+                      <a16:colId xmlns:a16="http://schemas.microsoft.com/office/drawing/2014/main" val="20002"/>
+                    </a:ext>
+                  </a:extLst>
+                </a:gridCol>
+              </a:tblGrid>
+              <a:tr h="481829">
+                <a:tc>
+                  <a:txBody>
+                    <a:bodyPr/>
+                    <a:lstStyle/>
+                    <a:p>
+                      <a:pPr>
+                        <a:lnSpc>
+                          <a:spcPct val="100000"/>
+                        </a:lnSpc>
+                      </a:pPr>
+                      <a:r>
+                        <a:rPr lang="ru-RU" sz="3000" b="0" strike="noStrike" spc="-1">
+                          <a:solidFill>
+                            <a:srgbClr val="000000"/>
+                          </a:solidFill>
+                          <a:uFill>
+                            <a:solidFill>
+                              <a:srgbClr val="FFFFFF"/>
+                            </a:solidFill>
+                          </a:uFill>
+                          <a:latin typeface="Calibri"/>
+                          <a:ea typeface="Calibri"/>
+                        </a:rPr>
+                        <a:t>Название признака</a:t>
+                      </a:r>
+                      <a:endParaRPr lang="ru-RU" sz="1800" b="0" strike="noStrike" spc="-1">
+                        <a:solidFill>
+                          <a:srgbClr val="000000"/>
+                        </a:solidFill>
+                        <a:uFill>
+                          <a:solidFill>
+                            <a:srgbClr val="FFFFFF"/>
+                          </a:solidFill>
+                        </a:uFill>
+                        <a:latin typeface="Arial"/>
+                      </a:endParaRPr>
+                    </a:p>
+                  </a:txBody>
+                  <a:tcPr marL="169920" marR="169920">
+                    <a:lnL w="12240">
+                      <a:solidFill>
+                        <a:srgbClr val="000000"/>
+                      </a:solidFill>
+                    </a:lnL>
+                    <a:lnR w="12240">
+                      <a:solidFill>
+                        <a:srgbClr val="000000"/>
+                      </a:solidFill>
+                    </a:lnR>
+                    <a:lnT w="12240">
+                      <a:solidFill>
+                        <a:srgbClr val="000000"/>
+                      </a:solidFill>
+                    </a:lnT>
+                    <a:lnB w="12240" cap="flat" cmpd="sng" algn="ctr">
+                      <a:solidFill>
+                        <a:srgbClr val="000000"/>
+                      </a:solidFill>
+                      <a:prstDash val="solid"/>
+                      <a:round/>
+                      <a:headEnd type="none" w="med" len="med"/>
+                      <a:tailEnd type="none" w="med" len="med"/>
+                    </a:lnB>
+                    <a:noFill/>
+                  </a:tcPr>
+                </a:tc>
+                <a:tc>
+                  <a:txBody>
+                    <a:bodyPr/>
+                    <a:lstStyle/>
+                    <a:p>
+                      <a:pPr>
+                        <a:lnSpc>
+                          <a:spcPct val="100000"/>
+                        </a:lnSpc>
+                      </a:pPr>
+                      <a:r>
+                        <a:rPr lang="ru-RU" sz="3000" b="0" strike="noStrike" spc="-1">
+                          <a:solidFill>
+                            <a:srgbClr val="000000"/>
+                          </a:solidFill>
+                          <a:uFill>
+                            <a:solidFill>
+                              <a:srgbClr val="FFFFFF"/>
+                            </a:solidFill>
+                          </a:uFill>
+                          <a:latin typeface="Calibri"/>
+                          <a:ea typeface="Calibri"/>
+                        </a:rPr>
+                        <a:t>Отклонение от обучающей выборки</a:t>
+                      </a:r>
+                      <a:endParaRPr lang="ru-RU" sz="1800" b="0" strike="noStrike" spc="-1">
+                        <a:solidFill>
+                          <a:srgbClr val="000000"/>
+                        </a:solidFill>
+                        <a:uFill>
+                          <a:solidFill>
+                            <a:srgbClr val="FFFFFF"/>
+                          </a:solidFill>
+                        </a:uFill>
+                        <a:latin typeface="Arial"/>
+                      </a:endParaRPr>
+                    </a:p>
+                  </a:txBody>
+                  <a:tcPr marL="169920" marR="169920">
+                    <a:lnL w="12240">
+                      <a:solidFill>
+                        <a:srgbClr val="000000"/>
+                      </a:solidFill>
+                    </a:lnL>
+                    <a:lnR w="12240">
+                      <a:solidFill>
+                        <a:srgbClr val="000000"/>
+                      </a:solidFill>
+                    </a:lnR>
+                    <a:lnT w="12240">
+                      <a:solidFill>
+                        <a:srgbClr val="000000"/>
+                      </a:solidFill>
+                    </a:lnT>
+                    <a:lnB w="12240">
+                      <a:solidFill>
+                        <a:srgbClr val="000000"/>
+                      </a:solidFill>
+                    </a:lnB>
+                    <a:noFill/>
+                  </a:tcPr>
+                </a:tc>
+                <a:extLst>
+                  <a:ext uri="{0D108BD9-81ED-4DB2-BD59-A6C34878D82A}">
+                    <a16:rowId xmlns:a16="http://schemas.microsoft.com/office/drawing/2014/main" val="10000"/>
+                  </a:ext>
+                </a:extLst>
+              </a:tr>
+              <a:tr h="481829">
+                <a:tc>
+                  <a:txBody>
+                    <a:bodyPr/>
+                    <a:lstStyle/>
+                    <a:p>
+                      <a:pPr>
+                        <a:lnSpc>
+                          <a:spcPct val="100000"/>
+                        </a:lnSpc>
+                      </a:pPr>
+                      <a:r>
+                        <a:rPr lang="ru-RU" sz="3000" b="0" strike="noStrike" spc="-1" dirty="0">
+                          <a:solidFill>
+                            <a:srgbClr val="000000"/>
+                          </a:solidFill>
+                          <a:uFill>
+                            <a:solidFill>
+                              <a:srgbClr val="FFFFFF"/>
+                            </a:solidFill>
+                          </a:uFill>
+                          <a:latin typeface="Calibri"/>
+                          <a:ea typeface="Calibri"/>
+                        </a:rPr>
+                        <a:t>наклон символов</a:t>
+                      </a:r>
+                      <a:endParaRPr lang="ru-RU" sz="1800" b="0" strike="noStrike" spc="-1" dirty="0">
+                        <a:solidFill>
+                          <a:srgbClr val="000000"/>
+                        </a:solidFill>
+                        <a:uFill>
+                          <a:solidFill>
+                            <a:srgbClr val="FFFFFF"/>
+                          </a:solidFill>
+                        </a:uFill>
+                        <a:latin typeface="Arial"/>
+                      </a:endParaRPr>
+                    </a:p>
+                  </a:txBody>
+                  <a:tcPr marL="169920" marR="169920">
+                    <a:lnL w="12240">
+                      <a:solidFill>
+                        <a:srgbClr val="000000"/>
+                      </a:solidFill>
+                    </a:lnL>
+                    <a:lnR w="12240" cap="flat" cmpd="sng" algn="ctr">
+                      <a:solidFill>
+                        <a:srgbClr val="000000"/>
+                      </a:solidFill>
+                      <a:prstDash val="solid"/>
+                      <a:round/>
+                      <a:headEnd type="none" w="med" len="med"/>
+                      <a:tailEnd type="none" w="med" len="med"/>
+                    </a:lnR>
+                    <a:lnT w="12240" cap="flat" cmpd="sng" algn="ctr">
+                      <a:solidFill>
+                        <a:srgbClr val="000000"/>
+                      </a:solidFill>
+                      <a:prstDash val="solid"/>
+                      <a:round/>
+                      <a:headEnd type="none" w="med" len="med"/>
+                      <a:tailEnd type="none" w="med" len="med"/>
+                    </a:lnT>
+                    <a:lnB w="12240" cap="flat" cmpd="sng" algn="ctr">
+                      <a:solidFill>
+                        <a:srgbClr val="000000"/>
+                      </a:solidFill>
+                      <a:prstDash val="solid"/>
+                      <a:round/>
+                      <a:headEnd type="none" w="med" len="med"/>
+                      <a:tailEnd type="none" w="med" len="med"/>
+                    </a:lnB>
+                    <a:noFill/>
+                  </a:tcPr>
+                </a:tc>
+                <a:tc>
+                  <a:txBody>
+                    <a:bodyPr/>
+                    <a:lstStyle/>
+                    <a:p>
+                      <a:pPr>
+                        <a:lnSpc>
+                          <a:spcPct val="100000"/>
+                        </a:lnSpc>
+                      </a:pPr>
+                      <a:r>
+                        <a:rPr lang="ru-RU" sz="3000" b="0" strike="noStrike" spc="-1" dirty="0">
+                          <a:solidFill>
+                            <a:srgbClr val="000000"/>
+                          </a:solidFill>
+                          <a:uFill>
+                            <a:solidFill>
+                              <a:srgbClr val="FFFFFF"/>
+                            </a:solidFill>
+                          </a:uFill>
+                          <a:latin typeface="Calibri"/>
+                          <a:ea typeface="Calibri"/>
+                        </a:rPr>
+                        <a:t>10%</a:t>
+                      </a:r>
+                      <a:endParaRPr lang="ru-RU" sz="1800" b="0" strike="noStrike" spc="-1" dirty="0">
+                        <a:solidFill>
+                          <a:srgbClr val="000000"/>
+                        </a:solidFill>
+                        <a:uFill>
+                          <a:solidFill>
+                            <a:srgbClr val="FFFFFF"/>
+                          </a:solidFill>
+                        </a:uFill>
+                        <a:latin typeface="Arial"/>
+                      </a:endParaRPr>
+                    </a:p>
+                  </a:txBody>
+                  <a:tcPr marL="169920" marR="169920">
+                    <a:lnL w="12240" cap="flat" cmpd="sng" algn="ctr">
+                      <a:solidFill>
+                        <a:srgbClr val="000000"/>
+                      </a:solidFill>
+                      <a:prstDash val="solid"/>
+                      <a:round/>
+                      <a:headEnd type="none" w="med" len="med"/>
+                      <a:tailEnd type="none" w="med" len="med"/>
+                    </a:lnL>
+                    <a:lnR w="12240">
+                      <a:solidFill>
+                        <a:srgbClr val="000000"/>
+                      </a:solidFill>
+                    </a:lnR>
+                    <a:lnT w="12240" cap="flat" cmpd="sng" algn="ctr">
+                      <a:solidFill>
+                        <a:srgbClr val="000000"/>
+                      </a:solidFill>
+                      <a:prstDash val="solid"/>
+                      <a:round/>
+                      <a:headEnd type="none" w="med" len="med"/>
+                      <a:tailEnd type="none" w="med" len="med"/>
+                    </a:lnT>
+                    <a:lnB w="12240">
+                      <a:solidFill>
+                        <a:srgbClr val="000000"/>
+                      </a:solidFill>
+                    </a:lnB>
+                    <a:noFill/>
+                  </a:tcPr>
+                </a:tc>
+                <a:extLst>
+                  <a:ext uri="{0D108BD9-81ED-4DB2-BD59-A6C34878D82A}">
+                    <a16:rowId xmlns:a16="http://schemas.microsoft.com/office/drawing/2014/main" val="10002"/>
+                  </a:ext>
+                </a:extLst>
+              </a:tr>
+              <a:tr h="481829">
+                <a:tc>
+                  <a:txBody>
+                    <a:bodyPr/>
+                    <a:lstStyle/>
+                    <a:p>
+                      <a:pPr>
+                        <a:lnSpc>
+                          <a:spcPct val="100000"/>
+                        </a:lnSpc>
+                      </a:pPr>
+                      <a:r>
+                        <a:rPr lang="ru-RU" sz="3000" b="0" strike="noStrike" spc="-1">
+                          <a:solidFill>
+                            <a:srgbClr val="000000"/>
+                          </a:solidFill>
+                          <a:uFill>
+                            <a:solidFill>
+                              <a:srgbClr val="FFFFFF"/>
+                            </a:solidFill>
+                          </a:uFill>
+                          <a:latin typeface="Calibri"/>
+                          <a:ea typeface="Calibri"/>
+                        </a:rPr>
+                        <a:t>наклон строк</a:t>
+                      </a:r>
+                      <a:endParaRPr lang="ru-RU" sz="1800" b="0" strike="noStrike" spc="-1">
+                        <a:solidFill>
+                          <a:srgbClr val="000000"/>
+                        </a:solidFill>
+                        <a:uFill>
+                          <a:solidFill>
+                            <a:srgbClr val="FFFFFF"/>
+                          </a:solidFill>
+                        </a:uFill>
+                        <a:latin typeface="Arial"/>
+                      </a:endParaRPr>
+                    </a:p>
+                  </a:txBody>
+                  <a:tcPr marL="169920" marR="169920">
+                    <a:lnL w="12240">
+                      <a:solidFill>
+                        <a:srgbClr val="000000"/>
+                      </a:solidFill>
+                    </a:lnL>
+                    <a:lnR w="12240">
+                      <a:solidFill>
+                        <a:srgbClr val="000000"/>
+                      </a:solidFill>
+                    </a:lnR>
+                    <a:lnT w="12240" cap="flat" cmpd="sng" algn="ctr">
+                      <a:solidFill>
+                        <a:srgbClr val="000000"/>
+                      </a:solidFill>
+                      <a:prstDash val="solid"/>
+                      <a:round/>
+                      <a:headEnd type="none" w="med" len="med"/>
+                      <a:tailEnd type="none" w="med" len="med"/>
+                    </a:lnT>
+                    <a:lnB w="12240" cap="flat" cmpd="sng" algn="ctr">
+                      <a:solidFill>
+                        <a:srgbClr val="000000"/>
+                      </a:solidFill>
+                      <a:prstDash val="solid"/>
+                      <a:round/>
+                      <a:headEnd type="none" w="med" len="med"/>
+                      <a:tailEnd type="none" w="med" len="med"/>
+                    </a:lnB>
+                    <a:noFill/>
+                  </a:tcPr>
+                </a:tc>
+                <a:tc>
+                  <a:txBody>
+                    <a:bodyPr/>
+                    <a:lstStyle/>
+                    <a:p>
+                      <a:pPr>
+                        <a:lnSpc>
+                          <a:spcPct val="100000"/>
+                        </a:lnSpc>
+                      </a:pPr>
+                      <a:r>
+                        <a:rPr lang="ru-RU" sz="3000" b="0" strike="noStrike" spc="-1" dirty="0">
+                          <a:solidFill>
+                            <a:srgbClr val="000000"/>
+                          </a:solidFill>
+                          <a:uFill>
+                            <a:solidFill>
+                              <a:srgbClr val="FFFFFF"/>
+                            </a:solidFill>
+                          </a:uFill>
+                          <a:latin typeface="Calibri"/>
+                          <a:ea typeface="Calibri"/>
+                        </a:rPr>
+                        <a:t>6%</a:t>
+                      </a:r>
+                      <a:endParaRPr lang="ru-RU" sz="1800" b="0" strike="noStrike" spc="-1" dirty="0">
+                        <a:solidFill>
+                          <a:srgbClr val="000000"/>
+                        </a:solidFill>
+                        <a:uFill>
+                          <a:solidFill>
+                            <a:srgbClr val="FFFFFF"/>
+                          </a:solidFill>
+                        </a:uFill>
+                        <a:latin typeface="Arial"/>
+                      </a:endParaRPr>
+                    </a:p>
+                  </a:txBody>
+                  <a:tcPr marL="169920" marR="169920">
+                    <a:lnL w="12240">
+                      <a:solidFill>
+                        <a:srgbClr val="000000"/>
+                      </a:solidFill>
+                    </a:lnL>
+                    <a:lnR w="12240">
+                      <a:solidFill>
+                        <a:srgbClr val="000000"/>
+                      </a:solidFill>
+                    </a:lnR>
+                    <a:lnT w="12240">
+                      <a:solidFill>
+                        <a:srgbClr val="000000"/>
+                      </a:solidFill>
+                    </a:lnT>
+                    <a:lnB w="12240">
+                      <a:solidFill>
+                        <a:srgbClr val="000000"/>
+                      </a:solidFill>
+                    </a:lnB>
+                    <a:noFill/>
+                  </a:tcPr>
+                </a:tc>
+                <a:extLst>
+                  <a:ext uri="{0D108BD9-81ED-4DB2-BD59-A6C34878D82A}">
+                    <a16:rowId xmlns:a16="http://schemas.microsoft.com/office/drawing/2014/main" val="10003"/>
+                  </a:ext>
+                </a:extLst>
+              </a:tr>
+              <a:tr h="481829">
+                <a:tc>
+                  <a:txBody>
+                    <a:bodyPr/>
+                    <a:lstStyle/>
+                    <a:p>
+                      <a:pPr>
+                        <a:lnSpc>
+                          <a:spcPct val="100000"/>
+                        </a:lnSpc>
+                      </a:pPr>
+                      <a:r>
+                        <a:rPr lang="ru-RU" sz="3000" b="0" strike="noStrike" spc="-1">
+                          <a:solidFill>
+                            <a:srgbClr val="000000"/>
+                          </a:solidFill>
+                          <a:uFill>
+                            <a:solidFill>
+                              <a:srgbClr val="FFFFFF"/>
+                            </a:solidFill>
+                          </a:uFill>
+                          <a:latin typeface="Calibri"/>
+                          <a:ea typeface="Calibri"/>
+                        </a:rPr>
+                        <a:t>интервал между символами</a:t>
+                      </a:r>
+                      <a:endParaRPr lang="ru-RU" sz="1800" b="0" strike="noStrike" spc="-1">
+                        <a:solidFill>
+                          <a:srgbClr val="000000"/>
+                        </a:solidFill>
+                        <a:uFill>
+                          <a:solidFill>
+                            <a:srgbClr val="FFFFFF"/>
+                          </a:solidFill>
+                        </a:uFill>
+                        <a:latin typeface="Arial"/>
+                      </a:endParaRPr>
+                    </a:p>
+                  </a:txBody>
+                  <a:tcPr marL="169920" marR="169920">
+                    <a:lnL w="12240">
+                      <a:solidFill>
+                        <a:srgbClr val="000000"/>
+                      </a:solidFill>
+                    </a:lnL>
+                    <a:lnR w="12240" cap="flat" cmpd="sng" algn="ctr">
+                      <a:solidFill>
+                        <a:srgbClr val="000000"/>
+                      </a:solidFill>
+                      <a:prstDash val="solid"/>
+                      <a:round/>
+                      <a:headEnd type="none" w="med" len="med"/>
+                      <a:tailEnd type="none" w="med" len="med"/>
+                    </a:lnR>
+                    <a:lnT w="12240" cap="flat" cmpd="sng" algn="ctr">
+                      <a:solidFill>
+                        <a:srgbClr val="000000"/>
+                      </a:solidFill>
+                      <a:prstDash val="solid"/>
+                      <a:round/>
+                      <a:headEnd type="none" w="med" len="med"/>
+                      <a:tailEnd type="none" w="med" len="med"/>
+                    </a:lnT>
+                    <a:lnB w="12240" cap="flat" cmpd="sng" algn="ctr">
+                      <a:solidFill>
+                        <a:srgbClr val="000000"/>
+                      </a:solidFill>
+                      <a:prstDash val="solid"/>
+                      <a:round/>
+                      <a:headEnd type="none" w="med" len="med"/>
+                      <a:tailEnd type="none" w="med" len="med"/>
+                    </a:lnB>
+                    <a:noFill/>
+                  </a:tcPr>
+                </a:tc>
+                <a:tc>
+                  <a:txBody>
+                    <a:bodyPr/>
+                    <a:lstStyle/>
+                    <a:p>
+                      <a:pPr>
+                        <a:lnSpc>
+                          <a:spcPct val="100000"/>
+                        </a:lnSpc>
+                      </a:pPr>
+                      <a:r>
+                        <a:rPr lang="ru-RU" sz="3000" b="0" strike="noStrike" spc="-1" dirty="0">
+                          <a:solidFill>
+                            <a:srgbClr val="000000"/>
+                          </a:solidFill>
+                          <a:uFill>
+                            <a:solidFill>
+                              <a:srgbClr val="FFFFFF"/>
+                            </a:solidFill>
+                          </a:uFill>
+                          <a:latin typeface="Calibri"/>
+                          <a:ea typeface="Calibri"/>
+                        </a:rPr>
+                        <a:t>15%</a:t>
+                      </a:r>
+                      <a:endParaRPr lang="ru-RU" sz="1800" b="0" strike="noStrike" spc="-1" dirty="0">
+                        <a:solidFill>
+                          <a:srgbClr val="000000"/>
+                        </a:solidFill>
+                        <a:uFill>
+                          <a:solidFill>
+                            <a:srgbClr val="FFFFFF"/>
+                          </a:solidFill>
+                        </a:uFill>
+                        <a:latin typeface="Arial"/>
+                      </a:endParaRPr>
+                    </a:p>
+                  </a:txBody>
+                  <a:tcPr marL="169920" marR="169920">
+                    <a:lnL w="12240" cap="flat" cmpd="sng" algn="ctr">
+                      <a:solidFill>
+                        <a:srgbClr val="000000"/>
+                      </a:solidFill>
+                      <a:prstDash val="solid"/>
+                      <a:round/>
+                      <a:headEnd type="none" w="med" len="med"/>
+                      <a:tailEnd type="none" w="med" len="med"/>
+                    </a:lnL>
+                    <a:lnR w="12240">
+                      <a:solidFill>
+                        <a:srgbClr val="000000"/>
+                      </a:solidFill>
+                    </a:lnR>
+                    <a:lnT w="12240" cap="flat" cmpd="sng" algn="ctr">
+                      <a:solidFill>
+                        <a:srgbClr val="000000"/>
+                      </a:solidFill>
+                      <a:prstDash val="solid"/>
+                      <a:round/>
+                      <a:headEnd type="none" w="med" len="med"/>
+                      <a:tailEnd type="none" w="med" len="med"/>
+                    </a:lnT>
+                    <a:lnB w="12240">
+                      <a:solidFill>
+                        <a:srgbClr val="000000"/>
+                      </a:solidFill>
+                    </a:lnB>
+                    <a:noFill/>
+                  </a:tcPr>
+                </a:tc>
+                <a:extLst>
+                  <a:ext uri="{0D108BD9-81ED-4DB2-BD59-A6C34878D82A}">
+                    <a16:rowId xmlns:a16="http://schemas.microsoft.com/office/drawing/2014/main" val="10005"/>
+                  </a:ext>
+                </a:extLst>
+              </a:tr>
+              <a:tr h="481829">
+                <a:tc>
+                  <a:txBody>
+                    <a:bodyPr/>
+                    <a:lstStyle/>
+                    <a:p>
+                      <a:pPr>
+                        <a:lnSpc>
+                          <a:spcPct val="100000"/>
+                        </a:lnSpc>
+                      </a:pPr>
+                      <a:r>
+                        <a:rPr lang="ru-RU" sz="3000" b="0" strike="noStrike" spc="-1">
+                          <a:solidFill>
+                            <a:srgbClr val="000000"/>
+                          </a:solidFill>
+                          <a:uFill>
+                            <a:solidFill>
+                              <a:srgbClr val="FFFFFF"/>
+                            </a:solidFill>
+                          </a:uFill>
+                          <a:latin typeface="Calibri"/>
+                          <a:ea typeface="Calibri"/>
+                        </a:rPr>
+                        <a:t>интервал между словами</a:t>
+                      </a:r>
+                      <a:endParaRPr lang="ru-RU" sz="1800" b="0" strike="noStrike" spc="-1">
+                        <a:solidFill>
+                          <a:srgbClr val="000000"/>
+                        </a:solidFill>
+                        <a:uFill>
+                          <a:solidFill>
+                            <a:srgbClr val="FFFFFF"/>
+                          </a:solidFill>
+                        </a:uFill>
+                        <a:latin typeface="Arial"/>
+                      </a:endParaRPr>
+                    </a:p>
+                  </a:txBody>
+                  <a:tcPr marL="169920" marR="169920">
+                    <a:lnL w="12240">
+                      <a:solidFill>
+                        <a:srgbClr val="000000"/>
+                      </a:solidFill>
+                    </a:lnL>
+                    <a:lnR w="12240">
+                      <a:solidFill>
+                        <a:srgbClr val="000000"/>
+                      </a:solidFill>
+                    </a:lnR>
+                    <a:lnT w="12240" cap="flat" cmpd="sng" algn="ctr">
+                      <a:solidFill>
+                        <a:srgbClr val="000000"/>
+                      </a:solidFill>
+                      <a:prstDash val="solid"/>
+                      <a:round/>
+                      <a:headEnd type="none" w="med" len="med"/>
+                      <a:tailEnd type="none" w="med" len="med"/>
+                    </a:lnT>
+                    <a:lnB w="12240" cap="flat" cmpd="sng" algn="ctr">
+                      <a:solidFill>
+                        <a:srgbClr val="000000"/>
+                      </a:solidFill>
+                      <a:prstDash val="solid"/>
+                      <a:round/>
+                      <a:headEnd type="none" w="med" len="med"/>
+                      <a:tailEnd type="none" w="med" len="med"/>
+                    </a:lnB>
+                    <a:noFill/>
+                  </a:tcPr>
+                </a:tc>
+                <a:tc>
+                  <a:txBody>
+                    <a:bodyPr/>
+                    <a:lstStyle/>
+                    <a:p>
+                      <a:pPr>
+                        <a:lnSpc>
+                          <a:spcPct val="100000"/>
+                        </a:lnSpc>
+                      </a:pPr>
+                      <a:r>
+                        <a:rPr lang="ru-RU" sz="3000" b="0" strike="noStrike" spc="-1" dirty="0">
+                          <a:solidFill>
+                            <a:srgbClr val="000000"/>
+                          </a:solidFill>
+                          <a:uFill>
+                            <a:solidFill>
+                              <a:srgbClr val="FFFFFF"/>
+                            </a:solidFill>
+                          </a:uFill>
+                          <a:latin typeface="Calibri"/>
+                          <a:ea typeface="Calibri"/>
+                        </a:rPr>
+                        <a:t>9%</a:t>
+                      </a:r>
+                      <a:endParaRPr lang="ru-RU" sz="1800" b="0" strike="noStrike" spc="-1" dirty="0">
+                        <a:solidFill>
+                          <a:srgbClr val="000000"/>
+                        </a:solidFill>
+                        <a:uFill>
+                          <a:solidFill>
+                            <a:srgbClr val="FFFFFF"/>
+                          </a:solidFill>
+                        </a:uFill>
+                        <a:latin typeface="Arial"/>
+                      </a:endParaRPr>
+                    </a:p>
+                  </a:txBody>
+                  <a:tcPr marL="169920" marR="169920">
+                    <a:lnL w="12240">
+                      <a:solidFill>
+                        <a:srgbClr val="000000"/>
+                      </a:solidFill>
+                    </a:lnL>
+                    <a:lnR w="12240">
+                      <a:solidFill>
+                        <a:srgbClr val="000000"/>
+                      </a:solidFill>
+                    </a:lnR>
+                    <a:lnT w="12240">
+                      <a:solidFill>
+                        <a:srgbClr val="000000"/>
+                      </a:solidFill>
+                    </a:lnT>
+                    <a:lnB w="12240">
+                      <a:solidFill>
+                        <a:srgbClr val="000000"/>
+                      </a:solidFill>
+                    </a:lnB>
+                    <a:noFill/>
+                  </a:tcPr>
+                </a:tc>
+                <a:extLst>
+                  <a:ext uri="{0D108BD9-81ED-4DB2-BD59-A6C34878D82A}">
+                    <a16:rowId xmlns:a16="http://schemas.microsoft.com/office/drawing/2014/main" val="10006"/>
+                  </a:ext>
+                </a:extLst>
+              </a:tr>
+              <a:tr h="481829">
+                <a:tc>
+                  <a:txBody>
+                    <a:bodyPr/>
+                    <a:lstStyle/>
+                    <a:p>
+                      <a:pPr>
+                        <a:lnSpc>
+                          <a:spcPct val="100000"/>
+                        </a:lnSpc>
+                      </a:pPr>
+                      <a:r>
+                        <a:rPr lang="ru-RU" sz="3000" b="0" strike="noStrike" spc="-1" dirty="0">
+                          <a:solidFill>
+                            <a:srgbClr val="000000"/>
+                          </a:solidFill>
+                          <a:uFill>
+                            <a:solidFill>
+                              <a:srgbClr val="FFFFFF"/>
+                            </a:solidFill>
+                          </a:uFill>
+                          <a:latin typeface="Calibri"/>
+                          <a:ea typeface="Calibri"/>
+                        </a:rPr>
+                        <a:t>интервал между строками</a:t>
+                      </a:r>
+                      <a:endParaRPr lang="ru-RU" sz="1800" b="0" strike="noStrike" spc="-1" dirty="0">
+                        <a:solidFill>
+                          <a:srgbClr val="000000"/>
+                        </a:solidFill>
+                        <a:uFill>
+                          <a:solidFill>
+                            <a:srgbClr val="FFFFFF"/>
+                          </a:solidFill>
+                        </a:uFill>
+                        <a:latin typeface="Arial"/>
+                      </a:endParaRPr>
+                    </a:p>
+                  </a:txBody>
+                  <a:tcPr marL="169920" marR="169920">
+                    <a:lnL w="12240">
+                      <a:solidFill>
+                        <a:srgbClr val="000000"/>
+                      </a:solidFill>
+                    </a:lnL>
+                    <a:lnR w="12240">
+                      <a:solidFill>
+                        <a:srgbClr val="000000"/>
+                      </a:solidFill>
+                    </a:lnR>
+                    <a:lnT w="12240" cap="flat" cmpd="sng" algn="ctr">
+                      <a:solidFill>
+                        <a:srgbClr val="000000"/>
+                      </a:solidFill>
+                      <a:prstDash val="solid"/>
+                      <a:round/>
+                      <a:headEnd type="none" w="med" len="med"/>
+                      <a:tailEnd type="none" w="med" len="med"/>
+                    </a:lnT>
+                    <a:lnB w="12240" cap="flat" cmpd="sng" algn="ctr">
+                      <a:solidFill>
+                        <a:srgbClr val="000000"/>
+                      </a:solidFill>
+                      <a:prstDash val="solid"/>
+                      <a:round/>
+                      <a:headEnd type="none" w="med" len="med"/>
+                      <a:tailEnd type="none" w="med" len="med"/>
+                    </a:lnB>
+                    <a:noFill/>
+                  </a:tcPr>
+                </a:tc>
+                <a:tc>
+                  <a:txBody>
+                    <a:bodyPr/>
+                    <a:lstStyle/>
+                    <a:p>
+                      <a:pPr>
+                        <a:lnSpc>
+                          <a:spcPct val="100000"/>
+                        </a:lnSpc>
+                      </a:pPr>
+                      <a:r>
+                        <a:rPr lang="ru-RU" sz="3000" b="0" strike="noStrike" spc="-1" dirty="0">
+                          <a:solidFill>
+                            <a:srgbClr val="000000"/>
+                          </a:solidFill>
+                          <a:uFill>
+                            <a:solidFill>
+                              <a:srgbClr val="FFFFFF"/>
+                            </a:solidFill>
+                          </a:uFill>
+                          <a:latin typeface="Calibri"/>
+                          <a:ea typeface="Calibri"/>
+                        </a:rPr>
+                        <a:t>8%</a:t>
+                      </a:r>
+                      <a:endParaRPr lang="ru-RU" sz="1800" b="0" strike="noStrike" spc="-1" dirty="0">
+                        <a:solidFill>
+                          <a:srgbClr val="000000"/>
+                        </a:solidFill>
+                        <a:uFill>
+                          <a:solidFill>
+                            <a:srgbClr val="FFFFFF"/>
+                          </a:solidFill>
+                        </a:uFill>
+                        <a:latin typeface="Arial"/>
+                      </a:endParaRPr>
+                    </a:p>
+                  </a:txBody>
+                  <a:tcPr marL="169920" marR="169920">
+                    <a:lnL w="12240">
+                      <a:solidFill>
+                        <a:srgbClr val="000000"/>
+                      </a:solidFill>
+                    </a:lnL>
+                    <a:lnR w="12240">
+                      <a:solidFill>
+                        <a:srgbClr val="000000"/>
+                      </a:solidFill>
+                    </a:lnR>
+                    <a:lnT w="12240">
+                      <a:solidFill>
+                        <a:srgbClr val="000000"/>
+                      </a:solidFill>
+                    </a:lnT>
+                    <a:lnB w="12240">
+                      <a:solidFill>
+                        <a:srgbClr val="000000"/>
+                      </a:solidFill>
+                    </a:lnB>
+                    <a:noFill/>
+                  </a:tcPr>
+                </a:tc>
+                <a:extLst>
+                  <a:ext uri="{0D108BD9-81ED-4DB2-BD59-A6C34878D82A}">
+                    <a16:rowId xmlns:a16="http://schemas.microsoft.com/office/drawing/2014/main" val="10007"/>
+                  </a:ext>
+                </a:extLst>
+              </a:tr>
+              <a:tr h="481829">
+                <a:tc>
+                  <a:txBody>
+                    <a:bodyPr/>
+                    <a:lstStyle/>
+                    <a:p>
+                      <a:pPr marL="0" algn="l" defTabSz="914400" rtl="0" eaLnBrk="1" latinLnBrk="0" hangingPunct="1">
+                        <a:lnSpc>
+                          <a:spcPct val="100000"/>
+                        </a:lnSpc>
+                      </a:pPr>
+                      <a:r>
+                        <a:rPr lang="ru-RU" sz="3000" b="0" strike="noStrike" kern="1200" spc="-1" dirty="0">
+                          <a:solidFill>
+                            <a:srgbClr val="000000"/>
+                          </a:solidFill>
+                          <a:uFill>
+                            <a:solidFill>
+                              <a:srgbClr val="FFFFFF"/>
+                            </a:solidFill>
+                          </a:uFill>
+                          <a:latin typeface="Calibri"/>
+                          <a:ea typeface="+mn-ea"/>
+                          <a:cs typeface="+mn-cs"/>
+                        </a:rPr>
+                        <a:t>длина по горизонтали </a:t>
+                      </a:r>
+                    </a:p>
+                  </a:txBody>
+                  <a:tcPr marL="169920" marR="169920">
+                    <a:lnL w="12240" cap="flat" cmpd="sng" algn="ctr">
+                      <a:solidFill>
+                        <a:srgbClr val="000000"/>
+                      </a:solidFill>
+                      <a:prstDash val="solid"/>
+                      <a:round/>
+                      <a:headEnd type="none" w="med" len="med"/>
+                      <a:tailEnd type="none" w="med" len="med"/>
+                    </a:lnL>
+                    <a:lnR w="12240" cap="flat" cmpd="sng" algn="ctr">
+                      <a:solidFill>
+                        <a:srgbClr val="000000"/>
+                      </a:solidFill>
+                      <a:prstDash val="solid"/>
+                      <a:round/>
+                      <a:headEnd type="none" w="med" len="med"/>
+                      <a:tailEnd type="none" w="med" len="med"/>
+                    </a:lnR>
+                    <a:lnT w="12240" cap="flat" cmpd="sng" algn="ctr">
+                      <a:solidFill>
+                        <a:srgbClr val="000000"/>
+                      </a:solidFill>
+                      <a:prstDash val="solid"/>
+                      <a:round/>
+                      <a:headEnd type="none" w="med" len="med"/>
+                      <a:tailEnd type="none" w="med" len="med"/>
+                    </a:lnT>
+                    <a:lnB w="12240" cap="flat" cmpd="sng" algn="ctr">
+                      <a:solidFill>
+                        <a:srgbClr val="000000"/>
+                      </a:solidFill>
+                      <a:prstDash val="solid"/>
+                      <a:round/>
+                      <a:headEnd type="none" w="med" len="med"/>
+                      <a:tailEnd type="none" w="med" len="med"/>
+                    </a:lnB>
+                    <a:noFill/>
+                  </a:tcPr>
+                </a:tc>
+                <a:tc>
+                  <a:txBody>
+                    <a:bodyPr/>
+                    <a:lstStyle/>
+                    <a:p>
+                      <a:pPr marL="0" algn="l" defTabSz="914400" rtl="0" eaLnBrk="1" latinLnBrk="0" hangingPunct="1">
+                        <a:lnSpc>
+                          <a:spcPct val="100000"/>
+                        </a:lnSpc>
+                      </a:pPr>
+                      <a:r>
+                        <a:rPr lang="ru-RU" sz="3000" b="0" strike="noStrike" kern="1200" spc="-1" dirty="0">
+                          <a:solidFill>
+                            <a:srgbClr val="000000"/>
+                          </a:solidFill>
+                          <a:uFill>
+                            <a:solidFill>
+                              <a:srgbClr val="FFFFFF"/>
+                            </a:solidFill>
+                          </a:uFill>
+                          <a:latin typeface="Calibri"/>
+                          <a:ea typeface="+mn-ea"/>
+                          <a:cs typeface="+mn-cs"/>
+                        </a:rPr>
+                        <a:t>9</a:t>
+                      </a:r>
+                      <a:r>
+                        <a:rPr lang="en-US" sz="3000" b="0" strike="noStrike" kern="1200" spc="-1" dirty="0">
+                          <a:solidFill>
+                            <a:srgbClr val="000000"/>
+                          </a:solidFill>
+                          <a:uFill>
+                            <a:solidFill>
+                              <a:srgbClr val="FFFFFF"/>
+                            </a:solidFill>
+                          </a:uFill>
+                          <a:latin typeface="Calibri"/>
+                          <a:ea typeface="+mn-ea"/>
+                          <a:cs typeface="+mn-cs"/>
+                        </a:rPr>
+                        <a:t>%</a:t>
+                      </a:r>
+                      <a:endParaRPr lang="ru-RU" sz="3000" b="0" strike="noStrike" kern="1200" spc="-1" dirty="0">
+                        <a:solidFill>
+                          <a:srgbClr val="000000"/>
+                        </a:solidFill>
+                        <a:uFill>
+                          <a:solidFill>
+                            <a:srgbClr val="FFFFFF"/>
+                          </a:solidFill>
+                        </a:uFill>
+                        <a:latin typeface="Calibri"/>
+                        <a:ea typeface="+mn-ea"/>
+                        <a:cs typeface="+mn-cs"/>
+                      </a:endParaRPr>
+                    </a:p>
+                  </a:txBody>
+                  <a:tcPr marL="169920" marR="169920">
+                    <a:lnL w="12240" cap="flat" cmpd="sng" algn="ctr">
+                      <a:solidFill>
+                        <a:srgbClr val="000000"/>
+                      </a:solidFill>
+                      <a:prstDash val="solid"/>
+                      <a:round/>
+                      <a:headEnd type="none" w="med" len="med"/>
+                      <a:tailEnd type="none" w="med" len="med"/>
+                    </a:lnL>
+                    <a:lnR w="12240">
+                      <a:solidFill>
+                        <a:srgbClr val="000000"/>
+                      </a:solidFill>
+                    </a:lnR>
+                    <a:lnT w="12240" cap="flat" cmpd="sng" algn="ctr">
+                      <a:solidFill>
+                        <a:srgbClr val="000000"/>
+                      </a:solidFill>
+                      <a:prstDash val="solid"/>
+                      <a:round/>
+                      <a:headEnd type="none" w="med" len="med"/>
+                      <a:tailEnd type="none" w="med" len="med"/>
+                    </a:lnT>
+                    <a:lnB w="12240">
+                      <a:solidFill>
+                        <a:srgbClr val="000000"/>
+                      </a:solidFill>
+                    </a:lnB>
+                    <a:noFill/>
+                  </a:tcPr>
+                </a:tc>
+                <a:extLst>
+                  <a:ext uri="{0D108BD9-81ED-4DB2-BD59-A6C34878D82A}">
+                    <a16:rowId xmlns:a16="http://schemas.microsoft.com/office/drawing/2014/main" val="3364249545"/>
+                  </a:ext>
+                </a:extLst>
+              </a:tr>
+              <a:tr h="481829">
+                <a:tc>
+                  <a:txBody>
+                    <a:bodyPr/>
+                    <a:lstStyle/>
+                    <a:p>
+                      <a:pPr marL="0" algn="l" defTabSz="914400" rtl="0" eaLnBrk="1" latinLnBrk="0" hangingPunct="1">
+                        <a:lnSpc>
+                          <a:spcPct val="100000"/>
+                        </a:lnSpc>
+                      </a:pPr>
+                      <a:r>
+                        <a:rPr lang="ru-RU" sz="3000" b="0" strike="noStrike" kern="1200" spc="-1" dirty="0">
+                          <a:solidFill>
+                            <a:srgbClr val="000000"/>
+                          </a:solidFill>
+                          <a:uFill>
+                            <a:solidFill>
+                              <a:srgbClr val="FFFFFF"/>
+                            </a:solidFill>
+                          </a:uFill>
+                          <a:latin typeface="Calibri"/>
+                          <a:ea typeface="+mn-ea"/>
+                          <a:cs typeface="+mn-cs"/>
+                        </a:rPr>
+                        <a:t>длина по вертикали</a:t>
+                      </a:r>
+                    </a:p>
+                  </a:txBody>
+                  <a:tcPr marL="169920" marR="169920">
+                    <a:lnL w="12240" cap="flat" cmpd="sng" algn="ctr">
+                      <a:solidFill>
+                        <a:srgbClr val="000000"/>
+                      </a:solidFill>
+                      <a:prstDash val="solid"/>
+                      <a:round/>
+                      <a:headEnd type="none" w="med" len="med"/>
+                      <a:tailEnd type="none" w="med" len="med"/>
+                    </a:lnL>
+                    <a:lnR w="12240" cap="flat" cmpd="sng" algn="ctr">
+                      <a:solidFill>
+                        <a:srgbClr val="000000"/>
+                      </a:solidFill>
+                      <a:prstDash val="solid"/>
+                      <a:round/>
+                      <a:headEnd type="none" w="med" len="med"/>
+                      <a:tailEnd type="none" w="med" len="med"/>
+                    </a:lnR>
+                    <a:lnT w="12240" cap="flat" cmpd="sng" algn="ctr">
+                      <a:solidFill>
+                        <a:srgbClr val="000000"/>
+                      </a:solidFill>
+                      <a:prstDash val="solid"/>
+                      <a:round/>
+                      <a:headEnd type="none" w="med" len="med"/>
+                      <a:tailEnd type="none" w="med" len="med"/>
+                    </a:lnT>
+                    <a:lnB w="12240" cap="flat" cmpd="sng" algn="ctr">
+                      <a:solidFill>
+                        <a:srgbClr val="000000"/>
+                      </a:solidFill>
+                      <a:prstDash val="solid"/>
+                      <a:round/>
+                      <a:headEnd type="none" w="med" len="med"/>
+                      <a:tailEnd type="none" w="med" len="med"/>
+                    </a:lnB>
+                    <a:noFill/>
+                  </a:tcPr>
+                </a:tc>
+                <a:tc>
+                  <a:txBody>
+                    <a:bodyPr/>
+                    <a:lstStyle/>
+                    <a:p>
+                      <a:pPr marL="0" algn="l" defTabSz="914400" rtl="0" eaLnBrk="1" latinLnBrk="0" hangingPunct="1">
+                        <a:lnSpc>
+                          <a:spcPct val="100000"/>
+                        </a:lnSpc>
+                      </a:pPr>
+                      <a:r>
+                        <a:rPr lang="ru-RU" sz="3000" b="0" strike="noStrike" kern="1200" spc="-1" dirty="0">
+                          <a:solidFill>
+                            <a:srgbClr val="000000"/>
+                          </a:solidFill>
+                          <a:uFill>
+                            <a:solidFill>
+                              <a:srgbClr val="FFFFFF"/>
+                            </a:solidFill>
+                          </a:uFill>
+                          <a:latin typeface="Calibri"/>
+                          <a:ea typeface="+mn-ea"/>
+                          <a:cs typeface="+mn-cs"/>
+                        </a:rPr>
+                        <a:t>7</a:t>
+                      </a:r>
+                      <a:r>
+                        <a:rPr lang="en-US" sz="3000" b="0" strike="noStrike" kern="1200" spc="-1" dirty="0">
+                          <a:solidFill>
+                            <a:srgbClr val="000000"/>
+                          </a:solidFill>
+                          <a:uFill>
+                            <a:solidFill>
+                              <a:srgbClr val="FFFFFF"/>
+                            </a:solidFill>
+                          </a:uFill>
+                          <a:latin typeface="Calibri"/>
+                          <a:ea typeface="+mn-ea"/>
+                          <a:cs typeface="+mn-cs"/>
+                        </a:rPr>
+                        <a:t>%</a:t>
+                      </a:r>
+                      <a:endParaRPr lang="ru-RU" sz="3000" b="0" strike="noStrike" kern="1200" spc="-1" dirty="0">
+                        <a:solidFill>
+                          <a:srgbClr val="000000"/>
+                        </a:solidFill>
+                        <a:uFill>
+                          <a:solidFill>
+                            <a:srgbClr val="FFFFFF"/>
+                          </a:solidFill>
+                        </a:uFill>
+                        <a:latin typeface="Calibri"/>
+                        <a:ea typeface="+mn-ea"/>
+                        <a:cs typeface="+mn-cs"/>
+                      </a:endParaRPr>
+                    </a:p>
+                  </a:txBody>
+                  <a:tcPr marL="169920" marR="169920">
+                    <a:lnL w="12240" cap="flat" cmpd="sng" algn="ctr">
+                      <a:solidFill>
+                        <a:srgbClr val="000000"/>
+                      </a:solidFill>
+                      <a:prstDash val="solid"/>
+                      <a:round/>
+                      <a:headEnd type="none" w="med" len="med"/>
+                      <a:tailEnd type="none" w="med" len="med"/>
+                    </a:lnL>
+                    <a:lnR w="12240">
+                      <a:solidFill>
+                        <a:srgbClr val="000000"/>
+                      </a:solidFill>
+                    </a:lnR>
+                    <a:lnT w="12240" cap="flat" cmpd="sng" algn="ctr">
+                      <a:solidFill>
+                        <a:srgbClr val="000000"/>
+                      </a:solidFill>
+                      <a:prstDash val="solid"/>
+                      <a:round/>
+                      <a:headEnd type="none" w="med" len="med"/>
+                      <a:tailEnd type="none" w="med" len="med"/>
+                    </a:lnT>
+                    <a:lnB w="12240">
+                      <a:solidFill>
+                        <a:srgbClr val="000000"/>
+                      </a:solidFill>
+                    </a:lnB>
+                    <a:noFill/>
+                  </a:tcPr>
+                </a:tc>
+                <a:extLst>
+                  <a:ext uri="{0D108BD9-81ED-4DB2-BD59-A6C34878D82A}">
+                    <a16:rowId xmlns:a16="http://schemas.microsoft.com/office/drawing/2014/main" val="3144541323"/>
+                  </a:ext>
+                </a:extLst>
+              </a:tr>
+              <a:tr h="481829">
+                <a:tc>
+                  <a:txBody>
+                    <a:bodyPr/>
+                    <a:lstStyle/>
+                    <a:p>
+                      <a:pPr marL="0" algn="l" defTabSz="914400" rtl="0" eaLnBrk="1" latinLnBrk="0" hangingPunct="1">
+                        <a:lnSpc>
+                          <a:spcPct val="100000"/>
+                        </a:lnSpc>
+                      </a:pPr>
+                      <a:r>
+                        <a:rPr lang="ru-RU" sz="3000" b="0" strike="noStrike" kern="1200" spc="-1" dirty="0">
+                          <a:solidFill>
+                            <a:srgbClr val="000000"/>
+                          </a:solidFill>
+                          <a:uFill>
+                            <a:solidFill>
+                              <a:srgbClr val="FFFFFF"/>
+                            </a:solidFill>
+                          </a:uFill>
+                          <a:latin typeface="Calibri"/>
+                          <a:ea typeface="+mn-ea"/>
+                          <a:cs typeface="+mn-cs"/>
+                        </a:rPr>
+                        <a:t>общая длина</a:t>
+                      </a:r>
+                    </a:p>
+                  </a:txBody>
+                  <a:tcPr marL="169920" marR="169920">
+                    <a:lnL w="12240" cap="flat" cmpd="sng" algn="ctr">
+                      <a:solidFill>
+                        <a:srgbClr val="000000"/>
+                      </a:solidFill>
+                      <a:prstDash val="solid"/>
+                      <a:round/>
+                      <a:headEnd type="none" w="med" len="med"/>
+                      <a:tailEnd type="none" w="med" len="med"/>
+                    </a:lnL>
+                    <a:lnR w="12240" cap="flat" cmpd="sng" algn="ctr">
+                      <a:solidFill>
+                        <a:srgbClr val="000000"/>
+                      </a:solidFill>
+                      <a:prstDash val="solid"/>
+                      <a:round/>
+                      <a:headEnd type="none" w="med" len="med"/>
+                      <a:tailEnd type="none" w="med" len="med"/>
+                    </a:lnR>
+                    <a:lnT w="12240" cap="flat" cmpd="sng" algn="ctr">
+                      <a:solidFill>
+                        <a:srgbClr val="000000"/>
+                      </a:solidFill>
+                      <a:prstDash val="solid"/>
+                      <a:round/>
+                      <a:headEnd type="none" w="med" len="med"/>
+                      <a:tailEnd type="none" w="med" len="med"/>
+                    </a:lnT>
+                    <a:lnB w="12240" cap="flat" cmpd="sng" algn="ctr">
+                      <a:solidFill>
+                        <a:srgbClr val="000000"/>
+                      </a:solidFill>
+                      <a:prstDash val="solid"/>
+                      <a:round/>
+                      <a:headEnd type="none" w="med" len="med"/>
+                      <a:tailEnd type="none" w="med" len="med"/>
+                    </a:lnB>
+                    <a:noFill/>
+                  </a:tcPr>
+                </a:tc>
+                <a:tc>
+                  <a:txBody>
+                    <a:bodyPr/>
+                    <a:lstStyle/>
+                    <a:p>
+                      <a:pPr marL="0" algn="l" defTabSz="914400" rtl="0" eaLnBrk="1" latinLnBrk="0" hangingPunct="1">
+                        <a:lnSpc>
+                          <a:spcPct val="100000"/>
+                        </a:lnSpc>
+                      </a:pPr>
+                      <a:r>
+                        <a:rPr lang="ru-RU" sz="3000" b="0" strike="noStrike" kern="1200" spc="-1" dirty="0">
+                          <a:solidFill>
+                            <a:srgbClr val="000000"/>
+                          </a:solidFill>
+                          <a:uFill>
+                            <a:solidFill>
+                              <a:srgbClr val="FFFFFF"/>
+                            </a:solidFill>
+                          </a:uFill>
+                          <a:latin typeface="Calibri"/>
+                          <a:ea typeface="+mn-ea"/>
+                          <a:cs typeface="+mn-cs"/>
+                        </a:rPr>
+                        <a:t>8</a:t>
+                      </a:r>
+                      <a:r>
+                        <a:rPr lang="en-US" sz="3000" b="0" strike="noStrike" kern="1200" spc="-1" dirty="0">
+                          <a:solidFill>
+                            <a:srgbClr val="000000"/>
+                          </a:solidFill>
+                          <a:uFill>
+                            <a:solidFill>
+                              <a:srgbClr val="FFFFFF"/>
+                            </a:solidFill>
+                          </a:uFill>
+                          <a:latin typeface="Calibri"/>
+                          <a:ea typeface="+mn-ea"/>
+                          <a:cs typeface="+mn-cs"/>
+                        </a:rPr>
+                        <a:t>%</a:t>
+                      </a:r>
+                      <a:endParaRPr lang="ru-RU" sz="3000" b="0" strike="noStrike" kern="1200" spc="-1" dirty="0">
+                        <a:solidFill>
+                          <a:srgbClr val="000000"/>
+                        </a:solidFill>
+                        <a:uFill>
+                          <a:solidFill>
+                            <a:srgbClr val="FFFFFF"/>
+                          </a:solidFill>
+                        </a:uFill>
+                        <a:latin typeface="Calibri"/>
+                        <a:ea typeface="+mn-ea"/>
+                        <a:cs typeface="+mn-cs"/>
+                      </a:endParaRPr>
+                    </a:p>
+                  </a:txBody>
+                  <a:tcPr marL="169920" marR="169920">
+                    <a:lnL w="12240" cap="flat" cmpd="sng" algn="ctr">
+                      <a:solidFill>
+                        <a:srgbClr val="000000"/>
+                      </a:solidFill>
+                      <a:prstDash val="solid"/>
+                      <a:round/>
+                      <a:headEnd type="none" w="med" len="med"/>
+                      <a:tailEnd type="none" w="med" len="med"/>
+                    </a:lnL>
+                    <a:lnR w="12240">
+                      <a:solidFill>
+                        <a:srgbClr val="000000"/>
+                      </a:solidFill>
+                    </a:lnR>
+                    <a:lnT w="12240" cap="flat" cmpd="sng" algn="ctr">
+                      <a:solidFill>
+                        <a:srgbClr val="000000"/>
+                      </a:solidFill>
+                      <a:prstDash val="solid"/>
+                      <a:round/>
+                      <a:headEnd type="none" w="med" len="med"/>
+                      <a:tailEnd type="none" w="med" len="med"/>
+                    </a:lnT>
+                    <a:lnB w="12240">
+                      <a:solidFill>
+                        <a:srgbClr val="000000"/>
+                      </a:solidFill>
+                    </a:lnB>
+                    <a:noFill/>
+                  </a:tcPr>
+                </a:tc>
+                <a:extLst>
+                  <a:ext uri="{0D108BD9-81ED-4DB2-BD59-A6C34878D82A}">
+                    <a16:rowId xmlns:a16="http://schemas.microsoft.com/office/drawing/2014/main" val="1389246900"/>
+                  </a:ext>
+                </a:extLst>
+              </a:tr>
+              <a:tr h="481829">
+                <a:tc>
+                  <a:txBody>
+                    <a:bodyPr/>
+                    <a:lstStyle/>
+                    <a:p>
+                      <a:pPr marL="0" algn="l" defTabSz="914400" rtl="0" eaLnBrk="1" latinLnBrk="0" hangingPunct="1">
+                        <a:lnSpc>
+                          <a:spcPct val="100000"/>
+                        </a:lnSpc>
+                      </a:pPr>
+                      <a:r>
+                        <a:rPr lang="ru-RU" sz="3000" b="0" strike="noStrike" kern="1200" spc="-1" dirty="0">
+                          <a:solidFill>
+                            <a:srgbClr val="000000"/>
+                          </a:solidFill>
+                          <a:uFill>
+                            <a:solidFill>
+                              <a:srgbClr val="FFFFFF"/>
+                            </a:solidFill>
+                          </a:uFill>
+                          <a:latin typeface="Calibri"/>
+                          <a:ea typeface="+mn-ea"/>
+                          <a:cs typeface="+mn-cs"/>
+                        </a:rPr>
+                        <a:t>длительность написания</a:t>
+                      </a:r>
+                    </a:p>
+                  </a:txBody>
+                  <a:tcPr marL="169920" marR="169920">
+                    <a:lnL w="12240" cap="flat" cmpd="sng" algn="ctr">
+                      <a:solidFill>
+                        <a:srgbClr val="000000"/>
+                      </a:solidFill>
+                      <a:prstDash val="solid"/>
+                      <a:round/>
+                      <a:headEnd type="none" w="med" len="med"/>
+                      <a:tailEnd type="none" w="med" len="med"/>
+                    </a:lnL>
+                    <a:lnR w="12240" cap="flat" cmpd="sng" algn="ctr">
+                      <a:solidFill>
+                        <a:srgbClr val="000000"/>
+                      </a:solidFill>
+                      <a:prstDash val="solid"/>
+                      <a:round/>
+                      <a:headEnd type="none" w="med" len="med"/>
+                      <a:tailEnd type="none" w="med" len="med"/>
+                    </a:lnR>
+                    <a:lnT w="12240" cap="flat" cmpd="sng" algn="ctr">
+                      <a:solidFill>
+                        <a:srgbClr val="000000"/>
+                      </a:solidFill>
+                      <a:prstDash val="solid"/>
+                      <a:round/>
+                      <a:headEnd type="none" w="med" len="med"/>
+                      <a:tailEnd type="none" w="med" len="med"/>
+                    </a:lnT>
+                    <a:lnB w="12240" cap="flat" cmpd="sng" algn="ctr">
+                      <a:solidFill>
+                        <a:srgbClr val="000000"/>
+                      </a:solidFill>
+                      <a:prstDash val="solid"/>
+                      <a:round/>
+                      <a:headEnd type="none" w="med" len="med"/>
+                      <a:tailEnd type="none" w="med" len="med"/>
+                    </a:lnB>
+                    <a:noFill/>
+                  </a:tcPr>
+                </a:tc>
+                <a:tc>
+                  <a:txBody>
+                    <a:bodyPr/>
+                    <a:lstStyle/>
+                    <a:p>
+                      <a:pPr marL="0" algn="l" defTabSz="914400" rtl="0" eaLnBrk="1" latinLnBrk="0" hangingPunct="1">
+                        <a:lnSpc>
+                          <a:spcPct val="100000"/>
+                        </a:lnSpc>
+                      </a:pPr>
+                      <a:r>
+                        <a:rPr lang="ru-RU" sz="3000" b="0" strike="noStrike" kern="1200" spc="-1" dirty="0">
+                          <a:solidFill>
+                            <a:srgbClr val="000000"/>
+                          </a:solidFill>
+                          <a:uFill>
+                            <a:solidFill>
+                              <a:srgbClr val="FFFFFF"/>
+                            </a:solidFill>
+                          </a:uFill>
+                          <a:latin typeface="Calibri"/>
+                          <a:ea typeface="+mn-ea"/>
+                          <a:cs typeface="+mn-cs"/>
+                        </a:rPr>
+                        <a:t>25</a:t>
+                      </a:r>
+                      <a:r>
+                        <a:rPr lang="en-US" sz="3000" b="0" strike="noStrike" kern="1200" spc="-1" dirty="0">
+                          <a:solidFill>
+                            <a:srgbClr val="000000"/>
+                          </a:solidFill>
+                          <a:uFill>
+                            <a:solidFill>
+                              <a:srgbClr val="FFFFFF"/>
+                            </a:solidFill>
+                          </a:uFill>
+                          <a:latin typeface="Calibri"/>
+                          <a:ea typeface="+mn-ea"/>
+                          <a:cs typeface="+mn-cs"/>
+                        </a:rPr>
+                        <a:t>%</a:t>
+                      </a:r>
+                      <a:endParaRPr lang="ru-RU" sz="3000" b="0" strike="noStrike" kern="1200" spc="-1" dirty="0">
+                        <a:solidFill>
+                          <a:srgbClr val="000000"/>
+                        </a:solidFill>
+                        <a:uFill>
+                          <a:solidFill>
+                            <a:srgbClr val="FFFFFF"/>
+                          </a:solidFill>
+                        </a:uFill>
+                        <a:latin typeface="Calibri"/>
+                        <a:ea typeface="+mn-ea"/>
+                        <a:cs typeface="+mn-cs"/>
+                      </a:endParaRPr>
+                    </a:p>
+                  </a:txBody>
+                  <a:tcPr marL="169920" marR="169920">
+                    <a:lnL w="12240" cap="flat" cmpd="sng" algn="ctr">
+                      <a:solidFill>
+                        <a:srgbClr val="000000"/>
+                      </a:solidFill>
+                      <a:prstDash val="solid"/>
+                      <a:round/>
+                      <a:headEnd type="none" w="med" len="med"/>
+                      <a:tailEnd type="none" w="med" len="med"/>
+                    </a:lnL>
+                    <a:lnR w="12240">
+                      <a:solidFill>
+                        <a:srgbClr val="000000"/>
+                      </a:solidFill>
+                    </a:lnR>
+                    <a:lnT w="12240" cap="flat" cmpd="sng" algn="ctr">
+                      <a:solidFill>
+                        <a:srgbClr val="000000"/>
+                      </a:solidFill>
+                      <a:prstDash val="solid"/>
+                      <a:round/>
+                      <a:headEnd type="none" w="med" len="med"/>
+                      <a:tailEnd type="none" w="med" len="med"/>
+                    </a:lnT>
+                    <a:lnB w="12240">
+                      <a:solidFill>
+                        <a:srgbClr val="000000"/>
+                      </a:solidFill>
+                    </a:lnB>
+                    <a:noFill/>
+                  </a:tcPr>
+                </a:tc>
+                <a:extLst>
+                  <a:ext uri="{0D108BD9-81ED-4DB2-BD59-A6C34878D82A}">
+                    <a16:rowId xmlns:a16="http://schemas.microsoft.com/office/drawing/2014/main" val="4233395322"/>
+                  </a:ext>
+                </a:extLst>
+              </a:tr>
+              <a:tr h="481829">
+                <a:tc>
+                  <a:txBody>
+                    <a:bodyPr/>
+                    <a:lstStyle/>
+                    <a:p>
+                      <a:pPr marL="0" algn="l" defTabSz="914400" rtl="0" eaLnBrk="1" latinLnBrk="0" hangingPunct="1">
+                        <a:lnSpc>
+                          <a:spcPct val="100000"/>
+                        </a:lnSpc>
+                      </a:pPr>
+                      <a:r>
+                        <a:rPr lang="ru-RU" sz="3000" b="0" strike="noStrike" kern="1200" spc="-1" dirty="0">
+                          <a:solidFill>
+                            <a:srgbClr val="000000"/>
+                          </a:solidFill>
+                          <a:uFill>
+                            <a:solidFill>
+                              <a:srgbClr val="FFFFFF"/>
+                            </a:solidFill>
+                          </a:uFill>
+                          <a:latin typeface="Calibri"/>
+                          <a:ea typeface="+mn-ea"/>
+                          <a:cs typeface="+mn-cs"/>
+                        </a:rPr>
+                        <a:t>максимальное ускорение</a:t>
+                      </a:r>
+                    </a:p>
+                  </a:txBody>
+                  <a:tcPr marL="169920" marR="169920">
+                    <a:lnL w="12240" cap="flat" cmpd="sng" algn="ctr">
+                      <a:solidFill>
+                        <a:srgbClr val="000000"/>
+                      </a:solidFill>
+                      <a:prstDash val="solid"/>
+                      <a:round/>
+                      <a:headEnd type="none" w="med" len="med"/>
+                      <a:tailEnd type="none" w="med" len="med"/>
+                    </a:lnL>
+                    <a:lnR w="12240" cap="flat" cmpd="sng" algn="ctr">
+                      <a:solidFill>
+                        <a:srgbClr val="000000"/>
+                      </a:solidFill>
+                      <a:prstDash val="solid"/>
+                      <a:round/>
+                      <a:headEnd type="none" w="med" len="med"/>
+                      <a:tailEnd type="none" w="med" len="med"/>
+                    </a:lnR>
+                    <a:lnT w="12240" cap="flat" cmpd="sng" algn="ctr">
+                      <a:solidFill>
+                        <a:srgbClr val="000000"/>
+                      </a:solidFill>
+                      <a:prstDash val="solid"/>
+                      <a:round/>
+                      <a:headEnd type="none" w="med" len="med"/>
+                      <a:tailEnd type="none" w="med" len="med"/>
+                    </a:lnT>
+                    <a:lnB w="12240" cap="flat" cmpd="sng" algn="ctr">
+                      <a:solidFill>
+                        <a:srgbClr val="000000"/>
+                      </a:solidFill>
+                      <a:prstDash val="solid"/>
+                      <a:round/>
+                      <a:headEnd type="none" w="med" len="med"/>
+                      <a:tailEnd type="none" w="med" len="med"/>
+                    </a:lnB>
+                    <a:noFill/>
+                  </a:tcPr>
+                </a:tc>
+                <a:tc>
+                  <a:txBody>
+                    <a:bodyPr/>
+                    <a:lstStyle/>
+                    <a:p>
+                      <a:pPr marL="0" algn="l" defTabSz="914400" rtl="0" eaLnBrk="1" latinLnBrk="0" hangingPunct="1">
+                        <a:lnSpc>
+                          <a:spcPct val="100000"/>
+                        </a:lnSpc>
+                      </a:pPr>
+                      <a:r>
+                        <a:rPr lang="en-US" sz="3000" b="0" strike="noStrike" kern="1200" spc="-1" dirty="0">
+                          <a:solidFill>
+                            <a:srgbClr val="000000"/>
+                          </a:solidFill>
+                          <a:uFill>
+                            <a:solidFill>
+                              <a:srgbClr val="FFFFFF"/>
+                            </a:solidFill>
+                          </a:uFill>
+                          <a:latin typeface="Calibri"/>
+                          <a:ea typeface="+mn-ea"/>
+                          <a:cs typeface="+mn-cs"/>
+                        </a:rPr>
+                        <a:t>15%</a:t>
+                      </a:r>
+                      <a:endParaRPr lang="ru-RU" sz="3000" b="0" strike="noStrike" kern="1200" spc="-1" dirty="0">
+                        <a:solidFill>
+                          <a:srgbClr val="000000"/>
+                        </a:solidFill>
+                        <a:uFill>
+                          <a:solidFill>
+                            <a:srgbClr val="FFFFFF"/>
+                          </a:solidFill>
+                        </a:uFill>
+                        <a:latin typeface="Calibri"/>
+                        <a:ea typeface="+mn-ea"/>
+                        <a:cs typeface="+mn-cs"/>
+                      </a:endParaRPr>
+                    </a:p>
+                  </a:txBody>
+                  <a:tcPr marL="169920" marR="169920">
+                    <a:lnL w="12240" cap="flat" cmpd="sng" algn="ctr">
+                      <a:solidFill>
+                        <a:srgbClr val="000000"/>
+                      </a:solidFill>
+                      <a:prstDash val="solid"/>
+                      <a:round/>
+                      <a:headEnd type="none" w="med" len="med"/>
+                      <a:tailEnd type="none" w="med" len="med"/>
+                    </a:lnL>
+                    <a:lnR w="12240">
+                      <a:solidFill>
+                        <a:srgbClr val="000000"/>
+                      </a:solidFill>
+                    </a:lnR>
+                    <a:lnT w="12240" cap="flat" cmpd="sng" algn="ctr">
+                      <a:solidFill>
+                        <a:srgbClr val="000000"/>
+                      </a:solidFill>
+                      <a:prstDash val="solid"/>
+                      <a:round/>
+                      <a:headEnd type="none" w="med" len="med"/>
+                      <a:tailEnd type="none" w="med" len="med"/>
+                    </a:lnT>
+                    <a:lnB w="12240">
+                      <a:solidFill>
+                        <a:srgbClr val="000000"/>
+                      </a:solidFill>
+                    </a:lnB>
+                    <a:noFill/>
+                  </a:tcPr>
+                </a:tc>
+                <a:extLst>
+                  <a:ext uri="{0D108BD9-81ED-4DB2-BD59-A6C34878D82A}">
+                    <a16:rowId xmlns:a16="http://schemas.microsoft.com/office/drawing/2014/main" val="500100841"/>
+                  </a:ext>
+                </a:extLst>
+              </a:tr>
+              <a:tr h="481829">
+                <a:tc>
+                  <a:txBody>
+                    <a:bodyPr/>
+                    <a:lstStyle/>
+                    <a:p>
+                      <a:pPr marL="0" algn="l" defTabSz="914400" rtl="0" eaLnBrk="1" latinLnBrk="0" hangingPunct="1">
+                        <a:lnSpc>
+                          <a:spcPct val="100000"/>
+                        </a:lnSpc>
+                      </a:pPr>
+                      <a:r>
+                        <a:rPr lang="ru-RU" sz="3000" b="0" strike="noStrike" kern="1200" spc="-1" dirty="0">
+                          <a:solidFill>
+                            <a:srgbClr val="000000"/>
+                          </a:solidFill>
+                          <a:uFill>
+                            <a:solidFill>
+                              <a:srgbClr val="FFFFFF"/>
+                            </a:solidFill>
+                          </a:uFill>
+                          <a:latin typeface="Calibri"/>
+                          <a:ea typeface="+mn-ea"/>
+                          <a:cs typeface="+mn-cs"/>
+                        </a:rPr>
+                        <a:t>минимальное ускорение</a:t>
+                      </a:r>
+                    </a:p>
+                  </a:txBody>
+                  <a:tcPr marL="169920" marR="169920">
+                    <a:lnL w="12240" cap="flat" cmpd="sng" algn="ctr">
+                      <a:solidFill>
+                        <a:srgbClr val="000000"/>
+                      </a:solidFill>
+                      <a:prstDash val="solid"/>
+                      <a:round/>
+                      <a:headEnd type="none" w="med" len="med"/>
+                      <a:tailEnd type="none" w="med" len="med"/>
+                    </a:lnL>
+                    <a:lnR w="12240" cap="flat" cmpd="sng" algn="ctr">
+                      <a:solidFill>
+                        <a:srgbClr val="000000"/>
+                      </a:solidFill>
+                      <a:prstDash val="solid"/>
+                      <a:round/>
+                      <a:headEnd type="none" w="med" len="med"/>
+                      <a:tailEnd type="none" w="med" len="med"/>
+                    </a:lnR>
+                    <a:lnT w="12240" cap="flat" cmpd="sng" algn="ctr">
+                      <a:solidFill>
+                        <a:srgbClr val="000000"/>
+                      </a:solidFill>
+                      <a:prstDash val="solid"/>
+                      <a:round/>
+                      <a:headEnd type="none" w="med" len="med"/>
+                      <a:tailEnd type="none" w="med" len="med"/>
+                    </a:lnT>
+                    <a:lnB w="12240" cap="flat" cmpd="sng" algn="ctr">
+                      <a:solidFill>
+                        <a:srgbClr val="000000"/>
+                      </a:solidFill>
+                      <a:prstDash val="solid"/>
+                      <a:round/>
+                      <a:headEnd type="none" w="med" len="med"/>
+                      <a:tailEnd type="none" w="med" len="med"/>
+                    </a:lnB>
+                    <a:noFill/>
+                  </a:tcPr>
+                </a:tc>
+                <a:tc>
+                  <a:txBody>
+                    <a:bodyPr/>
+                    <a:lstStyle/>
+                    <a:p>
+                      <a:pPr marL="0" algn="l" defTabSz="914400" rtl="0" eaLnBrk="1" latinLnBrk="0" hangingPunct="1">
+                        <a:lnSpc>
+                          <a:spcPct val="100000"/>
+                        </a:lnSpc>
+                      </a:pPr>
+                      <a:r>
+                        <a:rPr lang="ru-RU" sz="3000" b="0" strike="noStrike" kern="1200" spc="-1" dirty="0">
+                          <a:solidFill>
+                            <a:srgbClr val="000000"/>
+                          </a:solidFill>
+                          <a:uFill>
+                            <a:solidFill>
+                              <a:srgbClr val="FFFFFF"/>
+                            </a:solidFill>
+                          </a:uFill>
+                          <a:latin typeface="Calibri"/>
+                          <a:ea typeface="+mn-ea"/>
+                          <a:cs typeface="+mn-cs"/>
+                        </a:rPr>
+                        <a:t>3</a:t>
+                      </a:r>
+                      <a:r>
+                        <a:rPr lang="en-US" sz="3000" b="0" strike="noStrike" kern="1200" spc="-1" dirty="0">
+                          <a:solidFill>
+                            <a:srgbClr val="000000"/>
+                          </a:solidFill>
+                          <a:uFill>
+                            <a:solidFill>
+                              <a:srgbClr val="FFFFFF"/>
+                            </a:solidFill>
+                          </a:uFill>
+                          <a:latin typeface="Calibri"/>
+                          <a:ea typeface="+mn-ea"/>
+                          <a:cs typeface="+mn-cs"/>
+                        </a:rPr>
+                        <a:t>%</a:t>
+                      </a:r>
+                      <a:endParaRPr lang="ru-RU" sz="3000" b="0" strike="noStrike" kern="1200" spc="-1" dirty="0">
+                        <a:solidFill>
+                          <a:srgbClr val="000000"/>
+                        </a:solidFill>
+                        <a:uFill>
+                          <a:solidFill>
+                            <a:srgbClr val="FFFFFF"/>
+                          </a:solidFill>
+                        </a:uFill>
+                        <a:latin typeface="Calibri"/>
+                        <a:ea typeface="+mn-ea"/>
+                        <a:cs typeface="+mn-cs"/>
+                      </a:endParaRPr>
+                    </a:p>
+                  </a:txBody>
+                  <a:tcPr marL="169920" marR="169920">
+                    <a:lnL w="12240" cap="flat" cmpd="sng" algn="ctr">
+                      <a:solidFill>
+                        <a:srgbClr val="000000"/>
+                      </a:solidFill>
+                      <a:prstDash val="solid"/>
+                      <a:round/>
+                      <a:headEnd type="none" w="med" len="med"/>
+                      <a:tailEnd type="none" w="med" len="med"/>
+                    </a:lnL>
+                    <a:lnR w="12240">
+                      <a:solidFill>
+                        <a:srgbClr val="000000"/>
+                      </a:solidFill>
+                    </a:lnR>
+                    <a:lnT w="12240" cap="flat" cmpd="sng" algn="ctr">
+                      <a:solidFill>
+                        <a:srgbClr val="000000"/>
+                      </a:solidFill>
+                      <a:prstDash val="solid"/>
+                      <a:round/>
+                      <a:headEnd type="none" w="med" len="med"/>
+                      <a:tailEnd type="none" w="med" len="med"/>
+                    </a:lnT>
+                    <a:lnB w="12240">
+                      <a:solidFill>
+                        <a:srgbClr val="000000"/>
+                      </a:solidFill>
+                    </a:lnB>
+                    <a:noFill/>
+                  </a:tcPr>
+                </a:tc>
+                <a:extLst>
+                  <a:ext uri="{0D108BD9-81ED-4DB2-BD59-A6C34878D82A}">
+                    <a16:rowId xmlns:a16="http://schemas.microsoft.com/office/drawing/2014/main" val="3751560423"/>
+                  </a:ext>
+                </a:extLst>
+              </a:tr>
+              <a:tr h="481829">
+                <a:tc>
+                  <a:txBody>
+                    <a:bodyPr/>
+                    <a:lstStyle/>
+                    <a:p>
+                      <a:pPr>
+                        <a:lnSpc>
+                          <a:spcPct val="100000"/>
+                        </a:lnSpc>
+                      </a:pPr>
+                      <a:r>
+                        <a:rPr lang="ru-RU" sz="3000" b="0" strike="noStrike" spc="-1" dirty="0">
+                          <a:solidFill>
+                            <a:srgbClr val="000000"/>
+                          </a:solidFill>
+                          <a:uFill>
+                            <a:solidFill>
+                              <a:srgbClr val="FFFFFF"/>
+                            </a:solidFill>
+                          </a:uFill>
+                          <a:latin typeface="Calibri"/>
+                          <a:ea typeface="Calibri"/>
+                        </a:rPr>
+                        <a:t>длительность написания по вертикали</a:t>
+                      </a:r>
+                      <a:endParaRPr lang="ru-RU" sz="1800" b="0" strike="noStrike" spc="-1" dirty="0">
+                        <a:solidFill>
+                          <a:srgbClr val="000000"/>
+                        </a:solidFill>
+                        <a:uFill>
+                          <a:solidFill>
+                            <a:srgbClr val="FFFFFF"/>
+                          </a:solidFill>
+                        </a:uFill>
+                        <a:latin typeface="Arial"/>
+                      </a:endParaRPr>
+                    </a:p>
+                  </a:txBody>
+                  <a:tcPr marL="169920" marR="169920">
+                    <a:lnL w="12240">
+                      <a:solidFill>
+                        <a:srgbClr val="000000"/>
+                      </a:solidFill>
+                    </a:lnL>
+                    <a:lnR w="12240">
+                      <a:solidFill>
+                        <a:srgbClr val="000000"/>
+                      </a:solidFill>
+                    </a:lnR>
+                    <a:lnT w="12240" cap="flat" cmpd="sng" algn="ctr">
+                      <a:solidFill>
+                        <a:srgbClr val="000000"/>
+                      </a:solidFill>
+                      <a:prstDash val="solid"/>
+                      <a:round/>
+                      <a:headEnd type="none" w="med" len="med"/>
+                      <a:tailEnd type="none" w="med" len="med"/>
+                    </a:lnT>
+                    <a:lnB w="12240" cap="flat" cmpd="sng" algn="ctr">
+                      <a:solidFill>
+                        <a:srgbClr val="000000"/>
+                      </a:solidFill>
+                      <a:prstDash val="solid"/>
+                      <a:round/>
+                      <a:headEnd type="none" w="med" len="med"/>
+                      <a:tailEnd type="none" w="med" len="med"/>
+                    </a:lnB>
+                    <a:noFill/>
+                  </a:tcPr>
+                </a:tc>
+                <a:tc>
+                  <a:txBody>
+                    <a:bodyPr/>
+                    <a:lstStyle/>
+                    <a:p>
+                      <a:pPr>
+                        <a:lnSpc>
+                          <a:spcPct val="100000"/>
+                        </a:lnSpc>
+                      </a:pPr>
+                      <a:r>
+                        <a:rPr lang="en-US" sz="3000" b="0" strike="noStrike" spc="-1" dirty="0">
+                          <a:solidFill>
+                            <a:srgbClr val="000000"/>
+                          </a:solidFill>
+                          <a:uFill>
+                            <a:solidFill>
+                              <a:srgbClr val="FFFFFF"/>
+                            </a:solidFill>
+                          </a:uFill>
+                          <a:latin typeface="Calibri"/>
+                          <a:ea typeface="Calibri"/>
+                        </a:rPr>
+                        <a:t>17</a:t>
+                      </a:r>
+                      <a:r>
+                        <a:rPr lang="ru-RU" sz="3000" b="0" strike="noStrike" spc="-1" dirty="0">
+                          <a:solidFill>
+                            <a:srgbClr val="000000"/>
+                          </a:solidFill>
+                          <a:uFill>
+                            <a:solidFill>
+                              <a:srgbClr val="FFFFFF"/>
+                            </a:solidFill>
+                          </a:uFill>
+                          <a:latin typeface="Calibri"/>
+                          <a:ea typeface="Calibri"/>
+                        </a:rPr>
+                        <a:t>%</a:t>
+                      </a:r>
+                      <a:endParaRPr lang="ru-RU" sz="1800" b="0" strike="noStrike" spc="-1" dirty="0">
+                        <a:solidFill>
+                          <a:srgbClr val="000000"/>
+                        </a:solidFill>
+                        <a:uFill>
+                          <a:solidFill>
+                            <a:srgbClr val="FFFFFF"/>
+                          </a:solidFill>
+                        </a:uFill>
+                        <a:latin typeface="Arial"/>
+                      </a:endParaRPr>
+                    </a:p>
+                  </a:txBody>
+                  <a:tcPr marL="169920" marR="169920">
+                    <a:lnL w="12240">
+                      <a:solidFill>
+                        <a:srgbClr val="000000"/>
+                      </a:solidFill>
+                    </a:lnL>
+                    <a:lnR w="12240">
+                      <a:solidFill>
+                        <a:srgbClr val="000000"/>
+                      </a:solidFill>
+                    </a:lnR>
+                    <a:lnT w="12240">
+                      <a:solidFill>
+                        <a:srgbClr val="000000"/>
+                      </a:solidFill>
+                    </a:lnT>
+                    <a:lnB w="12240">
+                      <a:solidFill>
+                        <a:srgbClr val="000000"/>
+                      </a:solidFill>
+                    </a:lnB>
+                    <a:noFill/>
+                  </a:tcPr>
+                </a:tc>
+                <a:extLst>
+                  <a:ext uri="{0D108BD9-81ED-4DB2-BD59-A6C34878D82A}">
+                    <a16:rowId xmlns:a16="http://schemas.microsoft.com/office/drawing/2014/main" val="10008"/>
+                  </a:ext>
+                </a:extLst>
+              </a:tr>
+              <a:tr h="481829">
+                <a:tc>
+                  <a:txBody>
+                    <a:bodyPr/>
+                    <a:lstStyle/>
+                    <a:p>
+                      <a:pPr marL="0" algn="l" defTabSz="914400" rtl="0" eaLnBrk="1" latinLnBrk="0" hangingPunct="1">
+                        <a:lnSpc>
+                          <a:spcPct val="100000"/>
+                        </a:lnSpc>
+                      </a:pPr>
+                      <a:r>
+                        <a:rPr lang="ru-RU" sz="3000" b="0" strike="noStrike" kern="1200" spc="-1" dirty="0">
+                          <a:solidFill>
+                            <a:srgbClr val="000000"/>
+                          </a:solidFill>
+                          <a:uFill>
+                            <a:solidFill>
+                              <a:srgbClr val="FFFFFF"/>
+                            </a:solidFill>
+                          </a:uFill>
+                          <a:latin typeface="Calibri"/>
+                          <a:cs typeface="+mn-cs"/>
+                        </a:rPr>
+                        <a:t>длительность написания по горизонтали</a:t>
+                      </a:r>
+                    </a:p>
+                  </a:txBody>
+                  <a:tcPr marL="169920" marR="169920">
+                    <a:lnL w="12240">
+                      <a:solidFill>
+                        <a:srgbClr val="000000"/>
+                      </a:solidFill>
+                    </a:lnL>
+                    <a:lnR w="12240" cap="flat" cmpd="sng" algn="ctr">
+                      <a:solidFill>
+                        <a:srgbClr val="000000"/>
+                      </a:solidFill>
+                      <a:prstDash val="solid"/>
+                      <a:round/>
+                      <a:headEnd type="none" w="med" len="med"/>
+                      <a:tailEnd type="none" w="med" len="med"/>
+                    </a:lnR>
+                    <a:lnT w="12240" cap="flat" cmpd="sng" algn="ctr">
+                      <a:solidFill>
+                        <a:srgbClr val="000000"/>
+                      </a:solidFill>
+                      <a:prstDash val="solid"/>
+                      <a:round/>
+                      <a:headEnd type="none" w="med" len="med"/>
+                      <a:tailEnd type="none" w="med" len="med"/>
+                    </a:lnT>
+                    <a:lnB w="12240" cap="flat" cmpd="sng" algn="ctr">
+                      <a:solidFill>
+                        <a:srgbClr val="000000"/>
+                      </a:solidFill>
+                      <a:prstDash val="solid"/>
+                      <a:round/>
+                      <a:headEnd type="none" w="med" len="med"/>
+                      <a:tailEnd type="none" w="med" len="med"/>
+                    </a:lnB>
+                    <a:noFill/>
+                  </a:tcPr>
+                </a:tc>
+                <a:tc>
+                  <a:txBody>
+                    <a:bodyPr/>
+                    <a:lstStyle/>
+                    <a:p>
+                      <a:pPr marL="0" algn="l" defTabSz="914400" rtl="0" eaLnBrk="1" latinLnBrk="0" hangingPunct="1">
+                        <a:lnSpc>
+                          <a:spcPct val="100000"/>
+                        </a:lnSpc>
+                      </a:pPr>
+                      <a:r>
+                        <a:rPr lang="en-US" sz="3000" b="0" strike="noStrike" kern="1200" spc="-1" dirty="0">
+                          <a:solidFill>
+                            <a:srgbClr val="000000"/>
+                          </a:solidFill>
+                          <a:uFill>
+                            <a:solidFill>
+                              <a:srgbClr val="FFFFFF"/>
+                            </a:solidFill>
+                          </a:uFill>
+                          <a:latin typeface="Calibri"/>
+                          <a:cs typeface="+mn-cs"/>
+                        </a:rPr>
+                        <a:t>17%</a:t>
+                      </a:r>
+                      <a:endParaRPr lang="ru-RU" sz="3000" b="0" strike="noStrike" kern="1200" spc="-1" dirty="0">
+                        <a:solidFill>
+                          <a:srgbClr val="000000"/>
+                        </a:solidFill>
+                        <a:uFill>
+                          <a:solidFill>
+                            <a:srgbClr val="FFFFFF"/>
+                          </a:solidFill>
+                        </a:uFill>
+                        <a:latin typeface="Calibri"/>
+                        <a:cs typeface="+mn-cs"/>
+                      </a:endParaRPr>
+                    </a:p>
+                  </a:txBody>
+                  <a:tcPr marL="169920" marR="169920">
+                    <a:lnL w="12240" cap="flat" cmpd="sng" algn="ctr">
+                      <a:solidFill>
+                        <a:srgbClr val="000000"/>
+                      </a:solidFill>
+                      <a:prstDash val="solid"/>
+                      <a:round/>
+                      <a:headEnd type="none" w="med" len="med"/>
+                      <a:tailEnd type="none" w="med" len="med"/>
+                    </a:lnL>
+                    <a:lnR w="12240">
+                      <a:solidFill>
+                        <a:srgbClr val="000000"/>
+                      </a:solidFill>
+                    </a:lnR>
+                    <a:lnT w="12240" cap="flat" cmpd="sng" algn="ctr">
+                      <a:solidFill>
+                        <a:srgbClr val="000000"/>
+                      </a:solidFill>
+                      <a:prstDash val="solid"/>
+                      <a:round/>
+                      <a:headEnd type="none" w="med" len="med"/>
+                      <a:tailEnd type="none" w="med" len="med"/>
+                    </a:lnT>
+                    <a:lnB w="12240">
+                      <a:solidFill>
+                        <a:srgbClr val="000000"/>
+                      </a:solidFill>
+                    </a:lnB>
+                    <a:noFill/>
+                  </a:tcPr>
+                </a:tc>
+                <a:extLst>
+                  <a:ext uri="{0D108BD9-81ED-4DB2-BD59-A6C34878D82A}">
+                    <a16:rowId xmlns:a16="http://schemas.microsoft.com/office/drawing/2014/main" val="1224255110"/>
+                  </a:ext>
+                </a:extLst>
+              </a:tr>
+              <a:tr h="481829">
+                <a:tc>
+                  <a:txBody>
+                    <a:bodyPr/>
+                    <a:lstStyle/>
+                    <a:p>
+                      <a:pPr marL="0" marR="0" lvl="0" indent="0" algn="l" defTabSz="914400" rtl="0" eaLnBrk="1" fontAlgn="auto" latinLnBrk="0" hangingPunct="1">
+                        <a:lnSpc>
+                          <a:spcPct val="100000"/>
+                        </a:lnSpc>
+                        <a:spcBef>
+                          <a:spcPts val="0"/>
+                        </a:spcBef>
+                        <a:spcAft>
+                          <a:spcPts val="0"/>
+                        </a:spcAft>
+                        <a:buClrTx/>
+                        <a:buSzTx/>
+                        <a:buFontTx/>
+                        <a:buNone/>
+                        <a:tabLst/>
+                        <a:defRPr/>
+                      </a:pPr>
+                      <a:r>
+                        <a:rPr lang="ru-RU" sz="3000" b="0" strike="noStrike" spc="-1" dirty="0">
+                          <a:solidFill>
+                            <a:srgbClr val="000000"/>
+                          </a:solidFill>
+                          <a:uFill>
+                            <a:solidFill>
+                              <a:srgbClr val="FFFFFF"/>
+                            </a:solidFill>
+                          </a:uFill>
+                          <a:latin typeface="Calibri"/>
+                        </a:rPr>
+                        <a:t>количество линий</a:t>
+                      </a:r>
+                      <a:endParaRPr lang="ru-RU" sz="1800" b="0" strike="noStrike" spc="-1" dirty="0">
+                        <a:solidFill>
+                          <a:srgbClr val="000000"/>
+                        </a:solidFill>
+                        <a:uFill>
+                          <a:solidFill>
+                            <a:srgbClr val="FFFFFF"/>
+                          </a:solidFill>
+                        </a:uFill>
+                        <a:latin typeface="+mn-lt"/>
+                      </a:endParaRPr>
+                    </a:p>
+                  </a:txBody>
+                  <a:tcPr marL="169920" marR="169920">
+                    <a:lnL w="12240">
+                      <a:solidFill>
+                        <a:srgbClr val="000000"/>
+                      </a:solidFill>
+                    </a:lnL>
+                    <a:lnR w="12240">
+                      <a:solidFill>
+                        <a:srgbClr val="000000"/>
+                      </a:solidFill>
+                    </a:lnR>
+                    <a:lnT w="12240" cap="flat" cmpd="sng" algn="ctr">
+                      <a:solidFill>
+                        <a:srgbClr val="000000"/>
+                      </a:solidFill>
+                      <a:prstDash val="solid"/>
+                      <a:round/>
+                      <a:headEnd type="none" w="med" len="med"/>
+                      <a:tailEnd type="none" w="med" len="med"/>
+                    </a:lnT>
+                    <a:lnB w="12240" cap="flat" cmpd="sng" algn="ctr">
+                      <a:solidFill>
+                        <a:srgbClr val="000000"/>
+                      </a:solidFill>
+                      <a:prstDash val="solid"/>
+                      <a:round/>
+                      <a:headEnd type="none" w="med" len="med"/>
+                      <a:tailEnd type="none" w="med" len="med"/>
+                    </a:lnB>
+                    <a:noFill/>
+                  </a:tcPr>
+                </a:tc>
+                <a:tc>
+                  <a:txBody>
+                    <a:bodyPr/>
+                    <a:lstStyle/>
+                    <a:p>
+                      <a:pPr>
+                        <a:lnSpc>
+                          <a:spcPct val="100000"/>
+                        </a:lnSpc>
+                      </a:pPr>
+                      <a:r>
+                        <a:rPr lang="en-US" sz="3000" b="0" strike="noStrike" spc="-1" dirty="0">
+                          <a:solidFill>
+                            <a:srgbClr val="000000"/>
+                          </a:solidFill>
+                          <a:uFill>
+                            <a:solidFill>
+                              <a:srgbClr val="FFFFFF"/>
+                            </a:solidFill>
+                          </a:uFill>
+                          <a:latin typeface="Calibri"/>
+                          <a:ea typeface="Calibri"/>
+                        </a:rPr>
+                        <a:t>1</a:t>
+                      </a:r>
+                      <a:r>
+                        <a:rPr lang="ru-RU" sz="3000" b="0" strike="noStrike" spc="-1" dirty="0">
+                          <a:solidFill>
+                            <a:srgbClr val="000000"/>
+                          </a:solidFill>
+                          <a:uFill>
+                            <a:solidFill>
+                              <a:srgbClr val="FFFFFF"/>
+                            </a:solidFill>
+                          </a:uFill>
+                          <a:latin typeface="Calibri"/>
+                          <a:ea typeface="Calibri"/>
+                        </a:rPr>
+                        <a:t>%</a:t>
+                      </a:r>
+                      <a:endParaRPr lang="ru-RU" sz="1800" b="0" strike="noStrike" spc="-1" dirty="0">
+                        <a:solidFill>
+                          <a:srgbClr val="000000"/>
+                        </a:solidFill>
+                        <a:uFill>
+                          <a:solidFill>
+                            <a:srgbClr val="FFFFFF"/>
+                          </a:solidFill>
+                        </a:uFill>
+                        <a:latin typeface="Arial"/>
+                      </a:endParaRPr>
+                    </a:p>
+                  </a:txBody>
+                  <a:tcPr marL="169920" marR="169920">
+                    <a:lnL w="12240">
+                      <a:solidFill>
+                        <a:srgbClr val="000000"/>
+                      </a:solidFill>
+                    </a:lnL>
+                    <a:lnR w="12240">
+                      <a:solidFill>
+                        <a:srgbClr val="000000"/>
+                      </a:solidFill>
+                    </a:lnR>
+                    <a:lnT w="12240">
+                      <a:solidFill>
+                        <a:srgbClr val="000000"/>
+                      </a:solidFill>
+                    </a:lnT>
+                    <a:lnB w="12240">
+                      <a:solidFill>
+                        <a:srgbClr val="000000"/>
+                      </a:solidFill>
+                    </a:lnB>
+                    <a:noFill/>
+                  </a:tcPr>
+                </a:tc>
+                <a:extLst>
+                  <a:ext uri="{0D108BD9-81ED-4DB2-BD59-A6C34878D82A}">
+                    <a16:rowId xmlns:a16="http://schemas.microsoft.com/office/drawing/2014/main" val="10009"/>
+                  </a:ext>
+                </a:extLst>
+              </a:tr>
+              <a:tr h="481829">
+                <a:tc>
+                  <a:txBody>
+                    <a:bodyPr/>
+                    <a:lstStyle/>
+                    <a:p>
+                      <a:pPr marL="0" marR="0" lvl="0" indent="0" algn="l" defTabSz="914400" rtl="0" eaLnBrk="1" fontAlgn="auto" latinLnBrk="0" hangingPunct="1">
+                        <a:lnSpc>
+                          <a:spcPct val="100000"/>
+                        </a:lnSpc>
+                        <a:spcBef>
+                          <a:spcPts val="0"/>
+                        </a:spcBef>
+                        <a:spcAft>
+                          <a:spcPts val="0"/>
+                        </a:spcAft>
+                        <a:buClrTx/>
+                        <a:buSzTx/>
+                        <a:buFontTx/>
+                        <a:buNone/>
+                        <a:tabLst/>
+                        <a:defRPr/>
+                      </a:pPr>
+                      <a:r>
+                        <a:rPr lang="ru-RU" sz="3000" b="0" strike="noStrike" kern="1200" spc="-1" dirty="0">
+                          <a:solidFill>
+                            <a:srgbClr val="000000"/>
+                          </a:solidFill>
+                          <a:uFill>
+                            <a:solidFill>
+                              <a:srgbClr val="FFFFFF"/>
+                            </a:solidFill>
+                          </a:uFill>
+                          <a:latin typeface="Calibri"/>
+                          <a:ea typeface="+mn-ea"/>
+                          <a:cs typeface="+mn-cs"/>
+                        </a:rPr>
+                        <a:t>частота текста</a:t>
+                      </a:r>
+                    </a:p>
+                  </a:txBody>
+                  <a:tcPr marL="169920" marR="169920">
+                    <a:lnL w="12240">
+                      <a:solidFill>
+                        <a:srgbClr val="000000"/>
+                      </a:solidFill>
+                    </a:lnL>
+                    <a:lnR w="12240">
+                      <a:solidFill>
+                        <a:srgbClr val="000000"/>
+                      </a:solidFill>
+                    </a:lnR>
+                    <a:lnT w="12240" cap="flat" cmpd="sng" algn="ctr">
+                      <a:solidFill>
+                        <a:srgbClr val="000000"/>
+                      </a:solidFill>
+                      <a:prstDash val="solid"/>
+                      <a:round/>
+                      <a:headEnd type="none" w="med" len="med"/>
+                      <a:tailEnd type="none" w="med" len="med"/>
+                    </a:lnT>
+                    <a:lnB w="12240" cap="flat" cmpd="sng" algn="ctr">
+                      <a:solidFill>
+                        <a:srgbClr val="000000"/>
+                      </a:solidFill>
+                      <a:prstDash val="solid"/>
+                      <a:round/>
+                      <a:headEnd type="none" w="med" len="med"/>
+                      <a:tailEnd type="none" w="med" len="med"/>
+                    </a:lnB>
+                    <a:noFill/>
+                  </a:tcPr>
+                </a:tc>
+                <a:tc>
+                  <a:txBody>
+                    <a:bodyPr/>
+                    <a:lstStyle/>
+                    <a:p>
+                      <a:pPr>
+                        <a:lnSpc>
+                          <a:spcPct val="100000"/>
+                        </a:lnSpc>
+                      </a:pPr>
+                      <a:r>
+                        <a:rPr lang="en-US" sz="3000" b="0" strike="noStrike" spc="-1" dirty="0">
+                          <a:solidFill>
+                            <a:srgbClr val="000000"/>
+                          </a:solidFill>
+                          <a:uFill>
+                            <a:solidFill>
+                              <a:srgbClr val="FFFFFF"/>
+                            </a:solidFill>
+                          </a:uFill>
+                          <a:latin typeface="Calibri"/>
+                          <a:ea typeface="Calibri"/>
+                        </a:rPr>
+                        <a:t>5</a:t>
+                      </a:r>
+                      <a:r>
+                        <a:rPr lang="ru-RU" sz="3000" b="0" strike="noStrike" spc="-1" dirty="0">
+                          <a:solidFill>
+                            <a:srgbClr val="000000"/>
+                          </a:solidFill>
+                          <a:uFill>
+                            <a:solidFill>
+                              <a:srgbClr val="FFFFFF"/>
+                            </a:solidFill>
+                          </a:uFill>
+                          <a:latin typeface="Calibri"/>
+                          <a:ea typeface="Calibri"/>
+                        </a:rPr>
+                        <a:t>%</a:t>
+                      </a:r>
+                      <a:endParaRPr lang="ru-RU" sz="1800" b="0" strike="noStrike" spc="-1" dirty="0">
+                        <a:solidFill>
+                          <a:srgbClr val="000000"/>
+                        </a:solidFill>
+                        <a:uFill>
+                          <a:solidFill>
+                            <a:srgbClr val="FFFFFF"/>
+                          </a:solidFill>
+                        </a:uFill>
+                        <a:latin typeface="Arial"/>
+                      </a:endParaRPr>
+                    </a:p>
+                  </a:txBody>
+                  <a:tcPr marL="169920" marR="169920">
+                    <a:lnL w="12240">
+                      <a:solidFill>
+                        <a:srgbClr val="000000"/>
+                      </a:solidFill>
+                    </a:lnL>
+                    <a:lnR w="12240">
+                      <a:solidFill>
+                        <a:srgbClr val="000000"/>
+                      </a:solidFill>
+                    </a:lnR>
+                    <a:lnT w="12240">
+                      <a:solidFill>
+                        <a:srgbClr val="000000"/>
+                      </a:solidFill>
+                    </a:lnT>
+                    <a:lnB w="12240" cap="flat" cmpd="sng" algn="ctr">
+                      <a:solidFill>
+                        <a:srgbClr val="000000"/>
+                      </a:solidFill>
+                      <a:prstDash val="solid"/>
+                      <a:round/>
+                      <a:headEnd type="none" w="med" len="med"/>
+                      <a:tailEnd type="none" w="med" len="med"/>
+                    </a:lnB>
+                    <a:noFill/>
+                  </a:tcPr>
+                </a:tc>
+                <a:extLst>
+                  <a:ext uri="{0D108BD9-81ED-4DB2-BD59-A6C34878D82A}">
+                    <a16:rowId xmlns:a16="http://schemas.microsoft.com/office/drawing/2014/main" val="10010"/>
+                  </a:ext>
+                </a:extLst>
+              </a:tr>
+              <a:tr h="481829">
+                <a:tc>
+                  <a:txBody>
+                    <a:bodyPr/>
+                    <a:lstStyle/>
+                    <a:p>
+                      <a:pPr marL="0" algn="l" defTabSz="914400" rtl="0" eaLnBrk="1" latinLnBrk="0" hangingPunct="1">
+                        <a:lnSpc>
+                          <a:spcPct val="100000"/>
+                        </a:lnSpc>
+                      </a:pPr>
+                      <a:r>
+                        <a:rPr lang="ru-RU" sz="3000" b="0" strike="noStrike" kern="1200" spc="-1" dirty="0">
+                          <a:solidFill>
+                            <a:srgbClr val="000000"/>
+                          </a:solidFill>
+                          <a:uFill>
+                            <a:solidFill>
+                              <a:srgbClr val="FFFFFF"/>
+                            </a:solidFill>
+                          </a:uFill>
+                          <a:latin typeface="Calibri"/>
+                          <a:ea typeface="+mn-ea"/>
+                          <a:cs typeface="+mn-cs"/>
+                        </a:rPr>
+                        <a:t>площадь</a:t>
+                      </a:r>
+                    </a:p>
+                  </a:txBody>
+                  <a:tcPr marL="169920" marR="169920">
+                    <a:lnL w="12240" cap="flat" cmpd="sng" algn="ctr">
+                      <a:solidFill>
+                        <a:srgbClr val="000000"/>
+                      </a:solidFill>
+                      <a:prstDash val="solid"/>
+                      <a:round/>
+                      <a:headEnd type="none" w="med" len="med"/>
+                      <a:tailEnd type="none" w="med" len="med"/>
+                    </a:lnL>
+                    <a:lnR w="12240" cap="flat" cmpd="sng" algn="ctr">
+                      <a:solidFill>
+                        <a:srgbClr val="000000"/>
+                      </a:solidFill>
+                      <a:prstDash val="solid"/>
+                      <a:round/>
+                      <a:headEnd type="none" w="med" len="med"/>
+                      <a:tailEnd type="none" w="med" len="med"/>
+                    </a:lnR>
+                    <a:lnT w="12240" cap="flat" cmpd="sng" algn="ctr">
+                      <a:solidFill>
+                        <a:srgbClr val="000000"/>
+                      </a:solidFill>
+                      <a:prstDash val="solid"/>
+                      <a:round/>
+                      <a:headEnd type="none" w="med" len="med"/>
+                      <a:tailEnd type="none" w="med" len="med"/>
+                    </a:lnT>
+                    <a:lnB w="12240">
+                      <a:solidFill>
+                        <a:srgbClr val="000000"/>
+                      </a:solidFill>
+                    </a:lnB>
+                    <a:noFill/>
+                  </a:tcPr>
+                </a:tc>
+                <a:tc>
+                  <a:txBody>
+                    <a:bodyPr/>
+                    <a:lstStyle/>
+                    <a:p>
+                      <a:pPr marL="0" algn="l" defTabSz="914400" rtl="0" eaLnBrk="1" latinLnBrk="0" hangingPunct="1">
+                        <a:lnSpc>
+                          <a:spcPct val="100000"/>
+                        </a:lnSpc>
+                      </a:pPr>
+                      <a:r>
+                        <a:rPr lang="ru-RU" sz="3000" b="0" strike="noStrike" kern="1200" spc="-1" dirty="0">
+                          <a:solidFill>
+                            <a:srgbClr val="000000"/>
+                          </a:solidFill>
+                          <a:uFill>
+                            <a:solidFill>
+                              <a:srgbClr val="FFFFFF"/>
+                            </a:solidFill>
+                          </a:uFill>
+                          <a:latin typeface="Calibri"/>
+                          <a:ea typeface="+mn-ea"/>
+                          <a:cs typeface="+mn-cs"/>
+                        </a:rPr>
+                        <a:t>9</a:t>
+                      </a:r>
+                      <a:r>
+                        <a:rPr lang="en-US" sz="3000" b="0" strike="noStrike" kern="1200" spc="-1" dirty="0">
+                          <a:solidFill>
+                            <a:srgbClr val="000000"/>
+                          </a:solidFill>
+                          <a:uFill>
+                            <a:solidFill>
+                              <a:srgbClr val="FFFFFF"/>
+                            </a:solidFill>
+                          </a:uFill>
+                          <a:latin typeface="Calibri"/>
+                          <a:ea typeface="+mn-ea"/>
+                          <a:cs typeface="+mn-cs"/>
+                        </a:rPr>
+                        <a:t>%</a:t>
+                      </a:r>
+                      <a:endParaRPr lang="ru-RU" sz="3000" b="0" strike="noStrike" kern="1200" spc="-1" dirty="0">
+                        <a:solidFill>
+                          <a:srgbClr val="000000"/>
+                        </a:solidFill>
+                        <a:uFill>
+                          <a:solidFill>
+                            <a:srgbClr val="FFFFFF"/>
+                          </a:solidFill>
+                        </a:uFill>
+                        <a:latin typeface="Calibri"/>
+                        <a:ea typeface="+mn-ea"/>
+                        <a:cs typeface="+mn-cs"/>
+                      </a:endParaRPr>
+                    </a:p>
+                  </a:txBody>
+                  <a:tcPr marL="169920" marR="169920">
+                    <a:lnL w="12240" cap="flat" cmpd="sng" algn="ctr">
+                      <a:solidFill>
+                        <a:srgbClr val="000000"/>
+                      </a:solidFill>
+                      <a:prstDash val="solid"/>
+                      <a:round/>
+                      <a:headEnd type="none" w="med" len="med"/>
+                      <a:tailEnd type="none" w="med" len="med"/>
+                    </a:lnL>
+                    <a:lnR w="12240">
+                      <a:solidFill>
+                        <a:srgbClr val="000000"/>
+                      </a:solidFill>
+                    </a:lnR>
+                    <a:lnT w="12240">
+                      <a:solidFill>
+                        <a:srgbClr val="000000"/>
+                      </a:solidFill>
+                    </a:lnT>
+                    <a:lnB w="12240">
+                      <a:solidFill>
+                        <a:srgbClr val="000000"/>
+                      </a:solidFill>
+                    </a:lnB>
+                    <a:noFill/>
+                  </a:tcPr>
+                </a:tc>
+                <a:extLst>
+                  <a:ext uri="{0D108BD9-81ED-4DB2-BD59-A6C34878D82A}">
+                    <a16:rowId xmlns:a16="http://schemas.microsoft.com/office/drawing/2014/main" val="2597718633"/>
+                  </a:ext>
+                </a:extLst>
+              </a:tr>
+            </a:tbl>
+          </a:graphicData>
+        </a:graphic>
+      </p:graphicFrame>
+    </p:spTree>
+    <p:extLst>
+      <p:ext uri="{BB962C8B-B14F-4D97-AF65-F5344CB8AC3E}">
+        <p14:creationId xmlns:p14="http://schemas.microsoft.com/office/powerpoint/2010/main" val="2810799391"/>
+      </p:ext>
+    </p:extLst>
+  </p:cSld>
+  <p:clrMapOvr>
+    <a:masterClrMapping/>
+  </p:clrMapOvr>
+  <p:timing>
+    <p:tnLst>
+      <p:par>
+        <p:cTn id="1" dur="indefinite" restart="never" nodeType="tmRoot">
+          <p:childTnLst>
+            <p:seq>
+              <p:cTn id="2" nodeType="mainSeq"/>
+              <p:prevCondLst>
+                <p:cond evt="onPrev" delay="0">
+                  <p:tgtEl>
+                    <p:sldTgt/>
+                  </p:tgtEl>
+                </p:cond>
+              </p:prevCondLst>
+              <p:nextCondLst>
+                <p:cond evt="onNext" delay="0">
                   <p:tgtEl>
                     <p:sldTgt/>
                   </p:tgtEl>
@@ -4531,5 +11257,7 @@
       </a:bgFillStyleLst>
     </a:fmtScheme>
   </a:themeElements>
+  <a:objectDefaults/>
+  <a:extraClrSchemeLst/>
 </a:theme>
 </file>